--- a/textbook/파이썬3-4교시.pptx
+++ b/textbook/파이썬3-4교시.pptx
@@ -3669,10 +3669,6 @@
               <a:rPr lang="ko-KR" altLang="en-US" dirty="0" err="1"/>
               <a:t>와이즈만</a:t>
             </a:r>
-            <a:r>
-              <a:rPr lang="en-US" altLang="ko-KR" dirty="0"/>
-              <a:t/>
-            </a:r>
             <a:br>
               <a:rPr lang="en-US" altLang="ko-KR" dirty="0"/>
             </a:br>
@@ -3685,10 +3681,9 @@
               <a:t> </a:t>
             </a:r>
             <a:r>
-              <a:rPr lang="en-US" altLang="ko-KR" dirty="0" smtClean="0"/>
+              <a:rPr lang="en-US" altLang="ko-KR" dirty="0"/>
               <a:t>3-4</a:t>
             </a:r>
-            <a:endParaRPr lang="en-US" altLang="ko-KR" dirty="0"/>
           </a:p>
         </p:txBody>
       </p:sp>
@@ -3711,18 +3706,17 @@
               <a:defRPr/>
             </a:pPr>
             <a:r>
-              <a:rPr lang="en-US" altLang="ko-KR" dirty="0" err="1" smtClean="0"/>
+              <a:rPr lang="en-US" altLang="ko-KR" dirty="0" err="1"/>
               <a:t>Matplotlib</a:t>
             </a:r>
             <a:r>
-              <a:rPr lang="en-US" altLang="ko-KR" dirty="0" smtClean="0"/>
+              <a:rPr lang="en-US" altLang="ko-KR" dirty="0"/>
               <a:t> </a:t>
             </a:r>
             <a:r>
-              <a:rPr lang="ko-KR" altLang="en-US" dirty="0" smtClean="0"/>
+              <a:rPr lang="ko-KR" altLang="en-US" dirty="0"/>
               <a:t>모듈 사용하기</a:t>
             </a:r>
-            <a:endParaRPr lang="ko-KR" altLang="en-US" dirty="0"/>
           </a:p>
         </p:txBody>
       </p:sp>
@@ -3735,7 +3729,7 @@
     <mc:Choice Requires="p14">
       <p:transition/>
     </mc:Choice>
-    <mc:Fallback xmlns="" xmlns:c="http://schemas.openxmlformats.org/drawingml/2006/chart" xmlns:dgm="http://schemas.openxmlformats.org/drawingml/2006/diagram" xmlns:dsp="http://schemas.microsoft.com/office/drawing/2008/diagram">
+    <mc:Fallback xmlns:dsp="http://schemas.microsoft.com/office/drawing/2008/diagram" xmlns:dgm="http://schemas.openxmlformats.org/drawingml/2006/diagram" xmlns:c="http://schemas.openxmlformats.org/drawingml/2006/chart" xmlns="">
       <p:transition/>
     </mc:Fallback>
   </mc:AlternateContent>
@@ -3868,7 +3862,7 @@
               <a:tabLst/>
             </a:pPr>
             <a:r>
-              <a:rPr kumimoji="0" lang="ko-KR" altLang="ko-KR" sz="1500" b="0" i="0" u="none" strike="noStrike" cap="none" normalizeH="0" baseline="0" dirty="0" err="1" smtClean="0">
+              <a:rPr kumimoji="0" lang="ko-KR" altLang="ko-KR" sz="1500" b="0" i="0" u="none" strike="noStrike" cap="none" normalizeH="0" baseline="0" dirty="0" err="1">
                 <a:ln>
                   <a:noFill/>
                 </a:ln>
@@ -3882,7 +3876,7 @@
               <a:t>import</a:t>
             </a:r>
             <a:r>
-              <a:rPr kumimoji="0" lang="ko-KR" altLang="ko-KR" sz="1500" b="0" i="0" u="none" strike="noStrike" cap="none" normalizeH="0" baseline="0" dirty="0" smtClean="0">
+              <a:rPr kumimoji="0" lang="ko-KR" altLang="ko-KR" sz="1500" b="0" i="0" u="none" strike="noStrike" cap="none" normalizeH="0" baseline="0" dirty="0">
                 <a:ln>
                   <a:noFill/>
                 </a:ln>
@@ -3896,7 +3890,7 @@
               <a:t> </a:t>
             </a:r>
             <a:r>
-              <a:rPr kumimoji="0" lang="ko-KR" altLang="ko-KR" sz="1500" b="0" i="0" u="none" strike="noStrike" cap="none" normalizeH="0" baseline="0" dirty="0" err="1" smtClean="0">
+              <a:rPr kumimoji="0" lang="ko-KR" altLang="ko-KR" sz="1500" b="0" i="0" u="none" strike="noStrike" cap="none" normalizeH="0" baseline="0" dirty="0" err="1">
                 <a:ln>
                   <a:noFill/>
                 </a:ln>
@@ -3909,22 +3903,8 @@
               </a:rPr>
               <a:t>csv</a:t>
             </a:r>
-            <a:r>
-              <a:rPr kumimoji="0" lang="ko-KR" altLang="ko-KR" sz="1500" b="0" i="0" u="none" strike="noStrike" cap="none" normalizeH="0" baseline="0" dirty="0" smtClean="0">
-                <a:ln>
-                  <a:noFill/>
-                </a:ln>
-                <a:solidFill>
-                  <a:srgbClr val="A9B7C6"/>
-                </a:solidFill>
-                <a:effectLst/>
-                <a:latin typeface="Arial Unicode MS"/>
-                <a:ea typeface="JetBrains Mono"/>
-              </a:rPr>
-              <a:t/>
-            </a:r>
             <a:br>
-              <a:rPr kumimoji="0" lang="ko-KR" altLang="ko-KR" sz="1500" b="0" i="0" u="none" strike="noStrike" cap="none" normalizeH="0" baseline="0" dirty="0" smtClean="0">
+              <a:rPr kumimoji="0" lang="ko-KR" altLang="ko-KR" sz="1500" b="0" i="0" u="none" strike="noStrike" cap="none" normalizeH="0" baseline="0" dirty="0">
                 <a:ln>
                   <a:noFill/>
                 </a:ln>
@@ -3937,7 +3917,7 @@
               </a:rPr>
             </a:br>
             <a:r>
-              <a:rPr kumimoji="0" lang="ko-KR" altLang="ko-KR" sz="1500" b="0" i="0" u="none" strike="noStrike" cap="none" normalizeH="0" baseline="0" dirty="0" err="1" smtClean="0">
+              <a:rPr kumimoji="0" lang="ko-KR" altLang="ko-KR" sz="1500" b="0" i="0" u="none" strike="noStrike" cap="none" normalizeH="0" baseline="0" dirty="0" err="1">
                 <a:ln>
                   <a:noFill/>
                 </a:ln>
@@ -3951,7 +3931,7 @@
               <a:t>import</a:t>
             </a:r>
             <a:r>
-              <a:rPr kumimoji="0" lang="ko-KR" altLang="ko-KR" sz="1500" b="0" i="0" u="none" strike="noStrike" cap="none" normalizeH="0" baseline="0" dirty="0" smtClean="0">
+              <a:rPr kumimoji="0" lang="ko-KR" altLang="ko-KR" sz="1500" b="0" i="0" u="none" strike="noStrike" cap="none" normalizeH="0" baseline="0" dirty="0">
                 <a:ln>
                   <a:noFill/>
                 </a:ln>
@@ -3965,7 +3945,7 @@
               <a:t> </a:t>
             </a:r>
             <a:r>
-              <a:rPr kumimoji="0" lang="ko-KR" altLang="ko-KR" sz="1500" b="0" i="0" u="none" strike="noStrike" cap="none" normalizeH="0" baseline="0" dirty="0" err="1" smtClean="0">
+              <a:rPr kumimoji="0" lang="ko-KR" altLang="ko-KR" sz="1500" b="0" i="0" u="none" strike="noStrike" cap="none" normalizeH="0" baseline="0" dirty="0" err="1">
                 <a:ln>
                   <a:noFill/>
                 </a:ln>
@@ -3979,7 +3959,7 @@
               <a:t>matplotlib.pyplot</a:t>
             </a:r>
             <a:r>
-              <a:rPr kumimoji="0" lang="ko-KR" altLang="ko-KR" sz="1500" b="0" i="0" u="none" strike="noStrike" cap="none" normalizeH="0" baseline="0" dirty="0" smtClean="0">
+              <a:rPr kumimoji="0" lang="ko-KR" altLang="ko-KR" sz="1500" b="0" i="0" u="none" strike="noStrike" cap="none" normalizeH="0" baseline="0" dirty="0">
                 <a:ln>
                   <a:noFill/>
                 </a:ln>
@@ -3993,7 +3973,7 @@
               <a:t> </a:t>
             </a:r>
             <a:r>
-              <a:rPr kumimoji="0" lang="ko-KR" altLang="ko-KR" sz="1500" b="0" i="0" u="none" strike="noStrike" cap="none" normalizeH="0" baseline="0" dirty="0" err="1" smtClean="0">
+              <a:rPr kumimoji="0" lang="ko-KR" altLang="ko-KR" sz="1500" b="0" i="0" u="none" strike="noStrike" cap="none" normalizeH="0" baseline="0" dirty="0" err="1">
                 <a:ln>
                   <a:noFill/>
                 </a:ln>
@@ -4007,7 +3987,7 @@
               <a:t>as</a:t>
             </a:r>
             <a:r>
-              <a:rPr kumimoji="0" lang="ko-KR" altLang="ko-KR" sz="1500" b="0" i="0" u="none" strike="noStrike" cap="none" normalizeH="0" baseline="0" dirty="0" smtClean="0">
+              <a:rPr kumimoji="0" lang="ko-KR" altLang="ko-KR" sz="1500" b="0" i="0" u="none" strike="noStrike" cap="none" normalizeH="0" baseline="0" dirty="0">
                 <a:ln>
                   <a:noFill/>
                 </a:ln>
@@ -4021,7 +4001,7 @@
               <a:t> </a:t>
             </a:r>
             <a:r>
-              <a:rPr kumimoji="0" lang="ko-KR" altLang="ko-KR" sz="1500" b="0" i="0" u="none" strike="noStrike" cap="none" normalizeH="0" baseline="0" dirty="0" err="1" smtClean="0">
+              <a:rPr kumimoji="0" lang="ko-KR" altLang="ko-KR" sz="1500" b="0" i="0" u="none" strike="noStrike" cap="none" normalizeH="0" baseline="0" dirty="0" err="1">
                 <a:ln>
                   <a:noFill/>
                 </a:ln>
@@ -4034,22 +4014,8 @@
               </a:rPr>
               <a:t>plt</a:t>
             </a:r>
-            <a:r>
-              <a:rPr kumimoji="0" lang="ko-KR" altLang="ko-KR" sz="1500" b="0" i="0" u="none" strike="noStrike" cap="none" normalizeH="0" baseline="0" dirty="0" smtClean="0">
-                <a:ln>
-                  <a:noFill/>
-                </a:ln>
-                <a:solidFill>
-                  <a:srgbClr val="A9B7C6"/>
-                </a:solidFill>
-                <a:effectLst/>
-                <a:latin typeface="Arial Unicode MS"/>
-                <a:ea typeface="JetBrains Mono"/>
-              </a:rPr>
-              <a:t/>
-            </a:r>
             <a:br>
-              <a:rPr kumimoji="0" lang="ko-KR" altLang="ko-KR" sz="1500" b="0" i="0" u="none" strike="noStrike" cap="none" normalizeH="0" baseline="0" dirty="0" smtClean="0">
+              <a:rPr kumimoji="0" lang="ko-KR" altLang="ko-KR" sz="1500" b="0" i="0" u="none" strike="noStrike" cap="none" normalizeH="0" baseline="0" dirty="0">
                 <a:ln>
                   <a:noFill/>
                 </a:ln>
@@ -4062,7 +4028,7 @@
               </a:rPr>
             </a:br>
             <a:r>
-              <a:rPr kumimoji="0" lang="ko-KR" altLang="ko-KR" sz="1500" b="0" i="0" u="none" strike="noStrike" cap="none" normalizeH="0" baseline="0" dirty="0" err="1" smtClean="0">
+              <a:rPr kumimoji="0" lang="ko-KR" altLang="ko-KR" sz="1500" b="0" i="0" u="none" strike="noStrike" cap="none" normalizeH="0" baseline="0" dirty="0" err="1">
                 <a:ln>
                   <a:noFill/>
                 </a:ln>
@@ -4076,7 +4042,7 @@
               <a:t>import</a:t>
             </a:r>
             <a:r>
-              <a:rPr kumimoji="0" lang="ko-KR" altLang="ko-KR" sz="1500" b="0" i="0" u="none" strike="noStrike" cap="none" normalizeH="0" baseline="0" dirty="0" smtClean="0">
+              <a:rPr kumimoji="0" lang="ko-KR" altLang="ko-KR" sz="1500" b="0" i="0" u="none" strike="noStrike" cap="none" normalizeH="0" baseline="0" dirty="0">
                 <a:ln>
                   <a:noFill/>
                 </a:ln>
@@ -4090,7 +4056,7 @@
               <a:t> </a:t>
             </a:r>
             <a:r>
-              <a:rPr kumimoji="0" lang="ko-KR" altLang="ko-KR" sz="1500" b="0" i="0" u="none" strike="noStrike" cap="none" normalizeH="0" baseline="0" dirty="0" err="1" smtClean="0">
+              <a:rPr kumimoji="0" lang="ko-KR" altLang="ko-KR" sz="1500" b="0" i="0" u="none" strike="noStrike" cap="none" normalizeH="0" baseline="0" dirty="0" err="1">
                 <a:ln>
                   <a:noFill/>
                 </a:ln>
@@ -4104,7 +4070,7 @@
               <a:t>matplotlib.font_manager</a:t>
             </a:r>
             <a:r>
-              <a:rPr kumimoji="0" lang="ko-KR" altLang="ko-KR" sz="1500" b="0" i="0" u="none" strike="noStrike" cap="none" normalizeH="0" baseline="0" dirty="0" smtClean="0">
+              <a:rPr kumimoji="0" lang="ko-KR" altLang="ko-KR" sz="1500" b="0" i="0" u="none" strike="noStrike" cap="none" normalizeH="0" baseline="0" dirty="0">
                 <a:ln>
                   <a:noFill/>
                 </a:ln>
@@ -4118,7 +4084,7 @@
               <a:t> </a:t>
             </a:r>
             <a:r>
-              <a:rPr kumimoji="0" lang="ko-KR" altLang="ko-KR" sz="1500" b="0" i="0" u="none" strike="noStrike" cap="none" normalizeH="0" baseline="0" dirty="0" err="1" smtClean="0">
+              <a:rPr kumimoji="0" lang="ko-KR" altLang="ko-KR" sz="1500" b="0" i="0" u="none" strike="noStrike" cap="none" normalizeH="0" baseline="0" dirty="0" err="1">
                 <a:ln>
                   <a:noFill/>
                 </a:ln>
@@ -4132,7 +4098,7 @@
               <a:t>as</a:t>
             </a:r>
             <a:r>
-              <a:rPr kumimoji="0" lang="ko-KR" altLang="ko-KR" sz="1500" b="0" i="0" u="none" strike="noStrike" cap="none" normalizeH="0" baseline="0" dirty="0" smtClean="0">
+              <a:rPr kumimoji="0" lang="ko-KR" altLang="ko-KR" sz="1500" b="0" i="0" u="none" strike="noStrike" cap="none" normalizeH="0" baseline="0" dirty="0">
                 <a:ln>
                   <a:noFill/>
                 </a:ln>
@@ -4146,7 +4112,7 @@
               <a:t> </a:t>
             </a:r>
             <a:r>
-              <a:rPr kumimoji="0" lang="ko-KR" altLang="ko-KR" sz="1500" b="0" i="0" u="none" strike="noStrike" cap="none" normalizeH="0" baseline="0" dirty="0" err="1" smtClean="0">
+              <a:rPr kumimoji="0" lang="ko-KR" altLang="ko-KR" sz="1500" b="0" i="0" u="none" strike="noStrike" cap="none" normalizeH="0" baseline="0" dirty="0" err="1">
                 <a:ln>
                   <a:noFill/>
                 </a:ln>
@@ -4159,22 +4125,8 @@
               </a:rPr>
               <a:t>fm</a:t>
             </a:r>
-            <a:r>
-              <a:rPr kumimoji="0" lang="ko-KR" altLang="ko-KR" sz="1500" b="0" i="0" u="none" strike="noStrike" cap="none" normalizeH="0" baseline="0" dirty="0" smtClean="0">
-                <a:ln>
-                  <a:noFill/>
-                </a:ln>
-                <a:solidFill>
-                  <a:srgbClr val="A9B7C6"/>
-                </a:solidFill>
-                <a:effectLst/>
-                <a:latin typeface="Arial Unicode MS"/>
-                <a:ea typeface="JetBrains Mono"/>
-              </a:rPr>
-              <a:t/>
-            </a:r>
             <a:br>
-              <a:rPr kumimoji="0" lang="ko-KR" altLang="ko-KR" sz="1500" b="0" i="0" u="none" strike="noStrike" cap="none" normalizeH="0" baseline="0" dirty="0" smtClean="0">
+              <a:rPr kumimoji="0" lang="ko-KR" altLang="ko-KR" sz="1500" b="0" i="0" u="none" strike="noStrike" cap="none" normalizeH="0" baseline="0" dirty="0">
                 <a:ln>
                   <a:noFill/>
                 </a:ln>
@@ -4187,7 +4139,7 @@
               </a:rPr>
             </a:br>
             <a:r>
-              <a:rPr kumimoji="0" lang="ko-KR" altLang="ko-KR" sz="1500" b="0" i="0" u="none" strike="noStrike" cap="none" normalizeH="0" baseline="0" dirty="0" err="1" smtClean="0">
+              <a:rPr kumimoji="0" lang="ko-KR" altLang="ko-KR" sz="1500" b="0" i="0" u="none" strike="noStrike" cap="none" normalizeH="0" baseline="0" dirty="0" err="1">
                 <a:ln>
                   <a:noFill/>
                 </a:ln>
@@ -4201,7 +4153,7 @@
               <a:t>font_list</a:t>
             </a:r>
             <a:r>
-              <a:rPr kumimoji="0" lang="ko-KR" altLang="ko-KR" sz="1500" b="0" i="0" u="none" strike="noStrike" cap="none" normalizeH="0" baseline="0" dirty="0" smtClean="0">
+              <a:rPr kumimoji="0" lang="ko-KR" altLang="ko-KR" sz="1500" b="0" i="0" u="none" strike="noStrike" cap="none" normalizeH="0" baseline="0" dirty="0">
                 <a:ln>
                   <a:noFill/>
                 </a:ln>
@@ -4215,7 +4167,7 @@
               <a:t>=</a:t>
             </a:r>
             <a:r>
-              <a:rPr kumimoji="0" lang="ko-KR" altLang="ko-KR" sz="1500" b="0" i="0" u="none" strike="noStrike" cap="none" normalizeH="0" baseline="0" dirty="0" err="1" smtClean="0">
+              <a:rPr kumimoji="0" lang="ko-KR" altLang="ko-KR" sz="1500" b="0" i="0" u="none" strike="noStrike" cap="none" normalizeH="0" baseline="0" dirty="0" err="1">
                 <a:ln>
                   <a:noFill/>
                 </a:ln>
@@ -4229,7 +4181,7 @@
               <a:t>fm.findSystemFonts</a:t>
             </a:r>
             <a:r>
-              <a:rPr kumimoji="0" lang="ko-KR" altLang="ko-KR" sz="1500" b="0" i="0" u="none" strike="noStrike" cap="none" normalizeH="0" baseline="0" dirty="0" smtClean="0">
+              <a:rPr kumimoji="0" lang="ko-KR" altLang="ko-KR" sz="1500" b="0" i="0" u="none" strike="noStrike" cap="none" normalizeH="0" baseline="0" dirty="0">
                 <a:ln>
                   <a:noFill/>
                 </a:ln>
@@ -4243,7 +4195,7 @@
               <a:t>()</a:t>
             </a:r>
             <a:br>
-              <a:rPr kumimoji="0" lang="ko-KR" altLang="ko-KR" sz="1500" b="0" i="0" u="none" strike="noStrike" cap="none" normalizeH="0" baseline="0" dirty="0" smtClean="0">
+              <a:rPr kumimoji="0" lang="ko-KR" altLang="ko-KR" sz="1500" b="0" i="0" u="none" strike="noStrike" cap="none" normalizeH="0" baseline="0" dirty="0">
                 <a:ln>
                   <a:noFill/>
                 </a:ln>
@@ -4256,7 +4208,7 @@
               </a:rPr>
             </a:br>
             <a:r>
-              <a:rPr kumimoji="0" lang="ko-KR" altLang="ko-KR" sz="1500" b="0" i="0" u="none" strike="noStrike" cap="none" normalizeH="0" baseline="0" dirty="0" err="1" smtClean="0">
+              <a:rPr kumimoji="0" lang="ko-KR" altLang="ko-KR" sz="1500" b="0" i="0" u="none" strike="noStrike" cap="none" normalizeH="0" baseline="0" dirty="0" err="1">
                 <a:ln>
                   <a:noFill/>
                 </a:ln>
@@ -4270,7 +4222,7 @@
               <a:t>path</a:t>
             </a:r>
             <a:r>
-              <a:rPr kumimoji="0" lang="ko-KR" altLang="ko-KR" sz="1500" b="0" i="0" u="none" strike="noStrike" cap="none" normalizeH="0" baseline="0" dirty="0" smtClean="0">
+              <a:rPr kumimoji="0" lang="ko-KR" altLang="ko-KR" sz="1500" b="0" i="0" u="none" strike="noStrike" cap="none" normalizeH="0" baseline="0" dirty="0">
                 <a:ln>
                   <a:noFill/>
                 </a:ln>
@@ -4284,7 +4236,7 @@
               <a:t>=</a:t>
             </a:r>
             <a:r>
-              <a:rPr kumimoji="0" lang="ko-KR" altLang="ko-KR" sz="1500" b="0" i="0" u="none" strike="noStrike" cap="none" normalizeH="0" baseline="0" dirty="0" err="1" smtClean="0">
+              <a:rPr kumimoji="0" lang="ko-KR" altLang="ko-KR" sz="1500" b="0" i="0" u="none" strike="noStrike" cap="none" normalizeH="0" baseline="0" dirty="0" err="1">
                 <a:ln>
                   <a:noFill/>
                 </a:ln>
@@ -4298,7 +4250,7 @@
               <a:t>font_list</a:t>
             </a:r>
             <a:r>
-              <a:rPr kumimoji="0" lang="ko-KR" altLang="ko-KR" sz="1500" b="0" i="0" u="none" strike="noStrike" cap="none" normalizeH="0" baseline="0" dirty="0" smtClean="0">
+              <a:rPr kumimoji="0" lang="ko-KR" altLang="ko-KR" sz="1500" b="0" i="0" u="none" strike="noStrike" cap="none" normalizeH="0" baseline="0" dirty="0">
                 <a:ln>
                   <a:noFill/>
                 </a:ln>
@@ -4312,7 +4264,7 @@
               <a:t>[</a:t>
             </a:r>
             <a:r>
-              <a:rPr kumimoji="0" lang="ko-KR" altLang="ko-KR" sz="1500" b="0" i="0" u="none" strike="noStrike" cap="none" normalizeH="0" baseline="0" dirty="0" err="1" smtClean="0">
+              <a:rPr kumimoji="0" lang="ko-KR" altLang="ko-KR" sz="1500" b="0" i="0" u="none" strike="noStrike" cap="none" normalizeH="0" baseline="0" dirty="0" err="1">
                 <a:ln>
                   <a:noFill/>
                 </a:ln>
@@ -4326,7 +4278,7 @@
               <a:t>font_list.index</a:t>
             </a:r>
             <a:r>
-              <a:rPr kumimoji="0" lang="ko-KR" altLang="ko-KR" sz="1500" b="0" i="0" u="none" strike="noStrike" cap="none" normalizeH="0" baseline="0" dirty="0" smtClean="0">
+              <a:rPr kumimoji="0" lang="ko-KR" altLang="ko-KR" sz="1500" b="0" i="0" u="none" strike="noStrike" cap="none" normalizeH="0" baseline="0" dirty="0">
                 <a:ln>
                   <a:noFill/>
                 </a:ln>
@@ -4340,7 +4292,7 @@
               <a:t>(</a:t>
             </a:r>
             <a:r>
-              <a:rPr kumimoji="0" lang="ko-KR" altLang="ko-KR" sz="1500" b="0" i="0" u="none" strike="noStrike" cap="none" normalizeH="0" baseline="0" dirty="0" smtClean="0">
+              <a:rPr kumimoji="0" lang="ko-KR" altLang="ko-KR" sz="1500" b="0" i="0" u="none" strike="noStrike" cap="none" normalizeH="0" baseline="0" dirty="0">
                 <a:ln>
                   <a:noFill/>
                 </a:ln>
@@ -4354,7 +4306,7 @@
               <a:t>'C:\Windows\</a:t>
             </a:r>
             <a:r>
-              <a:rPr kumimoji="0" lang="ko-KR" altLang="ko-KR" sz="1500" b="0" i="0" u="none" strike="noStrike" cap="none" normalizeH="0" baseline="0" dirty="0" err="1" smtClean="0">
+              <a:rPr kumimoji="0" lang="ko-KR" altLang="ko-KR" sz="1500" b="0" i="0" u="none" strike="noStrike" cap="none" normalizeH="0" baseline="0" dirty="0" err="1">
                 <a:ln>
                   <a:noFill/>
                 </a:ln>
@@ -4368,7 +4320,7 @@
               <a:t>Fonts</a:t>
             </a:r>
             <a:r>
-              <a:rPr kumimoji="0" lang="ko-KR" altLang="ko-KR" sz="1500" b="0" i="0" u="none" strike="noStrike" cap="none" normalizeH="0" baseline="0" dirty="0" smtClean="0">
+              <a:rPr kumimoji="0" lang="ko-KR" altLang="ko-KR" sz="1500" b="0" i="0" u="none" strike="noStrike" cap="none" normalizeH="0" baseline="0" dirty="0">
                 <a:ln>
                   <a:noFill/>
                 </a:ln>
@@ -4382,7 +4334,7 @@
               <a:t>\</a:t>
             </a:r>
             <a:r>
-              <a:rPr kumimoji="0" lang="ko-KR" altLang="ko-KR" sz="1500" b="0" i="0" u="none" strike="noStrike" cap="none" normalizeH="0" baseline="0" dirty="0" err="1" smtClean="0">
+              <a:rPr kumimoji="0" lang="ko-KR" altLang="ko-KR" sz="1500" b="0" i="0" u="none" strike="noStrike" cap="none" normalizeH="0" baseline="0" dirty="0" err="1">
                 <a:ln>
                   <a:noFill/>
                 </a:ln>
@@ -4396,7 +4348,7 @@
               <a:t>malgun.ttf</a:t>
             </a:r>
             <a:r>
-              <a:rPr kumimoji="0" lang="ko-KR" altLang="ko-KR" sz="1500" b="0" i="0" u="none" strike="noStrike" cap="none" normalizeH="0" baseline="0" dirty="0" smtClean="0">
+              <a:rPr kumimoji="0" lang="ko-KR" altLang="ko-KR" sz="1500" b="0" i="0" u="none" strike="noStrike" cap="none" normalizeH="0" baseline="0" dirty="0">
                 <a:ln>
                   <a:noFill/>
                 </a:ln>
@@ -4410,7 +4362,7 @@
               <a:t>'</a:t>
             </a:r>
             <a:r>
-              <a:rPr kumimoji="0" lang="ko-KR" altLang="ko-KR" sz="1500" b="0" i="0" u="none" strike="noStrike" cap="none" normalizeH="0" baseline="0" dirty="0" smtClean="0">
+              <a:rPr kumimoji="0" lang="ko-KR" altLang="ko-KR" sz="1500" b="0" i="0" u="none" strike="noStrike" cap="none" normalizeH="0" baseline="0" dirty="0">
                 <a:ln>
                   <a:noFill/>
                 </a:ln>
@@ -4424,7 +4376,7 @@
               <a:t>)]</a:t>
             </a:r>
             <a:br>
-              <a:rPr kumimoji="0" lang="ko-KR" altLang="ko-KR" sz="1500" b="0" i="0" u="none" strike="noStrike" cap="none" normalizeH="0" baseline="0" dirty="0" smtClean="0">
+              <a:rPr kumimoji="0" lang="ko-KR" altLang="ko-KR" sz="1500" b="0" i="0" u="none" strike="noStrike" cap="none" normalizeH="0" baseline="0" dirty="0">
                 <a:ln>
                   <a:noFill/>
                 </a:ln>
@@ -4437,7 +4389,7 @@
               </a:rPr>
             </a:br>
             <a:r>
-              <a:rPr kumimoji="0" lang="ko-KR" altLang="ko-KR" sz="1500" b="0" i="0" u="none" strike="noStrike" cap="none" normalizeH="0" baseline="0" dirty="0" err="1" smtClean="0">
+              <a:rPr kumimoji="0" lang="ko-KR" altLang="ko-KR" sz="1500" b="0" i="0" u="none" strike="noStrike" cap="none" normalizeH="0" baseline="0" dirty="0" err="1">
                 <a:ln>
                   <a:noFill/>
                 </a:ln>
@@ -4451,7 +4403,7 @@
               <a:t>font_name</a:t>
             </a:r>
             <a:r>
-              <a:rPr kumimoji="0" lang="ko-KR" altLang="ko-KR" sz="1500" b="0" i="0" u="none" strike="noStrike" cap="none" normalizeH="0" baseline="0" dirty="0" smtClean="0">
+              <a:rPr kumimoji="0" lang="ko-KR" altLang="ko-KR" sz="1500" b="0" i="0" u="none" strike="noStrike" cap="none" normalizeH="0" baseline="0" dirty="0">
                 <a:ln>
                   <a:noFill/>
                 </a:ln>
@@ -4465,7 +4417,7 @@
               <a:t> = </a:t>
             </a:r>
             <a:r>
-              <a:rPr kumimoji="0" lang="ko-KR" altLang="ko-KR" sz="1500" b="0" i="0" u="none" strike="noStrike" cap="none" normalizeH="0" baseline="0" dirty="0" err="1" smtClean="0">
+              <a:rPr kumimoji="0" lang="ko-KR" altLang="ko-KR" sz="1500" b="0" i="0" u="none" strike="noStrike" cap="none" normalizeH="0" baseline="0" dirty="0" err="1">
                 <a:ln>
                   <a:noFill/>
                 </a:ln>
@@ -4479,7 +4431,7 @@
               <a:t>fm.FontProperties</a:t>
             </a:r>
             <a:r>
-              <a:rPr kumimoji="0" lang="ko-KR" altLang="ko-KR" sz="1500" b="0" i="0" u="none" strike="noStrike" cap="none" normalizeH="0" baseline="0" dirty="0" smtClean="0">
+              <a:rPr kumimoji="0" lang="ko-KR" altLang="ko-KR" sz="1500" b="0" i="0" u="none" strike="noStrike" cap="none" normalizeH="0" baseline="0" dirty="0">
                 <a:ln>
                   <a:noFill/>
                 </a:ln>
@@ -4493,7 +4445,7 @@
               <a:t>(</a:t>
             </a:r>
             <a:r>
-              <a:rPr kumimoji="0" lang="ko-KR" altLang="ko-KR" sz="1500" b="0" i="0" u="none" strike="noStrike" cap="none" normalizeH="0" baseline="0" dirty="0" err="1" smtClean="0">
+              <a:rPr kumimoji="0" lang="ko-KR" altLang="ko-KR" sz="1500" b="0" i="0" u="none" strike="noStrike" cap="none" normalizeH="0" baseline="0" dirty="0" err="1">
                 <a:ln>
                   <a:noFill/>
                 </a:ln>
@@ -4507,7 +4459,7 @@
               <a:t>fname</a:t>
             </a:r>
             <a:r>
-              <a:rPr kumimoji="0" lang="ko-KR" altLang="ko-KR" sz="1500" b="0" i="0" u="none" strike="noStrike" cap="none" normalizeH="0" baseline="0" dirty="0" smtClean="0">
+              <a:rPr kumimoji="0" lang="ko-KR" altLang="ko-KR" sz="1500" b="0" i="0" u="none" strike="noStrike" cap="none" normalizeH="0" baseline="0" dirty="0">
                 <a:ln>
                   <a:noFill/>
                 </a:ln>
@@ -4521,7 +4473,7 @@
               <a:t>=</a:t>
             </a:r>
             <a:r>
-              <a:rPr kumimoji="0" lang="ko-KR" altLang="ko-KR" sz="1500" b="0" i="0" u="none" strike="noStrike" cap="none" normalizeH="0" baseline="0" dirty="0" err="1" smtClean="0">
+              <a:rPr kumimoji="0" lang="ko-KR" altLang="ko-KR" sz="1500" b="0" i="0" u="none" strike="noStrike" cap="none" normalizeH="0" baseline="0" dirty="0" err="1">
                 <a:ln>
                   <a:noFill/>
                 </a:ln>
@@ -4535,7 +4487,7 @@
               <a:t>path</a:t>
             </a:r>
             <a:r>
-              <a:rPr kumimoji="0" lang="ko-KR" altLang="ko-KR" sz="1500" b="0" i="0" u="none" strike="noStrike" cap="none" normalizeH="0" baseline="0" dirty="0" smtClean="0">
+              <a:rPr kumimoji="0" lang="ko-KR" altLang="ko-KR" sz="1500" b="0" i="0" u="none" strike="noStrike" cap="none" normalizeH="0" baseline="0" dirty="0">
                 <a:ln>
                   <a:noFill/>
                 </a:ln>
@@ -4549,7 +4501,7 @@
               <a:t>, </a:t>
             </a:r>
             <a:r>
-              <a:rPr kumimoji="0" lang="ko-KR" altLang="ko-KR" sz="1500" b="0" i="0" u="none" strike="noStrike" cap="none" normalizeH="0" baseline="0" dirty="0" err="1" smtClean="0">
+              <a:rPr kumimoji="0" lang="ko-KR" altLang="ko-KR" sz="1500" b="0" i="0" u="none" strike="noStrike" cap="none" normalizeH="0" baseline="0" dirty="0" err="1">
                 <a:ln>
                   <a:noFill/>
                 </a:ln>
@@ -4563,7 +4515,7 @@
               <a:t>size</a:t>
             </a:r>
             <a:r>
-              <a:rPr kumimoji="0" lang="ko-KR" altLang="ko-KR" sz="1500" b="0" i="0" u="none" strike="noStrike" cap="none" normalizeH="0" baseline="0" dirty="0" smtClean="0">
+              <a:rPr kumimoji="0" lang="ko-KR" altLang="ko-KR" sz="1500" b="0" i="0" u="none" strike="noStrike" cap="none" normalizeH="0" baseline="0" dirty="0">
                 <a:ln>
                   <a:noFill/>
                 </a:ln>
@@ -4577,7 +4529,7 @@
               <a:t>=</a:t>
             </a:r>
             <a:r>
-              <a:rPr kumimoji="0" lang="ko-KR" altLang="ko-KR" sz="1500" b="0" i="0" u="none" strike="noStrike" cap="none" normalizeH="0" baseline="0" dirty="0" smtClean="0">
+              <a:rPr kumimoji="0" lang="ko-KR" altLang="ko-KR" sz="1500" b="0" i="0" u="none" strike="noStrike" cap="none" normalizeH="0" baseline="0" dirty="0">
                 <a:ln>
                   <a:noFill/>
                 </a:ln>
@@ -4591,7 +4543,7 @@
               <a:t>18</a:t>
             </a:r>
             <a:r>
-              <a:rPr kumimoji="0" lang="ko-KR" altLang="ko-KR" sz="1500" b="0" i="0" u="none" strike="noStrike" cap="none" normalizeH="0" baseline="0" dirty="0" smtClean="0">
+              <a:rPr kumimoji="0" lang="ko-KR" altLang="ko-KR" sz="1500" b="0" i="0" u="none" strike="noStrike" cap="none" normalizeH="0" baseline="0" dirty="0">
                 <a:ln>
                   <a:noFill/>
                 </a:ln>
@@ -4605,7 +4557,7 @@
               <a:t>).</a:t>
             </a:r>
             <a:r>
-              <a:rPr kumimoji="0" lang="ko-KR" altLang="ko-KR" sz="1500" b="0" i="0" u="none" strike="noStrike" cap="none" normalizeH="0" baseline="0" dirty="0" err="1" smtClean="0">
+              <a:rPr kumimoji="0" lang="ko-KR" altLang="ko-KR" sz="1500" b="0" i="0" u="none" strike="noStrike" cap="none" normalizeH="0" baseline="0" dirty="0" err="1">
                 <a:ln>
                   <a:noFill/>
                 </a:ln>
@@ -4619,7 +4571,7 @@
               <a:t>get_name</a:t>
             </a:r>
             <a:r>
-              <a:rPr kumimoji="0" lang="ko-KR" altLang="ko-KR" sz="1500" b="0" i="0" u="none" strike="noStrike" cap="none" normalizeH="0" baseline="0" dirty="0" smtClean="0">
+              <a:rPr kumimoji="0" lang="ko-KR" altLang="ko-KR" sz="1500" b="0" i="0" u="none" strike="noStrike" cap="none" normalizeH="0" baseline="0" dirty="0">
                 <a:ln>
                   <a:noFill/>
                 </a:ln>
@@ -4633,7 +4585,7 @@
               <a:t>()</a:t>
             </a:r>
             <a:br>
-              <a:rPr kumimoji="0" lang="ko-KR" altLang="ko-KR" sz="1500" b="0" i="0" u="none" strike="noStrike" cap="none" normalizeH="0" baseline="0" dirty="0" smtClean="0">
+              <a:rPr kumimoji="0" lang="ko-KR" altLang="ko-KR" sz="1500" b="0" i="0" u="none" strike="noStrike" cap="none" normalizeH="0" baseline="0" dirty="0">
                 <a:ln>
                   <a:noFill/>
                 </a:ln>
@@ -4646,7 +4598,7 @@
               </a:rPr>
             </a:br>
             <a:r>
-              <a:rPr kumimoji="0" lang="ko-KR" altLang="ko-KR" sz="1500" b="0" i="0" u="none" strike="noStrike" cap="none" normalizeH="0" baseline="0" dirty="0" err="1" smtClean="0">
+              <a:rPr kumimoji="0" lang="ko-KR" altLang="ko-KR" sz="1500" b="0" i="0" u="none" strike="noStrike" cap="none" normalizeH="0" baseline="0" dirty="0" err="1">
                 <a:ln>
                   <a:noFill/>
                 </a:ln>
@@ -4660,7 +4612,7 @@
               <a:t>plt.rc</a:t>
             </a:r>
             <a:r>
-              <a:rPr kumimoji="0" lang="ko-KR" altLang="ko-KR" sz="1500" b="0" i="0" u="none" strike="noStrike" cap="none" normalizeH="0" baseline="0" dirty="0" smtClean="0">
+              <a:rPr kumimoji="0" lang="ko-KR" altLang="ko-KR" sz="1500" b="0" i="0" u="none" strike="noStrike" cap="none" normalizeH="0" baseline="0" dirty="0">
                 <a:ln>
                   <a:noFill/>
                 </a:ln>
@@ -4674,7 +4626,7 @@
               <a:t>(</a:t>
             </a:r>
             <a:r>
-              <a:rPr kumimoji="0" lang="ko-KR" altLang="ko-KR" sz="1500" b="0" i="0" u="none" strike="noStrike" cap="none" normalizeH="0" baseline="0" dirty="0" smtClean="0">
+              <a:rPr kumimoji="0" lang="ko-KR" altLang="ko-KR" sz="1500" b="0" i="0" u="none" strike="noStrike" cap="none" normalizeH="0" baseline="0" dirty="0">
                 <a:ln>
                   <a:noFill/>
                 </a:ln>
@@ -4688,7 +4640,7 @@
               <a:t>'</a:t>
             </a:r>
             <a:r>
-              <a:rPr kumimoji="0" lang="ko-KR" altLang="ko-KR" sz="1500" b="0" i="0" u="none" strike="noStrike" cap="none" normalizeH="0" baseline="0" dirty="0" err="1" smtClean="0">
+              <a:rPr kumimoji="0" lang="ko-KR" altLang="ko-KR" sz="1500" b="0" i="0" u="none" strike="noStrike" cap="none" normalizeH="0" baseline="0" dirty="0" err="1">
                 <a:ln>
                   <a:noFill/>
                 </a:ln>
@@ -4702,7 +4654,7 @@
               <a:t>font</a:t>
             </a:r>
             <a:r>
-              <a:rPr kumimoji="0" lang="ko-KR" altLang="ko-KR" sz="1500" b="0" i="0" u="none" strike="noStrike" cap="none" normalizeH="0" baseline="0" dirty="0" smtClean="0">
+              <a:rPr kumimoji="0" lang="ko-KR" altLang="ko-KR" sz="1500" b="0" i="0" u="none" strike="noStrike" cap="none" normalizeH="0" baseline="0" dirty="0">
                 <a:ln>
                   <a:noFill/>
                 </a:ln>
@@ -4716,7 +4668,7 @@
               <a:t>'</a:t>
             </a:r>
             <a:r>
-              <a:rPr kumimoji="0" lang="ko-KR" altLang="ko-KR" sz="1500" b="0" i="0" u="none" strike="noStrike" cap="none" normalizeH="0" baseline="0" dirty="0" smtClean="0">
+              <a:rPr kumimoji="0" lang="ko-KR" altLang="ko-KR" sz="1500" b="0" i="0" u="none" strike="noStrike" cap="none" normalizeH="0" baseline="0" dirty="0">
                 <a:ln>
                   <a:noFill/>
                 </a:ln>
@@ -4730,7 +4682,7 @@
               <a:t>, </a:t>
             </a:r>
             <a:r>
-              <a:rPr kumimoji="0" lang="ko-KR" altLang="ko-KR" sz="1500" b="0" i="0" u="none" strike="noStrike" cap="none" normalizeH="0" baseline="0" dirty="0" err="1" smtClean="0">
+              <a:rPr kumimoji="0" lang="ko-KR" altLang="ko-KR" sz="1500" b="0" i="0" u="none" strike="noStrike" cap="none" normalizeH="0" baseline="0" dirty="0" err="1">
                 <a:ln>
                   <a:noFill/>
                 </a:ln>
@@ -4744,7 +4696,7 @@
               <a:t>family</a:t>
             </a:r>
             <a:r>
-              <a:rPr kumimoji="0" lang="ko-KR" altLang="ko-KR" sz="1500" b="0" i="0" u="none" strike="noStrike" cap="none" normalizeH="0" baseline="0" dirty="0" smtClean="0">
+              <a:rPr kumimoji="0" lang="ko-KR" altLang="ko-KR" sz="1500" b="0" i="0" u="none" strike="noStrike" cap="none" normalizeH="0" baseline="0" dirty="0">
                 <a:ln>
                   <a:noFill/>
                 </a:ln>
@@ -4758,7 +4710,7 @@
               <a:t>=</a:t>
             </a:r>
             <a:r>
-              <a:rPr kumimoji="0" lang="ko-KR" altLang="ko-KR" sz="1500" b="0" i="0" u="none" strike="noStrike" cap="none" normalizeH="0" baseline="0" dirty="0" err="1" smtClean="0">
+              <a:rPr kumimoji="0" lang="ko-KR" altLang="ko-KR" sz="1500" b="0" i="0" u="none" strike="noStrike" cap="none" normalizeH="0" baseline="0" dirty="0" err="1">
                 <a:ln>
                   <a:noFill/>
                 </a:ln>
@@ -4772,7 +4724,7 @@
               <a:t>font_name</a:t>
             </a:r>
             <a:r>
-              <a:rPr kumimoji="0" lang="ko-KR" altLang="ko-KR" sz="1500" b="0" i="0" u="none" strike="noStrike" cap="none" normalizeH="0" baseline="0" dirty="0" smtClean="0">
+              <a:rPr kumimoji="0" lang="ko-KR" altLang="ko-KR" sz="1500" b="0" i="0" u="none" strike="noStrike" cap="none" normalizeH="0" baseline="0" dirty="0">
                 <a:ln>
                   <a:noFill/>
                 </a:ln>
@@ -4786,7 +4738,7 @@
               <a:t>)</a:t>
             </a:r>
             <a:br>
-              <a:rPr kumimoji="0" lang="ko-KR" altLang="ko-KR" sz="1500" b="0" i="0" u="none" strike="noStrike" cap="none" normalizeH="0" baseline="0" dirty="0" smtClean="0">
+              <a:rPr kumimoji="0" lang="ko-KR" altLang="ko-KR" sz="1500" b="0" i="0" u="none" strike="noStrike" cap="none" normalizeH="0" baseline="0" dirty="0">
                 <a:ln>
                   <a:noFill/>
                 </a:ln>
@@ -4798,22 +4750,8 @@
                 <a:ea typeface="JetBrains Mono"/>
               </a:rPr>
             </a:br>
-            <a:r>
-              <a:rPr kumimoji="0" lang="ko-KR" altLang="ko-KR" sz="1500" b="0" i="0" u="none" strike="noStrike" cap="none" normalizeH="0" baseline="0" dirty="0" smtClean="0">
-                <a:ln>
-                  <a:noFill/>
-                </a:ln>
-                <a:solidFill>
-                  <a:srgbClr val="A9B7C6"/>
-                </a:solidFill>
-                <a:effectLst/>
-                <a:latin typeface="Arial Unicode MS"/>
-                <a:ea typeface="JetBrains Mono"/>
-              </a:rPr>
-              <a:t/>
-            </a:r>
             <a:br>
-              <a:rPr kumimoji="0" lang="ko-KR" altLang="ko-KR" sz="1500" b="0" i="0" u="none" strike="noStrike" cap="none" normalizeH="0" baseline="0" dirty="0" smtClean="0">
+              <a:rPr kumimoji="0" lang="ko-KR" altLang="ko-KR" sz="1500" b="0" i="0" u="none" strike="noStrike" cap="none" normalizeH="0" baseline="0" dirty="0">
                 <a:ln>
                   <a:noFill/>
                 </a:ln>
@@ -4826,7 +4764,7 @@
               </a:rPr>
             </a:br>
             <a:r>
-              <a:rPr kumimoji="0" lang="ko-KR" altLang="ko-KR" sz="1500" b="0" i="0" u="none" strike="noStrike" cap="none" normalizeH="0" baseline="0" dirty="0" err="1" smtClean="0">
+              <a:rPr kumimoji="0" lang="ko-KR" altLang="ko-KR" sz="1500" b="0" i="0" u="none" strike="noStrike" cap="none" normalizeH="0" baseline="0" dirty="0" err="1">
                 <a:ln>
                   <a:noFill/>
                 </a:ln>
@@ -4840,7 +4778,7 @@
               <a:t>f</a:t>
             </a:r>
             <a:r>
-              <a:rPr kumimoji="0" lang="ko-KR" altLang="ko-KR" sz="1500" b="0" i="0" u="none" strike="noStrike" cap="none" normalizeH="0" baseline="0" dirty="0" smtClean="0">
+              <a:rPr kumimoji="0" lang="ko-KR" altLang="ko-KR" sz="1500" b="0" i="0" u="none" strike="noStrike" cap="none" normalizeH="0" baseline="0" dirty="0">
                 <a:ln>
                   <a:noFill/>
                 </a:ln>
@@ -4854,7 +4792,7 @@
               <a:t>=</a:t>
             </a:r>
             <a:r>
-              <a:rPr kumimoji="0" lang="ko-KR" altLang="ko-KR" sz="1500" b="0" i="0" u="none" strike="noStrike" cap="none" normalizeH="0" baseline="0" dirty="0" err="1" smtClean="0">
+              <a:rPr kumimoji="0" lang="ko-KR" altLang="ko-KR" sz="1500" b="0" i="0" u="none" strike="noStrike" cap="none" normalizeH="0" baseline="0" dirty="0" err="1">
                 <a:ln>
                   <a:noFill/>
                 </a:ln>
@@ -4868,7 +4806,7 @@
               <a:t>open</a:t>
             </a:r>
             <a:r>
-              <a:rPr kumimoji="0" lang="ko-KR" altLang="ko-KR" sz="1500" b="0" i="0" u="none" strike="noStrike" cap="none" normalizeH="0" baseline="0" dirty="0" smtClean="0">
+              <a:rPr kumimoji="0" lang="ko-KR" altLang="ko-KR" sz="1500" b="0" i="0" u="none" strike="noStrike" cap="none" normalizeH="0" baseline="0" dirty="0">
                 <a:ln>
                   <a:noFill/>
                 </a:ln>
@@ -4882,7 +4820,7 @@
               <a:t>(</a:t>
             </a:r>
             <a:r>
-              <a:rPr kumimoji="0" lang="ko-KR" altLang="ko-KR" sz="1500" b="0" i="0" u="none" strike="noStrike" cap="none" normalizeH="0" baseline="0" dirty="0" smtClean="0">
+              <a:rPr kumimoji="0" lang="ko-KR" altLang="ko-KR" sz="1500" b="0" i="0" u="none" strike="noStrike" cap="none" normalizeH="0" baseline="0" dirty="0">
                 <a:ln>
                   <a:noFill/>
                 </a:ln>
@@ -4896,7 +4834,7 @@
               <a:t>'</a:t>
             </a:r>
             <a:r>
-              <a:rPr kumimoji="0" lang="ko-KR" altLang="ko-KR" sz="1500" b="0" i="0" u="none" strike="noStrike" cap="none" normalizeH="0" baseline="0" dirty="0" err="1" smtClean="0">
+              <a:rPr kumimoji="0" lang="ko-KR" altLang="ko-KR" sz="1500" b="0" i="0" u="none" strike="noStrike" cap="none" normalizeH="0" baseline="0" dirty="0" err="1">
                 <a:ln>
                   <a:noFill/>
                 </a:ln>
@@ -4910,7 +4848,7 @@
               <a:t>ta.csv</a:t>
             </a:r>
             <a:r>
-              <a:rPr kumimoji="0" lang="ko-KR" altLang="ko-KR" sz="1500" b="0" i="0" u="none" strike="noStrike" cap="none" normalizeH="0" baseline="0" dirty="0" smtClean="0">
+              <a:rPr kumimoji="0" lang="ko-KR" altLang="ko-KR" sz="1500" b="0" i="0" u="none" strike="noStrike" cap="none" normalizeH="0" baseline="0" dirty="0">
                 <a:ln>
                   <a:noFill/>
                 </a:ln>
@@ -4924,7 +4862,7 @@
               <a:t>'</a:t>
             </a:r>
             <a:r>
-              <a:rPr kumimoji="0" lang="ko-KR" altLang="ko-KR" sz="1500" b="0" i="0" u="none" strike="noStrike" cap="none" normalizeH="0" baseline="0" dirty="0" smtClean="0">
+              <a:rPr kumimoji="0" lang="ko-KR" altLang="ko-KR" sz="1500" b="0" i="0" u="none" strike="noStrike" cap="none" normalizeH="0" baseline="0" dirty="0">
                 <a:ln>
                   <a:noFill/>
                 </a:ln>
@@ -4938,7 +4876,7 @@
               <a:t>)</a:t>
             </a:r>
             <a:br>
-              <a:rPr kumimoji="0" lang="ko-KR" altLang="ko-KR" sz="1500" b="0" i="0" u="none" strike="noStrike" cap="none" normalizeH="0" baseline="0" dirty="0" smtClean="0">
+              <a:rPr kumimoji="0" lang="ko-KR" altLang="ko-KR" sz="1500" b="0" i="0" u="none" strike="noStrike" cap="none" normalizeH="0" baseline="0" dirty="0">
                 <a:ln>
                   <a:noFill/>
                 </a:ln>
@@ -4951,7 +4889,7 @@
               </a:rPr>
             </a:br>
             <a:r>
-              <a:rPr kumimoji="0" lang="ko-KR" altLang="ko-KR" sz="1500" b="0" i="0" u="none" strike="noStrike" cap="none" normalizeH="0" baseline="0" dirty="0" err="1" smtClean="0">
+              <a:rPr kumimoji="0" lang="ko-KR" altLang="ko-KR" sz="1500" b="0" i="0" u="none" strike="noStrike" cap="none" normalizeH="0" baseline="0" dirty="0" err="1">
                 <a:ln>
                   <a:noFill/>
                 </a:ln>
@@ -4965,7 +4903,7 @@
               <a:t>data</a:t>
             </a:r>
             <a:r>
-              <a:rPr kumimoji="0" lang="ko-KR" altLang="ko-KR" sz="1500" b="0" i="0" u="none" strike="noStrike" cap="none" normalizeH="0" baseline="0" dirty="0" smtClean="0">
+              <a:rPr kumimoji="0" lang="ko-KR" altLang="ko-KR" sz="1500" b="0" i="0" u="none" strike="noStrike" cap="none" normalizeH="0" baseline="0" dirty="0">
                 <a:ln>
                   <a:noFill/>
                 </a:ln>
@@ -4979,7 +4917,7 @@
               <a:t> = </a:t>
             </a:r>
             <a:r>
-              <a:rPr kumimoji="0" lang="ko-KR" altLang="ko-KR" sz="1500" b="0" i="0" u="none" strike="noStrike" cap="none" normalizeH="0" baseline="0" dirty="0" err="1" smtClean="0">
+              <a:rPr kumimoji="0" lang="ko-KR" altLang="ko-KR" sz="1500" b="0" i="0" u="none" strike="noStrike" cap="none" normalizeH="0" baseline="0" dirty="0" err="1">
                 <a:ln>
                   <a:noFill/>
                 </a:ln>
@@ -4993,7 +4931,7 @@
               <a:t>csv.reader</a:t>
             </a:r>
             <a:r>
-              <a:rPr kumimoji="0" lang="ko-KR" altLang="ko-KR" sz="1500" b="0" i="0" u="none" strike="noStrike" cap="none" normalizeH="0" baseline="0" dirty="0" smtClean="0">
+              <a:rPr kumimoji="0" lang="ko-KR" altLang="ko-KR" sz="1500" b="0" i="0" u="none" strike="noStrike" cap="none" normalizeH="0" baseline="0" dirty="0">
                 <a:ln>
                   <a:noFill/>
                 </a:ln>
@@ -5007,7 +4945,7 @@
               <a:t>(</a:t>
             </a:r>
             <a:r>
-              <a:rPr kumimoji="0" lang="ko-KR" altLang="ko-KR" sz="1500" b="0" i="0" u="none" strike="noStrike" cap="none" normalizeH="0" baseline="0" dirty="0" err="1" smtClean="0">
+              <a:rPr kumimoji="0" lang="ko-KR" altLang="ko-KR" sz="1500" b="0" i="0" u="none" strike="noStrike" cap="none" normalizeH="0" baseline="0" dirty="0" err="1">
                 <a:ln>
                   <a:noFill/>
                 </a:ln>
@@ -5021,7 +4959,7 @@
               <a:t>f</a:t>
             </a:r>
             <a:r>
-              <a:rPr kumimoji="0" lang="ko-KR" altLang="ko-KR" sz="1500" b="0" i="0" u="none" strike="noStrike" cap="none" normalizeH="0" baseline="0" dirty="0" smtClean="0">
+              <a:rPr kumimoji="0" lang="ko-KR" altLang="ko-KR" sz="1500" b="0" i="0" u="none" strike="noStrike" cap="none" normalizeH="0" baseline="0" dirty="0">
                 <a:ln>
                   <a:noFill/>
                 </a:ln>
@@ -5035,7 +4973,7 @@
               <a:t>)</a:t>
             </a:r>
             <a:br>
-              <a:rPr kumimoji="0" lang="ko-KR" altLang="ko-KR" sz="1500" b="0" i="0" u="none" strike="noStrike" cap="none" normalizeH="0" baseline="0" dirty="0" smtClean="0">
+              <a:rPr kumimoji="0" lang="ko-KR" altLang="ko-KR" sz="1500" b="0" i="0" u="none" strike="noStrike" cap="none" normalizeH="0" baseline="0" dirty="0">
                 <a:ln>
                   <a:noFill/>
                 </a:ln>
@@ -5048,7 +4986,7 @@
               </a:rPr>
             </a:br>
             <a:r>
-              <a:rPr kumimoji="0" lang="ko-KR" altLang="ko-KR" sz="1500" b="0" i="0" u="none" strike="noStrike" cap="none" normalizeH="0" baseline="0" dirty="0" err="1" smtClean="0">
+              <a:rPr kumimoji="0" lang="ko-KR" altLang="ko-KR" sz="1500" b="0" i="0" u="none" strike="noStrike" cap="none" normalizeH="0" baseline="0" dirty="0" err="1">
                 <a:ln>
                   <a:noFill/>
                 </a:ln>
@@ -5062,7 +5000,7 @@
               <a:t>next</a:t>
             </a:r>
             <a:r>
-              <a:rPr kumimoji="0" lang="ko-KR" altLang="ko-KR" sz="1500" b="0" i="0" u="none" strike="noStrike" cap="none" normalizeH="0" baseline="0" dirty="0" smtClean="0">
+              <a:rPr kumimoji="0" lang="ko-KR" altLang="ko-KR" sz="1500" b="0" i="0" u="none" strike="noStrike" cap="none" normalizeH="0" baseline="0" dirty="0">
                 <a:ln>
                   <a:noFill/>
                 </a:ln>
@@ -5076,7 +5014,7 @@
               <a:t>(</a:t>
             </a:r>
             <a:r>
-              <a:rPr kumimoji="0" lang="ko-KR" altLang="ko-KR" sz="1500" b="0" i="0" u="none" strike="noStrike" cap="none" normalizeH="0" baseline="0" dirty="0" err="1" smtClean="0">
+              <a:rPr kumimoji="0" lang="ko-KR" altLang="ko-KR" sz="1500" b="0" i="0" u="none" strike="noStrike" cap="none" normalizeH="0" baseline="0" dirty="0" err="1">
                 <a:ln>
                   <a:noFill/>
                 </a:ln>
@@ -5090,7 +5028,7 @@
               <a:t>data</a:t>
             </a:r>
             <a:r>
-              <a:rPr kumimoji="0" lang="ko-KR" altLang="ko-KR" sz="1500" b="0" i="0" u="none" strike="noStrike" cap="none" normalizeH="0" baseline="0" dirty="0" smtClean="0">
+              <a:rPr kumimoji="0" lang="ko-KR" altLang="ko-KR" sz="1500" b="0" i="0" u="none" strike="noStrike" cap="none" normalizeH="0" baseline="0" dirty="0">
                 <a:ln>
                   <a:noFill/>
                 </a:ln>
@@ -5104,7 +5042,7 @@
               <a:t>)</a:t>
             </a:r>
             <a:br>
-              <a:rPr kumimoji="0" lang="ko-KR" altLang="ko-KR" sz="1500" b="0" i="0" u="none" strike="noStrike" cap="none" normalizeH="0" baseline="0" dirty="0" smtClean="0">
+              <a:rPr kumimoji="0" lang="ko-KR" altLang="ko-KR" sz="1500" b="0" i="0" u="none" strike="noStrike" cap="none" normalizeH="0" baseline="0" dirty="0">
                 <a:ln>
                   <a:noFill/>
                 </a:ln>
@@ -5117,7 +5055,7 @@
               </a:rPr>
             </a:br>
             <a:r>
-              <a:rPr kumimoji="0" lang="ko-KR" altLang="ko-KR" sz="1500" b="0" i="0" u="none" strike="noStrike" cap="none" normalizeH="0" baseline="0" dirty="0" smtClean="0">
+              <a:rPr kumimoji="0" lang="ko-KR" altLang="ko-KR" sz="1500" b="0" i="0" u="none" strike="noStrike" cap="none" normalizeH="0" baseline="0" dirty="0">
                 <a:ln>
                   <a:noFill/>
                 </a:ln>
@@ -5131,7 +5069,7 @@
               <a:t>resulty2= []</a:t>
             </a:r>
             <a:br>
-              <a:rPr kumimoji="0" lang="ko-KR" altLang="ko-KR" sz="1500" b="0" i="0" u="none" strike="noStrike" cap="none" normalizeH="0" baseline="0" dirty="0" smtClean="0">
+              <a:rPr kumimoji="0" lang="ko-KR" altLang="ko-KR" sz="1500" b="0" i="0" u="none" strike="noStrike" cap="none" normalizeH="0" baseline="0" dirty="0">
                 <a:ln>
                   <a:noFill/>
                 </a:ln>
@@ -5144,7 +5082,7 @@
               </a:rPr>
             </a:br>
             <a:r>
-              <a:rPr kumimoji="0" lang="ko-KR" altLang="ko-KR" sz="1500" b="0" i="0" u="none" strike="noStrike" cap="none" normalizeH="0" baseline="0" dirty="0" err="1" smtClean="0">
+              <a:rPr kumimoji="0" lang="ko-KR" altLang="ko-KR" sz="1500" b="0" i="0" u="none" strike="noStrike" cap="none" normalizeH="0" baseline="0" dirty="0" err="1">
                 <a:ln>
                   <a:noFill/>
                 </a:ln>
@@ -5158,7 +5096,7 @@
               <a:t>resulty</a:t>
             </a:r>
             <a:r>
-              <a:rPr kumimoji="0" lang="ko-KR" altLang="ko-KR" sz="1500" b="0" i="0" u="none" strike="noStrike" cap="none" normalizeH="0" baseline="0" dirty="0" smtClean="0">
+              <a:rPr kumimoji="0" lang="ko-KR" altLang="ko-KR" sz="1500" b="0" i="0" u="none" strike="noStrike" cap="none" normalizeH="0" baseline="0" dirty="0">
                 <a:ln>
                   <a:noFill/>
                 </a:ln>
@@ -5172,7 +5110,7 @@
               <a:t> = []</a:t>
             </a:r>
             <a:br>
-              <a:rPr kumimoji="0" lang="ko-KR" altLang="ko-KR" sz="1500" b="0" i="0" u="none" strike="noStrike" cap="none" normalizeH="0" baseline="0" dirty="0" smtClean="0">
+              <a:rPr kumimoji="0" lang="ko-KR" altLang="ko-KR" sz="1500" b="0" i="0" u="none" strike="noStrike" cap="none" normalizeH="0" baseline="0" dirty="0">
                 <a:ln>
                   <a:noFill/>
                 </a:ln>
@@ -5185,7 +5123,7 @@
               </a:rPr>
             </a:br>
             <a:r>
-              <a:rPr kumimoji="0" lang="ko-KR" altLang="ko-KR" sz="1500" b="0" i="0" u="none" strike="noStrike" cap="none" normalizeH="0" baseline="0" dirty="0" err="1" smtClean="0">
+              <a:rPr kumimoji="0" lang="ko-KR" altLang="ko-KR" sz="1500" b="0" i="0" u="none" strike="noStrike" cap="none" normalizeH="0" baseline="0" dirty="0" err="1">
                 <a:ln>
                   <a:noFill/>
                 </a:ln>
@@ -5199,7 +5137,7 @@
               <a:t>resultx</a:t>
             </a:r>
             <a:r>
-              <a:rPr kumimoji="0" lang="ko-KR" altLang="ko-KR" sz="1500" b="0" i="0" u="none" strike="noStrike" cap="none" normalizeH="0" baseline="0" dirty="0" smtClean="0">
+              <a:rPr kumimoji="0" lang="ko-KR" altLang="ko-KR" sz="1500" b="0" i="0" u="none" strike="noStrike" cap="none" normalizeH="0" baseline="0" dirty="0">
                 <a:ln>
                   <a:noFill/>
                 </a:ln>
@@ -5213,7 +5151,7 @@
               <a:t>= []</a:t>
             </a:r>
             <a:br>
-              <a:rPr kumimoji="0" lang="ko-KR" altLang="ko-KR" sz="1500" b="0" i="0" u="none" strike="noStrike" cap="none" normalizeH="0" baseline="0" dirty="0" smtClean="0">
+              <a:rPr kumimoji="0" lang="ko-KR" altLang="ko-KR" sz="1500" b="0" i="0" u="none" strike="noStrike" cap="none" normalizeH="0" baseline="0" dirty="0">
                 <a:ln>
                   <a:noFill/>
                 </a:ln>
@@ -5225,22 +5163,8 @@
                 <a:ea typeface="JetBrains Mono"/>
               </a:rPr>
             </a:br>
-            <a:r>
-              <a:rPr kumimoji="0" lang="ko-KR" altLang="ko-KR" sz="1500" b="0" i="0" u="none" strike="noStrike" cap="none" normalizeH="0" baseline="0" dirty="0" smtClean="0">
-                <a:ln>
-                  <a:noFill/>
-                </a:ln>
-                <a:solidFill>
-                  <a:srgbClr val="A9B7C6"/>
-                </a:solidFill>
-                <a:effectLst/>
-                <a:latin typeface="Arial Unicode MS"/>
-                <a:ea typeface="JetBrains Mono"/>
-              </a:rPr>
-              <a:t/>
-            </a:r>
             <a:br>
-              <a:rPr kumimoji="0" lang="ko-KR" altLang="ko-KR" sz="1500" b="0" i="0" u="none" strike="noStrike" cap="none" normalizeH="0" baseline="0" dirty="0" smtClean="0">
+              <a:rPr kumimoji="0" lang="ko-KR" altLang="ko-KR" sz="1500" b="0" i="0" u="none" strike="noStrike" cap="none" normalizeH="0" baseline="0" dirty="0">
                 <a:ln>
                   <a:noFill/>
                 </a:ln>
@@ -5253,7 +5177,7 @@
               </a:rPr>
             </a:br>
             <a:r>
-              <a:rPr kumimoji="0" lang="ko-KR" altLang="ko-KR" sz="1500" b="0" i="0" u="none" strike="noStrike" cap="none" normalizeH="0" baseline="0" dirty="0" err="1" smtClean="0">
+              <a:rPr kumimoji="0" lang="ko-KR" altLang="ko-KR" sz="1500" b="0" i="0" u="none" strike="noStrike" cap="none" normalizeH="0" baseline="0" dirty="0" err="1">
                 <a:ln>
                   <a:noFill/>
                 </a:ln>
@@ -5267,7 +5191,7 @@
               <a:t>for</a:t>
             </a:r>
             <a:r>
-              <a:rPr kumimoji="0" lang="ko-KR" altLang="ko-KR" sz="1500" b="0" i="0" u="none" strike="noStrike" cap="none" normalizeH="0" baseline="0" dirty="0" smtClean="0">
+              <a:rPr kumimoji="0" lang="ko-KR" altLang="ko-KR" sz="1500" b="0" i="0" u="none" strike="noStrike" cap="none" normalizeH="0" baseline="0" dirty="0">
                 <a:ln>
                   <a:noFill/>
                 </a:ln>
@@ -5281,7 +5205,7 @@
               <a:t> </a:t>
             </a:r>
             <a:r>
-              <a:rPr kumimoji="0" lang="ko-KR" altLang="ko-KR" sz="1500" b="0" i="0" u="none" strike="noStrike" cap="none" normalizeH="0" baseline="0" dirty="0" err="1" smtClean="0">
+              <a:rPr kumimoji="0" lang="ko-KR" altLang="ko-KR" sz="1500" b="0" i="0" u="none" strike="noStrike" cap="none" normalizeH="0" baseline="0" dirty="0" err="1">
                 <a:ln>
                   <a:noFill/>
                 </a:ln>
@@ -5295,7 +5219,7 @@
               <a:t>row</a:t>
             </a:r>
             <a:r>
-              <a:rPr kumimoji="0" lang="ko-KR" altLang="ko-KR" sz="1500" b="0" i="0" u="none" strike="noStrike" cap="none" normalizeH="0" baseline="0" dirty="0" smtClean="0">
+              <a:rPr kumimoji="0" lang="ko-KR" altLang="ko-KR" sz="1500" b="0" i="0" u="none" strike="noStrike" cap="none" normalizeH="0" baseline="0" dirty="0">
                 <a:ln>
                   <a:noFill/>
                 </a:ln>
@@ -5309,7 +5233,7 @@
               <a:t> </a:t>
             </a:r>
             <a:r>
-              <a:rPr kumimoji="0" lang="ko-KR" altLang="ko-KR" sz="1500" b="0" i="0" u="none" strike="noStrike" cap="none" normalizeH="0" baseline="0" dirty="0" err="1" smtClean="0">
+              <a:rPr kumimoji="0" lang="ko-KR" altLang="ko-KR" sz="1500" b="0" i="0" u="none" strike="noStrike" cap="none" normalizeH="0" baseline="0" dirty="0" err="1">
                 <a:ln>
                   <a:noFill/>
                 </a:ln>
@@ -5323,7 +5247,7 @@
               <a:t>in</a:t>
             </a:r>
             <a:r>
-              <a:rPr kumimoji="0" lang="ko-KR" altLang="ko-KR" sz="1500" b="0" i="0" u="none" strike="noStrike" cap="none" normalizeH="0" baseline="0" dirty="0" smtClean="0">
+              <a:rPr kumimoji="0" lang="ko-KR" altLang="ko-KR" sz="1500" b="0" i="0" u="none" strike="noStrike" cap="none" normalizeH="0" baseline="0" dirty="0">
                 <a:ln>
                   <a:noFill/>
                 </a:ln>
@@ -5337,7 +5261,7 @@
               <a:t> </a:t>
             </a:r>
             <a:r>
-              <a:rPr kumimoji="0" lang="ko-KR" altLang="ko-KR" sz="1500" b="0" i="0" u="none" strike="noStrike" cap="none" normalizeH="0" baseline="0" dirty="0" err="1" smtClean="0">
+              <a:rPr kumimoji="0" lang="ko-KR" altLang="ko-KR" sz="1500" b="0" i="0" u="none" strike="noStrike" cap="none" normalizeH="0" baseline="0" dirty="0" err="1">
                 <a:ln>
                   <a:noFill/>
                 </a:ln>
@@ -5351,7 +5275,7 @@
               <a:t>data</a:t>
             </a:r>
             <a:r>
-              <a:rPr kumimoji="0" lang="ko-KR" altLang="ko-KR" sz="1500" b="0" i="0" u="none" strike="noStrike" cap="none" normalizeH="0" baseline="0" dirty="0" smtClean="0">
+              <a:rPr kumimoji="0" lang="ko-KR" altLang="ko-KR" sz="1500" b="0" i="0" u="none" strike="noStrike" cap="none" normalizeH="0" baseline="0" dirty="0">
                 <a:ln>
                   <a:noFill/>
                 </a:ln>
@@ -5365,7 +5289,7 @@
               <a:t>:</a:t>
             </a:r>
             <a:br>
-              <a:rPr kumimoji="0" lang="ko-KR" altLang="ko-KR" sz="1500" b="0" i="0" u="none" strike="noStrike" cap="none" normalizeH="0" baseline="0" dirty="0" smtClean="0">
+              <a:rPr kumimoji="0" lang="ko-KR" altLang="ko-KR" sz="1500" b="0" i="0" u="none" strike="noStrike" cap="none" normalizeH="0" baseline="0" dirty="0">
                 <a:ln>
                   <a:noFill/>
                 </a:ln>
@@ -5378,7 +5302,7 @@
               </a:rPr>
             </a:br>
             <a:r>
-              <a:rPr kumimoji="0" lang="ko-KR" altLang="ko-KR" sz="1500" b="0" i="0" u="none" strike="noStrike" cap="none" normalizeH="0" baseline="0" dirty="0" smtClean="0">
+              <a:rPr kumimoji="0" lang="ko-KR" altLang="ko-KR" sz="1500" b="0" i="0" u="none" strike="noStrike" cap="none" normalizeH="0" baseline="0" dirty="0">
                 <a:ln>
                   <a:noFill/>
                 </a:ln>
@@ -5392,7 +5316,7 @@
               <a:t>    </a:t>
             </a:r>
             <a:r>
-              <a:rPr kumimoji="0" lang="ko-KR" altLang="ko-KR" sz="1500" b="0" i="0" u="none" strike="noStrike" cap="none" normalizeH="0" baseline="0" dirty="0" err="1" smtClean="0">
+              <a:rPr kumimoji="0" lang="ko-KR" altLang="ko-KR" sz="1500" b="0" i="0" u="none" strike="noStrike" cap="none" normalizeH="0" baseline="0" dirty="0" err="1">
                 <a:ln>
                   <a:noFill/>
                 </a:ln>
@@ -5406,7 +5330,7 @@
               <a:t>print</a:t>
             </a:r>
             <a:r>
-              <a:rPr kumimoji="0" lang="ko-KR" altLang="ko-KR" sz="1500" b="0" i="0" u="none" strike="noStrike" cap="none" normalizeH="0" baseline="0" dirty="0" smtClean="0">
+              <a:rPr kumimoji="0" lang="ko-KR" altLang="ko-KR" sz="1500" b="0" i="0" u="none" strike="noStrike" cap="none" normalizeH="0" baseline="0" dirty="0">
                 <a:ln>
                   <a:noFill/>
                 </a:ln>
@@ -5420,7 +5344,7 @@
               <a:t>(</a:t>
             </a:r>
             <a:r>
-              <a:rPr kumimoji="0" lang="ko-KR" altLang="ko-KR" sz="1500" b="0" i="0" u="none" strike="noStrike" cap="none" normalizeH="0" baseline="0" dirty="0" err="1" smtClean="0">
+              <a:rPr kumimoji="0" lang="ko-KR" altLang="ko-KR" sz="1500" b="0" i="0" u="none" strike="noStrike" cap="none" normalizeH="0" baseline="0" dirty="0" err="1">
                 <a:ln>
                   <a:noFill/>
                 </a:ln>
@@ -5434,7 +5358,7 @@
               <a:t>row</a:t>
             </a:r>
             <a:r>
-              <a:rPr kumimoji="0" lang="ko-KR" altLang="ko-KR" sz="1500" b="0" i="0" u="none" strike="noStrike" cap="none" normalizeH="0" baseline="0" dirty="0" smtClean="0">
+              <a:rPr kumimoji="0" lang="ko-KR" altLang="ko-KR" sz="1500" b="0" i="0" u="none" strike="noStrike" cap="none" normalizeH="0" baseline="0" dirty="0">
                 <a:ln>
                   <a:noFill/>
                 </a:ln>
@@ -5448,7 +5372,7 @@
               <a:t>)</a:t>
             </a:r>
             <a:br>
-              <a:rPr kumimoji="0" lang="ko-KR" altLang="ko-KR" sz="1500" b="0" i="0" u="none" strike="noStrike" cap="none" normalizeH="0" baseline="0" dirty="0" smtClean="0">
+              <a:rPr kumimoji="0" lang="ko-KR" altLang="ko-KR" sz="1500" b="0" i="0" u="none" strike="noStrike" cap="none" normalizeH="0" baseline="0" dirty="0">
                 <a:ln>
                   <a:noFill/>
                 </a:ln>
@@ -5461,7 +5385,7 @@
               </a:rPr>
             </a:br>
             <a:r>
-              <a:rPr kumimoji="0" lang="ko-KR" altLang="ko-KR" sz="1500" b="0" i="0" u="none" strike="noStrike" cap="none" normalizeH="0" baseline="0" dirty="0" smtClean="0">
+              <a:rPr kumimoji="0" lang="ko-KR" altLang="ko-KR" sz="1500" b="0" i="0" u="none" strike="noStrike" cap="none" normalizeH="0" baseline="0" dirty="0">
                 <a:ln>
                   <a:noFill/>
                 </a:ln>
@@ -5475,7 +5399,7 @@
               <a:t>    </a:t>
             </a:r>
             <a:r>
-              <a:rPr kumimoji="0" lang="ko-KR" altLang="ko-KR" sz="1500" b="0" i="0" u="none" strike="noStrike" cap="none" normalizeH="0" baseline="0" dirty="0" err="1" smtClean="0">
+              <a:rPr kumimoji="0" lang="ko-KR" altLang="ko-KR" sz="1500" b="0" i="0" u="none" strike="noStrike" cap="none" normalizeH="0" baseline="0" dirty="0" err="1">
                 <a:ln>
                   <a:noFill/>
                 </a:ln>
@@ -5489,7 +5413,7 @@
               <a:t>if</a:t>
             </a:r>
             <a:r>
-              <a:rPr kumimoji="0" lang="ko-KR" altLang="ko-KR" sz="1500" b="0" i="0" u="none" strike="noStrike" cap="none" normalizeH="0" baseline="0" dirty="0" smtClean="0">
+              <a:rPr kumimoji="0" lang="ko-KR" altLang="ko-KR" sz="1500" b="0" i="0" u="none" strike="noStrike" cap="none" normalizeH="0" baseline="0" dirty="0">
                 <a:ln>
                   <a:noFill/>
                 </a:ln>
@@ -5503,7 +5427,7 @@
               <a:t> </a:t>
             </a:r>
             <a:r>
-              <a:rPr kumimoji="0" lang="ko-KR" altLang="ko-KR" sz="1500" b="0" i="0" u="none" strike="noStrike" cap="none" normalizeH="0" baseline="0" dirty="0" err="1" smtClean="0">
+              <a:rPr kumimoji="0" lang="ko-KR" altLang="ko-KR" sz="1500" b="0" i="0" u="none" strike="noStrike" cap="none" normalizeH="0" baseline="0" dirty="0" err="1">
                 <a:ln>
                   <a:noFill/>
                 </a:ln>
@@ -5517,7 +5441,7 @@
               <a:t>row</a:t>
             </a:r>
             <a:r>
-              <a:rPr kumimoji="0" lang="ko-KR" altLang="ko-KR" sz="1500" b="0" i="0" u="none" strike="noStrike" cap="none" normalizeH="0" baseline="0" dirty="0" smtClean="0">
+              <a:rPr kumimoji="0" lang="ko-KR" altLang="ko-KR" sz="1500" b="0" i="0" u="none" strike="noStrike" cap="none" normalizeH="0" baseline="0" dirty="0">
                 <a:ln>
                   <a:noFill/>
                 </a:ln>
@@ -5531,7 +5455,7 @@
               <a:t>[-</a:t>
             </a:r>
             <a:r>
-              <a:rPr kumimoji="0" lang="ko-KR" altLang="ko-KR" sz="1500" b="0" i="0" u="none" strike="noStrike" cap="none" normalizeH="0" baseline="0" dirty="0" smtClean="0">
+              <a:rPr kumimoji="0" lang="ko-KR" altLang="ko-KR" sz="1500" b="0" i="0" u="none" strike="noStrike" cap="none" normalizeH="0" baseline="0" dirty="0">
                 <a:ln>
                   <a:noFill/>
                 </a:ln>
@@ -5545,7 +5469,7 @@
               <a:t>1</a:t>
             </a:r>
             <a:r>
-              <a:rPr kumimoji="0" lang="ko-KR" altLang="ko-KR" sz="1500" b="0" i="0" u="none" strike="noStrike" cap="none" normalizeH="0" baseline="0" dirty="0" smtClean="0">
+              <a:rPr kumimoji="0" lang="ko-KR" altLang="ko-KR" sz="1500" b="0" i="0" u="none" strike="noStrike" cap="none" normalizeH="0" baseline="0" dirty="0">
                 <a:ln>
                   <a:noFill/>
                 </a:ln>
@@ -5559,7 +5483,7 @@
               <a:t>] != </a:t>
             </a:r>
             <a:r>
-              <a:rPr kumimoji="0" lang="ko-KR" altLang="ko-KR" sz="1500" b="0" i="0" u="none" strike="noStrike" cap="none" normalizeH="0" baseline="0" dirty="0" smtClean="0">
+              <a:rPr kumimoji="0" lang="ko-KR" altLang="ko-KR" sz="1500" b="0" i="0" u="none" strike="noStrike" cap="none" normalizeH="0" baseline="0" dirty="0">
                 <a:ln>
                   <a:noFill/>
                 </a:ln>
@@ -5573,7 +5497,7 @@
               <a:t>''</a:t>
             </a:r>
             <a:r>
-              <a:rPr kumimoji="0" lang="ko-KR" altLang="ko-KR" sz="1500" b="0" i="0" u="none" strike="noStrike" cap="none" normalizeH="0" baseline="0" dirty="0" smtClean="0">
+              <a:rPr kumimoji="0" lang="ko-KR" altLang="ko-KR" sz="1500" b="0" i="0" u="none" strike="noStrike" cap="none" normalizeH="0" baseline="0" dirty="0">
                 <a:ln>
                   <a:noFill/>
                 </a:ln>
@@ -5587,7 +5511,7 @@
               <a:t>:</a:t>
             </a:r>
             <a:br>
-              <a:rPr kumimoji="0" lang="ko-KR" altLang="ko-KR" sz="1500" b="0" i="0" u="none" strike="noStrike" cap="none" normalizeH="0" baseline="0" dirty="0" smtClean="0">
+              <a:rPr kumimoji="0" lang="ko-KR" altLang="ko-KR" sz="1500" b="0" i="0" u="none" strike="noStrike" cap="none" normalizeH="0" baseline="0" dirty="0">
                 <a:ln>
                   <a:noFill/>
                 </a:ln>
@@ -5600,7 +5524,7 @@
               </a:rPr>
             </a:br>
             <a:r>
-              <a:rPr kumimoji="0" lang="ko-KR" altLang="ko-KR" sz="1500" b="0" i="0" u="none" strike="noStrike" cap="none" normalizeH="0" baseline="0" dirty="0" smtClean="0">
+              <a:rPr kumimoji="0" lang="ko-KR" altLang="ko-KR" sz="1500" b="0" i="0" u="none" strike="noStrike" cap="none" normalizeH="0" baseline="0" dirty="0">
                 <a:ln>
                   <a:noFill/>
                 </a:ln>
@@ -5614,7 +5538,7 @@
               <a:t>        </a:t>
             </a:r>
             <a:r>
-              <a:rPr kumimoji="0" lang="ko-KR" altLang="ko-KR" sz="1500" b="0" i="0" u="none" strike="noStrike" cap="none" normalizeH="0" baseline="0" dirty="0" err="1" smtClean="0">
+              <a:rPr kumimoji="0" lang="ko-KR" altLang="ko-KR" sz="1500" b="0" i="0" u="none" strike="noStrike" cap="none" normalizeH="0" baseline="0" dirty="0" err="1">
                 <a:ln>
                   <a:noFill/>
                 </a:ln>
@@ -5628,7 +5552,7 @@
               <a:t>if</a:t>
             </a:r>
             <a:r>
-              <a:rPr kumimoji="0" lang="ko-KR" altLang="ko-KR" sz="1500" b="0" i="0" u="none" strike="noStrike" cap="none" normalizeH="0" baseline="0" dirty="0" smtClean="0">
+              <a:rPr kumimoji="0" lang="ko-KR" altLang="ko-KR" sz="1500" b="0" i="0" u="none" strike="noStrike" cap="none" normalizeH="0" baseline="0" dirty="0">
                 <a:ln>
                   <a:noFill/>
                 </a:ln>
@@ -5642,7 +5566,7 @@
               <a:t> </a:t>
             </a:r>
             <a:r>
-              <a:rPr kumimoji="0" lang="ko-KR" altLang="ko-KR" sz="1500" b="0" i="0" u="none" strike="noStrike" cap="none" normalizeH="0" baseline="0" dirty="0" err="1" smtClean="0">
+              <a:rPr kumimoji="0" lang="ko-KR" altLang="ko-KR" sz="1500" b="0" i="0" u="none" strike="noStrike" cap="none" normalizeH="0" baseline="0" dirty="0" err="1">
                 <a:ln>
                   <a:noFill/>
                 </a:ln>
@@ -5656,7 +5580,7 @@
               <a:t>row</a:t>
             </a:r>
             <a:r>
-              <a:rPr kumimoji="0" lang="ko-KR" altLang="ko-KR" sz="1500" b="0" i="0" u="none" strike="noStrike" cap="none" normalizeH="0" baseline="0" dirty="0" smtClean="0">
+              <a:rPr kumimoji="0" lang="ko-KR" altLang="ko-KR" sz="1500" b="0" i="0" u="none" strike="noStrike" cap="none" normalizeH="0" baseline="0" dirty="0">
                 <a:ln>
                   <a:noFill/>
                 </a:ln>
@@ -5670,7 +5594,7 @@
               <a:t>[</a:t>
             </a:r>
             <a:r>
-              <a:rPr kumimoji="0" lang="ko-KR" altLang="ko-KR" sz="1500" b="0" i="0" u="none" strike="noStrike" cap="none" normalizeH="0" baseline="0" dirty="0" smtClean="0">
+              <a:rPr kumimoji="0" lang="ko-KR" altLang="ko-KR" sz="1500" b="0" i="0" u="none" strike="noStrike" cap="none" normalizeH="0" baseline="0" dirty="0">
                 <a:ln>
                   <a:noFill/>
                 </a:ln>
@@ -5684,7 +5608,7 @@
               <a:t>0</a:t>
             </a:r>
             <a:r>
-              <a:rPr kumimoji="0" lang="ko-KR" altLang="ko-KR" sz="1500" b="0" i="0" u="none" strike="noStrike" cap="none" normalizeH="0" baseline="0" dirty="0" smtClean="0">
+              <a:rPr kumimoji="0" lang="ko-KR" altLang="ko-KR" sz="1500" b="0" i="0" u="none" strike="noStrike" cap="none" normalizeH="0" baseline="0" dirty="0">
                 <a:ln>
                   <a:noFill/>
                 </a:ln>
@@ -5698,7 +5622,7 @@
               <a:t>].</a:t>
             </a:r>
             <a:r>
-              <a:rPr kumimoji="0" lang="ko-KR" altLang="ko-KR" sz="1500" b="0" i="0" u="none" strike="noStrike" cap="none" normalizeH="0" baseline="0" dirty="0" err="1" smtClean="0">
+              <a:rPr kumimoji="0" lang="ko-KR" altLang="ko-KR" sz="1500" b="0" i="0" u="none" strike="noStrike" cap="none" normalizeH="0" baseline="0" dirty="0" err="1">
                 <a:ln>
                   <a:noFill/>
                 </a:ln>
@@ -5712,7 +5636,7 @@
               <a:t>split</a:t>
             </a:r>
             <a:r>
-              <a:rPr kumimoji="0" lang="ko-KR" altLang="ko-KR" sz="1500" b="0" i="0" u="none" strike="noStrike" cap="none" normalizeH="0" baseline="0" dirty="0" smtClean="0">
+              <a:rPr kumimoji="0" lang="ko-KR" altLang="ko-KR" sz="1500" b="0" i="0" u="none" strike="noStrike" cap="none" normalizeH="0" baseline="0" dirty="0">
                 <a:ln>
                   <a:noFill/>
                 </a:ln>
@@ -5726,7 +5650,7 @@
               <a:t>(</a:t>
             </a:r>
             <a:r>
-              <a:rPr kumimoji="0" lang="ko-KR" altLang="ko-KR" sz="1500" b="0" i="0" u="none" strike="noStrike" cap="none" normalizeH="0" baseline="0" dirty="0" smtClean="0">
+              <a:rPr kumimoji="0" lang="ko-KR" altLang="ko-KR" sz="1500" b="0" i="0" u="none" strike="noStrike" cap="none" normalizeH="0" baseline="0" dirty="0">
                 <a:ln>
                   <a:noFill/>
                 </a:ln>
@@ -5740,7 +5664,7 @@
               <a:t>'-'</a:t>
             </a:r>
             <a:r>
-              <a:rPr kumimoji="0" lang="ko-KR" altLang="ko-KR" sz="1500" b="0" i="0" u="none" strike="noStrike" cap="none" normalizeH="0" baseline="0" dirty="0" smtClean="0">
+              <a:rPr kumimoji="0" lang="ko-KR" altLang="ko-KR" sz="1500" b="0" i="0" u="none" strike="noStrike" cap="none" normalizeH="0" baseline="0" dirty="0">
                 <a:ln>
                   <a:noFill/>
                 </a:ln>
@@ -5754,7 +5678,7 @@
               <a:t>)[</a:t>
             </a:r>
             <a:r>
-              <a:rPr kumimoji="0" lang="ko-KR" altLang="ko-KR" sz="1500" b="0" i="0" u="none" strike="noStrike" cap="none" normalizeH="0" baseline="0" dirty="0" smtClean="0">
+              <a:rPr kumimoji="0" lang="ko-KR" altLang="ko-KR" sz="1500" b="0" i="0" u="none" strike="noStrike" cap="none" normalizeH="0" baseline="0" dirty="0">
                 <a:ln>
                   <a:noFill/>
                 </a:ln>
@@ -5768,7 +5692,7 @@
               <a:t>1</a:t>
             </a:r>
             <a:r>
-              <a:rPr kumimoji="0" lang="ko-KR" altLang="ko-KR" sz="1500" b="0" i="0" u="none" strike="noStrike" cap="none" normalizeH="0" baseline="0" dirty="0" smtClean="0">
+              <a:rPr kumimoji="0" lang="ko-KR" altLang="ko-KR" sz="1500" b="0" i="0" u="none" strike="noStrike" cap="none" normalizeH="0" baseline="0" dirty="0">
                 <a:ln>
                   <a:noFill/>
                 </a:ln>
@@ -5782,7 +5706,7 @@
               <a:t>] == </a:t>
             </a:r>
             <a:r>
-              <a:rPr kumimoji="0" lang="ko-KR" altLang="ko-KR" sz="1500" b="0" i="0" u="none" strike="noStrike" cap="none" normalizeH="0" baseline="0" dirty="0" smtClean="0">
+              <a:rPr kumimoji="0" lang="ko-KR" altLang="ko-KR" sz="1500" b="0" i="0" u="none" strike="noStrike" cap="none" normalizeH="0" baseline="0" dirty="0">
                 <a:ln>
                   <a:noFill/>
                 </a:ln>
@@ -5796,7 +5720,7 @@
               <a:t>'02' </a:t>
             </a:r>
             <a:r>
-              <a:rPr kumimoji="0" lang="ko-KR" altLang="ko-KR" sz="1500" b="0" i="0" u="none" strike="noStrike" cap="none" normalizeH="0" baseline="0" dirty="0" smtClean="0">
+              <a:rPr kumimoji="0" lang="ko-KR" altLang="ko-KR" sz="1500" b="0" i="0" u="none" strike="noStrike" cap="none" normalizeH="0" baseline="0" dirty="0">
                 <a:ln>
                   <a:noFill/>
                 </a:ln>
@@ -5810,7 +5734,7 @@
               <a:t>and </a:t>
             </a:r>
             <a:r>
-              <a:rPr kumimoji="0" lang="ko-KR" altLang="ko-KR" sz="1500" b="0" i="0" u="none" strike="noStrike" cap="none" normalizeH="0" baseline="0" dirty="0" err="1" smtClean="0">
+              <a:rPr kumimoji="0" lang="ko-KR" altLang="ko-KR" sz="1500" b="0" i="0" u="none" strike="noStrike" cap="none" normalizeH="0" baseline="0" dirty="0" err="1">
                 <a:ln>
                   <a:noFill/>
                 </a:ln>
@@ -5824,7 +5748,7 @@
               <a:t>row</a:t>
             </a:r>
             <a:r>
-              <a:rPr kumimoji="0" lang="ko-KR" altLang="ko-KR" sz="1500" b="0" i="0" u="none" strike="noStrike" cap="none" normalizeH="0" baseline="0" dirty="0" smtClean="0">
+              <a:rPr kumimoji="0" lang="ko-KR" altLang="ko-KR" sz="1500" b="0" i="0" u="none" strike="noStrike" cap="none" normalizeH="0" baseline="0" dirty="0">
                 <a:ln>
                   <a:noFill/>
                 </a:ln>
@@ -5838,7 +5762,7 @@
               <a:t>[</a:t>
             </a:r>
             <a:r>
-              <a:rPr kumimoji="0" lang="ko-KR" altLang="ko-KR" sz="1500" b="0" i="0" u="none" strike="noStrike" cap="none" normalizeH="0" baseline="0" dirty="0" smtClean="0">
+              <a:rPr kumimoji="0" lang="ko-KR" altLang="ko-KR" sz="1500" b="0" i="0" u="none" strike="noStrike" cap="none" normalizeH="0" baseline="0" dirty="0">
                 <a:ln>
                   <a:noFill/>
                 </a:ln>
@@ -5852,7 +5776,7 @@
               <a:t>0</a:t>
             </a:r>
             <a:r>
-              <a:rPr kumimoji="0" lang="ko-KR" altLang="ko-KR" sz="1500" b="0" i="0" u="none" strike="noStrike" cap="none" normalizeH="0" baseline="0" dirty="0" smtClean="0">
+              <a:rPr kumimoji="0" lang="ko-KR" altLang="ko-KR" sz="1500" b="0" i="0" u="none" strike="noStrike" cap="none" normalizeH="0" baseline="0" dirty="0">
                 <a:ln>
                   <a:noFill/>
                 </a:ln>
@@ -5866,7 +5790,7 @@
               <a:t>].</a:t>
             </a:r>
             <a:r>
-              <a:rPr kumimoji="0" lang="ko-KR" altLang="ko-KR" sz="1500" b="0" i="0" u="none" strike="noStrike" cap="none" normalizeH="0" baseline="0" dirty="0" err="1" smtClean="0">
+              <a:rPr kumimoji="0" lang="ko-KR" altLang="ko-KR" sz="1500" b="0" i="0" u="none" strike="noStrike" cap="none" normalizeH="0" baseline="0" dirty="0" err="1">
                 <a:ln>
                   <a:noFill/>
                 </a:ln>
@@ -5880,7 +5804,7 @@
               <a:t>split</a:t>
             </a:r>
             <a:r>
-              <a:rPr kumimoji="0" lang="ko-KR" altLang="ko-KR" sz="1500" b="0" i="0" u="none" strike="noStrike" cap="none" normalizeH="0" baseline="0" dirty="0" smtClean="0">
+              <a:rPr kumimoji="0" lang="ko-KR" altLang="ko-KR" sz="1500" b="0" i="0" u="none" strike="noStrike" cap="none" normalizeH="0" baseline="0" dirty="0">
                 <a:ln>
                   <a:noFill/>
                 </a:ln>
@@ -5894,7 +5818,7 @@
               <a:t>(</a:t>
             </a:r>
             <a:r>
-              <a:rPr kumimoji="0" lang="ko-KR" altLang="ko-KR" sz="1500" b="0" i="0" u="none" strike="noStrike" cap="none" normalizeH="0" baseline="0" dirty="0" smtClean="0">
+              <a:rPr kumimoji="0" lang="ko-KR" altLang="ko-KR" sz="1500" b="0" i="0" u="none" strike="noStrike" cap="none" normalizeH="0" baseline="0" dirty="0">
                 <a:ln>
                   <a:noFill/>
                 </a:ln>
@@ -5908,7 +5832,7 @@
               <a:t>'-'</a:t>
             </a:r>
             <a:r>
-              <a:rPr kumimoji="0" lang="ko-KR" altLang="ko-KR" sz="1500" b="0" i="0" u="none" strike="noStrike" cap="none" normalizeH="0" baseline="0" dirty="0" smtClean="0">
+              <a:rPr kumimoji="0" lang="ko-KR" altLang="ko-KR" sz="1500" b="0" i="0" u="none" strike="noStrike" cap="none" normalizeH="0" baseline="0" dirty="0">
                 <a:ln>
                   <a:noFill/>
                 </a:ln>
@@ -5922,7 +5846,7 @@
               <a:t>)[</a:t>
             </a:r>
             <a:r>
-              <a:rPr kumimoji="0" lang="ko-KR" altLang="ko-KR" sz="1500" b="0" i="0" u="none" strike="noStrike" cap="none" normalizeH="0" baseline="0" dirty="0" smtClean="0">
+              <a:rPr kumimoji="0" lang="ko-KR" altLang="ko-KR" sz="1500" b="0" i="0" u="none" strike="noStrike" cap="none" normalizeH="0" baseline="0" dirty="0">
                 <a:ln>
                   <a:noFill/>
                 </a:ln>
@@ -5936,7 +5860,7 @@
               <a:t>2</a:t>
             </a:r>
             <a:r>
-              <a:rPr kumimoji="0" lang="ko-KR" altLang="ko-KR" sz="1500" b="0" i="0" u="none" strike="noStrike" cap="none" normalizeH="0" baseline="0" dirty="0" smtClean="0">
+              <a:rPr kumimoji="0" lang="ko-KR" altLang="ko-KR" sz="1500" b="0" i="0" u="none" strike="noStrike" cap="none" normalizeH="0" baseline="0" dirty="0">
                 <a:ln>
                   <a:noFill/>
                 </a:ln>
@@ -5950,7 +5874,7 @@
               <a:t>] == </a:t>
             </a:r>
             <a:r>
-              <a:rPr kumimoji="0" lang="ko-KR" altLang="ko-KR" sz="1500" b="0" i="0" u="none" strike="noStrike" cap="none" normalizeH="0" baseline="0" dirty="0" smtClean="0">
+              <a:rPr kumimoji="0" lang="ko-KR" altLang="ko-KR" sz="1500" b="0" i="0" u="none" strike="noStrike" cap="none" normalizeH="0" baseline="0" dirty="0">
                 <a:ln>
                   <a:noFill/>
                 </a:ln>
@@ -5964,7 +5888,7 @@
               <a:t>'11'</a:t>
             </a:r>
             <a:r>
-              <a:rPr kumimoji="0" lang="ko-KR" altLang="ko-KR" sz="1500" b="0" i="0" u="none" strike="noStrike" cap="none" normalizeH="0" baseline="0" dirty="0" smtClean="0">
+              <a:rPr kumimoji="0" lang="ko-KR" altLang="ko-KR" sz="1500" b="0" i="0" u="none" strike="noStrike" cap="none" normalizeH="0" baseline="0" dirty="0">
                 <a:ln>
                   <a:noFill/>
                 </a:ln>
@@ -5978,7 +5902,7 @@
               <a:t>:</a:t>
             </a:r>
             <a:br>
-              <a:rPr kumimoji="0" lang="ko-KR" altLang="ko-KR" sz="1500" b="0" i="0" u="none" strike="noStrike" cap="none" normalizeH="0" baseline="0" dirty="0" smtClean="0">
+              <a:rPr kumimoji="0" lang="ko-KR" altLang="ko-KR" sz="1500" b="0" i="0" u="none" strike="noStrike" cap="none" normalizeH="0" baseline="0" dirty="0">
                 <a:ln>
                   <a:noFill/>
                 </a:ln>
@@ -5991,7 +5915,7 @@
               </a:rPr>
             </a:br>
             <a:r>
-              <a:rPr kumimoji="0" lang="ko-KR" altLang="ko-KR" sz="1500" b="0" i="0" u="none" strike="noStrike" cap="none" normalizeH="0" baseline="0" dirty="0" smtClean="0">
+              <a:rPr kumimoji="0" lang="ko-KR" altLang="ko-KR" sz="1500" b="0" i="0" u="none" strike="noStrike" cap="none" normalizeH="0" baseline="0" dirty="0">
                 <a:ln>
                   <a:noFill/>
                 </a:ln>
@@ -6005,7 +5929,7 @@
               <a:t>            </a:t>
             </a:r>
             <a:r>
-              <a:rPr kumimoji="0" lang="ko-KR" altLang="ko-KR" sz="1500" b="0" i="0" u="none" strike="noStrike" cap="none" normalizeH="0" baseline="0" dirty="0" err="1" smtClean="0">
+              <a:rPr kumimoji="0" lang="ko-KR" altLang="ko-KR" sz="1500" b="0" i="0" u="none" strike="noStrike" cap="none" normalizeH="0" baseline="0" dirty="0" err="1">
                 <a:ln>
                   <a:noFill/>
                 </a:ln>
@@ -6019,7 +5943,7 @@
               <a:t>resulty.append</a:t>
             </a:r>
             <a:r>
-              <a:rPr kumimoji="0" lang="ko-KR" altLang="ko-KR" sz="1500" b="0" i="0" u="none" strike="noStrike" cap="none" normalizeH="0" baseline="0" dirty="0" smtClean="0">
+              <a:rPr kumimoji="0" lang="ko-KR" altLang="ko-KR" sz="1500" b="0" i="0" u="none" strike="noStrike" cap="none" normalizeH="0" baseline="0" dirty="0">
                 <a:ln>
                   <a:noFill/>
                 </a:ln>
@@ -6033,7 +5957,7 @@
               <a:t>(</a:t>
             </a:r>
             <a:r>
-              <a:rPr kumimoji="0" lang="ko-KR" altLang="ko-KR" sz="1500" b="0" i="0" u="none" strike="noStrike" cap="none" normalizeH="0" baseline="0" dirty="0" err="1" smtClean="0">
+              <a:rPr kumimoji="0" lang="ko-KR" altLang="ko-KR" sz="1500" b="0" i="0" u="none" strike="noStrike" cap="none" normalizeH="0" baseline="0" dirty="0" err="1">
                 <a:ln>
                   <a:noFill/>
                 </a:ln>
@@ -6047,7 +5971,7 @@
               <a:t>float</a:t>
             </a:r>
             <a:r>
-              <a:rPr kumimoji="0" lang="ko-KR" altLang="ko-KR" sz="1500" b="0" i="0" u="none" strike="noStrike" cap="none" normalizeH="0" baseline="0" dirty="0" smtClean="0">
+              <a:rPr kumimoji="0" lang="ko-KR" altLang="ko-KR" sz="1500" b="0" i="0" u="none" strike="noStrike" cap="none" normalizeH="0" baseline="0" dirty="0">
                 <a:ln>
                   <a:noFill/>
                 </a:ln>
@@ -6061,7 +5985,7 @@
               <a:t>(</a:t>
             </a:r>
             <a:r>
-              <a:rPr kumimoji="0" lang="ko-KR" altLang="ko-KR" sz="1500" b="0" i="0" u="none" strike="noStrike" cap="none" normalizeH="0" baseline="0" dirty="0" err="1" smtClean="0">
+              <a:rPr kumimoji="0" lang="ko-KR" altLang="ko-KR" sz="1500" b="0" i="0" u="none" strike="noStrike" cap="none" normalizeH="0" baseline="0" dirty="0" err="1">
                 <a:ln>
                   <a:noFill/>
                 </a:ln>
@@ -6075,7 +5999,7 @@
               <a:t>row</a:t>
             </a:r>
             <a:r>
-              <a:rPr kumimoji="0" lang="ko-KR" altLang="ko-KR" sz="1500" b="0" i="0" u="none" strike="noStrike" cap="none" normalizeH="0" baseline="0" dirty="0" smtClean="0">
+              <a:rPr kumimoji="0" lang="ko-KR" altLang="ko-KR" sz="1500" b="0" i="0" u="none" strike="noStrike" cap="none" normalizeH="0" baseline="0" dirty="0">
                 <a:ln>
                   <a:noFill/>
                 </a:ln>
@@ -6089,7 +6013,7 @@
               <a:t>[-</a:t>
             </a:r>
             <a:r>
-              <a:rPr kumimoji="0" lang="ko-KR" altLang="ko-KR" sz="1500" b="0" i="0" u="none" strike="noStrike" cap="none" normalizeH="0" baseline="0" dirty="0" smtClean="0">
+              <a:rPr kumimoji="0" lang="ko-KR" altLang="ko-KR" sz="1500" b="0" i="0" u="none" strike="noStrike" cap="none" normalizeH="0" baseline="0" dirty="0">
                 <a:ln>
                   <a:noFill/>
                 </a:ln>
@@ -6103,7 +6027,7 @@
               <a:t>1</a:t>
             </a:r>
             <a:r>
-              <a:rPr kumimoji="0" lang="ko-KR" altLang="ko-KR" sz="1500" b="0" i="0" u="none" strike="noStrike" cap="none" normalizeH="0" baseline="0" dirty="0" smtClean="0">
+              <a:rPr kumimoji="0" lang="ko-KR" altLang="ko-KR" sz="1500" b="0" i="0" u="none" strike="noStrike" cap="none" normalizeH="0" baseline="0" dirty="0">
                 <a:ln>
                   <a:noFill/>
                 </a:ln>
@@ -6117,7 +6041,7 @@
               <a:t>]))</a:t>
             </a:r>
             <a:br>
-              <a:rPr kumimoji="0" lang="ko-KR" altLang="ko-KR" sz="1500" b="0" i="0" u="none" strike="noStrike" cap="none" normalizeH="0" baseline="0" dirty="0" smtClean="0">
+              <a:rPr kumimoji="0" lang="ko-KR" altLang="ko-KR" sz="1500" b="0" i="0" u="none" strike="noStrike" cap="none" normalizeH="0" baseline="0" dirty="0">
                 <a:ln>
                   <a:noFill/>
                 </a:ln>
@@ -6130,7 +6054,7 @@
               </a:rPr>
             </a:br>
             <a:r>
-              <a:rPr kumimoji="0" lang="ko-KR" altLang="ko-KR" sz="1500" b="0" i="0" u="none" strike="noStrike" cap="none" normalizeH="0" baseline="0" dirty="0" smtClean="0">
+              <a:rPr kumimoji="0" lang="ko-KR" altLang="ko-KR" sz="1500" b="0" i="0" u="none" strike="noStrike" cap="none" normalizeH="0" baseline="0" dirty="0">
                 <a:ln>
                   <a:noFill/>
                 </a:ln>
@@ -6144,7 +6068,7 @@
               <a:t>            resulty2.append(</a:t>
             </a:r>
             <a:r>
-              <a:rPr kumimoji="0" lang="ko-KR" altLang="ko-KR" sz="1500" b="0" i="0" u="none" strike="noStrike" cap="none" normalizeH="0" baseline="0" dirty="0" err="1" smtClean="0">
+              <a:rPr kumimoji="0" lang="ko-KR" altLang="ko-KR" sz="1500" b="0" i="0" u="none" strike="noStrike" cap="none" normalizeH="0" baseline="0" dirty="0" err="1">
                 <a:ln>
                   <a:noFill/>
                 </a:ln>
@@ -6158,7 +6082,7 @@
               <a:t>float</a:t>
             </a:r>
             <a:r>
-              <a:rPr kumimoji="0" lang="ko-KR" altLang="ko-KR" sz="1500" b="0" i="0" u="none" strike="noStrike" cap="none" normalizeH="0" baseline="0" dirty="0" smtClean="0">
+              <a:rPr kumimoji="0" lang="ko-KR" altLang="ko-KR" sz="1500" b="0" i="0" u="none" strike="noStrike" cap="none" normalizeH="0" baseline="0" dirty="0">
                 <a:ln>
                   <a:noFill/>
                 </a:ln>
@@ -6172,7 +6096,7 @@
               <a:t>(</a:t>
             </a:r>
             <a:r>
-              <a:rPr kumimoji="0" lang="ko-KR" altLang="ko-KR" sz="1500" b="0" i="0" u="none" strike="noStrike" cap="none" normalizeH="0" baseline="0" dirty="0" err="1" smtClean="0">
+              <a:rPr kumimoji="0" lang="ko-KR" altLang="ko-KR" sz="1500" b="0" i="0" u="none" strike="noStrike" cap="none" normalizeH="0" baseline="0" dirty="0" err="1">
                 <a:ln>
                   <a:noFill/>
                 </a:ln>
@@ -6186,7 +6110,7 @@
               <a:t>row</a:t>
             </a:r>
             <a:r>
-              <a:rPr kumimoji="0" lang="ko-KR" altLang="ko-KR" sz="1500" b="0" i="0" u="none" strike="noStrike" cap="none" normalizeH="0" baseline="0" dirty="0" smtClean="0">
+              <a:rPr kumimoji="0" lang="ko-KR" altLang="ko-KR" sz="1500" b="0" i="0" u="none" strike="noStrike" cap="none" normalizeH="0" baseline="0" dirty="0">
                 <a:ln>
                   <a:noFill/>
                 </a:ln>
@@ -6200,7 +6124,7 @@
               <a:t>[-</a:t>
             </a:r>
             <a:r>
-              <a:rPr kumimoji="0" lang="ko-KR" altLang="ko-KR" sz="1500" b="0" i="0" u="none" strike="noStrike" cap="none" normalizeH="0" baseline="0" dirty="0" smtClean="0">
+              <a:rPr kumimoji="0" lang="ko-KR" altLang="ko-KR" sz="1500" b="0" i="0" u="none" strike="noStrike" cap="none" normalizeH="0" baseline="0" dirty="0">
                 <a:ln>
                   <a:noFill/>
                 </a:ln>
@@ -6214,7 +6138,7 @@
               <a:t>2</a:t>
             </a:r>
             <a:r>
-              <a:rPr kumimoji="0" lang="ko-KR" altLang="ko-KR" sz="1500" b="0" i="0" u="none" strike="noStrike" cap="none" normalizeH="0" baseline="0" dirty="0" smtClean="0">
+              <a:rPr kumimoji="0" lang="ko-KR" altLang="ko-KR" sz="1500" b="0" i="0" u="none" strike="noStrike" cap="none" normalizeH="0" baseline="0" dirty="0">
                 <a:ln>
                   <a:noFill/>
                 </a:ln>
@@ -6228,7 +6152,7 @@
               <a:t>]))</a:t>
             </a:r>
             <a:br>
-              <a:rPr kumimoji="0" lang="ko-KR" altLang="ko-KR" sz="1500" b="0" i="0" u="none" strike="noStrike" cap="none" normalizeH="0" baseline="0" dirty="0" smtClean="0">
+              <a:rPr kumimoji="0" lang="ko-KR" altLang="ko-KR" sz="1500" b="0" i="0" u="none" strike="noStrike" cap="none" normalizeH="0" baseline="0" dirty="0">
                 <a:ln>
                   <a:noFill/>
                 </a:ln>
@@ -6241,7 +6165,7 @@
               </a:rPr>
             </a:br>
             <a:r>
-              <a:rPr kumimoji="0" lang="ko-KR" altLang="ko-KR" sz="1500" b="0" i="0" u="none" strike="noStrike" cap="none" normalizeH="0" baseline="0" dirty="0" smtClean="0">
+              <a:rPr kumimoji="0" lang="ko-KR" altLang="ko-KR" sz="1500" b="0" i="0" u="none" strike="noStrike" cap="none" normalizeH="0" baseline="0" dirty="0">
                 <a:ln>
                   <a:noFill/>
                 </a:ln>
@@ -6255,7 +6179,7 @@
               <a:t>            </a:t>
             </a:r>
             <a:r>
-              <a:rPr kumimoji="0" lang="ko-KR" altLang="ko-KR" sz="1500" b="0" i="0" u="none" strike="noStrike" cap="none" normalizeH="0" baseline="0" dirty="0" err="1" smtClean="0">
+              <a:rPr kumimoji="0" lang="ko-KR" altLang="ko-KR" sz="1500" b="0" i="0" u="none" strike="noStrike" cap="none" normalizeH="0" baseline="0" dirty="0" err="1">
                 <a:ln>
                   <a:noFill/>
                 </a:ln>
@@ -6269,7 +6193,7 @@
               <a:t>resultx.append</a:t>
             </a:r>
             <a:r>
-              <a:rPr kumimoji="0" lang="ko-KR" altLang="ko-KR" sz="1500" b="0" i="0" u="none" strike="noStrike" cap="none" normalizeH="0" baseline="0" dirty="0" smtClean="0">
+              <a:rPr kumimoji="0" lang="ko-KR" altLang="ko-KR" sz="1500" b="0" i="0" u="none" strike="noStrike" cap="none" normalizeH="0" baseline="0" dirty="0">
                 <a:ln>
                   <a:noFill/>
                 </a:ln>
@@ -6283,7 +6207,7 @@
               <a:t>(</a:t>
             </a:r>
             <a:r>
-              <a:rPr kumimoji="0" lang="ko-KR" altLang="ko-KR" sz="1500" b="0" i="0" u="none" strike="noStrike" cap="none" normalizeH="0" baseline="0" dirty="0" err="1" smtClean="0">
+              <a:rPr kumimoji="0" lang="ko-KR" altLang="ko-KR" sz="1500" b="0" i="0" u="none" strike="noStrike" cap="none" normalizeH="0" baseline="0" dirty="0" err="1">
                 <a:ln>
                   <a:noFill/>
                 </a:ln>
@@ -6297,7 +6221,7 @@
               <a:t>str</a:t>
             </a:r>
             <a:r>
-              <a:rPr kumimoji="0" lang="ko-KR" altLang="ko-KR" sz="1500" b="0" i="0" u="none" strike="noStrike" cap="none" normalizeH="0" baseline="0" dirty="0" smtClean="0">
+              <a:rPr kumimoji="0" lang="ko-KR" altLang="ko-KR" sz="1500" b="0" i="0" u="none" strike="noStrike" cap="none" normalizeH="0" baseline="0" dirty="0">
                 <a:ln>
                   <a:noFill/>
                 </a:ln>
@@ -6311,7 +6235,7 @@
               <a:t>(</a:t>
             </a:r>
             <a:r>
-              <a:rPr kumimoji="0" lang="ko-KR" altLang="ko-KR" sz="1500" b="0" i="0" u="none" strike="noStrike" cap="none" normalizeH="0" baseline="0" dirty="0" err="1" smtClean="0">
+              <a:rPr kumimoji="0" lang="ko-KR" altLang="ko-KR" sz="1500" b="0" i="0" u="none" strike="noStrike" cap="none" normalizeH="0" baseline="0" dirty="0" err="1">
                 <a:ln>
                   <a:noFill/>
                 </a:ln>
@@ -6325,7 +6249,7 @@
               <a:t>row</a:t>
             </a:r>
             <a:r>
-              <a:rPr kumimoji="0" lang="ko-KR" altLang="ko-KR" sz="1500" b="0" i="0" u="none" strike="noStrike" cap="none" normalizeH="0" baseline="0" dirty="0" smtClean="0">
+              <a:rPr kumimoji="0" lang="ko-KR" altLang="ko-KR" sz="1500" b="0" i="0" u="none" strike="noStrike" cap="none" normalizeH="0" baseline="0" dirty="0">
                 <a:ln>
                   <a:noFill/>
                 </a:ln>
@@ -6339,7 +6263,7 @@
               <a:t>[</a:t>
             </a:r>
             <a:r>
-              <a:rPr kumimoji="0" lang="ko-KR" altLang="ko-KR" sz="1500" b="0" i="0" u="none" strike="noStrike" cap="none" normalizeH="0" baseline="0" dirty="0" smtClean="0">
+              <a:rPr kumimoji="0" lang="ko-KR" altLang="ko-KR" sz="1500" b="0" i="0" u="none" strike="noStrike" cap="none" normalizeH="0" baseline="0" dirty="0">
                 <a:ln>
                   <a:noFill/>
                 </a:ln>
@@ -6353,7 +6277,7 @@
               <a:t>0</a:t>
             </a:r>
             <a:r>
-              <a:rPr kumimoji="0" lang="ko-KR" altLang="ko-KR" sz="1500" b="0" i="0" u="none" strike="noStrike" cap="none" normalizeH="0" baseline="0" dirty="0" smtClean="0">
+              <a:rPr kumimoji="0" lang="ko-KR" altLang="ko-KR" sz="1500" b="0" i="0" u="none" strike="noStrike" cap="none" normalizeH="0" baseline="0" dirty="0">
                 <a:ln>
                   <a:noFill/>
                 </a:ln>
@@ -6367,7 +6291,7 @@
               <a:t>].</a:t>
             </a:r>
             <a:r>
-              <a:rPr kumimoji="0" lang="ko-KR" altLang="ko-KR" sz="1500" b="0" i="0" u="none" strike="noStrike" cap="none" normalizeH="0" baseline="0" dirty="0" err="1" smtClean="0">
+              <a:rPr kumimoji="0" lang="ko-KR" altLang="ko-KR" sz="1500" b="0" i="0" u="none" strike="noStrike" cap="none" normalizeH="0" baseline="0" dirty="0" err="1">
                 <a:ln>
                   <a:noFill/>
                 </a:ln>
@@ -6381,7 +6305,7 @@
               <a:t>split</a:t>
             </a:r>
             <a:r>
-              <a:rPr kumimoji="0" lang="ko-KR" altLang="ko-KR" sz="1500" b="0" i="0" u="none" strike="noStrike" cap="none" normalizeH="0" baseline="0" dirty="0" smtClean="0">
+              <a:rPr kumimoji="0" lang="ko-KR" altLang="ko-KR" sz="1500" b="0" i="0" u="none" strike="noStrike" cap="none" normalizeH="0" baseline="0" dirty="0">
                 <a:ln>
                   <a:noFill/>
                 </a:ln>
@@ -6395,7 +6319,7 @@
               <a:t>(</a:t>
             </a:r>
             <a:r>
-              <a:rPr kumimoji="0" lang="ko-KR" altLang="ko-KR" sz="1500" b="0" i="0" u="none" strike="noStrike" cap="none" normalizeH="0" baseline="0" dirty="0" smtClean="0">
+              <a:rPr kumimoji="0" lang="ko-KR" altLang="ko-KR" sz="1500" b="0" i="0" u="none" strike="noStrike" cap="none" normalizeH="0" baseline="0" dirty="0">
                 <a:ln>
                   <a:noFill/>
                 </a:ln>
@@ -6409,7 +6333,7 @@
               <a:t>'-'</a:t>
             </a:r>
             <a:r>
-              <a:rPr kumimoji="0" lang="ko-KR" altLang="ko-KR" sz="1500" b="0" i="0" u="none" strike="noStrike" cap="none" normalizeH="0" baseline="0" dirty="0" smtClean="0">
+              <a:rPr kumimoji="0" lang="ko-KR" altLang="ko-KR" sz="1500" b="0" i="0" u="none" strike="noStrike" cap="none" normalizeH="0" baseline="0" dirty="0">
                 <a:ln>
                   <a:noFill/>
                 </a:ln>
@@ -6423,7 +6347,7 @@
               <a:t>)[</a:t>
             </a:r>
             <a:r>
-              <a:rPr kumimoji="0" lang="ko-KR" altLang="ko-KR" sz="1500" b="0" i="0" u="none" strike="noStrike" cap="none" normalizeH="0" baseline="0" dirty="0" smtClean="0">
+              <a:rPr kumimoji="0" lang="ko-KR" altLang="ko-KR" sz="1500" b="0" i="0" u="none" strike="noStrike" cap="none" normalizeH="0" baseline="0" dirty="0">
                 <a:ln>
                   <a:noFill/>
                 </a:ln>
@@ -6437,7 +6361,7 @@
               <a:t>0</a:t>
             </a:r>
             <a:r>
-              <a:rPr kumimoji="0" lang="ko-KR" altLang="ko-KR" sz="1500" b="0" i="0" u="none" strike="noStrike" cap="none" normalizeH="0" baseline="0" dirty="0" smtClean="0">
+              <a:rPr kumimoji="0" lang="ko-KR" altLang="ko-KR" sz="1500" b="0" i="0" u="none" strike="noStrike" cap="none" normalizeH="0" baseline="0" dirty="0">
                 <a:ln>
                   <a:noFill/>
                 </a:ln>
@@ -6451,7 +6375,7 @@
               <a:t>])+</a:t>
             </a:r>
             <a:r>
-              <a:rPr kumimoji="0" lang="ko-KR" altLang="ko-KR" sz="1500" b="0" i="0" u="none" strike="noStrike" cap="none" normalizeH="0" baseline="0" dirty="0" smtClean="0">
+              <a:rPr kumimoji="0" lang="ko-KR" altLang="ko-KR" sz="1500" b="0" i="0" u="none" strike="noStrike" cap="none" normalizeH="0" baseline="0" dirty="0">
                 <a:ln>
                   <a:noFill/>
                 </a:ln>
@@ -6465,7 +6389,7 @@
               <a:t>'</a:t>
             </a:r>
             <a:r>
-              <a:rPr kumimoji="0" lang="ko-KR" altLang="ko-KR" sz="1500" b="0" i="0" u="none" strike="noStrike" cap="none" normalizeH="0" baseline="0" dirty="0" smtClean="0">
+              <a:rPr kumimoji="0" lang="ko-KR" altLang="ko-KR" sz="1500" b="0" i="0" u="none" strike="noStrike" cap="none" normalizeH="0" baseline="0" dirty="0">
                 <a:ln>
                   <a:noFill/>
                 </a:ln>
@@ -6479,7 +6403,7 @@
               <a:t>년</a:t>
             </a:r>
             <a:r>
-              <a:rPr kumimoji="0" lang="ko-KR" altLang="ko-KR" sz="1500" b="0" i="0" u="none" strike="noStrike" cap="none" normalizeH="0" baseline="0" dirty="0" smtClean="0">
+              <a:rPr kumimoji="0" lang="ko-KR" altLang="ko-KR" sz="1500" b="0" i="0" u="none" strike="noStrike" cap="none" normalizeH="0" baseline="0" dirty="0">
                 <a:ln>
                   <a:noFill/>
                 </a:ln>
@@ -6493,7 +6417,7 @@
               <a:t>'</a:t>
             </a:r>
             <a:r>
-              <a:rPr kumimoji="0" lang="ko-KR" altLang="ko-KR" sz="1500" b="0" i="0" u="none" strike="noStrike" cap="none" normalizeH="0" baseline="0" dirty="0" smtClean="0">
+              <a:rPr kumimoji="0" lang="ko-KR" altLang="ko-KR" sz="1500" b="0" i="0" u="none" strike="noStrike" cap="none" normalizeH="0" baseline="0" dirty="0">
                 <a:ln>
                   <a:noFill/>
                 </a:ln>
@@ -6507,7 +6431,7 @@
               <a:t>)</a:t>
             </a:r>
             <a:br>
-              <a:rPr kumimoji="0" lang="ko-KR" altLang="ko-KR" sz="1500" b="0" i="0" u="none" strike="noStrike" cap="none" normalizeH="0" baseline="0" dirty="0" smtClean="0">
+              <a:rPr kumimoji="0" lang="ko-KR" altLang="ko-KR" sz="1500" b="0" i="0" u="none" strike="noStrike" cap="none" normalizeH="0" baseline="0" dirty="0">
                 <a:ln>
                   <a:noFill/>
                 </a:ln>
@@ -6519,22 +6443,8 @@
                 <a:ea typeface="JetBrains Mono"/>
               </a:rPr>
             </a:br>
-            <a:r>
-              <a:rPr kumimoji="0" lang="ko-KR" altLang="ko-KR" sz="1500" b="0" i="0" u="none" strike="noStrike" cap="none" normalizeH="0" baseline="0" dirty="0" smtClean="0">
-                <a:ln>
-                  <a:noFill/>
-                </a:ln>
-                <a:solidFill>
-                  <a:srgbClr val="A9B7C6"/>
-                </a:solidFill>
-                <a:effectLst/>
-                <a:latin typeface="Arial Unicode MS"/>
-                <a:ea typeface="JetBrains Mono"/>
-              </a:rPr>
-              <a:t/>
-            </a:r>
             <a:br>
-              <a:rPr kumimoji="0" lang="ko-KR" altLang="ko-KR" sz="1500" b="0" i="0" u="none" strike="noStrike" cap="none" normalizeH="0" baseline="0" dirty="0" smtClean="0">
+              <a:rPr kumimoji="0" lang="ko-KR" altLang="ko-KR" sz="1500" b="0" i="0" u="none" strike="noStrike" cap="none" normalizeH="0" baseline="0" dirty="0">
                 <a:ln>
                   <a:noFill/>
                 </a:ln>
@@ -6546,22 +6456,8 @@
                 <a:ea typeface="JetBrains Mono"/>
               </a:rPr>
             </a:br>
-            <a:r>
-              <a:rPr kumimoji="0" lang="ko-KR" altLang="ko-KR" sz="1500" b="0" i="0" u="none" strike="noStrike" cap="none" normalizeH="0" baseline="0" dirty="0" smtClean="0">
-                <a:ln>
-                  <a:noFill/>
-                </a:ln>
-                <a:solidFill>
-                  <a:srgbClr val="A9B7C6"/>
-                </a:solidFill>
-                <a:effectLst/>
-                <a:latin typeface="Arial Unicode MS"/>
-                <a:ea typeface="JetBrains Mono"/>
-              </a:rPr>
-              <a:t/>
-            </a:r>
             <a:br>
-              <a:rPr kumimoji="0" lang="ko-KR" altLang="ko-KR" sz="1500" b="0" i="0" u="none" strike="noStrike" cap="none" normalizeH="0" baseline="0" dirty="0" smtClean="0">
+              <a:rPr kumimoji="0" lang="ko-KR" altLang="ko-KR" sz="1500" b="0" i="0" u="none" strike="noStrike" cap="none" normalizeH="0" baseline="0" dirty="0">
                 <a:ln>
                   <a:noFill/>
                 </a:ln>
@@ -6574,7 +6470,7 @@
               </a:rPr>
             </a:br>
             <a:r>
-              <a:rPr kumimoji="0" lang="ko-KR" altLang="ko-KR" sz="1500" b="0" i="0" u="none" strike="noStrike" cap="none" normalizeH="0" baseline="0" dirty="0" err="1" smtClean="0">
+              <a:rPr kumimoji="0" lang="ko-KR" altLang="ko-KR" sz="1500" b="0" i="0" u="none" strike="noStrike" cap="none" normalizeH="0" baseline="0" dirty="0" err="1">
                 <a:ln>
                   <a:noFill/>
                 </a:ln>
@@ -6588,7 +6484,7 @@
               <a:t>plt.plot</a:t>
             </a:r>
             <a:r>
-              <a:rPr kumimoji="0" lang="ko-KR" altLang="ko-KR" sz="1500" b="0" i="0" u="none" strike="noStrike" cap="none" normalizeH="0" baseline="0" dirty="0" smtClean="0">
+              <a:rPr kumimoji="0" lang="ko-KR" altLang="ko-KR" sz="1500" b="0" i="0" u="none" strike="noStrike" cap="none" normalizeH="0" baseline="0" dirty="0">
                 <a:ln>
                   <a:noFill/>
                 </a:ln>
@@ -6602,7 +6498,7 @@
               <a:t>(</a:t>
             </a:r>
             <a:r>
-              <a:rPr kumimoji="0" lang="ko-KR" altLang="ko-KR" sz="1500" b="0" i="0" u="none" strike="noStrike" cap="none" normalizeH="0" baseline="0" dirty="0" err="1" smtClean="0">
+              <a:rPr kumimoji="0" lang="ko-KR" altLang="ko-KR" sz="1500" b="0" i="0" u="none" strike="noStrike" cap="none" normalizeH="0" baseline="0" dirty="0" err="1">
                 <a:ln>
                   <a:noFill/>
                 </a:ln>
@@ -6616,7 +6512,7 @@
               <a:t>resultx</a:t>
             </a:r>
             <a:r>
-              <a:rPr kumimoji="0" lang="ko-KR" altLang="ko-KR" sz="1500" b="0" i="0" u="none" strike="noStrike" cap="none" normalizeH="0" baseline="0" dirty="0" smtClean="0">
+              <a:rPr kumimoji="0" lang="ko-KR" altLang="ko-KR" sz="1500" b="0" i="0" u="none" strike="noStrike" cap="none" normalizeH="0" baseline="0" dirty="0">
                 <a:ln>
                   <a:noFill/>
                 </a:ln>
@@ -6630,7 +6526,7 @@
               <a:t>, </a:t>
             </a:r>
             <a:r>
-              <a:rPr kumimoji="0" lang="ko-KR" altLang="ko-KR" sz="1500" b="0" i="0" u="none" strike="noStrike" cap="none" normalizeH="0" baseline="0" dirty="0" err="1" smtClean="0">
+              <a:rPr kumimoji="0" lang="ko-KR" altLang="ko-KR" sz="1500" b="0" i="0" u="none" strike="noStrike" cap="none" normalizeH="0" baseline="0" dirty="0" err="1">
                 <a:ln>
                   <a:noFill/>
                 </a:ln>
@@ -6644,7 +6540,7 @@
               <a:t>resulty</a:t>
             </a:r>
             <a:r>
-              <a:rPr kumimoji="0" lang="ko-KR" altLang="ko-KR" sz="1500" b="0" i="0" u="none" strike="noStrike" cap="none" normalizeH="0" baseline="0" dirty="0" smtClean="0">
+              <a:rPr kumimoji="0" lang="ko-KR" altLang="ko-KR" sz="1500" b="0" i="0" u="none" strike="noStrike" cap="none" normalizeH="0" baseline="0" dirty="0">
                 <a:ln>
                   <a:noFill/>
                 </a:ln>
@@ -6658,7 +6554,7 @@
               <a:t>, </a:t>
             </a:r>
             <a:r>
-              <a:rPr kumimoji="0" lang="ko-KR" altLang="ko-KR" sz="1500" b="0" i="0" u="none" strike="noStrike" cap="none" normalizeH="0" baseline="0" dirty="0" smtClean="0">
+              <a:rPr kumimoji="0" lang="ko-KR" altLang="ko-KR" sz="1500" b="0" i="0" u="none" strike="noStrike" cap="none" normalizeH="0" baseline="0" dirty="0">
                 <a:ln>
                   <a:noFill/>
                 </a:ln>
@@ -6672,7 +6568,7 @@
               <a:t>'</a:t>
             </a:r>
             <a:r>
-              <a:rPr kumimoji="0" lang="ko-KR" altLang="ko-KR" sz="1500" b="0" i="0" u="none" strike="noStrike" cap="none" normalizeH="0" baseline="0" dirty="0" err="1" smtClean="0">
+              <a:rPr kumimoji="0" lang="ko-KR" altLang="ko-KR" sz="1500" b="0" i="0" u="none" strike="noStrike" cap="none" normalizeH="0" baseline="0" dirty="0" err="1">
                 <a:ln>
                   <a:noFill/>
                 </a:ln>
@@ -6686,7 +6582,7 @@
               <a:t>hotpink</a:t>
             </a:r>
             <a:r>
-              <a:rPr kumimoji="0" lang="ko-KR" altLang="ko-KR" sz="1500" b="0" i="0" u="none" strike="noStrike" cap="none" normalizeH="0" baseline="0" dirty="0" smtClean="0">
+              <a:rPr kumimoji="0" lang="ko-KR" altLang="ko-KR" sz="1500" b="0" i="0" u="none" strike="noStrike" cap="none" normalizeH="0" baseline="0" dirty="0">
                 <a:ln>
                   <a:noFill/>
                 </a:ln>
@@ -6700,7 +6596,7 @@
               <a:t>'</a:t>
             </a:r>
             <a:r>
-              <a:rPr kumimoji="0" lang="ko-KR" altLang="ko-KR" sz="1500" b="0" i="0" u="none" strike="noStrike" cap="none" normalizeH="0" baseline="0" dirty="0" smtClean="0">
+              <a:rPr kumimoji="0" lang="ko-KR" altLang="ko-KR" sz="1500" b="0" i="0" u="none" strike="noStrike" cap="none" normalizeH="0" baseline="0" dirty="0">
                 <a:ln>
                   <a:noFill/>
                 </a:ln>
@@ -6714,7 +6610,7 @@
               <a:t>, </a:t>
             </a:r>
             <a:r>
-              <a:rPr kumimoji="0" lang="ko-KR" altLang="ko-KR" sz="1500" b="0" i="0" u="none" strike="noStrike" cap="none" normalizeH="0" baseline="0" dirty="0" err="1" smtClean="0">
+              <a:rPr kumimoji="0" lang="ko-KR" altLang="ko-KR" sz="1500" b="0" i="0" u="none" strike="noStrike" cap="none" normalizeH="0" baseline="0" dirty="0" err="1">
                 <a:ln>
                   <a:noFill/>
                 </a:ln>
@@ -6728,7 +6624,7 @@
               <a:t>label</a:t>
             </a:r>
             <a:r>
-              <a:rPr kumimoji="0" lang="ko-KR" altLang="ko-KR" sz="1500" b="0" i="0" u="none" strike="noStrike" cap="none" normalizeH="0" baseline="0" dirty="0" smtClean="0">
+              <a:rPr kumimoji="0" lang="ko-KR" altLang="ko-KR" sz="1500" b="0" i="0" u="none" strike="noStrike" cap="none" normalizeH="0" baseline="0" dirty="0">
                 <a:ln>
                   <a:noFill/>
                 </a:ln>
@@ -6742,7 +6638,7 @@
               <a:t>=</a:t>
             </a:r>
             <a:r>
-              <a:rPr kumimoji="0" lang="ko-KR" altLang="ko-KR" sz="1500" b="0" i="0" u="none" strike="noStrike" cap="none" normalizeH="0" baseline="0" dirty="0" smtClean="0">
+              <a:rPr kumimoji="0" lang="ko-KR" altLang="ko-KR" sz="1500" b="0" i="0" u="none" strike="noStrike" cap="none" normalizeH="0" baseline="0" dirty="0">
                 <a:ln>
                   <a:noFill/>
                 </a:ln>
@@ -6756,7 +6652,7 @@
               <a:t>'</a:t>
             </a:r>
             <a:r>
-              <a:rPr kumimoji="0" lang="ko-KR" altLang="ko-KR" sz="1500" b="0" i="0" u="none" strike="noStrike" cap="none" normalizeH="0" baseline="0" dirty="0" err="1" smtClean="0">
+              <a:rPr kumimoji="0" lang="ko-KR" altLang="ko-KR" sz="1500" b="0" i="0" u="none" strike="noStrike" cap="none" normalizeH="0" baseline="0" dirty="0" err="1">
                 <a:ln>
                   <a:noFill/>
                 </a:ln>
@@ -6770,7 +6666,7 @@
               <a:t>high</a:t>
             </a:r>
             <a:r>
-              <a:rPr kumimoji="0" lang="ko-KR" altLang="ko-KR" sz="1500" b="0" i="0" u="none" strike="noStrike" cap="none" normalizeH="0" baseline="0" dirty="0" smtClean="0">
+              <a:rPr kumimoji="0" lang="ko-KR" altLang="ko-KR" sz="1500" b="0" i="0" u="none" strike="noStrike" cap="none" normalizeH="0" baseline="0" dirty="0">
                 <a:ln>
                   <a:noFill/>
                 </a:ln>
@@ -6784,7 +6680,7 @@
               <a:t>'</a:t>
             </a:r>
             <a:r>
-              <a:rPr kumimoji="0" lang="ko-KR" altLang="ko-KR" sz="1500" b="0" i="0" u="none" strike="noStrike" cap="none" normalizeH="0" baseline="0" dirty="0" smtClean="0">
+              <a:rPr kumimoji="0" lang="ko-KR" altLang="ko-KR" sz="1500" b="0" i="0" u="none" strike="noStrike" cap="none" normalizeH="0" baseline="0" dirty="0">
                 <a:ln>
                   <a:noFill/>
                 </a:ln>
@@ -6798,7 +6694,7 @@
               <a:t>)</a:t>
             </a:r>
             <a:br>
-              <a:rPr kumimoji="0" lang="ko-KR" altLang="ko-KR" sz="1500" b="0" i="0" u="none" strike="noStrike" cap="none" normalizeH="0" baseline="0" dirty="0" smtClean="0">
+              <a:rPr kumimoji="0" lang="ko-KR" altLang="ko-KR" sz="1500" b="0" i="0" u="none" strike="noStrike" cap="none" normalizeH="0" baseline="0" dirty="0">
                 <a:ln>
                   <a:noFill/>
                 </a:ln>
@@ -6811,7 +6707,7 @@
               </a:rPr>
             </a:br>
             <a:r>
-              <a:rPr kumimoji="0" lang="ko-KR" altLang="ko-KR" sz="1500" b="0" i="0" u="none" strike="noStrike" cap="none" normalizeH="0" baseline="0" dirty="0" err="1" smtClean="0">
+              <a:rPr kumimoji="0" lang="ko-KR" altLang="ko-KR" sz="1500" b="0" i="0" u="none" strike="noStrike" cap="none" normalizeH="0" baseline="0" dirty="0" err="1">
                 <a:ln>
                   <a:noFill/>
                 </a:ln>
@@ -6825,7 +6721,7 @@
               <a:t>plt.plot</a:t>
             </a:r>
             <a:r>
-              <a:rPr kumimoji="0" lang="ko-KR" altLang="ko-KR" sz="1500" b="0" i="0" u="none" strike="noStrike" cap="none" normalizeH="0" baseline="0" dirty="0" smtClean="0">
+              <a:rPr kumimoji="0" lang="ko-KR" altLang="ko-KR" sz="1500" b="0" i="0" u="none" strike="noStrike" cap="none" normalizeH="0" baseline="0" dirty="0">
                 <a:ln>
                   <a:noFill/>
                 </a:ln>
@@ -6839,7 +6735,7 @@
               <a:t>(</a:t>
             </a:r>
             <a:r>
-              <a:rPr kumimoji="0" lang="ko-KR" altLang="ko-KR" sz="1500" b="0" i="0" u="none" strike="noStrike" cap="none" normalizeH="0" baseline="0" dirty="0" err="1" smtClean="0">
+              <a:rPr kumimoji="0" lang="ko-KR" altLang="ko-KR" sz="1500" b="0" i="0" u="none" strike="noStrike" cap="none" normalizeH="0" baseline="0" dirty="0" err="1">
                 <a:ln>
                   <a:noFill/>
                 </a:ln>
@@ -6853,7 +6749,7 @@
               <a:t>resultx</a:t>
             </a:r>
             <a:r>
-              <a:rPr kumimoji="0" lang="ko-KR" altLang="ko-KR" sz="1500" b="0" i="0" u="none" strike="noStrike" cap="none" normalizeH="0" baseline="0" dirty="0" smtClean="0">
+              <a:rPr kumimoji="0" lang="ko-KR" altLang="ko-KR" sz="1500" b="0" i="0" u="none" strike="noStrike" cap="none" normalizeH="0" baseline="0" dirty="0">
                 <a:ln>
                   <a:noFill/>
                 </a:ln>
@@ -6867,7 +6763,7 @@
               <a:t>, </a:t>
             </a:r>
             <a:r>
-              <a:rPr kumimoji="0" lang="ko-KR" altLang="ko-KR" sz="1500" b="0" i="0" u="none" strike="noStrike" cap="none" normalizeH="0" baseline="0" dirty="0" smtClean="0">
+              <a:rPr kumimoji="0" lang="ko-KR" altLang="ko-KR" sz="1500" b="0" i="0" u="none" strike="noStrike" cap="none" normalizeH="0" baseline="0" dirty="0">
                 <a:ln>
                   <a:noFill/>
                 </a:ln>
@@ -6881,7 +6777,7 @@
               <a:t>resulty2</a:t>
             </a:r>
             <a:r>
-              <a:rPr kumimoji="0" lang="ko-KR" altLang="ko-KR" sz="1500" b="0" i="0" u="none" strike="noStrike" cap="none" normalizeH="0" baseline="0" dirty="0" smtClean="0">
+              <a:rPr kumimoji="0" lang="ko-KR" altLang="ko-KR" sz="1500" b="0" i="0" u="none" strike="noStrike" cap="none" normalizeH="0" baseline="0" dirty="0">
                 <a:ln>
                   <a:noFill/>
                 </a:ln>
@@ -6895,7 +6791,7 @@
               <a:t>, </a:t>
             </a:r>
             <a:r>
-              <a:rPr kumimoji="0" lang="ko-KR" altLang="ko-KR" sz="1500" b="0" i="0" u="none" strike="noStrike" cap="none" normalizeH="0" baseline="0" dirty="0" smtClean="0">
+              <a:rPr kumimoji="0" lang="ko-KR" altLang="ko-KR" sz="1500" b="0" i="0" u="none" strike="noStrike" cap="none" normalizeH="0" baseline="0" dirty="0">
                 <a:ln>
                   <a:noFill/>
                 </a:ln>
@@ -6909,7 +6805,7 @@
               <a:t>'</a:t>
             </a:r>
             <a:r>
-              <a:rPr kumimoji="0" lang="ko-KR" altLang="ko-KR" sz="1500" b="0" i="0" u="none" strike="noStrike" cap="none" normalizeH="0" baseline="0" dirty="0" err="1" smtClean="0">
+              <a:rPr kumimoji="0" lang="ko-KR" altLang="ko-KR" sz="1500" b="0" i="0" u="none" strike="noStrike" cap="none" normalizeH="0" baseline="0" dirty="0" err="1">
                 <a:ln>
                   <a:noFill/>
                 </a:ln>
@@ -6923,7 +6819,7 @@
               <a:t>blue</a:t>
             </a:r>
             <a:r>
-              <a:rPr kumimoji="0" lang="ko-KR" altLang="ko-KR" sz="1500" b="0" i="0" u="none" strike="noStrike" cap="none" normalizeH="0" baseline="0" dirty="0" smtClean="0">
+              <a:rPr kumimoji="0" lang="ko-KR" altLang="ko-KR" sz="1500" b="0" i="0" u="none" strike="noStrike" cap="none" normalizeH="0" baseline="0" dirty="0">
                 <a:ln>
                   <a:noFill/>
                 </a:ln>
@@ -6937,7 +6833,7 @@
               <a:t>'</a:t>
             </a:r>
             <a:r>
-              <a:rPr kumimoji="0" lang="ko-KR" altLang="ko-KR" sz="1500" b="0" i="0" u="none" strike="noStrike" cap="none" normalizeH="0" baseline="0" dirty="0" smtClean="0">
+              <a:rPr kumimoji="0" lang="ko-KR" altLang="ko-KR" sz="1500" b="0" i="0" u="none" strike="noStrike" cap="none" normalizeH="0" baseline="0" dirty="0">
                 <a:ln>
                   <a:noFill/>
                 </a:ln>
@@ -6951,7 +6847,7 @@
               <a:t>, </a:t>
             </a:r>
             <a:r>
-              <a:rPr kumimoji="0" lang="ko-KR" altLang="ko-KR" sz="1500" b="0" i="0" u="none" strike="noStrike" cap="none" normalizeH="0" baseline="0" dirty="0" err="1" smtClean="0">
+              <a:rPr kumimoji="0" lang="ko-KR" altLang="ko-KR" sz="1500" b="0" i="0" u="none" strike="noStrike" cap="none" normalizeH="0" baseline="0" dirty="0" err="1">
                 <a:ln>
                   <a:noFill/>
                 </a:ln>
@@ -6965,7 +6861,7 @@
               <a:t>label</a:t>
             </a:r>
             <a:r>
-              <a:rPr kumimoji="0" lang="ko-KR" altLang="ko-KR" sz="1500" b="0" i="0" u="none" strike="noStrike" cap="none" normalizeH="0" baseline="0" dirty="0" smtClean="0">
+              <a:rPr kumimoji="0" lang="ko-KR" altLang="ko-KR" sz="1500" b="0" i="0" u="none" strike="noStrike" cap="none" normalizeH="0" baseline="0" dirty="0">
                 <a:ln>
                   <a:noFill/>
                 </a:ln>
@@ -6979,7 +6875,7 @@
               <a:t>=</a:t>
             </a:r>
             <a:r>
-              <a:rPr kumimoji="0" lang="ko-KR" altLang="ko-KR" sz="1500" b="0" i="0" u="none" strike="noStrike" cap="none" normalizeH="0" baseline="0" dirty="0" smtClean="0">
+              <a:rPr kumimoji="0" lang="ko-KR" altLang="ko-KR" sz="1500" b="0" i="0" u="none" strike="noStrike" cap="none" normalizeH="0" baseline="0" dirty="0">
                 <a:ln>
                   <a:noFill/>
                 </a:ln>
@@ -6993,7 +6889,7 @@
               <a:t>'</a:t>
             </a:r>
             <a:r>
-              <a:rPr kumimoji="0" lang="ko-KR" altLang="ko-KR" sz="1500" b="0" i="0" u="none" strike="noStrike" cap="none" normalizeH="0" baseline="0" dirty="0" err="1" smtClean="0">
+              <a:rPr kumimoji="0" lang="ko-KR" altLang="ko-KR" sz="1500" b="0" i="0" u="none" strike="noStrike" cap="none" normalizeH="0" baseline="0" dirty="0" err="1">
                 <a:ln>
                   <a:noFill/>
                 </a:ln>
@@ -7007,7 +6903,7 @@
               <a:t>low</a:t>
             </a:r>
             <a:r>
-              <a:rPr kumimoji="0" lang="ko-KR" altLang="ko-KR" sz="1500" b="0" i="0" u="none" strike="noStrike" cap="none" normalizeH="0" baseline="0" dirty="0" smtClean="0">
+              <a:rPr kumimoji="0" lang="ko-KR" altLang="ko-KR" sz="1500" b="0" i="0" u="none" strike="noStrike" cap="none" normalizeH="0" baseline="0" dirty="0">
                 <a:ln>
                   <a:noFill/>
                 </a:ln>
@@ -7021,7 +6917,7 @@
               <a:t>'</a:t>
             </a:r>
             <a:r>
-              <a:rPr kumimoji="0" lang="ko-KR" altLang="ko-KR" sz="1500" b="0" i="0" u="none" strike="noStrike" cap="none" normalizeH="0" baseline="0" dirty="0" smtClean="0">
+              <a:rPr kumimoji="0" lang="ko-KR" altLang="ko-KR" sz="1500" b="0" i="0" u="none" strike="noStrike" cap="none" normalizeH="0" baseline="0" dirty="0">
                 <a:ln>
                   <a:noFill/>
                 </a:ln>
@@ -7035,7 +6931,7 @@
               <a:t>)</a:t>
             </a:r>
             <a:br>
-              <a:rPr kumimoji="0" lang="ko-KR" altLang="ko-KR" sz="1500" b="0" i="0" u="none" strike="noStrike" cap="none" normalizeH="0" baseline="0" dirty="0" smtClean="0">
+              <a:rPr kumimoji="0" lang="ko-KR" altLang="ko-KR" sz="1500" b="0" i="0" u="none" strike="noStrike" cap="none" normalizeH="0" baseline="0" dirty="0">
                 <a:ln>
                   <a:noFill/>
                 </a:ln>
@@ -7048,7 +6944,7 @@
               </a:rPr>
             </a:br>
             <a:r>
-              <a:rPr kumimoji="0" lang="ko-KR" altLang="ko-KR" sz="1500" b="0" i="0" u="none" strike="noStrike" cap="none" normalizeH="0" baseline="0" dirty="0" err="1" smtClean="0">
+              <a:rPr kumimoji="0" lang="ko-KR" altLang="ko-KR" sz="1500" b="0" i="0" u="none" strike="noStrike" cap="none" normalizeH="0" baseline="0" dirty="0" err="1">
                 <a:ln>
                   <a:noFill/>
                 </a:ln>
@@ -7062,7 +6958,7 @@
               <a:t>plt.legend</a:t>
             </a:r>
             <a:r>
-              <a:rPr kumimoji="0" lang="ko-KR" altLang="ko-KR" sz="1500" b="0" i="0" u="none" strike="noStrike" cap="none" normalizeH="0" baseline="0" dirty="0" smtClean="0">
+              <a:rPr kumimoji="0" lang="ko-KR" altLang="ko-KR" sz="1500" b="0" i="0" u="none" strike="noStrike" cap="none" normalizeH="0" baseline="0" dirty="0">
                 <a:ln>
                   <a:noFill/>
                 </a:ln>
@@ -7076,7 +6972,7 @@
               <a:t>()</a:t>
             </a:r>
             <a:br>
-              <a:rPr kumimoji="0" lang="ko-KR" altLang="ko-KR" sz="1500" b="0" i="0" u="none" strike="noStrike" cap="none" normalizeH="0" baseline="0" dirty="0" smtClean="0">
+              <a:rPr kumimoji="0" lang="ko-KR" altLang="ko-KR" sz="1500" b="0" i="0" u="none" strike="noStrike" cap="none" normalizeH="0" baseline="0" dirty="0">
                 <a:ln>
                   <a:noFill/>
                 </a:ln>
@@ -7088,22 +6984,8 @@
                 <a:ea typeface="JetBrains Mono"/>
               </a:rPr>
             </a:br>
-            <a:r>
-              <a:rPr kumimoji="0" lang="ko-KR" altLang="ko-KR" sz="1500" b="0" i="0" u="none" strike="noStrike" cap="none" normalizeH="0" baseline="0" dirty="0" smtClean="0">
-                <a:ln>
-                  <a:noFill/>
-                </a:ln>
-                <a:solidFill>
-                  <a:srgbClr val="A9B7C6"/>
-                </a:solidFill>
-                <a:effectLst/>
-                <a:latin typeface="Arial Unicode MS"/>
-                <a:ea typeface="JetBrains Mono"/>
-              </a:rPr>
-              <a:t/>
-            </a:r>
             <a:br>
-              <a:rPr kumimoji="0" lang="ko-KR" altLang="ko-KR" sz="1500" b="0" i="0" u="none" strike="noStrike" cap="none" normalizeH="0" baseline="0" dirty="0" smtClean="0">
+              <a:rPr kumimoji="0" lang="ko-KR" altLang="ko-KR" sz="1500" b="0" i="0" u="none" strike="noStrike" cap="none" normalizeH="0" baseline="0" dirty="0">
                 <a:ln>
                   <a:noFill/>
                 </a:ln>
@@ -7116,7 +6998,7 @@
               </a:rPr>
             </a:br>
             <a:r>
-              <a:rPr kumimoji="0" lang="ko-KR" altLang="ko-KR" sz="1500" b="0" i="0" u="none" strike="noStrike" cap="none" normalizeH="0" baseline="0" dirty="0" err="1" smtClean="0">
+              <a:rPr kumimoji="0" lang="ko-KR" altLang="ko-KR" sz="1500" b="0" i="0" u="none" strike="noStrike" cap="none" normalizeH="0" baseline="0" dirty="0" err="1">
                 <a:ln>
                   <a:noFill/>
                 </a:ln>
@@ -7130,7 +7012,7 @@
               <a:t>plt.title</a:t>
             </a:r>
             <a:r>
-              <a:rPr kumimoji="0" lang="ko-KR" altLang="ko-KR" sz="1500" b="0" i="0" u="none" strike="noStrike" cap="none" normalizeH="0" baseline="0" dirty="0" smtClean="0">
+              <a:rPr kumimoji="0" lang="ko-KR" altLang="ko-KR" sz="1500" b="0" i="0" u="none" strike="noStrike" cap="none" normalizeH="0" baseline="0" dirty="0">
                 <a:ln>
                   <a:noFill/>
                 </a:ln>
@@ -7144,7 +7026,7 @@
               <a:t>(</a:t>
             </a:r>
             <a:r>
-              <a:rPr kumimoji="0" lang="ko-KR" altLang="ko-KR" sz="1500" b="0" i="0" u="none" strike="noStrike" cap="none" normalizeH="0" baseline="0" dirty="0" smtClean="0">
+              <a:rPr kumimoji="0" lang="ko-KR" altLang="ko-KR" sz="1500" b="0" i="0" u="none" strike="noStrike" cap="none" normalizeH="0" baseline="0" dirty="0">
                 <a:ln>
                   <a:noFill/>
                 </a:ln>
@@ -7158,7 +7040,7 @@
               <a:t>'</a:t>
             </a:r>
             <a:r>
-              <a:rPr kumimoji="0" lang="ko-KR" altLang="ko-KR" sz="1500" b="0" i="0" u="none" strike="noStrike" cap="none" normalizeH="0" baseline="0" dirty="0" smtClean="0">
+              <a:rPr kumimoji="0" lang="ko-KR" altLang="ko-KR" sz="1500" b="0" i="0" u="none" strike="noStrike" cap="none" normalizeH="0" baseline="0" dirty="0">
                 <a:ln>
                   <a:noFill/>
                 </a:ln>
@@ -7172,7 +7054,7 @@
               <a:t>내 생일의 기온 변화 그래프</a:t>
             </a:r>
             <a:r>
-              <a:rPr kumimoji="0" lang="ko-KR" altLang="ko-KR" sz="1500" b="0" i="0" u="none" strike="noStrike" cap="none" normalizeH="0" baseline="0" dirty="0" smtClean="0">
+              <a:rPr kumimoji="0" lang="ko-KR" altLang="ko-KR" sz="1500" b="0" i="0" u="none" strike="noStrike" cap="none" normalizeH="0" baseline="0" dirty="0">
                 <a:ln>
                   <a:noFill/>
                 </a:ln>
@@ -7186,7 +7068,7 @@
               <a:t>'</a:t>
             </a:r>
             <a:r>
-              <a:rPr kumimoji="0" lang="ko-KR" altLang="ko-KR" sz="1500" b="0" i="0" u="none" strike="noStrike" cap="none" normalizeH="0" baseline="0" dirty="0" smtClean="0">
+              <a:rPr kumimoji="0" lang="ko-KR" altLang="ko-KR" sz="1500" b="0" i="0" u="none" strike="noStrike" cap="none" normalizeH="0" baseline="0" dirty="0">
                 <a:ln>
                   <a:noFill/>
                 </a:ln>
@@ -7200,7 +7082,7 @@
               <a:t>)</a:t>
             </a:r>
             <a:br>
-              <a:rPr kumimoji="0" lang="ko-KR" altLang="ko-KR" sz="1500" b="0" i="0" u="none" strike="noStrike" cap="none" normalizeH="0" baseline="0" dirty="0" smtClean="0">
+              <a:rPr kumimoji="0" lang="ko-KR" altLang="ko-KR" sz="1500" b="0" i="0" u="none" strike="noStrike" cap="none" normalizeH="0" baseline="0" dirty="0">
                 <a:ln>
                   <a:noFill/>
                 </a:ln>
@@ -7213,7 +7095,7 @@
               </a:rPr>
             </a:br>
             <a:r>
-              <a:rPr kumimoji="0" lang="ko-KR" altLang="ko-KR" sz="1500" b="0" i="0" u="none" strike="noStrike" cap="none" normalizeH="0" baseline="0" dirty="0" err="1" smtClean="0">
+              <a:rPr kumimoji="0" lang="ko-KR" altLang="ko-KR" sz="1500" b="0" i="0" u="none" strike="noStrike" cap="none" normalizeH="0" baseline="0" dirty="0" err="1">
                 <a:ln>
                   <a:noFill/>
                 </a:ln>
@@ -7227,7 +7109,7 @@
               <a:t>plt.show</a:t>
             </a:r>
             <a:r>
-              <a:rPr kumimoji="0" lang="ko-KR" altLang="ko-KR" sz="1500" b="0" i="0" u="none" strike="noStrike" cap="none" normalizeH="0" baseline="0" dirty="0" smtClean="0">
+              <a:rPr kumimoji="0" lang="ko-KR" altLang="ko-KR" sz="1500" b="0" i="0" u="none" strike="noStrike" cap="none" normalizeH="0" baseline="0" dirty="0">
                 <a:ln>
                   <a:noFill/>
                 </a:ln>
@@ -7240,7 +7122,7 @@
               </a:rPr>
               <a:t>()</a:t>
             </a:r>
-            <a:endParaRPr kumimoji="0" lang="ko-KR" altLang="ko-KR" sz="1800" b="0" i="0" u="none" strike="noStrike" cap="none" normalizeH="0" baseline="0" dirty="0" smtClean="0">
+            <a:endParaRPr kumimoji="0" lang="ko-KR" altLang="ko-KR" sz="1800" b="0" i="0" u="none" strike="noStrike" cap="none" normalizeH="0" baseline="0" dirty="0">
               <a:ln>
                 <a:noFill/>
               </a:ln>
@@ -7329,19 +7211,19 @@
               <a:defRPr/>
             </a:pPr>
             <a:r>
-              <a:rPr lang="en-US" altLang="ko-KR" dirty="0" err="1" smtClean="0"/>
+              <a:rPr lang="en-US" altLang="ko-KR" dirty="0" err="1"/>
               <a:t>Matplotlib</a:t>
             </a:r>
             <a:r>
-              <a:rPr lang="en-US" altLang="ko-KR" dirty="0" smtClean="0"/>
+              <a:rPr lang="en-US" altLang="ko-KR" dirty="0"/>
               <a:t> </a:t>
             </a:r>
             <a:r>
-              <a:rPr lang="ko-KR" altLang="en-US" dirty="0" smtClean="0"/>
+              <a:rPr lang="ko-KR" altLang="en-US" dirty="0"/>
               <a:t>모듈의 다양한 함수를 써본다</a:t>
             </a:r>
             <a:r>
-              <a:rPr lang="en-US" altLang="ko-KR" dirty="0" smtClean="0"/>
+              <a:rPr lang="en-US" altLang="ko-KR" dirty="0"/>
               <a:t>.</a:t>
             </a:r>
           </a:p>
@@ -7350,11 +7232,11 @@
               <a:defRPr/>
             </a:pPr>
             <a:r>
-              <a:rPr lang="ko-KR" altLang="en-US" dirty="0" smtClean="0"/>
+              <a:rPr lang="ko-KR" altLang="en-US" dirty="0"/>
               <a:t>막대그래프를 그린다</a:t>
             </a:r>
             <a:r>
-              <a:rPr lang="en-US" altLang="ko-KR" dirty="0" smtClean="0"/>
+              <a:rPr lang="en-US" altLang="ko-KR" dirty="0"/>
               <a:t>.</a:t>
             </a:r>
           </a:p>
@@ -7363,15 +7245,15 @@
               <a:defRPr/>
             </a:pPr>
             <a:r>
-              <a:rPr lang="ko-KR" altLang="en-US" dirty="0" err="1" smtClean="0"/>
+              <a:rPr lang="ko-KR" altLang="en-US" dirty="0" err="1"/>
               <a:t>원그래프를</a:t>
             </a:r>
             <a:r>
-              <a:rPr lang="ko-KR" altLang="en-US" dirty="0" smtClean="0"/>
+              <a:rPr lang="ko-KR" altLang="en-US" dirty="0"/>
               <a:t> 그린다</a:t>
             </a:r>
             <a:r>
-              <a:rPr lang="en-US" altLang="ko-KR" dirty="0" smtClean="0"/>
+              <a:rPr lang="en-US" altLang="ko-KR" dirty="0"/>
               <a:t>.</a:t>
             </a:r>
           </a:p>
@@ -7404,7 +7286,7 @@
     <mc:Choice Requires="p14">
       <p:transition/>
     </mc:Choice>
-    <mc:Fallback xmlns="" xmlns:c="http://schemas.openxmlformats.org/drawingml/2006/chart" xmlns:dgm="http://schemas.openxmlformats.org/drawingml/2006/diagram" xmlns:dsp="http://schemas.microsoft.com/office/drawing/2008/diagram">
+    <mc:Fallback xmlns:dsp="http://schemas.microsoft.com/office/drawing/2008/diagram" xmlns:dgm="http://schemas.openxmlformats.org/drawingml/2006/diagram" xmlns:c="http://schemas.openxmlformats.org/drawingml/2006/chart" xmlns="">
       <p:transition/>
     </mc:Fallback>
   </mc:AlternateContent>
@@ -7444,10 +7326,9 @@
           <a:lstStyle/>
           <a:p>
             <a:r>
-              <a:rPr lang="ko-KR" altLang="en-US" dirty="0" smtClean="0"/>
+              <a:rPr lang="ko-KR" altLang="en-US" dirty="0"/>
               <a:t>막대 그래프 그리기</a:t>
             </a:r>
-            <a:endParaRPr lang="ko-KR" altLang="en-US" dirty="0"/>
           </a:p>
         </p:txBody>
       </p:sp>
@@ -7478,22 +7359,21 @@
               <a:t> </a:t>
             </a:r>
             <a:r>
-              <a:rPr lang="en-US" altLang="ko-KR" dirty="0" err="1" smtClean="0"/>
+              <a:rPr lang="en-US" altLang="ko-KR" dirty="0" err="1"/>
               <a:t>plt.bar</a:t>
             </a:r>
             <a:r>
-              <a:rPr lang="en-US" altLang="ko-KR" dirty="0" smtClean="0"/>
+              <a:rPr lang="en-US" altLang="ko-KR" dirty="0"/>
               <a:t> </a:t>
             </a:r>
             <a:r>
-              <a:rPr lang="ko-KR" altLang="en-US" dirty="0" smtClean="0"/>
+              <a:rPr lang="ko-KR" altLang="en-US" dirty="0"/>
               <a:t>라는 함수로 작성한다</a:t>
             </a:r>
             <a:r>
-              <a:rPr lang="en-US" altLang="ko-KR" dirty="0" smtClean="0"/>
+              <a:rPr lang="en-US" altLang="ko-KR" dirty="0"/>
               <a:t>.</a:t>
             </a:r>
-            <a:endParaRPr lang="en-US" altLang="ko-KR" dirty="0"/>
           </a:p>
           <a:p>
             <a:endParaRPr lang="en-US" altLang="ko-KR" dirty="0"/>
@@ -7503,44 +7383,36 @@
           </a:p>
           <a:p>
             <a:r>
-              <a:rPr lang="en-US" altLang="ko-KR" dirty="0" err="1" smtClean="0"/>
+              <a:rPr lang="en-US" altLang="ko-KR" dirty="0" err="1"/>
               <a:t>plt.plot</a:t>
             </a:r>
             <a:r>
-              <a:rPr lang="en-US" altLang="ko-KR" dirty="0" smtClean="0"/>
+              <a:rPr lang="en-US" altLang="ko-KR" dirty="0"/>
               <a:t> </a:t>
             </a:r>
             <a:r>
-              <a:rPr lang="ko-KR" altLang="en-US" dirty="0" smtClean="0"/>
+              <a:rPr lang="ko-KR" altLang="en-US" dirty="0"/>
               <a:t>과 </a:t>
             </a:r>
             <a:r>
-              <a:rPr lang="ko-KR" altLang="en-US" dirty="0" err="1" smtClean="0"/>
+              <a:rPr lang="ko-KR" altLang="en-US" dirty="0" err="1"/>
               <a:t>다른점</a:t>
             </a:r>
-            <a:r>
-              <a:rPr lang="en-US" altLang="ko-KR" dirty="0" smtClean="0"/>
-              <a:t/>
-            </a:r>
             <a:br>
-              <a:rPr lang="en-US" altLang="ko-KR" dirty="0" smtClean="0"/>
+              <a:rPr lang="en-US" altLang="ko-KR" dirty="0"/>
             </a:br>
             <a:r>
-              <a:rPr lang="ko-KR" altLang="en-US" dirty="0" smtClean="0"/>
+              <a:rPr lang="ko-KR" altLang="en-US" dirty="0"/>
               <a:t>색상을 여러 개 </a:t>
             </a:r>
-            <a:r>
-              <a:rPr lang="en-US" altLang="ko-KR" dirty="0" smtClean="0"/>
-              <a:t/>
-            </a:r>
             <a:br>
-              <a:rPr lang="en-US" altLang="ko-KR" dirty="0" smtClean="0"/>
+              <a:rPr lang="en-US" altLang="ko-KR" dirty="0"/>
             </a:br>
             <a:r>
-              <a:rPr lang="ko-KR" altLang="en-US" dirty="0" err="1" smtClean="0"/>
+              <a:rPr lang="ko-KR" altLang="en-US" dirty="0" err="1"/>
               <a:t>넣는것</a:t>
             </a:r>
-            <a:endParaRPr lang="en-US" altLang="ko-KR" dirty="0" smtClean="0"/>
+            <a:endParaRPr lang="en-US" altLang="ko-KR" dirty="0"/>
           </a:p>
         </p:txBody>
       </p:sp>
@@ -7615,7 +7487,7 @@
               <a:tabLst/>
             </a:pPr>
             <a:r>
-              <a:rPr kumimoji="0" lang="ko-KR" altLang="ko-KR" sz="1500" b="0" i="0" u="none" strike="noStrike" cap="none" normalizeH="0" baseline="0" dirty="0" err="1" smtClean="0">
+              <a:rPr kumimoji="0" lang="ko-KR" altLang="ko-KR" sz="1500" b="0" i="0" u="none" strike="noStrike" cap="none" normalizeH="0" baseline="0" dirty="0" err="1">
                 <a:ln>
                   <a:noFill/>
                 </a:ln>
@@ -7629,7 +7501,7 @@
               <a:t>import</a:t>
             </a:r>
             <a:r>
-              <a:rPr kumimoji="0" lang="ko-KR" altLang="ko-KR" sz="1500" b="0" i="0" u="none" strike="noStrike" cap="none" normalizeH="0" baseline="0" dirty="0" smtClean="0">
+              <a:rPr kumimoji="0" lang="ko-KR" altLang="ko-KR" sz="1500" b="0" i="0" u="none" strike="noStrike" cap="none" normalizeH="0" baseline="0" dirty="0">
                 <a:ln>
                   <a:noFill/>
                 </a:ln>
@@ -7643,7 +7515,7 @@
               <a:t> </a:t>
             </a:r>
             <a:r>
-              <a:rPr kumimoji="0" lang="ko-KR" altLang="ko-KR" sz="1500" b="0" i="0" u="none" strike="noStrike" cap="none" normalizeH="0" baseline="0" dirty="0" err="1" smtClean="0">
+              <a:rPr kumimoji="0" lang="ko-KR" altLang="ko-KR" sz="1500" b="0" i="0" u="none" strike="noStrike" cap="none" normalizeH="0" baseline="0" dirty="0" err="1">
                 <a:ln>
                   <a:noFill/>
                 </a:ln>
@@ -7657,7 +7529,7 @@
               <a:t>matplotlib.pyplot</a:t>
             </a:r>
             <a:r>
-              <a:rPr kumimoji="0" lang="ko-KR" altLang="ko-KR" sz="1500" b="0" i="0" u="none" strike="noStrike" cap="none" normalizeH="0" baseline="0" dirty="0" smtClean="0">
+              <a:rPr kumimoji="0" lang="ko-KR" altLang="ko-KR" sz="1500" b="0" i="0" u="none" strike="noStrike" cap="none" normalizeH="0" baseline="0" dirty="0">
                 <a:ln>
                   <a:noFill/>
                 </a:ln>
@@ -7671,7 +7543,7 @@
               <a:t> </a:t>
             </a:r>
             <a:r>
-              <a:rPr kumimoji="0" lang="ko-KR" altLang="ko-KR" sz="1500" b="0" i="0" u="none" strike="noStrike" cap="none" normalizeH="0" baseline="0" dirty="0" err="1" smtClean="0">
+              <a:rPr kumimoji="0" lang="ko-KR" altLang="ko-KR" sz="1500" b="0" i="0" u="none" strike="noStrike" cap="none" normalizeH="0" baseline="0" dirty="0" err="1">
                 <a:ln>
                   <a:noFill/>
                 </a:ln>
@@ -7685,7 +7557,7 @@
               <a:t>as</a:t>
             </a:r>
             <a:r>
-              <a:rPr kumimoji="0" lang="ko-KR" altLang="ko-KR" sz="1500" b="0" i="0" u="none" strike="noStrike" cap="none" normalizeH="0" baseline="0" dirty="0" smtClean="0">
+              <a:rPr kumimoji="0" lang="ko-KR" altLang="ko-KR" sz="1500" b="0" i="0" u="none" strike="noStrike" cap="none" normalizeH="0" baseline="0" dirty="0">
                 <a:ln>
                   <a:noFill/>
                 </a:ln>
@@ -7699,7 +7571,7 @@
               <a:t> </a:t>
             </a:r>
             <a:r>
-              <a:rPr kumimoji="0" lang="ko-KR" altLang="ko-KR" sz="1500" b="0" i="0" u="none" strike="noStrike" cap="none" normalizeH="0" baseline="0" dirty="0" err="1" smtClean="0">
+              <a:rPr kumimoji="0" lang="ko-KR" altLang="ko-KR" sz="1500" b="0" i="0" u="none" strike="noStrike" cap="none" normalizeH="0" baseline="0" dirty="0" err="1">
                 <a:ln>
                   <a:noFill/>
                 </a:ln>
@@ -7712,22 +7584,8 @@
               </a:rPr>
               <a:t>plt</a:t>
             </a:r>
-            <a:r>
-              <a:rPr kumimoji="0" lang="ko-KR" altLang="ko-KR" sz="1500" b="0" i="0" u="none" strike="noStrike" cap="none" normalizeH="0" baseline="0" dirty="0" smtClean="0">
-                <a:ln>
-                  <a:noFill/>
-                </a:ln>
-                <a:solidFill>
-                  <a:srgbClr val="A9B7C6"/>
-                </a:solidFill>
-                <a:effectLst/>
-                <a:latin typeface="Arial Unicode MS"/>
-                <a:ea typeface="JetBrains Mono"/>
-              </a:rPr>
-              <a:t/>
-            </a:r>
             <a:br>
-              <a:rPr kumimoji="0" lang="ko-KR" altLang="ko-KR" sz="1500" b="0" i="0" u="none" strike="noStrike" cap="none" normalizeH="0" baseline="0" dirty="0" smtClean="0">
+              <a:rPr kumimoji="0" lang="ko-KR" altLang="ko-KR" sz="1500" b="0" i="0" u="none" strike="noStrike" cap="none" normalizeH="0" baseline="0" dirty="0">
                 <a:ln>
                   <a:noFill/>
                 </a:ln>
@@ -7739,22 +7597,8 @@
                 <a:ea typeface="JetBrains Mono"/>
               </a:rPr>
             </a:br>
-            <a:r>
-              <a:rPr kumimoji="0" lang="ko-KR" altLang="ko-KR" sz="1500" b="0" i="0" u="none" strike="noStrike" cap="none" normalizeH="0" baseline="0" dirty="0" smtClean="0">
-                <a:ln>
-                  <a:noFill/>
-                </a:ln>
-                <a:solidFill>
-                  <a:srgbClr val="A9B7C6"/>
-                </a:solidFill>
-                <a:effectLst/>
-                <a:latin typeface="Arial Unicode MS"/>
-                <a:ea typeface="JetBrains Mono"/>
-              </a:rPr>
-              <a:t/>
-            </a:r>
             <a:br>
-              <a:rPr kumimoji="0" lang="ko-KR" altLang="ko-KR" sz="1500" b="0" i="0" u="none" strike="noStrike" cap="none" normalizeH="0" baseline="0" dirty="0" smtClean="0">
+              <a:rPr kumimoji="0" lang="ko-KR" altLang="ko-KR" sz="1500" b="0" i="0" u="none" strike="noStrike" cap="none" normalizeH="0" baseline="0" dirty="0">
                 <a:ln>
                   <a:noFill/>
                 </a:ln>
@@ -7767,7 +7611,7 @@
               </a:rPr>
             </a:br>
             <a:r>
-              <a:rPr kumimoji="0" lang="ko-KR" altLang="ko-KR" sz="1500" b="0" i="0" u="none" strike="noStrike" cap="none" normalizeH="0" baseline="0" dirty="0" err="1" smtClean="0">
+              <a:rPr kumimoji="0" lang="ko-KR" altLang="ko-KR" sz="1500" b="0" i="0" u="none" strike="noStrike" cap="none" normalizeH="0" baseline="0" dirty="0" err="1">
                 <a:ln>
                   <a:noFill/>
                 </a:ln>
@@ -7781,7 +7625,7 @@
               <a:t>pets</a:t>
             </a:r>
             <a:r>
-              <a:rPr kumimoji="0" lang="ko-KR" altLang="ko-KR" sz="1500" b="0" i="0" u="none" strike="noStrike" cap="none" normalizeH="0" baseline="0" dirty="0" smtClean="0">
+              <a:rPr kumimoji="0" lang="ko-KR" altLang="ko-KR" sz="1500" b="0" i="0" u="none" strike="noStrike" cap="none" normalizeH="0" baseline="0" dirty="0">
                 <a:ln>
                   <a:noFill/>
                 </a:ln>
@@ -7795,7 +7639,7 @@
               <a:t>=[</a:t>
             </a:r>
             <a:r>
-              <a:rPr kumimoji="0" lang="ko-KR" altLang="ko-KR" sz="1500" b="0" i="0" u="none" strike="noStrike" cap="none" normalizeH="0" baseline="0" dirty="0" smtClean="0">
+              <a:rPr kumimoji="0" lang="ko-KR" altLang="ko-KR" sz="1500" b="0" i="0" u="none" strike="noStrike" cap="none" normalizeH="0" baseline="0" dirty="0">
                 <a:ln>
                   <a:noFill/>
                 </a:ln>
@@ -7809,7 +7653,7 @@
               <a:t>'</a:t>
             </a:r>
             <a:r>
-              <a:rPr kumimoji="0" lang="ko-KR" altLang="ko-KR" sz="1500" b="0" i="0" u="none" strike="noStrike" cap="none" normalizeH="0" baseline="0" dirty="0" err="1" smtClean="0">
+              <a:rPr kumimoji="0" lang="ko-KR" altLang="ko-KR" sz="1500" b="0" i="0" u="none" strike="noStrike" cap="none" normalizeH="0" baseline="0" dirty="0" err="1">
                 <a:ln>
                   <a:noFill/>
                 </a:ln>
@@ -7823,7 +7667,7 @@
               <a:t>Dog</a:t>
             </a:r>
             <a:r>
-              <a:rPr kumimoji="0" lang="ko-KR" altLang="ko-KR" sz="1500" b="0" i="0" u="none" strike="noStrike" cap="none" normalizeH="0" baseline="0" dirty="0" smtClean="0">
+              <a:rPr kumimoji="0" lang="ko-KR" altLang="ko-KR" sz="1500" b="0" i="0" u="none" strike="noStrike" cap="none" normalizeH="0" baseline="0" dirty="0">
                 <a:ln>
                   <a:noFill/>
                 </a:ln>
@@ -7837,7 +7681,7 @@
               <a:t>'</a:t>
             </a:r>
             <a:r>
-              <a:rPr kumimoji="0" lang="ko-KR" altLang="ko-KR" sz="1500" b="0" i="0" u="none" strike="noStrike" cap="none" normalizeH="0" baseline="0" dirty="0" smtClean="0">
+              <a:rPr kumimoji="0" lang="ko-KR" altLang="ko-KR" sz="1500" b="0" i="0" u="none" strike="noStrike" cap="none" normalizeH="0" baseline="0" dirty="0">
                 <a:ln>
                   <a:noFill/>
                 </a:ln>
@@ -7851,7 +7695,7 @@
               <a:t>, </a:t>
             </a:r>
             <a:r>
-              <a:rPr kumimoji="0" lang="ko-KR" altLang="ko-KR" sz="1500" b="0" i="0" u="none" strike="noStrike" cap="none" normalizeH="0" baseline="0" dirty="0" smtClean="0">
+              <a:rPr kumimoji="0" lang="ko-KR" altLang="ko-KR" sz="1500" b="0" i="0" u="none" strike="noStrike" cap="none" normalizeH="0" baseline="0" dirty="0">
                 <a:ln>
                   <a:noFill/>
                 </a:ln>
@@ -7865,7 +7709,7 @@
               <a:t>'</a:t>
             </a:r>
             <a:r>
-              <a:rPr kumimoji="0" lang="ko-KR" altLang="ko-KR" sz="1500" b="0" i="0" u="none" strike="noStrike" cap="none" normalizeH="0" baseline="0" dirty="0" err="1" smtClean="0">
+              <a:rPr kumimoji="0" lang="ko-KR" altLang="ko-KR" sz="1500" b="0" i="0" u="none" strike="noStrike" cap="none" normalizeH="0" baseline="0" dirty="0" err="1">
                 <a:ln>
                   <a:noFill/>
                 </a:ln>
@@ -7879,7 +7723,7 @@
               <a:t>Cat</a:t>
             </a:r>
             <a:r>
-              <a:rPr kumimoji="0" lang="ko-KR" altLang="ko-KR" sz="1500" b="0" i="0" u="none" strike="noStrike" cap="none" normalizeH="0" baseline="0" dirty="0" smtClean="0">
+              <a:rPr kumimoji="0" lang="ko-KR" altLang="ko-KR" sz="1500" b="0" i="0" u="none" strike="noStrike" cap="none" normalizeH="0" baseline="0" dirty="0">
                 <a:ln>
                   <a:noFill/>
                 </a:ln>
@@ -7893,7 +7737,7 @@
               <a:t>'</a:t>
             </a:r>
             <a:r>
-              <a:rPr kumimoji="0" lang="ko-KR" altLang="ko-KR" sz="1500" b="0" i="0" u="none" strike="noStrike" cap="none" normalizeH="0" baseline="0" dirty="0" smtClean="0">
+              <a:rPr kumimoji="0" lang="ko-KR" altLang="ko-KR" sz="1500" b="0" i="0" u="none" strike="noStrike" cap="none" normalizeH="0" baseline="0" dirty="0">
                 <a:ln>
                   <a:noFill/>
                 </a:ln>
@@ -7907,7 +7751,7 @@
               <a:t>, </a:t>
             </a:r>
             <a:r>
-              <a:rPr kumimoji="0" lang="ko-KR" altLang="ko-KR" sz="1500" b="0" i="0" u="none" strike="noStrike" cap="none" normalizeH="0" baseline="0" dirty="0" smtClean="0">
+              <a:rPr kumimoji="0" lang="ko-KR" altLang="ko-KR" sz="1500" b="0" i="0" u="none" strike="noStrike" cap="none" normalizeH="0" baseline="0" dirty="0">
                 <a:ln>
                   <a:noFill/>
                 </a:ln>
@@ -7921,7 +7765,7 @@
               <a:t>'</a:t>
             </a:r>
             <a:r>
-              <a:rPr kumimoji="0" lang="ko-KR" altLang="ko-KR" sz="1500" b="0" i="0" u="none" strike="noStrike" cap="none" normalizeH="0" baseline="0" dirty="0" err="1" smtClean="0">
+              <a:rPr kumimoji="0" lang="ko-KR" altLang="ko-KR" sz="1500" b="0" i="0" u="none" strike="noStrike" cap="none" normalizeH="0" baseline="0" dirty="0" err="1">
                 <a:ln>
                   <a:noFill/>
                 </a:ln>
@@ -7935,7 +7779,7 @@
               <a:t>Fish</a:t>
             </a:r>
             <a:r>
-              <a:rPr kumimoji="0" lang="ko-KR" altLang="ko-KR" sz="1500" b="0" i="0" u="none" strike="noStrike" cap="none" normalizeH="0" baseline="0" dirty="0" smtClean="0">
+              <a:rPr kumimoji="0" lang="ko-KR" altLang="ko-KR" sz="1500" b="0" i="0" u="none" strike="noStrike" cap="none" normalizeH="0" baseline="0" dirty="0">
                 <a:ln>
                   <a:noFill/>
                 </a:ln>
@@ -7949,7 +7793,7 @@
               <a:t>'</a:t>
             </a:r>
             <a:r>
-              <a:rPr kumimoji="0" lang="ko-KR" altLang="ko-KR" sz="1500" b="0" i="0" u="none" strike="noStrike" cap="none" normalizeH="0" baseline="0" dirty="0" smtClean="0">
+              <a:rPr kumimoji="0" lang="ko-KR" altLang="ko-KR" sz="1500" b="0" i="0" u="none" strike="noStrike" cap="none" normalizeH="0" baseline="0" dirty="0">
                 <a:ln>
                   <a:noFill/>
                 </a:ln>
@@ -7963,7 +7807,7 @@
               <a:t>, </a:t>
             </a:r>
             <a:r>
-              <a:rPr kumimoji="0" lang="ko-KR" altLang="ko-KR" sz="1500" b="0" i="0" u="none" strike="noStrike" cap="none" normalizeH="0" baseline="0" dirty="0" smtClean="0">
+              <a:rPr kumimoji="0" lang="ko-KR" altLang="ko-KR" sz="1500" b="0" i="0" u="none" strike="noStrike" cap="none" normalizeH="0" baseline="0" dirty="0">
                 <a:ln>
                   <a:noFill/>
                 </a:ln>
@@ -7977,7 +7821,7 @@
               <a:t>'</a:t>
             </a:r>
             <a:r>
-              <a:rPr kumimoji="0" lang="ko-KR" altLang="ko-KR" sz="1500" b="0" i="0" u="none" strike="noStrike" cap="none" normalizeH="0" baseline="0" dirty="0" err="1" smtClean="0">
+              <a:rPr kumimoji="0" lang="ko-KR" altLang="ko-KR" sz="1500" b="0" i="0" u="none" strike="noStrike" cap="none" normalizeH="0" baseline="0" dirty="0" err="1">
                 <a:ln>
                   <a:noFill/>
                 </a:ln>
@@ -7991,7 +7835,7 @@
               <a:t>Hamster</a:t>
             </a:r>
             <a:r>
-              <a:rPr kumimoji="0" lang="ko-KR" altLang="ko-KR" sz="1500" b="0" i="0" u="none" strike="noStrike" cap="none" normalizeH="0" baseline="0" dirty="0" smtClean="0">
+              <a:rPr kumimoji="0" lang="ko-KR" altLang="ko-KR" sz="1500" b="0" i="0" u="none" strike="noStrike" cap="none" normalizeH="0" baseline="0" dirty="0">
                 <a:ln>
                   <a:noFill/>
                 </a:ln>
@@ -8005,7 +7849,7 @@
               <a:t>'</a:t>
             </a:r>
             <a:r>
-              <a:rPr kumimoji="0" lang="ko-KR" altLang="ko-KR" sz="1500" b="0" i="0" u="none" strike="noStrike" cap="none" normalizeH="0" baseline="0" dirty="0" smtClean="0">
+              <a:rPr kumimoji="0" lang="ko-KR" altLang="ko-KR" sz="1500" b="0" i="0" u="none" strike="noStrike" cap="none" normalizeH="0" baseline="0" dirty="0">
                 <a:ln>
                   <a:noFill/>
                 </a:ln>
@@ -8019,7 +7863,7 @@
               <a:t>, </a:t>
             </a:r>
             <a:r>
-              <a:rPr kumimoji="0" lang="ko-KR" altLang="ko-KR" sz="1500" b="0" i="0" u="none" strike="noStrike" cap="none" normalizeH="0" baseline="0" dirty="0" smtClean="0">
+              <a:rPr kumimoji="0" lang="ko-KR" altLang="ko-KR" sz="1500" b="0" i="0" u="none" strike="noStrike" cap="none" normalizeH="0" baseline="0" dirty="0">
                 <a:ln>
                   <a:noFill/>
                 </a:ln>
@@ -8033,7 +7877,7 @@
               <a:t>'</a:t>
             </a:r>
             <a:r>
-              <a:rPr kumimoji="0" lang="ko-KR" altLang="ko-KR" sz="1500" b="0" i="0" u="none" strike="noStrike" cap="none" normalizeH="0" baseline="0" dirty="0" err="1" smtClean="0">
+              <a:rPr kumimoji="0" lang="ko-KR" altLang="ko-KR" sz="1500" b="0" i="0" u="none" strike="noStrike" cap="none" normalizeH="0" baseline="0" dirty="0" err="1">
                 <a:ln>
                   <a:noFill/>
                 </a:ln>
@@ -8047,7 +7891,7 @@
               <a:t>Rabbit</a:t>
             </a:r>
             <a:r>
-              <a:rPr kumimoji="0" lang="ko-KR" altLang="ko-KR" sz="1500" b="0" i="0" u="none" strike="noStrike" cap="none" normalizeH="0" baseline="0" dirty="0" smtClean="0">
+              <a:rPr kumimoji="0" lang="ko-KR" altLang="ko-KR" sz="1500" b="0" i="0" u="none" strike="noStrike" cap="none" normalizeH="0" baseline="0" dirty="0">
                 <a:ln>
                   <a:noFill/>
                 </a:ln>
@@ -8061,7 +7905,7 @@
               <a:t>'</a:t>
             </a:r>
             <a:r>
-              <a:rPr kumimoji="0" lang="ko-KR" altLang="ko-KR" sz="1500" b="0" i="0" u="none" strike="noStrike" cap="none" normalizeH="0" baseline="0" dirty="0" smtClean="0">
+              <a:rPr kumimoji="0" lang="ko-KR" altLang="ko-KR" sz="1500" b="0" i="0" u="none" strike="noStrike" cap="none" normalizeH="0" baseline="0" dirty="0">
                 <a:ln>
                   <a:noFill/>
                 </a:ln>
@@ -8075,7 +7919,7 @@
               <a:t>]</a:t>
             </a:r>
             <a:br>
-              <a:rPr kumimoji="0" lang="ko-KR" altLang="ko-KR" sz="1500" b="0" i="0" u="none" strike="noStrike" cap="none" normalizeH="0" baseline="0" dirty="0" smtClean="0">
+              <a:rPr kumimoji="0" lang="ko-KR" altLang="ko-KR" sz="1500" b="0" i="0" u="none" strike="noStrike" cap="none" normalizeH="0" baseline="0" dirty="0">
                 <a:ln>
                   <a:noFill/>
                 </a:ln>
@@ -8088,7 +7932,7 @@
               </a:rPr>
             </a:br>
             <a:r>
-              <a:rPr kumimoji="0" lang="ko-KR" altLang="ko-KR" sz="1500" b="0" i="0" u="none" strike="noStrike" cap="none" normalizeH="0" baseline="0" dirty="0" err="1" smtClean="0">
+              <a:rPr kumimoji="0" lang="ko-KR" altLang="ko-KR" sz="1500" b="0" i="0" u="none" strike="noStrike" cap="none" normalizeH="0" baseline="0" dirty="0" err="1">
                 <a:ln>
                   <a:noFill/>
                 </a:ln>
@@ -8102,7 +7946,7 @@
               <a:t>students</a:t>
             </a:r>
             <a:r>
-              <a:rPr kumimoji="0" lang="ko-KR" altLang="ko-KR" sz="1500" b="0" i="0" u="none" strike="noStrike" cap="none" normalizeH="0" baseline="0" dirty="0" smtClean="0">
+              <a:rPr kumimoji="0" lang="ko-KR" altLang="ko-KR" sz="1500" b="0" i="0" u="none" strike="noStrike" cap="none" normalizeH="0" baseline="0" dirty="0">
                 <a:ln>
                   <a:noFill/>
                 </a:ln>
@@ -8116,7 +7960,7 @@
               <a:t>=[</a:t>
             </a:r>
             <a:r>
-              <a:rPr kumimoji="0" lang="ko-KR" altLang="ko-KR" sz="1500" b="0" i="0" u="none" strike="noStrike" cap="none" normalizeH="0" baseline="0" dirty="0" smtClean="0">
+              <a:rPr kumimoji="0" lang="ko-KR" altLang="ko-KR" sz="1500" b="0" i="0" u="none" strike="noStrike" cap="none" normalizeH="0" baseline="0" dirty="0">
                 <a:ln>
                   <a:noFill/>
                 </a:ln>
@@ -8130,7 +7974,7 @@
               <a:t>11</a:t>
             </a:r>
             <a:r>
-              <a:rPr kumimoji="0" lang="ko-KR" altLang="ko-KR" sz="1500" b="0" i="0" u="none" strike="noStrike" cap="none" normalizeH="0" baseline="0" dirty="0" smtClean="0">
+              <a:rPr kumimoji="0" lang="ko-KR" altLang="ko-KR" sz="1500" b="0" i="0" u="none" strike="noStrike" cap="none" normalizeH="0" baseline="0" dirty="0">
                 <a:ln>
                   <a:noFill/>
                 </a:ln>
@@ -8144,7 +7988,7 @@
               <a:t>, </a:t>
             </a:r>
             <a:r>
-              <a:rPr kumimoji="0" lang="ko-KR" altLang="ko-KR" sz="1500" b="0" i="0" u="none" strike="noStrike" cap="none" normalizeH="0" baseline="0" dirty="0" smtClean="0">
+              <a:rPr kumimoji="0" lang="ko-KR" altLang="ko-KR" sz="1500" b="0" i="0" u="none" strike="noStrike" cap="none" normalizeH="0" baseline="0" dirty="0">
                 <a:ln>
                   <a:noFill/>
                 </a:ln>
@@ -8158,7 +8002,7 @@
               <a:t>8</a:t>
             </a:r>
             <a:r>
-              <a:rPr kumimoji="0" lang="ko-KR" altLang="ko-KR" sz="1500" b="0" i="0" u="none" strike="noStrike" cap="none" normalizeH="0" baseline="0" dirty="0" smtClean="0">
+              <a:rPr kumimoji="0" lang="ko-KR" altLang="ko-KR" sz="1500" b="0" i="0" u="none" strike="noStrike" cap="none" normalizeH="0" baseline="0" dirty="0">
                 <a:ln>
                   <a:noFill/>
                 </a:ln>
@@ -8172,7 +8016,7 @@
               <a:t>, </a:t>
             </a:r>
             <a:r>
-              <a:rPr kumimoji="0" lang="ko-KR" altLang="ko-KR" sz="1500" b="0" i="0" u="none" strike="noStrike" cap="none" normalizeH="0" baseline="0" dirty="0" smtClean="0">
+              <a:rPr kumimoji="0" lang="ko-KR" altLang="ko-KR" sz="1500" b="0" i="0" u="none" strike="noStrike" cap="none" normalizeH="0" baseline="0" dirty="0">
                 <a:ln>
                   <a:noFill/>
                 </a:ln>
@@ -8186,7 +8030,7 @@
               <a:t>5</a:t>
             </a:r>
             <a:r>
-              <a:rPr kumimoji="0" lang="ko-KR" altLang="ko-KR" sz="1500" b="0" i="0" u="none" strike="noStrike" cap="none" normalizeH="0" baseline="0" dirty="0" smtClean="0">
+              <a:rPr kumimoji="0" lang="ko-KR" altLang="ko-KR" sz="1500" b="0" i="0" u="none" strike="noStrike" cap="none" normalizeH="0" baseline="0" dirty="0">
                 <a:ln>
                   <a:noFill/>
                 </a:ln>
@@ -8200,7 +8044,7 @@
               <a:t>, </a:t>
             </a:r>
             <a:r>
-              <a:rPr kumimoji="0" lang="ko-KR" altLang="ko-KR" sz="1500" b="0" i="0" u="none" strike="noStrike" cap="none" normalizeH="0" baseline="0" dirty="0" smtClean="0">
+              <a:rPr kumimoji="0" lang="ko-KR" altLang="ko-KR" sz="1500" b="0" i="0" u="none" strike="noStrike" cap="none" normalizeH="0" baseline="0" dirty="0">
                 <a:ln>
                   <a:noFill/>
                 </a:ln>
@@ -8214,7 +8058,7 @@
               <a:t>4</a:t>
             </a:r>
             <a:r>
-              <a:rPr kumimoji="0" lang="ko-KR" altLang="ko-KR" sz="1500" b="0" i="0" u="none" strike="noStrike" cap="none" normalizeH="0" baseline="0" dirty="0" smtClean="0">
+              <a:rPr kumimoji="0" lang="ko-KR" altLang="ko-KR" sz="1500" b="0" i="0" u="none" strike="noStrike" cap="none" normalizeH="0" baseline="0" dirty="0">
                 <a:ln>
                   <a:noFill/>
                 </a:ln>
@@ -8228,7 +8072,7 @@
               <a:t>, </a:t>
             </a:r>
             <a:r>
-              <a:rPr kumimoji="0" lang="ko-KR" altLang="ko-KR" sz="1500" b="0" i="0" u="none" strike="noStrike" cap="none" normalizeH="0" baseline="0" dirty="0" smtClean="0">
+              <a:rPr kumimoji="0" lang="ko-KR" altLang="ko-KR" sz="1500" b="0" i="0" u="none" strike="noStrike" cap="none" normalizeH="0" baseline="0" dirty="0">
                 <a:ln>
                   <a:noFill/>
                 </a:ln>
@@ -8242,7 +8086,7 @@
               <a:t>2</a:t>
             </a:r>
             <a:r>
-              <a:rPr kumimoji="0" lang="ko-KR" altLang="ko-KR" sz="1500" b="0" i="0" u="none" strike="noStrike" cap="none" normalizeH="0" baseline="0" dirty="0" smtClean="0">
+              <a:rPr kumimoji="0" lang="ko-KR" altLang="ko-KR" sz="1500" b="0" i="0" u="none" strike="noStrike" cap="none" normalizeH="0" baseline="0" dirty="0">
                 <a:ln>
                   <a:noFill/>
                 </a:ln>
@@ -8256,7 +8100,7 @@
               <a:t>]</a:t>
             </a:r>
             <a:br>
-              <a:rPr kumimoji="0" lang="ko-KR" altLang="ko-KR" sz="1500" b="0" i="0" u="none" strike="noStrike" cap="none" normalizeH="0" baseline="0" dirty="0" smtClean="0">
+              <a:rPr kumimoji="0" lang="ko-KR" altLang="ko-KR" sz="1500" b="0" i="0" u="none" strike="noStrike" cap="none" normalizeH="0" baseline="0" dirty="0">
                 <a:ln>
                   <a:noFill/>
                 </a:ln>
@@ -8269,7 +8113,7 @@
               </a:rPr>
             </a:br>
             <a:r>
-              <a:rPr kumimoji="0" lang="ko-KR" altLang="ko-KR" sz="1500" b="0" i="0" u="none" strike="noStrike" cap="none" normalizeH="0" baseline="0" dirty="0" err="1" smtClean="0">
+              <a:rPr kumimoji="0" lang="ko-KR" altLang="ko-KR" sz="1500" b="0" i="0" u="none" strike="noStrike" cap="none" normalizeH="0" baseline="0" dirty="0" err="1">
                 <a:ln>
                   <a:noFill/>
                 </a:ln>
@@ -8283,7 +8127,7 @@
               <a:t>colors</a:t>
             </a:r>
             <a:r>
-              <a:rPr kumimoji="0" lang="ko-KR" altLang="ko-KR" sz="1500" b="0" i="0" u="none" strike="noStrike" cap="none" normalizeH="0" baseline="0" dirty="0" smtClean="0">
+              <a:rPr kumimoji="0" lang="ko-KR" altLang="ko-KR" sz="1500" b="0" i="0" u="none" strike="noStrike" cap="none" normalizeH="0" baseline="0" dirty="0">
                 <a:ln>
                   <a:noFill/>
                 </a:ln>
@@ -8297,7 +8141,7 @@
               <a:t>=[</a:t>
             </a:r>
             <a:r>
-              <a:rPr kumimoji="0" lang="ko-KR" altLang="ko-KR" sz="1500" b="0" i="0" u="none" strike="noStrike" cap="none" normalizeH="0" baseline="0" dirty="0" smtClean="0">
+              <a:rPr kumimoji="0" lang="ko-KR" altLang="ko-KR" sz="1500" b="0" i="0" u="none" strike="noStrike" cap="none" normalizeH="0" baseline="0" dirty="0">
                 <a:ln>
                   <a:noFill/>
                 </a:ln>
@@ -8311,7 +8155,7 @@
               <a:t>'</a:t>
             </a:r>
             <a:r>
-              <a:rPr kumimoji="0" lang="ko-KR" altLang="ko-KR" sz="1500" b="0" i="0" u="none" strike="noStrike" cap="none" normalizeH="0" baseline="0" dirty="0" err="1" smtClean="0">
+              <a:rPr kumimoji="0" lang="ko-KR" altLang="ko-KR" sz="1500" b="0" i="0" u="none" strike="noStrike" cap="none" normalizeH="0" baseline="0" dirty="0" err="1">
                 <a:ln>
                   <a:noFill/>
                 </a:ln>
@@ -8325,7 +8169,7 @@
               <a:t>red</a:t>
             </a:r>
             <a:r>
-              <a:rPr kumimoji="0" lang="ko-KR" altLang="ko-KR" sz="1500" b="0" i="0" u="none" strike="noStrike" cap="none" normalizeH="0" baseline="0" dirty="0" smtClean="0">
+              <a:rPr kumimoji="0" lang="ko-KR" altLang="ko-KR" sz="1500" b="0" i="0" u="none" strike="noStrike" cap="none" normalizeH="0" baseline="0" dirty="0">
                 <a:ln>
                   <a:noFill/>
                 </a:ln>
@@ -8339,7 +8183,7 @@
               <a:t>'</a:t>
             </a:r>
             <a:r>
-              <a:rPr kumimoji="0" lang="ko-KR" altLang="ko-KR" sz="1500" b="0" i="0" u="none" strike="noStrike" cap="none" normalizeH="0" baseline="0" dirty="0" smtClean="0">
+              <a:rPr kumimoji="0" lang="ko-KR" altLang="ko-KR" sz="1500" b="0" i="0" u="none" strike="noStrike" cap="none" normalizeH="0" baseline="0" dirty="0">
                 <a:ln>
                   <a:noFill/>
                 </a:ln>
@@ -8353,7 +8197,7 @@
               <a:t>, </a:t>
             </a:r>
             <a:r>
-              <a:rPr kumimoji="0" lang="ko-KR" altLang="ko-KR" sz="1500" b="0" i="0" u="none" strike="noStrike" cap="none" normalizeH="0" baseline="0" dirty="0" smtClean="0">
+              <a:rPr kumimoji="0" lang="ko-KR" altLang="ko-KR" sz="1500" b="0" i="0" u="none" strike="noStrike" cap="none" normalizeH="0" baseline="0" dirty="0">
                 <a:ln>
                   <a:noFill/>
                 </a:ln>
@@ -8367,7 +8211,7 @@
               <a:t>'</a:t>
             </a:r>
             <a:r>
-              <a:rPr kumimoji="0" lang="ko-KR" altLang="ko-KR" sz="1500" b="0" i="0" u="none" strike="noStrike" cap="none" normalizeH="0" baseline="0" dirty="0" err="1" smtClean="0">
+              <a:rPr kumimoji="0" lang="ko-KR" altLang="ko-KR" sz="1500" b="0" i="0" u="none" strike="noStrike" cap="none" normalizeH="0" baseline="0" dirty="0" err="1">
                 <a:ln>
                   <a:noFill/>
                 </a:ln>
@@ -8381,7 +8225,7 @@
               <a:t>green</a:t>
             </a:r>
             <a:r>
-              <a:rPr kumimoji="0" lang="ko-KR" altLang="ko-KR" sz="1500" b="0" i="0" u="none" strike="noStrike" cap="none" normalizeH="0" baseline="0" dirty="0" smtClean="0">
+              <a:rPr kumimoji="0" lang="ko-KR" altLang="ko-KR" sz="1500" b="0" i="0" u="none" strike="noStrike" cap="none" normalizeH="0" baseline="0" dirty="0">
                 <a:ln>
                   <a:noFill/>
                 </a:ln>
@@ -8395,7 +8239,7 @@
               <a:t>'</a:t>
             </a:r>
             <a:r>
-              <a:rPr kumimoji="0" lang="ko-KR" altLang="ko-KR" sz="1500" b="0" i="0" u="none" strike="noStrike" cap="none" normalizeH="0" baseline="0" dirty="0" smtClean="0">
+              <a:rPr kumimoji="0" lang="ko-KR" altLang="ko-KR" sz="1500" b="0" i="0" u="none" strike="noStrike" cap="none" normalizeH="0" baseline="0" dirty="0">
                 <a:ln>
                   <a:noFill/>
                 </a:ln>
@@ -8409,7 +8253,7 @@
               <a:t>, </a:t>
             </a:r>
             <a:r>
-              <a:rPr kumimoji="0" lang="ko-KR" altLang="ko-KR" sz="1500" b="0" i="0" u="none" strike="noStrike" cap="none" normalizeH="0" baseline="0" dirty="0" smtClean="0">
+              <a:rPr kumimoji="0" lang="ko-KR" altLang="ko-KR" sz="1500" b="0" i="0" u="none" strike="noStrike" cap="none" normalizeH="0" baseline="0" dirty="0">
                 <a:ln>
                   <a:noFill/>
                 </a:ln>
@@ -8423,7 +8267,7 @@
               <a:t>'</a:t>
             </a:r>
             <a:r>
-              <a:rPr kumimoji="0" lang="ko-KR" altLang="ko-KR" sz="1500" b="0" i="0" u="none" strike="noStrike" cap="none" normalizeH="0" baseline="0" dirty="0" err="1" smtClean="0">
+              <a:rPr kumimoji="0" lang="ko-KR" altLang="ko-KR" sz="1500" b="0" i="0" u="none" strike="noStrike" cap="none" normalizeH="0" baseline="0" dirty="0" err="1">
                 <a:ln>
                   <a:noFill/>
                 </a:ln>
@@ -8437,7 +8281,7 @@
               <a:t>blue</a:t>
             </a:r>
             <a:r>
-              <a:rPr kumimoji="0" lang="ko-KR" altLang="ko-KR" sz="1500" b="0" i="0" u="none" strike="noStrike" cap="none" normalizeH="0" baseline="0" dirty="0" smtClean="0">
+              <a:rPr kumimoji="0" lang="ko-KR" altLang="ko-KR" sz="1500" b="0" i="0" u="none" strike="noStrike" cap="none" normalizeH="0" baseline="0" dirty="0">
                 <a:ln>
                   <a:noFill/>
                 </a:ln>
@@ -8451,7 +8295,7 @@
               <a:t>'</a:t>
             </a:r>
             <a:r>
-              <a:rPr kumimoji="0" lang="ko-KR" altLang="ko-KR" sz="1500" b="0" i="0" u="none" strike="noStrike" cap="none" normalizeH="0" baseline="0" dirty="0" smtClean="0">
+              <a:rPr kumimoji="0" lang="ko-KR" altLang="ko-KR" sz="1500" b="0" i="0" u="none" strike="noStrike" cap="none" normalizeH="0" baseline="0" dirty="0">
                 <a:ln>
                   <a:noFill/>
                 </a:ln>
@@ -8465,7 +8309,7 @@
               <a:t>, </a:t>
             </a:r>
             <a:r>
-              <a:rPr kumimoji="0" lang="ko-KR" altLang="ko-KR" sz="1500" b="0" i="0" u="none" strike="noStrike" cap="none" normalizeH="0" baseline="0" dirty="0" smtClean="0">
+              <a:rPr kumimoji="0" lang="ko-KR" altLang="ko-KR" sz="1500" b="0" i="0" u="none" strike="noStrike" cap="none" normalizeH="0" baseline="0" dirty="0">
                 <a:ln>
                   <a:noFill/>
                 </a:ln>
@@ -8479,7 +8323,7 @@
               <a:t>'</a:t>
             </a:r>
             <a:r>
-              <a:rPr kumimoji="0" lang="ko-KR" altLang="ko-KR" sz="1500" b="0" i="0" u="none" strike="noStrike" cap="none" normalizeH="0" baseline="0" dirty="0" err="1" smtClean="0">
+              <a:rPr kumimoji="0" lang="ko-KR" altLang="ko-KR" sz="1500" b="0" i="0" u="none" strike="noStrike" cap="none" normalizeH="0" baseline="0" dirty="0" err="1">
                 <a:ln>
                   <a:noFill/>
                 </a:ln>
@@ -8493,7 +8337,7 @@
               <a:t>yellow</a:t>
             </a:r>
             <a:r>
-              <a:rPr kumimoji="0" lang="ko-KR" altLang="ko-KR" sz="1500" b="0" i="0" u="none" strike="noStrike" cap="none" normalizeH="0" baseline="0" dirty="0" smtClean="0">
+              <a:rPr kumimoji="0" lang="ko-KR" altLang="ko-KR" sz="1500" b="0" i="0" u="none" strike="noStrike" cap="none" normalizeH="0" baseline="0" dirty="0">
                 <a:ln>
                   <a:noFill/>
                 </a:ln>
@@ -8507,7 +8351,7 @@
               <a:t>'</a:t>
             </a:r>
             <a:r>
-              <a:rPr kumimoji="0" lang="ko-KR" altLang="ko-KR" sz="1500" b="0" i="0" u="none" strike="noStrike" cap="none" normalizeH="0" baseline="0" dirty="0" smtClean="0">
+              <a:rPr kumimoji="0" lang="ko-KR" altLang="ko-KR" sz="1500" b="0" i="0" u="none" strike="noStrike" cap="none" normalizeH="0" baseline="0" dirty="0">
                 <a:ln>
                   <a:noFill/>
                 </a:ln>
@@ -8521,7 +8365,7 @@
               <a:t>, </a:t>
             </a:r>
             <a:r>
-              <a:rPr kumimoji="0" lang="ko-KR" altLang="ko-KR" sz="1500" b="0" i="0" u="none" strike="noStrike" cap="none" normalizeH="0" baseline="0" dirty="0" smtClean="0">
+              <a:rPr kumimoji="0" lang="ko-KR" altLang="ko-KR" sz="1500" b="0" i="0" u="none" strike="noStrike" cap="none" normalizeH="0" baseline="0" dirty="0">
                 <a:ln>
                   <a:noFill/>
                 </a:ln>
@@ -8535,7 +8379,7 @@
               <a:t>'</a:t>
             </a:r>
             <a:r>
-              <a:rPr kumimoji="0" lang="ko-KR" altLang="ko-KR" sz="1500" b="0" i="0" u="none" strike="noStrike" cap="none" normalizeH="0" baseline="0" dirty="0" err="1" smtClean="0">
+              <a:rPr kumimoji="0" lang="ko-KR" altLang="ko-KR" sz="1500" b="0" i="0" u="none" strike="noStrike" cap="none" normalizeH="0" baseline="0" dirty="0" err="1">
                 <a:ln>
                   <a:noFill/>
                 </a:ln>
@@ -8549,7 +8393,7 @@
               <a:t>cyan</a:t>
             </a:r>
             <a:r>
-              <a:rPr kumimoji="0" lang="ko-KR" altLang="ko-KR" sz="1500" b="0" i="0" u="none" strike="noStrike" cap="none" normalizeH="0" baseline="0" dirty="0" smtClean="0">
+              <a:rPr kumimoji="0" lang="ko-KR" altLang="ko-KR" sz="1500" b="0" i="0" u="none" strike="noStrike" cap="none" normalizeH="0" baseline="0" dirty="0">
                 <a:ln>
                   <a:noFill/>
                 </a:ln>
@@ -8563,7 +8407,7 @@
               <a:t>'</a:t>
             </a:r>
             <a:r>
-              <a:rPr kumimoji="0" lang="ko-KR" altLang="ko-KR" sz="1500" b="0" i="0" u="none" strike="noStrike" cap="none" normalizeH="0" baseline="0" dirty="0" smtClean="0">
+              <a:rPr kumimoji="0" lang="ko-KR" altLang="ko-KR" sz="1500" b="0" i="0" u="none" strike="noStrike" cap="none" normalizeH="0" baseline="0" dirty="0">
                 <a:ln>
                   <a:noFill/>
                 </a:ln>
@@ -8577,7 +8421,7 @@
               <a:t>]</a:t>
             </a:r>
             <a:br>
-              <a:rPr kumimoji="0" lang="ko-KR" altLang="ko-KR" sz="1500" b="0" i="0" u="none" strike="noStrike" cap="none" normalizeH="0" baseline="0" dirty="0" smtClean="0">
+              <a:rPr kumimoji="0" lang="ko-KR" altLang="ko-KR" sz="1500" b="0" i="0" u="none" strike="noStrike" cap="none" normalizeH="0" baseline="0" dirty="0">
                 <a:ln>
                   <a:noFill/>
                 </a:ln>
@@ -8589,22 +8433,8 @@
                 <a:ea typeface="JetBrains Mono"/>
               </a:rPr>
             </a:br>
-            <a:r>
-              <a:rPr kumimoji="0" lang="ko-KR" altLang="ko-KR" sz="1500" b="0" i="0" u="none" strike="noStrike" cap="none" normalizeH="0" baseline="0" dirty="0" smtClean="0">
-                <a:ln>
-                  <a:noFill/>
-                </a:ln>
-                <a:solidFill>
-                  <a:srgbClr val="A9B7C6"/>
-                </a:solidFill>
-                <a:effectLst/>
-                <a:latin typeface="Arial Unicode MS"/>
-                <a:ea typeface="JetBrains Mono"/>
-              </a:rPr>
-              <a:t/>
-            </a:r>
             <a:br>
-              <a:rPr kumimoji="0" lang="ko-KR" altLang="ko-KR" sz="1500" b="0" i="0" u="none" strike="noStrike" cap="none" normalizeH="0" baseline="0" dirty="0" smtClean="0">
+              <a:rPr kumimoji="0" lang="ko-KR" altLang="ko-KR" sz="1500" b="0" i="0" u="none" strike="noStrike" cap="none" normalizeH="0" baseline="0" dirty="0">
                 <a:ln>
                   <a:noFill/>
                 </a:ln>
@@ -8617,7 +8447,7 @@
               </a:rPr>
             </a:br>
             <a:r>
-              <a:rPr kumimoji="0" lang="ko-KR" altLang="ko-KR" sz="1500" b="0" i="0" u="none" strike="noStrike" cap="none" normalizeH="0" baseline="0" dirty="0" err="1" smtClean="0">
+              <a:rPr kumimoji="0" lang="ko-KR" altLang="ko-KR" sz="1500" b="0" i="0" u="none" strike="noStrike" cap="none" normalizeH="0" baseline="0" dirty="0" err="1">
                 <a:ln>
                   <a:noFill/>
                 </a:ln>
@@ -8631,7 +8461,7 @@
               <a:t>plt.bar</a:t>
             </a:r>
             <a:r>
-              <a:rPr kumimoji="0" lang="ko-KR" altLang="ko-KR" sz="1500" b="0" i="0" u="none" strike="noStrike" cap="none" normalizeH="0" baseline="0" dirty="0" smtClean="0">
+              <a:rPr kumimoji="0" lang="ko-KR" altLang="ko-KR" sz="1500" b="0" i="0" u="none" strike="noStrike" cap="none" normalizeH="0" baseline="0" dirty="0">
                 <a:ln>
                   <a:noFill/>
                 </a:ln>
@@ -8645,7 +8475,7 @@
               <a:t>(</a:t>
             </a:r>
             <a:r>
-              <a:rPr kumimoji="0" lang="ko-KR" altLang="ko-KR" sz="1500" b="0" i="0" u="none" strike="noStrike" cap="none" normalizeH="0" baseline="0" dirty="0" err="1" smtClean="0">
+              <a:rPr kumimoji="0" lang="ko-KR" altLang="ko-KR" sz="1500" b="0" i="0" u="none" strike="noStrike" cap="none" normalizeH="0" baseline="0" dirty="0" err="1">
                 <a:ln>
                   <a:noFill/>
                 </a:ln>
@@ -8659,7 +8489,7 @@
               <a:t>pets</a:t>
             </a:r>
             <a:r>
-              <a:rPr kumimoji="0" lang="ko-KR" altLang="ko-KR" sz="1500" b="0" i="0" u="none" strike="noStrike" cap="none" normalizeH="0" baseline="0" dirty="0" smtClean="0">
+              <a:rPr kumimoji="0" lang="ko-KR" altLang="ko-KR" sz="1500" b="0" i="0" u="none" strike="noStrike" cap="none" normalizeH="0" baseline="0" dirty="0">
                 <a:ln>
                   <a:noFill/>
                 </a:ln>
@@ -8673,7 +8503,7 @@
               <a:t>, </a:t>
             </a:r>
             <a:r>
-              <a:rPr kumimoji="0" lang="ko-KR" altLang="ko-KR" sz="1500" b="0" i="0" u="none" strike="noStrike" cap="none" normalizeH="0" baseline="0" dirty="0" err="1" smtClean="0">
+              <a:rPr kumimoji="0" lang="ko-KR" altLang="ko-KR" sz="1500" b="0" i="0" u="none" strike="noStrike" cap="none" normalizeH="0" baseline="0" dirty="0" err="1">
                 <a:ln>
                   <a:noFill/>
                 </a:ln>
@@ -8687,7 +8517,7 @@
               <a:t>students</a:t>
             </a:r>
             <a:r>
-              <a:rPr kumimoji="0" lang="ko-KR" altLang="ko-KR" sz="1500" b="0" i="0" u="none" strike="noStrike" cap="none" normalizeH="0" baseline="0" dirty="0" smtClean="0">
+              <a:rPr kumimoji="0" lang="ko-KR" altLang="ko-KR" sz="1500" b="0" i="0" u="none" strike="noStrike" cap="none" normalizeH="0" baseline="0" dirty="0">
                 <a:ln>
                   <a:noFill/>
                 </a:ln>
@@ -8701,7 +8531,7 @@
               <a:t>, </a:t>
             </a:r>
             <a:r>
-              <a:rPr kumimoji="0" lang="ko-KR" altLang="ko-KR" sz="1500" b="0" i="0" u="none" strike="noStrike" cap="none" normalizeH="0" baseline="0" dirty="0" err="1" smtClean="0">
+              <a:rPr kumimoji="0" lang="ko-KR" altLang="ko-KR" sz="1500" b="0" i="0" u="none" strike="noStrike" cap="none" normalizeH="0" baseline="0" dirty="0" err="1">
                 <a:ln>
                   <a:noFill/>
                 </a:ln>
@@ -8715,7 +8545,7 @@
               <a:t>color</a:t>
             </a:r>
             <a:r>
-              <a:rPr kumimoji="0" lang="ko-KR" altLang="ko-KR" sz="1500" b="0" i="0" u="none" strike="noStrike" cap="none" normalizeH="0" baseline="0" dirty="0" smtClean="0">
+              <a:rPr kumimoji="0" lang="ko-KR" altLang="ko-KR" sz="1500" b="0" i="0" u="none" strike="noStrike" cap="none" normalizeH="0" baseline="0" dirty="0">
                 <a:ln>
                   <a:noFill/>
                 </a:ln>
@@ -8729,7 +8559,7 @@
               <a:t>=</a:t>
             </a:r>
             <a:r>
-              <a:rPr kumimoji="0" lang="ko-KR" altLang="ko-KR" sz="1500" b="0" i="0" u="none" strike="noStrike" cap="none" normalizeH="0" baseline="0" dirty="0" err="1" smtClean="0">
+              <a:rPr kumimoji="0" lang="ko-KR" altLang="ko-KR" sz="1500" b="0" i="0" u="none" strike="noStrike" cap="none" normalizeH="0" baseline="0" dirty="0" err="1">
                 <a:ln>
                   <a:noFill/>
                 </a:ln>
@@ -8743,7 +8573,7 @@
               <a:t>colors</a:t>
             </a:r>
             <a:r>
-              <a:rPr kumimoji="0" lang="ko-KR" altLang="ko-KR" sz="1500" b="0" i="0" u="none" strike="noStrike" cap="none" normalizeH="0" baseline="0" dirty="0" smtClean="0">
+              <a:rPr kumimoji="0" lang="ko-KR" altLang="ko-KR" sz="1500" b="0" i="0" u="none" strike="noStrike" cap="none" normalizeH="0" baseline="0" dirty="0">
                 <a:ln>
                   <a:noFill/>
                 </a:ln>
@@ -8757,7 +8587,7 @@
               <a:t>)</a:t>
             </a:r>
             <a:br>
-              <a:rPr kumimoji="0" lang="ko-KR" altLang="ko-KR" sz="1500" b="0" i="0" u="none" strike="noStrike" cap="none" normalizeH="0" baseline="0" dirty="0" smtClean="0">
+              <a:rPr kumimoji="0" lang="ko-KR" altLang="ko-KR" sz="1500" b="0" i="0" u="none" strike="noStrike" cap="none" normalizeH="0" baseline="0" dirty="0">
                 <a:ln>
                   <a:noFill/>
                 </a:ln>
@@ -8769,22 +8599,8 @@
                 <a:ea typeface="JetBrains Mono"/>
               </a:rPr>
             </a:br>
-            <a:r>
-              <a:rPr kumimoji="0" lang="ko-KR" altLang="ko-KR" sz="1500" b="0" i="0" u="none" strike="noStrike" cap="none" normalizeH="0" baseline="0" dirty="0" smtClean="0">
-                <a:ln>
-                  <a:noFill/>
-                </a:ln>
-                <a:solidFill>
-                  <a:srgbClr val="A9B7C6"/>
-                </a:solidFill>
-                <a:effectLst/>
-                <a:latin typeface="Arial Unicode MS"/>
-                <a:ea typeface="JetBrains Mono"/>
-              </a:rPr>
-              <a:t/>
-            </a:r>
             <a:br>
-              <a:rPr kumimoji="0" lang="ko-KR" altLang="ko-KR" sz="1500" b="0" i="0" u="none" strike="noStrike" cap="none" normalizeH="0" baseline="0" dirty="0" smtClean="0">
+              <a:rPr kumimoji="0" lang="ko-KR" altLang="ko-KR" sz="1500" b="0" i="0" u="none" strike="noStrike" cap="none" normalizeH="0" baseline="0" dirty="0">
                 <a:ln>
                   <a:noFill/>
                 </a:ln>
@@ -8797,7 +8613,7 @@
               </a:rPr>
             </a:br>
             <a:r>
-              <a:rPr kumimoji="0" lang="ko-KR" altLang="ko-KR" sz="1500" b="0" i="0" u="none" strike="noStrike" cap="none" normalizeH="0" baseline="0" dirty="0" err="1" smtClean="0">
+              <a:rPr kumimoji="0" lang="ko-KR" altLang="ko-KR" sz="1500" b="0" i="0" u="none" strike="noStrike" cap="none" normalizeH="0" baseline="0" dirty="0" err="1">
                 <a:ln>
                   <a:noFill/>
                 </a:ln>
@@ -8811,7 +8627,7 @@
               <a:t>plt.xlabel</a:t>
             </a:r>
             <a:r>
-              <a:rPr kumimoji="0" lang="ko-KR" altLang="ko-KR" sz="1500" b="0" i="0" u="none" strike="noStrike" cap="none" normalizeH="0" baseline="0" dirty="0" smtClean="0">
+              <a:rPr kumimoji="0" lang="ko-KR" altLang="ko-KR" sz="1500" b="0" i="0" u="none" strike="noStrike" cap="none" normalizeH="0" baseline="0" dirty="0">
                 <a:ln>
                   <a:noFill/>
                 </a:ln>
@@ -8825,7 +8641,7 @@
               <a:t>(</a:t>
             </a:r>
             <a:r>
-              <a:rPr kumimoji="0" lang="ko-KR" altLang="ko-KR" sz="1500" b="0" i="0" u="none" strike="noStrike" cap="none" normalizeH="0" baseline="0" dirty="0" smtClean="0">
+              <a:rPr kumimoji="0" lang="ko-KR" altLang="ko-KR" sz="1500" b="0" i="0" u="none" strike="noStrike" cap="none" normalizeH="0" baseline="0" dirty="0">
                 <a:ln>
                   <a:noFill/>
                 </a:ln>
@@ -8839,7 +8655,7 @@
               <a:t>'</a:t>
             </a:r>
             <a:r>
-              <a:rPr kumimoji="0" lang="ko-KR" altLang="ko-KR" sz="1500" b="0" i="0" u="none" strike="noStrike" cap="none" normalizeH="0" baseline="0" dirty="0" err="1" smtClean="0">
+              <a:rPr kumimoji="0" lang="ko-KR" altLang="ko-KR" sz="1500" b="0" i="0" u="none" strike="noStrike" cap="none" normalizeH="0" baseline="0" dirty="0" err="1">
                 <a:ln>
                   <a:noFill/>
                 </a:ln>
@@ -8853,7 +8669,7 @@
               <a:t>Pets</a:t>
             </a:r>
             <a:r>
-              <a:rPr kumimoji="0" lang="ko-KR" altLang="ko-KR" sz="1500" b="0" i="0" u="none" strike="noStrike" cap="none" normalizeH="0" baseline="0" dirty="0" smtClean="0">
+              <a:rPr kumimoji="0" lang="ko-KR" altLang="ko-KR" sz="1500" b="0" i="0" u="none" strike="noStrike" cap="none" normalizeH="0" baseline="0" dirty="0">
                 <a:ln>
                   <a:noFill/>
                 </a:ln>
@@ -8867,7 +8683,7 @@
               <a:t>'</a:t>
             </a:r>
             <a:r>
-              <a:rPr kumimoji="0" lang="ko-KR" altLang="ko-KR" sz="1500" b="0" i="0" u="none" strike="noStrike" cap="none" normalizeH="0" baseline="0" dirty="0" smtClean="0">
+              <a:rPr kumimoji="0" lang="ko-KR" altLang="ko-KR" sz="1500" b="0" i="0" u="none" strike="noStrike" cap="none" normalizeH="0" baseline="0" dirty="0">
                 <a:ln>
                   <a:noFill/>
                 </a:ln>
@@ -8881,7 +8697,7 @@
               <a:t>)</a:t>
             </a:r>
             <a:br>
-              <a:rPr kumimoji="0" lang="ko-KR" altLang="ko-KR" sz="1500" b="0" i="0" u="none" strike="noStrike" cap="none" normalizeH="0" baseline="0" dirty="0" smtClean="0">
+              <a:rPr kumimoji="0" lang="ko-KR" altLang="ko-KR" sz="1500" b="0" i="0" u="none" strike="noStrike" cap="none" normalizeH="0" baseline="0" dirty="0">
                 <a:ln>
                   <a:noFill/>
                 </a:ln>
@@ -8894,7 +8710,7 @@
               </a:rPr>
             </a:br>
             <a:r>
-              <a:rPr kumimoji="0" lang="ko-KR" altLang="ko-KR" sz="1500" b="0" i="0" u="none" strike="noStrike" cap="none" normalizeH="0" baseline="0" dirty="0" err="1" smtClean="0">
+              <a:rPr kumimoji="0" lang="ko-KR" altLang="ko-KR" sz="1500" b="0" i="0" u="none" strike="noStrike" cap="none" normalizeH="0" baseline="0" dirty="0" err="1">
                 <a:ln>
                   <a:noFill/>
                 </a:ln>
@@ -8908,7 +8724,7 @@
               <a:t>plt.ylabel</a:t>
             </a:r>
             <a:r>
-              <a:rPr kumimoji="0" lang="ko-KR" altLang="ko-KR" sz="1500" b="0" i="0" u="none" strike="noStrike" cap="none" normalizeH="0" baseline="0" dirty="0" smtClean="0">
+              <a:rPr kumimoji="0" lang="ko-KR" altLang="ko-KR" sz="1500" b="0" i="0" u="none" strike="noStrike" cap="none" normalizeH="0" baseline="0" dirty="0">
                 <a:ln>
                   <a:noFill/>
                 </a:ln>
@@ -8922,7 +8738,7 @@
               <a:t>(</a:t>
             </a:r>
             <a:r>
-              <a:rPr kumimoji="0" lang="ko-KR" altLang="ko-KR" sz="1500" b="0" i="0" u="none" strike="noStrike" cap="none" normalizeH="0" baseline="0" dirty="0" smtClean="0">
+              <a:rPr kumimoji="0" lang="ko-KR" altLang="ko-KR" sz="1500" b="0" i="0" u="none" strike="noStrike" cap="none" normalizeH="0" baseline="0" dirty="0">
                 <a:ln>
                   <a:noFill/>
                 </a:ln>
@@ -8936,7 +8752,7 @@
               <a:t>'</a:t>
             </a:r>
             <a:r>
-              <a:rPr kumimoji="0" lang="ko-KR" altLang="ko-KR" sz="1500" b="0" i="0" u="none" strike="noStrike" cap="none" normalizeH="0" baseline="0" dirty="0" err="1" smtClean="0">
+              <a:rPr kumimoji="0" lang="ko-KR" altLang="ko-KR" sz="1500" b="0" i="0" u="none" strike="noStrike" cap="none" normalizeH="0" baseline="0" dirty="0" err="1">
                 <a:ln>
                   <a:noFill/>
                 </a:ln>
@@ -8950,7 +8766,7 @@
               <a:t>Students</a:t>
             </a:r>
             <a:r>
-              <a:rPr kumimoji="0" lang="ko-KR" altLang="ko-KR" sz="1500" b="0" i="0" u="none" strike="noStrike" cap="none" normalizeH="0" baseline="0" dirty="0" smtClean="0">
+              <a:rPr kumimoji="0" lang="ko-KR" altLang="ko-KR" sz="1500" b="0" i="0" u="none" strike="noStrike" cap="none" normalizeH="0" baseline="0" dirty="0">
                 <a:ln>
                   <a:noFill/>
                 </a:ln>
@@ -8964,7 +8780,7 @@
               <a:t>'</a:t>
             </a:r>
             <a:r>
-              <a:rPr kumimoji="0" lang="ko-KR" altLang="ko-KR" sz="1500" b="0" i="0" u="none" strike="noStrike" cap="none" normalizeH="0" baseline="0" dirty="0" smtClean="0">
+              <a:rPr kumimoji="0" lang="ko-KR" altLang="ko-KR" sz="1500" b="0" i="0" u="none" strike="noStrike" cap="none" normalizeH="0" baseline="0" dirty="0">
                 <a:ln>
                   <a:noFill/>
                 </a:ln>
@@ -8978,7 +8794,7 @@
               <a:t>)</a:t>
             </a:r>
             <a:br>
-              <a:rPr kumimoji="0" lang="ko-KR" altLang="ko-KR" sz="1500" b="0" i="0" u="none" strike="noStrike" cap="none" normalizeH="0" baseline="0" dirty="0" smtClean="0">
+              <a:rPr kumimoji="0" lang="ko-KR" altLang="ko-KR" sz="1500" b="0" i="0" u="none" strike="noStrike" cap="none" normalizeH="0" baseline="0" dirty="0">
                 <a:ln>
                   <a:noFill/>
                 </a:ln>
@@ -8991,7 +8807,7 @@
               </a:rPr>
             </a:br>
             <a:r>
-              <a:rPr kumimoji="0" lang="ko-KR" altLang="ko-KR" sz="1500" b="0" i="0" u="none" strike="noStrike" cap="none" normalizeH="0" baseline="0" dirty="0" err="1" smtClean="0">
+              <a:rPr kumimoji="0" lang="ko-KR" altLang="ko-KR" sz="1500" b="0" i="0" u="none" strike="noStrike" cap="none" normalizeH="0" baseline="0" dirty="0" err="1">
                 <a:ln>
                   <a:noFill/>
                 </a:ln>
@@ -9005,7 +8821,7 @@
               <a:t>plt.title</a:t>
             </a:r>
             <a:r>
-              <a:rPr kumimoji="0" lang="ko-KR" altLang="ko-KR" sz="1500" b="0" i="0" u="none" strike="noStrike" cap="none" normalizeH="0" baseline="0" dirty="0" smtClean="0">
+              <a:rPr kumimoji="0" lang="ko-KR" altLang="ko-KR" sz="1500" b="0" i="0" u="none" strike="noStrike" cap="none" normalizeH="0" baseline="0" dirty="0">
                 <a:ln>
                   <a:noFill/>
                 </a:ln>
@@ -9019,7 +8835,7 @@
               <a:t>(</a:t>
             </a:r>
             <a:r>
-              <a:rPr kumimoji="0" lang="ko-KR" altLang="ko-KR" sz="1500" b="0" i="0" u="none" strike="noStrike" cap="none" normalizeH="0" baseline="0" dirty="0" smtClean="0">
+              <a:rPr kumimoji="0" lang="ko-KR" altLang="ko-KR" sz="1500" b="0" i="0" u="none" strike="noStrike" cap="none" normalizeH="0" baseline="0" dirty="0">
                 <a:ln>
                   <a:noFill/>
                 </a:ln>
@@ -9033,7 +8849,7 @@
               <a:t>'</a:t>
             </a:r>
             <a:r>
-              <a:rPr kumimoji="0" lang="ko-KR" altLang="ko-KR" sz="1500" b="0" i="0" u="none" strike="noStrike" cap="none" normalizeH="0" baseline="0" dirty="0" err="1" smtClean="0">
+              <a:rPr kumimoji="0" lang="ko-KR" altLang="ko-KR" sz="1500" b="0" i="0" u="none" strike="noStrike" cap="none" normalizeH="0" baseline="0" dirty="0" err="1">
                 <a:ln>
                   <a:noFill/>
                 </a:ln>
@@ -9047,7 +8863,7 @@
               <a:t>Pets</a:t>
             </a:r>
             <a:r>
-              <a:rPr kumimoji="0" lang="ko-KR" altLang="ko-KR" sz="1500" b="0" i="0" u="none" strike="noStrike" cap="none" normalizeH="0" baseline="0" dirty="0" smtClean="0">
+              <a:rPr kumimoji="0" lang="ko-KR" altLang="ko-KR" sz="1500" b="0" i="0" u="none" strike="noStrike" cap="none" normalizeH="0" baseline="0" dirty="0">
                 <a:ln>
                   <a:noFill/>
                 </a:ln>
@@ -9061,7 +8877,7 @@
               <a:t> </a:t>
             </a:r>
             <a:r>
-              <a:rPr kumimoji="0" lang="ko-KR" altLang="ko-KR" sz="1500" b="0" i="0" u="none" strike="noStrike" cap="none" normalizeH="0" baseline="0" dirty="0" err="1" smtClean="0">
+              <a:rPr kumimoji="0" lang="ko-KR" altLang="ko-KR" sz="1500" b="0" i="0" u="none" strike="noStrike" cap="none" normalizeH="0" baseline="0" dirty="0" err="1">
                 <a:ln>
                   <a:noFill/>
                 </a:ln>
@@ -9075,7 +8891,7 @@
               <a:t>survey</a:t>
             </a:r>
             <a:r>
-              <a:rPr kumimoji="0" lang="ko-KR" altLang="ko-KR" sz="1500" b="0" i="0" u="none" strike="noStrike" cap="none" normalizeH="0" baseline="0" dirty="0" smtClean="0">
+              <a:rPr kumimoji="0" lang="ko-KR" altLang="ko-KR" sz="1500" b="0" i="0" u="none" strike="noStrike" cap="none" normalizeH="0" baseline="0" dirty="0">
                 <a:ln>
                   <a:noFill/>
                 </a:ln>
@@ -9089,7 +8905,7 @@
               <a:t> </a:t>
             </a:r>
             <a:r>
-              <a:rPr kumimoji="0" lang="ko-KR" altLang="ko-KR" sz="1500" b="0" i="0" u="none" strike="noStrike" cap="none" normalizeH="0" baseline="0" dirty="0" err="1" smtClean="0">
+              <a:rPr kumimoji="0" lang="ko-KR" altLang="ko-KR" sz="1500" b="0" i="0" u="none" strike="noStrike" cap="none" normalizeH="0" baseline="0" dirty="0" err="1">
                 <a:ln>
                   <a:noFill/>
                 </a:ln>
@@ -9103,7 +8919,7 @@
               <a:t>in</a:t>
             </a:r>
             <a:r>
-              <a:rPr kumimoji="0" lang="ko-KR" altLang="ko-KR" sz="1500" b="0" i="0" u="none" strike="noStrike" cap="none" normalizeH="0" baseline="0" dirty="0" smtClean="0">
+              <a:rPr kumimoji="0" lang="ko-KR" altLang="ko-KR" sz="1500" b="0" i="0" u="none" strike="noStrike" cap="none" normalizeH="0" baseline="0" dirty="0">
                 <a:ln>
                   <a:noFill/>
                 </a:ln>
@@ -9117,7 +8933,7 @@
               <a:t> </a:t>
             </a:r>
             <a:r>
-              <a:rPr kumimoji="0" lang="ko-KR" altLang="ko-KR" sz="1500" b="0" i="0" u="none" strike="noStrike" cap="none" normalizeH="0" baseline="0" dirty="0" err="1" smtClean="0">
+              <a:rPr kumimoji="0" lang="ko-KR" altLang="ko-KR" sz="1500" b="0" i="0" u="none" strike="noStrike" cap="none" normalizeH="0" baseline="0" dirty="0" err="1">
                 <a:ln>
                   <a:noFill/>
                 </a:ln>
@@ -9131,7 +8947,7 @@
               <a:t>class</a:t>
             </a:r>
             <a:r>
-              <a:rPr kumimoji="0" lang="ko-KR" altLang="ko-KR" sz="1500" b="0" i="0" u="none" strike="noStrike" cap="none" normalizeH="0" baseline="0" dirty="0" smtClean="0">
+              <a:rPr kumimoji="0" lang="ko-KR" altLang="ko-KR" sz="1500" b="0" i="0" u="none" strike="noStrike" cap="none" normalizeH="0" baseline="0" dirty="0">
                 <a:ln>
                   <a:noFill/>
                 </a:ln>
@@ -9145,7 +8961,7 @@
               <a:t>'</a:t>
             </a:r>
             <a:r>
-              <a:rPr kumimoji="0" lang="ko-KR" altLang="ko-KR" sz="1500" b="0" i="0" u="none" strike="noStrike" cap="none" normalizeH="0" baseline="0" dirty="0" smtClean="0">
+              <a:rPr kumimoji="0" lang="ko-KR" altLang="ko-KR" sz="1500" b="0" i="0" u="none" strike="noStrike" cap="none" normalizeH="0" baseline="0" dirty="0">
                 <a:ln>
                   <a:noFill/>
                 </a:ln>
@@ -9159,7 +8975,7 @@
               <a:t>)</a:t>
             </a:r>
             <a:br>
-              <a:rPr kumimoji="0" lang="ko-KR" altLang="ko-KR" sz="1500" b="0" i="0" u="none" strike="noStrike" cap="none" normalizeH="0" baseline="0" dirty="0" smtClean="0">
+              <a:rPr kumimoji="0" lang="ko-KR" altLang="ko-KR" sz="1500" b="0" i="0" u="none" strike="noStrike" cap="none" normalizeH="0" baseline="0" dirty="0">
                 <a:ln>
                   <a:noFill/>
                 </a:ln>
@@ -9172,7 +8988,7 @@
               </a:rPr>
             </a:br>
             <a:r>
-              <a:rPr kumimoji="0" lang="ko-KR" altLang="ko-KR" sz="1500" b="0" i="0" u="none" strike="noStrike" cap="none" normalizeH="0" baseline="0" dirty="0" err="1" smtClean="0">
+              <a:rPr kumimoji="0" lang="ko-KR" altLang="ko-KR" sz="1500" b="0" i="0" u="none" strike="noStrike" cap="none" normalizeH="0" baseline="0" dirty="0" err="1">
                 <a:ln>
                   <a:noFill/>
                 </a:ln>
@@ -9186,7 +9002,7 @@
               <a:t>plt.grid</a:t>
             </a:r>
             <a:r>
-              <a:rPr kumimoji="0" lang="ko-KR" altLang="ko-KR" sz="1500" b="0" i="0" u="none" strike="noStrike" cap="none" normalizeH="0" baseline="0" dirty="0" smtClean="0">
+              <a:rPr kumimoji="0" lang="ko-KR" altLang="ko-KR" sz="1500" b="0" i="0" u="none" strike="noStrike" cap="none" normalizeH="0" baseline="0" dirty="0">
                 <a:ln>
                   <a:noFill/>
                 </a:ln>
@@ -9200,7 +9016,7 @@
               <a:t>(</a:t>
             </a:r>
             <a:r>
-              <a:rPr kumimoji="0" lang="ko-KR" altLang="ko-KR" sz="1500" b="0" i="0" u="none" strike="noStrike" cap="none" normalizeH="0" baseline="0" dirty="0" err="1" smtClean="0">
+              <a:rPr kumimoji="0" lang="ko-KR" altLang="ko-KR" sz="1500" b="0" i="0" u="none" strike="noStrike" cap="none" normalizeH="0" baseline="0" dirty="0" err="1">
                 <a:ln>
                   <a:noFill/>
                 </a:ln>
@@ -9214,7 +9030,7 @@
               <a:t>axis</a:t>
             </a:r>
             <a:r>
-              <a:rPr kumimoji="0" lang="ko-KR" altLang="ko-KR" sz="1500" b="0" i="0" u="none" strike="noStrike" cap="none" normalizeH="0" baseline="0" dirty="0" smtClean="0">
+              <a:rPr kumimoji="0" lang="ko-KR" altLang="ko-KR" sz="1500" b="0" i="0" u="none" strike="noStrike" cap="none" normalizeH="0" baseline="0" dirty="0">
                 <a:ln>
                   <a:noFill/>
                 </a:ln>
@@ -9228,7 +9044,7 @@
               <a:t>=</a:t>
             </a:r>
             <a:r>
-              <a:rPr kumimoji="0" lang="ko-KR" altLang="ko-KR" sz="1500" b="0" i="0" u="none" strike="noStrike" cap="none" normalizeH="0" baseline="0" dirty="0" smtClean="0">
+              <a:rPr kumimoji="0" lang="ko-KR" altLang="ko-KR" sz="1500" b="0" i="0" u="none" strike="noStrike" cap="none" normalizeH="0" baseline="0" dirty="0">
                 <a:ln>
                   <a:noFill/>
                 </a:ln>
@@ -9242,7 +9058,7 @@
               <a:t>'</a:t>
             </a:r>
             <a:r>
-              <a:rPr kumimoji="0" lang="ko-KR" altLang="ko-KR" sz="1500" b="0" i="0" u="none" strike="noStrike" cap="none" normalizeH="0" baseline="0" dirty="0" err="1" smtClean="0">
+              <a:rPr kumimoji="0" lang="ko-KR" altLang="ko-KR" sz="1500" b="0" i="0" u="none" strike="noStrike" cap="none" normalizeH="0" baseline="0" dirty="0" err="1">
                 <a:ln>
                   <a:noFill/>
                 </a:ln>
@@ -9256,7 +9072,7 @@
               <a:t>y</a:t>
             </a:r>
             <a:r>
-              <a:rPr kumimoji="0" lang="ko-KR" altLang="ko-KR" sz="1500" b="0" i="0" u="none" strike="noStrike" cap="none" normalizeH="0" baseline="0" dirty="0" smtClean="0">
+              <a:rPr kumimoji="0" lang="ko-KR" altLang="ko-KR" sz="1500" b="0" i="0" u="none" strike="noStrike" cap="none" normalizeH="0" baseline="0" dirty="0">
                 <a:ln>
                   <a:noFill/>
                 </a:ln>
@@ -9270,7 +9086,7 @@
               <a:t>'</a:t>
             </a:r>
             <a:r>
-              <a:rPr kumimoji="0" lang="ko-KR" altLang="ko-KR" sz="1500" b="0" i="0" u="none" strike="noStrike" cap="none" normalizeH="0" baseline="0" dirty="0" smtClean="0">
+              <a:rPr kumimoji="0" lang="ko-KR" altLang="ko-KR" sz="1500" b="0" i="0" u="none" strike="noStrike" cap="none" normalizeH="0" baseline="0" dirty="0">
                 <a:ln>
                   <a:noFill/>
                 </a:ln>
@@ -9284,7 +9100,7 @@
               <a:t>)</a:t>
             </a:r>
             <a:br>
-              <a:rPr kumimoji="0" lang="ko-KR" altLang="ko-KR" sz="1500" b="0" i="0" u="none" strike="noStrike" cap="none" normalizeH="0" baseline="0" dirty="0" smtClean="0">
+              <a:rPr kumimoji="0" lang="ko-KR" altLang="ko-KR" sz="1500" b="0" i="0" u="none" strike="noStrike" cap="none" normalizeH="0" baseline="0" dirty="0">
                 <a:ln>
                   <a:noFill/>
                 </a:ln>
@@ -9296,22 +9112,8 @@
                 <a:ea typeface="JetBrains Mono"/>
               </a:rPr>
             </a:br>
-            <a:r>
-              <a:rPr kumimoji="0" lang="ko-KR" altLang="ko-KR" sz="1500" b="0" i="0" u="none" strike="noStrike" cap="none" normalizeH="0" baseline="0" dirty="0" smtClean="0">
-                <a:ln>
-                  <a:noFill/>
-                </a:ln>
-                <a:solidFill>
-                  <a:srgbClr val="A9B7C6"/>
-                </a:solidFill>
-                <a:effectLst/>
-                <a:latin typeface="Arial Unicode MS"/>
-                <a:ea typeface="JetBrains Mono"/>
-              </a:rPr>
-              <a:t/>
-            </a:r>
             <a:br>
-              <a:rPr kumimoji="0" lang="ko-KR" altLang="ko-KR" sz="1500" b="0" i="0" u="none" strike="noStrike" cap="none" normalizeH="0" baseline="0" dirty="0" smtClean="0">
+              <a:rPr kumimoji="0" lang="ko-KR" altLang="ko-KR" sz="1500" b="0" i="0" u="none" strike="noStrike" cap="none" normalizeH="0" baseline="0" dirty="0">
                 <a:ln>
                   <a:noFill/>
                 </a:ln>
@@ -9324,7 +9126,7 @@
               </a:rPr>
             </a:br>
             <a:r>
-              <a:rPr kumimoji="0" lang="ko-KR" altLang="ko-KR" sz="1500" b="0" i="0" u="none" strike="noStrike" cap="none" normalizeH="0" baseline="0" dirty="0" err="1" smtClean="0">
+              <a:rPr kumimoji="0" lang="ko-KR" altLang="ko-KR" sz="1500" b="0" i="0" u="none" strike="noStrike" cap="none" normalizeH="0" baseline="0" dirty="0" err="1">
                 <a:ln>
                   <a:noFill/>
                 </a:ln>
@@ -9338,7 +9140,7 @@
               <a:t>plt.show</a:t>
             </a:r>
             <a:r>
-              <a:rPr kumimoji="0" lang="ko-KR" altLang="ko-KR" sz="1500" b="0" i="0" u="none" strike="noStrike" cap="none" normalizeH="0" baseline="0" dirty="0" smtClean="0">
+              <a:rPr kumimoji="0" lang="ko-KR" altLang="ko-KR" sz="1500" b="0" i="0" u="none" strike="noStrike" cap="none" normalizeH="0" baseline="0" dirty="0">
                 <a:ln>
                   <a:noFill/>
                 </a:ln>
@@ -9351,7 +9153,7 @@
               </a:rPr>
               <a:t>()</a:t>
             </a:r>
-            <a:endParaRPr kumimoji="0" lang="ko-KR" altLang="ko-KR" sz="1800" b="0" i="0" u="none" strike="noStrike" cap="none" normalizeH="0" baseline="0" dirty="0" smtClean="0">
+            <a:endParaRPr kumimoji="0" lang="ko-KR" altLang="ko-KR" sz="1800" b="0" i="0" u="none" strike="noStrike" cap="none" normalizeH="0" baseline="0" dirty="0">
               <a:ln>
                 <a:noFill/>
               </a:ln>
@@ -9410,11 +9212,11 @@
           <a:lstStyle/>
           <a:p>
             <a:r>
-              <a:rPr lang="ko-KR" altLang="en-US" dirty="0" smtClean="0"/>
+              <a:rPr lang="ko-KR" altLang="en-US" dirty="0"/>
               <a:t>막대 그래프 그리기 </a:t>
             </a:r>
             <a:r>
-              <a:rPr lang="en-US" altLang="ko-KR" dirty="0" smtClean="0"/>
+              <a:rPr lang="en-US" altLang="ko-KR" dirty="0"/>
               <a:t>2</a:t>
             </a:r>
             <a:endParaRPr lang="ko-KR" altLang="en-US" dirty="0"/>
@@ -9437,24 +9239,24 @@
           <a:lstStyle/>
           <a:p>
             <a:r>
-              <a:rPr lang="ko-KR" altLang="en-US" dirty="0" smtClean="0"/>
+              <a:rPr lang="ko-KR" altLang="en-US" dirty="0"/>
               <a:t>한글 폰트를 사용해 보자</a:t>
             </a:r>
             <a:r>
-              <a:rPr lang="en-US" altLang="ko-KR" dirty="0" smtClean="0"/>
+              <a:rPr lang="en-US" altLang="ko-KR" dirty="0"/>
               <a:t>.</a:t>
             </a:r>
           </a:p>
           <a:p>
-            <a:endParaRPr lang="en-US" altLang="ko-KR" dirty="0" smtClean="0"/>
+            <a:endParaRPr lang="en-US" altLang="ko-KR" dirty="0"/>
           </a:p>
           <a:p>
             <a:r>
-              <a:rPr lang="ko-KR" altLang="en-US" dirty="0" smtClean="0"/>
+              <a:rPr lang="ko-KR" altLang="en-US" dirty="0"/>
               <a:t>막대그래프를 여러 개 쌓아서 표현해 보자</a:t>
             </a:r>
             <a:r>
-              <a:rPr lang="en-US" altLang="ko-KR" dirty="0" smtClean="0"/>
+              <a:rPr lang="en-US" altLang="ko-KR" dirty="0"/>
               <a:t>.</a:t>
             </a:r>
             <a:endParaRPr lang="ko-KR" altLang="en-US" dirty="0"/>
@@ -9471,13 +9273,6 @@
   <p:clrMapOvr>
     <a:masterClrMapping/>
   </p:clrMapOvr>
-  <p:timing>
-    <p:tnLst>
-      <p:par>
-        <p:cTn id="1" dur="indefinite" restart="never" nodeType="tmRoot"/>
-      </p:par>
-    </p:tnLst>
-  </p:timing>
 </p:sld>
 </file>
 
@@ -9616,7 +9411,7 @@
               </a:rPr>
               <a:t>test</a:t>
             </a:r>
-            <a:r>
+            <a:br>
               <a:rPr kumimoji="0" lang="ko-KR" altLang="ko-KR" sz="1200" b="0" i="0" u="none" strike="noStrike" cap="none" normalizeH="0" baseline="0" dirty="0">
                 <a:ln>
                   <a:noFill/>
@@ -9628,35 +9423,7 @@
                 <a:latin typeface="Courier New" panose="02070309020205020404" pitchFamily="49" charset="0"/>
                 <a:cs typeface="Courier New" panose="02070309020205020404" pitchFamily="49" charset="0"/>
               </a:rPr>
-              <a:t/>
-            </a:r>
-            <a:br>
-              <a:rPr kumimoji="0" lang="ko-KR" altLang="ko-KR" sz="1200" b="0" i="0" u="none" strike="noStrike" cap="none" normalizeH="0" baseline="0" dirty="0">
-                <a:ln>
-                  <a:noFill/>
-                </a:ln>
-                <a:solidFill>
-                  <a:srgbClr val="A9B7C6"/>
-                </a:solidFill>
-                <a:effectLst/>
-                <a:latin typeface="Courier New" panose="02070309020205020404" pitchFamily="49" charset="0"/>
-                <a:cs typeface="Courier New" panose="02070309020205020404" pitchFamily="49" charset="0"/>
-              </a:rPr>
             </a:br>
-            <a:r>
-              <a:rPr kumimoji="0" lang="ko-KR" altLang="ko-KR" sz="1200" b="0" i="0" u="none" strike="noStrike" cap="none" normalizeH="0" baseline="0" dirty="0">
-                <a:ln>
-                  <a:noFill/>
-                </a:ln>
-                <a:solidFill>
-                  <a:srgbClr val="A9B7C6"/>
-                </a:solidFill>
-                <a:effectLst/>
-                <a:latin typeface="Courier New" panose="02070309020205020404" pitchFamily="49" charset="0"/>
-                <a:cs typeface="Courier New" panose="02070309020205020404" pitchFamily="49" charset="0"/>
-              </a:rPr>
-              <a:t/>
-            </a:r>
             <a:br>
               <a:rPr kumimoji="0" lang="ko-KR" altLang="ko-KR" sz="1200" b="0" i="0" u="none" strike="noStrike" cap="none" normalizeH="0" baseline="0" dirty="0">
                 <a:ln>
@@ -9810,7 +9577,7 @@
               <a:tabLst/>
             </a:pPr>
             <a:r>
-              <a:rPr kumimoji="0" lang="ko-KR" altLang="ko-KR" sz="1500" b="0" i="0" u="none" strike="noStrike" cap="none" normalizeH="0" baseline="0" dirty="0" err="1" smtClean="0">
+              <a:rPr kumimoji="0" lang="ko-KR" altLang="ko-KR" sz="1500" b="0" i="0" u="none" strike="noStrike" cap="none" normalizeH="0" baseline="0" dirty="0" err="1">
                 <a:ln>
                   <a:noFill/>
                 </a:ln>
@@ -9824,7 +9591,7 @@
               <a:t>import</a:t>
             </a:r>
             <a:r>
-              <a:rPr kumimoji="0" lang="ko-KR" altLang="ko-KR" sz="1500" b="0" i="0" u="none" strike="noStrike" cap="none" normalizeH="0" baseline="0" dirty="0" smtClean="0">
+              <a:rPr kumimoji="0" lang="ko-KR" altLang="ko-KR" sz="1500" b="0" i="0" u="none" strike="noStrike" cap="none" normalizeH="0" baseline="0" dirty="0">
                 <a:ln>
                   <a:noFill/>
                 </a:ln>
@@ -9838,7 +9605,7 @@
               <a:t> </a:t>
             </a:r>
             <a:r>
-              <a:rPr kumimoji="0" lang="ko-KR" altLang="ko-KR" sz="1500" b="0" i="0" u="none" strike="noStrike" cap="none" normalizeH="0" baseline="0" dirty="0" err="1" smtClean="0">
+              <a:rPr kumimoji="0" lang="ko-KR" altLang="ko-KR" sz="1500" b="0" i="0" u="none" strike="noStrike" cap="none" normalizeH="0" baseline="0" dirty="0" err="1">
                 <a:ln>
                   <a:noFill/>
                 </a:ln>
@@ -9852,7 +9619,7 @@
               <a:t>matplotlib.pyplot</a:t>
             </a:r>
             <a:r>
-              <a:rPr kumimoji="0" lang="ko-KR" altLang="ko-KR" sz="1500" b="0" i="0" u="none" strike="noStrike" cap="none" normalizeH="0" baseline="0" dirty="0" smtClean="0">
+              <a:rPr kumimoji="0" lang="ko-KR" altLang="ko-KR" sz="1500" b="0" i="0" u="none" strike="noStrike" cap="none" normalizeH="0" baseline="0" dirty="0">
                 <a:ln>
                   <a:noFill/>
                 </a:ln>
@@ -9866,7 +9633,7 @@
               <a:t> </a:t>
             </a:r>
             <a:r>
-              <a:rPr kumimoji="0" lang="ko-KR" altLang="ko-KR" sz="1500" b="0" i="0" u="none" strike="noStrike" cap="none" normalizeH="0" baseline="0" dirty="0" err="1" smtClean="0">
+              <a:rPr kumimoji="0" lang="ko-KR" altLang="ko-KR" sz="1500" b="0" i="0" u="none" strike="noStrike" cap="none" normalizeH="0" baseline="0" dirty="0" err="1">
                 <a:ln>
                   <a:noFill/>
                 </a:ln>
@@ -9880,7 +9647,7 @@
               <a:t>as</a:t>
             </a:r>
             <a:r>
-              <a:rPr kumimoji="0" lang="ko-KR" altLang="ko-KR" sz="1500" b="0" i="0" u="none" strike="noStrike" cap="none" normalizeH="0" baseline="0" dirty="0" smtClean="0">
+              <a:rPr kumimoji="0" lang="ko-KR" altLang="ko-KR" sz="1500" b="0" i="0" u="none" strike="noStrike" cap="none" normalizeH="0" baseline="0" dirty="0">
                 <a:ln>
                   <a:noFill/>
                 </a:ln>
@@ -9894,7 +9661,7 @@
               <a:t> </a:t>
             </a:r>
             <a:r>
-              <a:rPr kumimoji="0" lang="ko-KR" altLang="ko-KR" sz="1500" b="0" i="0" u="none" strike="noStrike" cap="none" normalizeH="0" baseline="0" dirty="0" err="1" smtClean="0">
+              <a:rPr kumimoji="0" lang="ko-KR" altLang="ko-KR" sz="1500" b="0" i="0" u="none" strike="noStrike" cap="none" normalizeH="0" baseline="0" dirty="0" err="1">
                 <a:ln>
                   <a:noFill/>
                 </a:ln>
@@ -9907,22 +9674,8 @@
               </a:rPr>
               <a:t>plt</a:t>
             </a:r>
-            <a:r>
-              <a:rPr kumimoji="0" lang="ko-KR" altLang="ko-KR" sz="1500" b="0" i="0" u="none" strike="noStrike" cap="none" normalizeH="0" baseline="0" dirty="0" smtClean="0">
-                <a:ln>
-                  <a:noFill/>
-                </a:ln>
-                <a:solidFill>
-                  <a:srgbClr val="A9B7C6"/>
-                </a:solidFill>
-                <a:effectLst/>
-                <a:latin typeface="Arial Unicode MS"/>
-                <a:ea typeface="JetBrains Mono"/>
-              </a:rPr>
-              <a:t/>
-            </a:r>
             <a:br>
-              <a:rPr kumimoji="0" lang="ko-KR" altLang="ko-KR" sz="1500" b="0" i="0" u="none" strike="noStrike" cap="none" normalizeH="0" baseline="0" dirty="0" smtClean="0">
+              <a:rPr kumimoji="0" lang="ko-KR" altLang="ko-KR" sz="1500" b="0" i="0" u="none" strike="noStrike" cap="none" normalizeH="0" baseline="0" dirty="0">
                 <a:ln>
                   <a:noFill/>
                 </a:ln>
@@ -9935,7 +9688,7 @@
               </a:rPr>
             </a:br>
             <a:r>
-              <a:rPr kumimoji="0" lang="ko-KR" altLang="ko-KR" sz="1500" b="0" i="0" u="none" strike="noStrike" cap="none" normalizeH="0" baseline="0" dirty="0" err="1" smtClean="0">
+              <a:rPr kumimoji="0" lang="ko-KR" altLang="ko-KR" sz="1500" b="0" i="0" u="none" strike="noStrike" cap="none" normalizeH="0" baseline="0" dirty="0" err="1">
                 <a:ln>
                   <a:noFill/>
                 </a:ln>
@@ -9949,7 +9702,7 @@
               <a:t>import</a:t>
             </a:r>
             <a:r>
-              <a:rPr kumimoji="0" lang="ko-KR" altLang="ko-KR" sz="1500" b="0" i="0" u="none" strike="noStrike" cap="none" normalizeH="0" baseline="0" dirty="0" smtClean="0">
+              <a:rPr kumimoji="0" lang="ko-KR" altLang="ko-KR" sz="1500" b="0" i="0" u="none" strike="noStrike" cap="none" normalizeH="0" baseline="0" dirty="0">
                 <a:ln>
                   <a:noFill/>
                 </a:ln>
@@ -9963,7 +9716,7 @@
               <a:t> </a:t>
             </a:r>
             <a:r>
-              <a:rPr kumimoji="0" lang="ko-KR" altLang="ko-KR" sz="1500" b="0" i="0" u="none" strike="noStrike" cap="none" normalizeH="0" baseline="0" dirty="0" err="1" smtClean="0">
+              <a:rPr kumimoji="0" lang="ko-KR" altLang="ko-KR" sz="1500" b="0" i="0" u="none" strike="noStrike" cap="none" normalizeH="0" baseline="0" dirty="0" err="1">
                 <a:ln>
                   <a:noFill/>
                 </a:ln>
@@ -9977,7 +9730,7 @@
               <a:t>matplotlib.font_manager</a:t>
             </a:r>
             <a:r>
-              <a:rPr kumimoji="0" lang="ko-KR" altLang="ko-KR" sz="1500" b="0" i="0" u="none" strike="noStrike" cap="none" normalizeH="0" baseline="0" dirty="0" smtClean="0">
+              <a:rPr kumimoji="0" lang="ko-KR" altLang="ko-KR" sz="1500" b="0" i="0" u="none" strike="noStrike" cap="none" normalizeH="0" baseline="0" dirty="0">
                 <a:ln>
                   <a:noFill/>
                 </a:ln>
@@ -9991,7 +9744,7 @@
               <a:t> </a:t>
             </a:r>
             <a:r>
-              <a:rPr kumimoji="0" lang="ko-KR" altLang="ko-KR" sz="1500" b="0" i="0" u="none" strike="noStrike" cap="none" normalizeH="0" baseline="0" dirty="0" err="1" smtClean="0">
+              <a:rPr kumimoji="0" lang="ko-KR" altLang="ko-KR" sz="1500" b="0" i="0" u="none" strike="noStrike" cap="none" normalizeH="0" baseline="0" dirty="0" err="1">
                 <a:ln>
                   <a:noFill/>
                 </a:ln>
@@ -10005,7 +9758,7 @@
               <a:t>as</a:t>
             </a:r>
             <a:r>
-              <a:rPr kumimoji="0" lang="ko-KR" altLang="ko-KR" sz="1500" b="0" i="0" u="none" strike="noStrike" cap="none" normalizeH="0" baseline="0" dirty="0" smtClean="0">
+              <a:rPr kumimoji="0" lang="ko-KR" altLang="ko-KR" sz="1500" b="0" i="0" u="none" strike="noStrike" cap="none" normalizeH="0" baseline="0" dirty="0">
                 <a:ln>
                   <a:noFill/>
                 </a:ln>
@@ -10019,7 +9772,7 @@
               <a:t> </a:t>
             </a:r>
             <a:r>
-              <a:rPr kumimoji="0" lang="ko-KR" altLang="ko-KR" sz="1500" b="0" i="0" u="none" strike="noStrike" cap="none" normalizeH="0" baseline="0" dirty="0" err="1" smtClean="0">
+              <a:rPr kumimoji="0" lang="ko-KR" altLang="ko-KR" sz="1500" b="0" i="0" u="none" strike="noStrike" cap="none" normalizeH="0" baseline="0" dirty="0" err="1">
                 <a:ln>
                   <a:noFill/>
                 </a:ln>
@@ -10032,22 +9785,8 @@
               </a:rPr>
               <a:t>fm</a:t>
             </a:r>
-            <a:r>
-              <a:rPr kumimoji="0" lang="ko-KR" altLang="ko-KR" sz="1500" b="0" i="0" u="none" strike="noStrike" cap="none" normalizeH="0" baseline="0" dirty="0" smtClean="0">
-                <a:ln>
-                  <a:noFill/>
-                </a:ln>
-                <a:solidFill>
-                  <a:srgbClr val="A9B7C6"/>
-                </a:solidFill>
-                <a:effectLst/>
-                <a:latin typeface="Arial Unicode MS"/>
-                <a:ea typeface="JetBrains Mono"/>
-              </a:rPr>
-              <a:t/>
-            </a:r>
             <a:br>
-              <a:rPr kumimoji="0" lang="ko-KR" altLang="ko-KR" sz="1500" b="0" i="0" u="none" strike="noStrike" cap="none" normalizeH="0" baseline="0" dirty="0" smtClean="0">
+              <a:rPr kumimoji="0" lang="ko-KR" altLang="ko-KR" sz="1500" b="0" i="0" u="none" strike="noStrike" cap="none" normalizeH="0" baseline="0" dirty="0">
                 <a:ln>
                   <a:noFill/>
                 </a:ln>
@@ -10060,7 +9799,7 @@
               </a:rPr>
             </a:br>
             <a:r>
-              <a:rPr kumimoji="0" lang="ko-KR" altLang="ko-KR" sz="1500" b="0" i="0" u="none" strike="noStrike" cap="none" normalizeH="0" baseline="0" dirty="0" err="1" smtClean="0">
+              <a:rPr kumimoji="0" lang="ko-KR" altLang="ko-KR" sz="1500" b="0" i="0" u="none" strike="noStrike" cap="none" normalizeH="0" baseline="0" dirty="0" err="1">
                 <a:ln>
                   <a:noFill/>
                 </a:ln>
@@ -10074,7 +9813,7 @@
               <a:t>font_list</a:t>
             </a:r>
             <a:r>
-              <a:rPr kumimoji="0" lang="ko-KR" altLang="ko-KR" sz="1500" b="0" i="0" u="none" strike="noStrike" cap="none" normalizeH="0" baseline="0" dirty="0" smtClean="0">
+              <a:rPr kumimoji="0" lang="ko-KR" altLang="ko-KR" sz="1500" b="0" i="0" u="none" strike="noStrike" cap="none" normalizeH="0" baseline="0" dirty="0">
                 <a:ln>
                   <a:noFill/>
                 </a:ln>
@@ -10088,7 +9827,7 @@
               <a:t>=</a:t>
             </a:r>
             <a:r>
-              <a:rPr kumimoji="0" lang="ko-KR" altLang="ko-KR" sz="1500" b="0" i="0" u="none" strike="noStrike" cap="none" normalizeH="0" baseline="0" dirty="0" err="1" smtClean="0">
+              <a:rPr kumimoji="0" lang="ko-KR" altLang="ko-KR" sz="1500" b="0" i="0" u="none" strike="noStrike" cap="none" normalizeH="0" baseline="0" dirty="0" err="1">
                 <a:ln>
                   <a:noFill/>
                 </a:ln>
@@ -10102,7 +9841,7 @@
               <a:t>fm.findSystemFonts</a:t>
             </a:r>
             <a:r>
-              <a:rPr kumimoji="0" lang="ko-KR" altLang="ko-KR" sz="1500" b="0" i="0" u="none" strike="noStrike" cap="none" normalizeH="0" baseline="0" dirty="0" smtClean="0">
+              <a:rPr kumimoji="0" lang="ko-KR" altLang="ko-KR" sz="1500" b="0" i="0" u="none" strike="noStrike" cap="none" normalizeH="0" baseline="0" dirty="0">
                 <a:ln>
                   <a:noFill/>
                 </a:ln>
@@ -10116,7 +9855,7 @@
               <a:t>()</a:t>
             </a:r>
             <a:br>
-              <a:rPr kumimoji="0" lang="ko-KR" altLang="ko-KR" sz="1500" b="0" i="0" u="none" strike="noStrike" cap="none" normalizeH="0" baseline="0" dirty="0" smtClean="0">
+              <a:rPr kumimoji="0" lang="ko-KR" altLang="ko-KR" sz="1500" b="0" i="0" u="none" strike="noStrike" cap="none" normalizeH="0" baseline="0" dirty="0">
                 <a:ln>
                   <a:noFill/>
                 </a:ln>
@@ -10129,7 +9868,7 @@
               </a:rPr>
             </a:br>
             <a:r>
-              <a:rPr kumimoji="0" lang="ko-KR" altLang="ko-KR" sz="1500" b="0" i="0" u="none" strike="noStrike" cap="none" normalizeH="0" baseline="0" dirty="0" err="1" smtClean="0">
+              <a:rPr kumimoji="0" lang="ko-KR" altLang="ko-KR" sz="1500" b="0" i="0" u="none" strike="noStrike" cap="none" normalizeH="0" baseline="0" dirty="0" err="1">
                 <a:ln>
                   <a:noFill/>
                 </a:ln>
@@ -10143,7 +9882,7 @@
               <a:t>path</a:t>
             </a:r>
             <a:r>
-              <a:rPr kumimoji="0" lang="ko-KR" altLang="ko-KR" sz="1500" b="0" i="0" u="none" strike="noStrike" cap="none" normalizeH="0" baseline="0" dirty="0" smtClean="0">
+              <a:rPr kumimoji="0" lang="ko-KR" altLang="ko-KR" sz="1500" b="0" i="0" u="none" strike="noStrike" cap="none" normalizeH="0" baseline="0" dirty="0">
                 <a:ln>
                   <a:noFill/>
                 </a:ln>
@@ -10157,7 +9896,7 @@
               <a:t>=</a:t>
             </a:r>
             <a:r>
-              <a:rPr kumimoji="0" lang="ko-KR" altLang="ko-KR" sz="1500" b="0" i="0" u="none" strike="noStrike" cap="none" normalizeH="0" baseline="0" dirty="0" err="1" smtClean="0">
+              <a:rPr kumimoji="0" lang="ko-KR" altLang="ko-KR" sz="1500" b="0" i="0" u="none" strike="noStrike" cap="none" normalizeH="0" baseline="0" dirty="0" err="1">
                 <a:ln>
                   <a:noFill/>
                 </a:ln>
@@ -10171,7 +9910,7 @@
               <a:t>font_list</a:t>
             </a:r>
             <a:r>
-              <a:rPr kumimoji="0" lang="ko-KR" altLang="ko-KR" sz="1500" b="0" i="0" u="none" strike="noStrike" cap="none" normalizeH="0" baseline="0" dirty="0" smtClean="0">
+              <a:rPr kumimoji="0" lang="ko-KR" altLang="ko-KR" sz="1500" b="0" i="0" u="none" strike="noStrike" cap="none" normalizeH="0" baseline="0" dirty="0">
                 <a:ln>
                   <a:noFill/>
                 </a:ln>
@@ -10185,7 +9924,7 @@
               <a:t>[</a:t>
             </a:r>
             <a:r>
-              <a:rPr kumimoji="0" lang="ko-KR" altLang="ko-KR" sz="1500" b="0" i="0" u="none" strike="noStrike" cap="none" normalizeH="0" baseline="0" dirty="0" err="1" smtClean="0">
+              <a:rPr kumimoji="0" lang="ko-KR" altLang="ko-KR" sz="1500" b="0" i="0" u="none" strike="noStrike" cap="none" normalizeH="0" baseline="0" dirty="0" err="1">
                 <a:ln>
                   <a:noFill/>
                 </a:ln>
@@ -10199,7 +9938,7 @@
               <a:t>font_list.index</a:t>
             </a:r>
             <a:r>
-              <a:rPr kumimoji="0" lang="ko-KR" altLang="ko-KR" sz="1500" b="0" i="0" u="none" strike="noStrike" cap="none" normalizeH="0" baseline="0" dirty="0" smtClean="0">
+              <a:rPr kumimoji="0" lang="ko-KR" altLang="ko-KR" sz="1500" b="0" i="0" u="none" strike="noStrike" cap="none" normalizeH="0" baseline="0" dirty="0">
                 <a:ln>
                   <a:noFill/>
                 </a:ln>
@@ -10213,7 +9952,7 @@
               <a:t>(</a:t>
             </a:r>
             <a:r>
-              <a:rPr kumimoji="0" lang="ko-KR" altLang="ko-KR" sz="1500" b="0" i="0" u="none" strike="noStrike" cap="none" normalizeH="0" baseline="0" dirty="0" smtClean="0">
+              <a:rPr kumimoji="0" lang="ko-KR" altLang="ko-KR" sz="1500" b="0" i="0" u="none" strike="noStrike" cap="none" normalizeH="0" baseline="0" dirty="0">
                 <a:ln>
                   <a:noFill/>
                 </a:ln>
@@ -10227,7 +9966,7 @@
               <a:t>'C:\Windows\</a:t>
             </a:r>
             <a:r>
-              <a:rPr kumimoji="0" lang="ko-KR" altLang="ko-KR" sz="1500" b="0" i="0" u="none" strike="noStrike" cap="none" normalizeH="0" baseline="0" dirty="0" err="1" smtClean="0">
+              <a:rPr kumimoji="0" lang="ko-KR" altLang="ko-KR" sz="1500" b="0" i="0" u="none" strike="noStrike" cap="none" normalizeH="0" baseline="0" dirty="0" err="1">
                 <a:ln>
                   <a:noFill/>
                 </a:ln>
@@ -10241,7 +9980,7 @@
               <a:t>Fonts</a:t>
             </a:r>
             <a:r>
-              <a:rPr kumimoji="0" lang="ko-KR" altLang="ko-KR" sz="1500" b="0" i="0" u="none" strike="noStrike" cap="none" normalizeH="0" baseline="0" dirty="0" smtClean="0">
+              <a:rPr kumimoji="0" lang="ko-KR" altLang="ko-KR" sz="1500" b="0" i="0" u="none" strike="noStrike" cap="none" normalizeH="0" baseline="0" dirty="0">
                 <a:ln>
                   <a:noFill/>
                 </a:ln>
@@ -10255,7 +9994,7 @@
               <a:t>\</a:t>
             </a:r>
             <a:r>
-              <a:rPr kumimoji="0" lang="ko-KR" altLang="ko-KR" sz="1500" b="0" i="0" u="none" strike="noStrike" cap="none" normalizeH="0" baseline="0" dirty="0" err="1" smtClean="0">
+              <a:rPr kumimoji="0" lang="ko-KR" altLang="ko-KR" sz="1500" b="0" i="0" u="none" strike="noStrike" cap="none" normalizeH="0" baseline="0" dirty="0" err="1">
                 <a:ln>
                   <a:noFill/>
                 </a:ln>
@@ -10269,7 +10008,7 @@
               <a:t>malgun.ttf</a:t>
             </a:r>
             <a:r>
-              <a:rPr kumimoji="0" lang="ko-KR" altLang="ko-KR" sz="1500" b="0" i="0" u="none" strike="noStrike" cap="none" normalizeH="0" baseline="0" dirty="0" smtClean="0">
+              <a:rPr kumimoji="0" lang="ko-KR" altLang="ko-KR" sz="1500" b="0" i="0" u="none" strike="noStrike" cap="none" normalizeH="0" baseline="0" dirty="0">
                 <a:ln>
                   <a:noFill/>
                 </a:ln>
@@ -10283,7 +10022,7 @@
               <a:t>'</a:t>
             </a:r>
             <a:r>
-              <a:rPr kumimoji="0" lang="ko-KR" altLang="ko-KR" sz="1500" b="0" i="0" u="none" strike="noStrike" cap="none" normalizeH="0" baseline="0" dirty="0" smtClean="0">
+              <a:rPr kumimoji="0" lang="ko-KR" altLang="ko-KR" sz="1500" b="0" i="0" u="none" strike="noStrike" cap="none" normalizeH="0" baseline="0" dirty="0">
                 <a:ln>
                   <a:noFill/>
                 </a:ln>
@@ -10297,7 +10036,7 @@
               <a:t>)]</a:t>
             </a:r>
             <a:br>
-              <a:rPr kumimoji="0" lang="ko-KR" altLang="ko-KR" sz="1500" b="0" i="0" u="none" strike="noStrike" cap="none" normalizeH="0" baseline="0" dirty="0" smtClean="0">
+              <a:rPr kumimoji="0" lang="ko-KR" altLang="ko-KR" sz="1500" b="0" i="0" u="none" strike="noStrike" cap="none" normalizeH="0" baseline="0" dirty="0">
                 <a:ln>
                   <a:noFill/>
                 </a:ln>
@@ -10310,7 +10049,7 @@
               </a:rPr>
             </a:br>
             <a:r>
-              <a:rPr kumimoji="0" lang="ko-KR" altLang="ko-KR" sz="1500" b="0" i="0" u="none" strike="noStrike" cap="none" normalizeH="0" baseline="0" dirty="0" err="1" smtClean="0">
+              <a:rPr kumimoji="0" lang="ko-KR" altLang="ko-KR" sz="1500" b="0" i="0" u="none" strike="noStrike" cap="none" normalizeH="0" baseline="0" dirty="0" err="1">
                 <a:ln>
                   <a:noFill/>
                 </a:ln>
@@ -10324,7 +10063,7 @@
               <a:t>font_name</a:t>
             </a:r>
             <a:r>
-              <a:rPr kumimoji="0" lang="ko-KR" altLang="ko-KR" sz="1500" b="0" i="0" u="none" strike="noStrike" cap="none" normalizeH="0" baseline="0" dirty="0" smtClean="0">
+              <a:rPr kumimoji="0" lang="ko-KR" altLang="ko-KR" sz="1500" b="0" i="0" u="none" strike="noStrike" cap="none" normalizeH="0" baseline="0" dirty="0">
                 <a:ln>
                   <a:noFill/>
                 </a:ln>
@@ -10338,7 +10077,7 @@
               <a:t> = </a:t>
             </a:r>
             <a:r>
-              <a:rPr kumimoji="0" lang="ko-KR" altLang="ko-KR" sz="1500" b="0" i="0" u="none" strike="noStrike" cap="none" normalizeH="0" baseline="0" dirty="0" err="1" smtClean="0">
+              <a:rPr kumimoji="0" lang="ko-KR" altLang="ko-KR" sz="1500" b="0" i="0" u="none" strike="noStrike" cap="none" normalizeH="0" baseline="0" dirty="0" err="1">
                 <a:ln>
                   <a:noFill/>
                 </a:ln>
@@ -10352,7 +10091,7 @@
               <a:t>fm.FontProperties</a:t>
             </a:r>
             <a:r>
-              <a:rPr kumimoji="0" lang="ko-KR" altLang="ko-KR" sz="1500" b="0" i="0" u="none" strike="noStrike" cap="none" normalizeH="0" baseline="0" dirty="0" smtClean="0">
+              <a:rPr kumimoji="0" lang="ko-KR" altLang="ko-KR" sz="1500" b="0" i="0" u="none" strike="noStrike" cap="none" normalizeH="0" baseline="0" dirty="0">
                 <a:ln>
                   <a:noFill/>
                 </a:ln>
@@ -10366,7 +10105,7 @@
               <a:t>(</a:t>
             </a:r>
             <a:r>
-              <a:rPr kumimoji="0" lang="ko-KR" altLang="ko-KR" sz="1500" b="0" i="0" u="none" strike="noStrike" cap="none" normalizeH="0" baseline="0" dirty="0" err="1" smtClean="0">
+              <a:rPr kumimoji="0" lang="ko-KR" altLang="ko-KR" sz="1500" b="0" i="0" u="none" strike="noStrike" cap="none" normalizeH="0" baseline="0" dirty="0" err="1">
                 <a:ln>
                   <a:noFill/>
                 </a:ln>
@@ -10380,7 +10119,7 @@
               <a:t>fname</a:t>
             </a:r>
             <a:r>
-              <a:rPr kumimoji="0" lang="ko-KR" altLang="ko-KR" sz="1500" b="0" i="0" u="none" strike="noStrike" cap="none" normalizeH="0" baseline="0" dirty="0" smtClean="0">
+              <a:rPr kumimoji="0" lang="ko-KR" altLang="ko-KR" sz="1500" b="0" i="0" u="none" strike="noStrike" cap="none" normalizeH="0" baseline="0" dirty="0">
                 <a:ln>
                   <a:noFill/>
                 </a:ln>
@@ -10394,7 +10133,7 @@
               <a:t>=</a:t>
             </a:r>
             <a:r>
-              <a:rPr kumimoji="0" lang="ko-KR" altLang="ko-KR" sz="1500" b="0" i="0" u="none" strike="noStrike" cap="none" normalizeH="0" baseline="0" dirty="0" err="1" smtClean="0">
+              <a:rPr kumimoji="0" lang="ko-KR" altLang="ko-KR" sz="1500" b="0" i="0" u="none" strike="noStrike" cap="none" normalizeH="0" baseline="0" dirty="0" err="1">
                 <a:ln>
                   <a:noFill/>
                 </a:ln>
@@ -10408,7 +10147,7 @@
               <a:t>path</a:t>
             </a:r>
             <a:r>
-              <a:rPr kumimoji="0" lang="ko-KR" altLang="ko-KR" sz="1500" b="0" i="0" u="none" strike="noStrike" cap="none" normalizeH="0" baseline="0" dirty="0" smtClean="0">
+              <a:rPr kumimoji="0" lang="ko-KR" altLang="ko-KR" sz="1500" b="0" i="0" u="none" strike="noStrike" cap="none" normalizeH="0" baseline="0" dirty="0">
                 <a:ln>
                   <a:noFill/>
                 </a:ln>
@@ -10422,7 +10161,7 @@
               <a:t>, </a:t>
             </a:r>
             <a:r>
-              <a:rPr kumimoji="0" lang="ko-KR" altLang="ko-KR" sz="1500" b="0" i="0" u="none" strike="noStrike" cap="none" normalizeH="0" baseline="0" dirty="0" err="1" smtClean="0">
+              <a:rPr kumimoji="0" lang="ko-KR" altLang="ko-KR" sz="1500" b="0" i="0" u="none" strike="noStrike" cap="none" normalizeH="0" baseline="0" dirty="0" err="1">
                 <a:ln>
                   <a:noFill/>
                 </a:ln>
@@ -10436,7 +10175,7 @@
               <a:t>size</a:t>
             </a:r>
             <a:r>
-              <a:rPr kumimoji="0" lang="ko-KR" altLang="ko-KR" sz="1500" b="0" i="0" u="none" strike="noStrike" cap="none" normalizeH="0" baseline="0" dirty="0" smtClean="0">
+              <a:rPr kumimoji="0" lang="ko-KR" altLang="ko-KR" sz="1500" b="0" i="0" u="none" strike="noStrike" cap="none" normalizeH="0" baseline="0" dirty="0">
                 <a:ln>
                   <a:noFill/>
                 </a:ln>
@@ -10450,7 +10189,7 @@
               <a:t>=</a:t>
             </a:r>
             <a:r>
-              <a:rPr kumimoji="0" lang="ko-KR" altLang="ko-KR" sz="1500" b="0" i="0" u="none" strike="noStrike" cap="none" normalizeH="0" baseline="0" dirty="0" smtClean="0">
+              <a:rPr kumimoji="0" lang="ko-KR" altLang="ko-KR" sz="1500" b="0" i="0" u="none" strike="noStrike" cap="none" normalizeH="0" baseline="0" dirty="0">
                 <a:ln>
                   <a:noFill/>
                 </a:ln>
@@ -10464,7 +10203,7 @@
               <a:t>18</a:t>
             </a:r>
             <a:r>
-              <a:rPr kumimoji="0" lang="ko-KR" altLang="ko-KR" sz="1500" b="0" i="0" u="none" strike="noStrike" cap="none" normalizeH="0" baseline="0" dirty="0" smtClean="0">
+              <a:rPr kumimoji="0" lang="ko-KR" altLang="ko-KR" sz="1500" b="0" i="0" u="none" strike="noStrike" cap="none" normalizeH="0" baseline="0" dirty="0">
                 <a:ln>
                   <a:noFill/>
                 </a:ln>
@@ -10478,7 +10217,7 @@
               <a:t>).</a:t>
             </a:r>
             <a:r>
-              <a:rPr kumimoji="0" lang="ko-KR" altLang="ko-KR" sz="1500" b="0" i="0" u="none" strike="noStrike" cap="none" normalizeH="0" baseline="0" dirty="0" err="1" smtClean="0">
+              <a:rPr kumimoji="0" lang="ko-KR" altLang="ko-KR" sz="1500" b="0" i="0" u="none" strike="noStrike" cap="none" normalizeH="0" baseline="0" dirty="0" err="1">
                 <a:ln>
                   <a:noFill/>
                 </a:ln>
@@ -10492,7 +10231,7 @@
               <a:t>get_name</a:t>
             </a:r>
             <a:r>
-              <a:rPr kumimoji="0" lang="ko-KR" altLang="ko-KR" sz="1500" b="0" i="0" u="none" strike="noStrike" cap="none" normalizeH="0" baseline="0" dirty="0" smtClean="0">
+              <a:rPr kumimoji="0" lang="ko-KR" altLang="ko-KR" sz="1500" b="0" i="0" u="none" strike="noStrike" cap="none" normalizeH="0" baseline="0" dirty="0">
                 <a:ln>
                   <a:noFill/>
                 </a:ln>
@@ -10506,7 +10245,7 @@
               <a:t>()</a:t>
             </a:r>
             <a:br>
-              <a:rPr kumimoji="0" lang="ko-KR" altLang="ko-KR" sz="1500" b="0" i="0" u="none" strike="noStrike" cap="none" normalizeH="0" baseline="0" dirty="0" smtClean="0">
+              <a:rPr kumimoji="0" lang="ko-KR" altLang="ko-KR" sz="1500" b="0" i="0" u="none" strike="noStrike" cap="none" normalizeH="0" baseline="0" dirty="0">
                 <a:ln>
                   <a:noFill/>
                 </a:ln>
@@ -10519,7 +10258,7 @@
               </a:rPr>
             </a:br>
             <a:r>
-              <a:rPr kumimoji="0" lang="ko-KR" altLang="ko-KR" sz="1500" b="0" i="0" u="none" strike="noStrike" cap="none" normalizeH="0" baseline="0" dirty="0" err="1" smtClean="0">
+              <a:rPr kumimoji="0" lang="ko-KR" altLang="ko-KR" sz="1500" b="0" i="0" u="none" strike="noStrike" cap="none" normalizeH="0" baseline="0" dirty="0" err="1">
                 <a:ln>
                   <a:noFill/>
                 </a:ln>
@@ -10533,7 +10272,7 @@
               <a:t>plt.rc</a:t>
             </a:r>
             <a:r>
-              <a:rPr kumimoji="0" lang="ko-KR" altLang="ko-KR" sz="1500" b="0" i="0" u="none" strike="noStrike" cap="none" normalizeH="0" baseline="0" dirty="0" smtClean="0">
+              <a:rPr kumimoji="0" lang="ko-KR" altLang="ko-KR" sz="1500" b="0" i="0" u="none" strike="noStrike" cap="none" normalizeH="0" baseline="0" dirty="0">
                 <a:ln>
                   <a:noFill/>
                 </a:ln>
@@ -10547,7 +10286,7 @@
               <a:t>(</a:t>
             </a:r>
             <a:r>
-              <a:rPr kumimoji="0" lang="ko-KR" altLang="ko-KR" sz="1500" b="0" i="0" u="none" strike="noStrike" cap="none" normalizeH="0" baseline="0" dirty="0" smtClean="0">
+              <a:rPr kumimoji="0" lang="ko-KR" altLang="ko-KR" sz="1500" b="0" i="0" u="none" strike="noStrike" cap="none" normalizeH="0" baseline="0" dirty="0">
                 <a:ln>
                   <a:noFill/>
                 </a:ln>
@@ -10561,7 +10300,7 @@
               <a:t>'</a:t>
             </a:r>
             <a:r>
-              <a:rPr kumimoji="0" lang="ko-KR" altLang="ko-KR" sz="1500" b="0" i="0" u="none" strike="noStrike" cap="none" normalizeH="0" baseline="0" dirty="0" err="1" smtClean="0">
+              <a:rPr kumimoji="0" lang="ko-KR" altLang="ko-KR" sz="1500" b="0" i="0" u="none" strike="noStrike" cap="none" normalizeH="0" baseline="0" dirty="0" err="1">
                 <a:ln>
                   <a:noFill/>
                 </a:ln>
@@ -10575,7 +10314,7 @@
               <a:t>font</a:t>
             </a:r>
             <a:r>
-              <a:rPr kumimoji="0" lang="ko-KR" altLang="ko-KR" sz="1500" b="0" i="0" u="none" strike="noStrike" cap="none" normalizeH="0" baseline="0" dirty="0" smtClean="0">
+              <a:rPr kumimoji="0" lang="ko-KR" altLang="ko-KR" sz="1500" b="0" i="0" u="none" strike="noStrike" cap="none" normalizeH="0" baseline="0" dirty="0">
                 <a:ln>
                   <a:noFill/>
                 </a:ln>
@@ -10589,7 +10328,7 @@
               <a:t>'</a:t>
             </a:r>
             <a:r>
-              <a:rPr kumimoji="0" lang="ko-KR" altLang="ko-KR" sz="1500" b="0" i="0" u="none" strike="noStrike" cap="none" normalizeH="0" baseline="0" dirty="0" smtClean="0">
+              <a:rPr kumimoji="0" lang="ko-KR" altLang="ko-KR" sz="1500" b="0" i="0" u="none" strike="noStrike" cap="none" normalizeH="0" baseline="0" dirty="0">
                 <a:ln>
                   <a:noFill/>
                 </a:ln>
@@ -10603,7 +10342,7 @@
               <a:t>, </a:t>
             </a:r>
             <a:r>
-              <a:rPr kumimoji="0" lang="ko-KR" altLang="ko-KR" sz="1500" b="0" i="0" u="none" strike="noStrike" cap="none" normalizeH="0" baseline="0" dirty="0" err="1" smtClean="0">
+              <a:rPr kumimoji="0" lang="ko-KR" altLang="ko-KR" sz="1500" b="0" i="0" u="none" strike="noStrike" cap="none" normalizeH="0" baseline="0" dirty="0" err="1">
                 <a:ln>
                   <a:noFill/>
                 </a:ln>
@@ -10617,7 +10356,7 @@
               <a:t>family</a:t>
             </a:r>
             <a:r>
-              <a:rPr kumimoji="0" lang="ko-KR" altLang="ko-KR" sz="1500" b="0" i="0" u="none" strike="noStrike" cap="none" normalizeH="0" baseline="0" dirty="0" smtClean="0">
+              <a:rPr kumimoji="0" lang="ko-KR" altLang="ko-KR" sz="1500" b="0" i="0" u="none" strike="noStrike" cap="none" normalizeH="0" baseline="0" dirty="0">
                 <a:ln>
                   <a:noFill/>
                 </a:ln>
@@ -10631,7 +10370,7 @@
               <a:t>=</a:t>
             </a:r>
             <a:r>
-              <a:rPr kumimoji="0" lang="ko-KR" altLang="ko-KR" sz="1500" b="0" i="0" u="none" strike="noStrike" cap="none" normalizeH="0" baseline="0" dirty="0" err="1" smtClean="0">
+              <a:rPr kumimoji="0" lang="ko-KR" altLang="ko-KR" sz="1500" b="0" i="0" u="none" strike="noStrike" cap="none" normalizeH="0" baseline="0" dirty="0" err="1">
                 <a:ln>
                   <a:noFill/>
                 </a:ln>
@@ -10645,7 +10384,7 @@
               <a:t>font_name</a:t>
             </a:r>
             <a:r>
-              <a:rPr kumimoji="0" lang="ko-KR" altLang="ko-KR" sz="1500" b="0" i="0" u="none" strike="noStrike" cap="none" normalizeH="0" baseline="0" dirty="0" smtClean="0">
+              <a:rPr kumimoji="0" lang="ko-KR" altLang="ko-KR" sz="1500" b="0" i="0" u="none" strike="noStrike" cap="none" normalizeH="0" baseline="0" dirty="0">
                 <a:ln>
                   <a:noFill/>
                 </a:ln>
@@ -10659,7 +10398,7 @@
               <a:t>)</a:t>
             </a:r>
             <a:br>
-              <a:rPr kumimoji="0" lang="ko-KR" altLang="ko-KR" sz="1500" b="0" i="0" u="none" strike="noStrike" cap="none" normalizeH="0" baseline="0" dirty="0" smtClean="0">
+              <a:rPr kumimoji="0" lang="ko-KR" altLang="ko-KR" sz="1500" b="0" i="0" u="none" strike="noStrike" cap="none" normalizeH="0" baseline="0" dirty="0">
                 <a:ln>
                   <a:noFill/>
                 </a:ln>
@@ -10671,22 +10410,8 @@
                 <a:ea typeface="JetBrains Mono"/>
               </a:rPr>
             </a:br>
-            <a:r>
-              <a:rPr kumimoji="0" lang="ko-KR" altLang="ko-KR" sz="1500" b="0" i="0" u="none" strike="noStrike" cap="none" normalizeH="0" baseline="0" dirty="0" smtClean="0">
-                <a:ln>
-                  <a:noFill/>
-                </a:ln>
-                <a:solidFill>
-                  <a:srgbClr val="A9B7C6"/>
-                </a:solidFill>
-                <a:effectLst/>
-                <a:latin typeface="Arial Unicode MS"/>
-                <a:ea typeface="JetBrains Mono"/>
-              </a:rPr>
-              <a:t/>
-            </a:r>
             <a:br>
-              <a:rPr kumimoji="0" lang="ko-KR" altLang="ko-KR" sz="1500" b="0" i="0" u="none" strike="noStrike" cap="none" normalizeH="0" baseline="0" dirty="0" smtClean="0">
+              <a:rPr kumimoji="0" lang="ko-KR" altLang="ko-KR" sz="1500" b="0" i="0" u="none" strike="noStrike" cap="none" normalizeH="0" baseline="0" dirty="0">
                 <a:ln>
                   <a:noFill/>
                 </a:ln>
@@ -10699,7 +10424,7 @@
               </a:rPr>
             </a:br>
             <a:r>
-              <a:rPr kumimoji="0" lang="ko-KR" altLang="ko-KR" sz="1500" b="0" i="0" u="none" strike="noStrike" cap="none" normalizeH="0" baseline="0" dirty="0" err="1" smtClean="0">
+              <a:rPr kumimoji="0" lang="ko-KR" altLang="ko-KR" sz="1500" b="0" i="0" u="none" strike="noStrike" cap="none" normalizeH="0" baseline="0" dirty="0" err="1">
                 <a:ln>
                   <a:noFill/>
                 </a:ln>
@@ -10713,7 +10438,7 @@
               <a:t>countries</a:t>
             </a:r>
             <a:r>
-              <a:rPr kumimoji="0" lang="ko-KR" altLang="ko-KR" sz="1500" b="0" i="0" u="none" strike="noStrike" cap="none" normalizeH="0" baseline="0" dirty="0" smtClean="0">
+              <a:rPr kumimoji="0" lang="ko-KR" altLang="ko-KR" sz="1500" b="0" i="0" u="none" strike="noStrike" cap="none" normalizeH="0" baseline="0" dirty="0">
                 <a:ln>
                   <a:noFill/>
                 </a:ln>
@@ -10727,7 +10452,7 @@
               <a:t> = [</a:t>
             </a:r>
             <a:r>
-              <a:rPr kumimoji="0" lang="ko-KR" altLang="ko-KR" sz="1500" b="0" i="0" u="none" strike="noStrike" cap="none" normalizeH="0" baseline="0" dirty="0" smtClean="0">
+              <a:rPr kumimoji="0" lang="ko-KR" altLang="ko-KR" sz="1500" b="0" i="0" u="none" strike="noStrike" cap="none" normalizeH="0" baseline="0" dirty="0">
                 <a:ln>
                   <a:noFill/>
                 </a:ln>
@@ -10741,7 +10466,7 @@
               <a:t>'</a:t>
             </a:r>
             <a:r>
-              <a:rPr kumimoji="0" lang="ko-KR" altLang="ko-KR" sz="1500" b="0" i="0" u="none" strike="noStrike" cap="none" normalizeH="0" baseline="0" dirty="0" smtClean="0">
+              <a:rPr kumimoji="0" lang="ko-KR" altLang="ko-KR" sz="1500" b="0" i="0" u="none" strike="noStrike" cap="none" normalizeH="0" baseline="0" dirty="0">
                 <a:ln>
                   <a:noFill/>
                 </a:ln>
@@ -10755,7 +10480,7 @@
               <a:t>미국</a:t>
             </a:r>
             <a:r>
-              <a:rPr kumimoji="0" lang="ko-KR" altLang="ko-KR" sz="1500" b="0" i="0" u="none" strike="noStrike" cap="none" normalizeH="0" baseline="0" dirty="0" smtClean="0">
+              <a:rPr kumimoji="0" lang="ko-KR" altLang="ko-KR" sz="1500" b="0" i="0" u="none" strike="noStrike" cap="none" normalizeH="0" baseline="0" dirty="0">
                 <a:ln>
                   <a:noFill/>
                 </a:ln>
@@ -10769,7 +10494,7 @@
               <a:t>'</a:t>
             </a:r>
             <a:r>
-              <a:rPr kumimoji="0" lang="ko-KR" altLang="ko-KR" sz="1500" b="0" i="0" u="none" strike="noStrike" cap="none" normalizeH="0" baseline="0" dirty="0" smtClean="0">
+              <a:rPr kumimoji="0" lang="ko-KR" altLang="ko-KR" sz="1500" b="0" i="0" u="none" strike="noStrike" cap="none" normalizeH="0" baseline="0" dirty="0">
                 <a:ln>
                   <a:noFill/>
                 </a:ln>
@@ -10783,7 +10508,7 @@
               <a:t>, </a:t>
             </a:r>
             <a:r>
-              <a:rPr kumimoji="0" lang="ko-KR" altLang="ko-KR" sz="1500" b="0" i="0" u="none" strike="noStrike" cap="none" normalizeH="0" baseline="0" dirty="0" smtClean="0">
+              <a:rPr kumimoji="0" lang="ko-KR" altLang="ko-KR" sz="1500" b="0" i="0" u="none" strike="noStrike" cap="none" normalizeH="0" baseline="0" dirty="0">
                 <a:ln>
                   <a:noFill/>
                 </a:ln>
@@ -10797,7 +10522,7 @@
               <a:t>'</a:t>
             </a:r>
             <a:r>
-              <a:rPr kumimoji="0" lang="ko-KR" altLang="ko-KR" sz="1500" b="0" i="0" u="none" strike="noStrike" cap="none" normalizeH="0" baseline="0" dirty="0" smtClean="0">
+              <a:rPr kumimoji="0" lang="ko-KR" altLang="ko-KR" sz="1500" b="0" i="0" u="none" strike="noStrike" cap="none" normalizeH="0" baseline="0" dirty="0">
                 <a:ln>
                   <a:noFill/>
                 </a:ln>
@@ -10811,7 +10536,7 @@
               <a:t>우크라이나</a:t>
             </a:r>
             <a:r>
-              <a:rPr kumimoji="0" lang="ko-KR" altLang="ko-KR" sz="1500" b="0" i="0" u="none" strike="noStrike" cap="none" normalizeH="0" baseline="0" dirty="0" smtClean="0">
+              <a:rPr kumimoji="0" lang="ko-KR" altLang="ko-KR" sz="1500" b="0" i="0" u="none" strike="noStrike" cap="none" normalizeH="0" baseline="0" dirty="0">
                 <a:ln>
                   <a:noFill/>
                 </a:ln>
@@ -10825,7 +10550,7 @@
               <a:t>'</a:t>
             </a:r>
             <a:r>
-              <a:rPr kumimoji="0" lang="ko-KR" altLang="ko-KR" sz="1500" b="0" i="0" u="none" strike="noStrike" cap="none" normalizeH="0" baseline="0" dirty="0" smtClean="0">
+              <a:rPr kumimoji="0" lang="ko-KR" altLang="ko-KR" sz="1500" b="0" i="0" u="none" strike="noStrike" cap="none" normalizeH="0" baseline="0" dirty="0">
                 <a:ln>
                   <a:noFill/>
                 </a:ln>
@@ -10839,7 +10564,7 @@
               <a:t>, </a:t>
             </a:r>
             <a:r>
-              <a:rPr kumimoji="0" lang="ko-KR" altLang="ko-KR" sz="1500" b="0" i="0" u="none" strike="noStrike" cap="none" normalizeH="0" baseline="0" dirty="0" smtClean="0">
+              <a:rPr kumimoji="0" lang="ko-KR" altLang="ko-KR" sz="1500" b="0" i="0" u="none" strike="noStrike" cap="none" normalizeH="0" baseline="0" dirty="0">
                 <a:ln>
                   <a:noFill/>
                 </a:ln>
@@ -10853,7 +10578,7 @@
               <a:t>"</a:t>
             </a:r>
             <a:r>
-              <a:rPr kumimoji="0" lang="ko-KR" altLang="ko-KR" sz="1500" b="0" i="0" u="none" strike="noStrike" cap="none" normalizeH="0" baseline="0" dirty="0" err="1" smtClean="0">
+              <a:rPr kumimoji="0" lang="ko-KR" altLang="ko-KR" sz="1500" b="0" i="0" u="none" strike="noStrike" cap="none" normalizeH="0" baseline="0" dirty="0" err="1">
                 <a:ln>
                   <a:noFill/>
                 </a:ln>
@@ -10867,7 +10592,7 @@
               <a:t>중극</a:t>
             </a:r>
             <a:r>
-              <a:rPr kumimoji="0" lang="ko-KR" altLang="ko-KR" sz="1500" b="0" i="0" u="none" strike="noStrike" cap="none" normalizeH="0" baseline="0" dirty="0" smtClean="0">
+              <a:rPr kumimoji="0" lang="ko-KR" altLang="ko-KR" sz="1500" b="0" i="0" u="none" strike="noStrike" cap="none" normalizeH="0" baseline="0" dirty="0">
                 <a:ln>
                   <a:noFill/>
                 </a:ln>
@@ -10881,7 +10606,7 @@
               <a:t>"</a:t>
             </a:r>
             <a:r>
-              <a:rPr kumimoji="0" lang="ko-KR" altLang="ko-KR" sz="1500" b="0" i="0" u="none" strike="noStrike" cap="none" normalizeH="0" baseline="0" dirty="0" smtClean="0">
+              <a:rPr kumimoji="0" lang="ko-KR" altLang="ko-KR" sz="1500" b="0" i="0" u="none" strike="noStrike" cap="none" normalizeH="0" baseline="0" dirty="0">
                 <a:ln>
                   <a:noFill/>
                 </a:ln>
@@ -10895,7 +10620,7 @@
               <a:t>, </a:t>
             </a:r>
             <a:r>
-              <a:rPr kumimoji="0" lang="ko-KR" altLang="ko-KR" sz="1500" b="0" i="0" u="none" strike="noStrike" cap="none" normalizeH="0" baseline="0" dirty="0" smtClean="0">
+              <a:rPr kumimoji="0" lang="ko-KR" altLang="ko-KR" sz="1500" b="0" i="0" u="none" strike="noStrike" cap="none" normalizeH="0" baseline="0" dirty="0">
                 <a:ln>
                   <a:noFill/>
                 </a:ln>
@@ -10909,7 +10634,7 @@
               <a:t>'</a:t>
             </a:r>
             <a:r>
-              <a:rPr kumimoji="0" lang="ko-KR" altLang="ko-KR" sz="1500" b="0" i="0" u="none" strike="noStrike" cap="none" normalizeH="0" baseline="0" dirty="0" smtClean="0">
+              <a:rPr kumimoji="0" lang="ko-KR" altLang="ko-KR" sz="1500" b="0" i="0" u="none" strike="noStrike" cap="none" normalizeH="0" baseline="0" dirty="0">
                 <a:ln>
                   <a:noFill/>
                 </a:ln>
@@ -10923,7 +10648,7 @@
               <a:t>러시아</a:t>
             </a:r>
             <a:r>
-              <a:rPr kumimoji="0" lang="ko-KR" altLang="ko-KR" sz="1500" b="0" i="0" u="none" strike="noStrike" cap="none" normalizeH="0" baseline="0" dirty="0" smtClean="0">
+              <a:rPr kumimoji="0" lang="ko-KR" altLang="ko-KR" sz="1500" b="0" i="0" u="none" strike="noStrike" cap="none" normalizeH="0" baseline="0" dirty="0">
                 <a:ln>
                   <a:noFill/>
                 </a:ln>
@@ -10937,7 +10662,7 @@
               <a:t>'</a:t>
             </a:r>
             <a:r>
-              <a:rPr kumimoji="0" lang="ko-KR" altLang="ko-KR" sz="1500" b="0" i="0" u="none" strike="noStrike" cap="none" normalizeH="0" baseline="0" dirty="0" smtClean="0">
+              <a:rPr kumimoji="0" lang="ko-KR" altLang="ko-KR" sz="1500" b="0" i="0" u="none" strike="noStrike" cap="none" normalizeH="0" baseline="0" dirty="0">
                 <a:ln>
                   <a:noFill/>
                 </a:ln>
@@ -10951,7 +10676,7 @@
               <a:t>, </a:t>
             </a:r>
             <a:r>
-              <a:rPr kumimoji="0" lang="ko-KR" altLang="ko-KR" sz="1500" b="0" i="0" u="none" strike="noStrike" cap="none" normalizeH="0" baseline="0" dirty="0" smtClean="0">
+              <a:rPr kumimoji="0" lang="ko-KR" altLang="ko-KR" sz="1500" b="0" i="0" u="none" strike="noStrike" cap="none" normalizeH="0" baseline="0" dirty="0">
                 <a:ln>
                   <a:noFill/>
                 </a:ln>
@@ -10965,7 +10690,7 @@
               <a:t>'</a:t>
             </a:r>
             <a:r>
-              <a:rPr kumimoji="0" lang="ko-KR" altLang="ko-KR" sz="1500" b="0" i="0" u="none" strike="noStrike" cap="none" normalizeH="0" baseline="0" dirty="0" smtClean="0">
+              <a:rPr kumimoji="0" lang="ko-KR" altLang="ko-KR" sz="1500" b="0" i="0" u="none" strike="noStrike" cap="none" normalizeH="0" baseline="0" dirty="0">
                 <a:ln>
                   <a:noFill/>
                 </a:ln>
@@ -10979,7 +10704,7 @@
               <a:t>독일</a:t>
             </a:r>
             <a:r>
-              <a:rPr kumimoji="0" lang="ko-KR" altLang="ko-KR" sz="1500" b="0" i="0" u="none" strike="noStrike" cap="none" normalizeH="0" baseline="0" dirty="0" smtClean="0">
+              <a:rPr kumimoji="0" lang="ko-KR" altLang="ko-KR" sz="1500" b="0" i="0" u="none" strike="noStrike" cap="none" normalizeH="0" baseline="0" dirty="0">
                 <a:ln>
                   <a:noFill/>
                 </a:ln>
@@ -10993,7 +10718,7 @@
               <a:t>'</a:t>
             </a:r>
             <a:r>
-              <a:rPr kumimoji="0" lang="ko-KR" altLang="ko-KR" sz="1500" b="0" i="0" u="none" strike="noStrike" cap="none" normalizeH="0" baseline="0" dirty="0" smtClean="0">
+              <a:rPr kumimoji="0" lang="ko-KR" altLang="ko-KR" sz="1500" b="0" i="0" u="none" strike="noStrike" cap="none" normalizeH="0" baseline="0" dirty="0">
                 <a:ln>
                   <a:noFill/>
                 </a:ln>
@@ -11007,7 +10732,7 @@
               <a:t>]</a:t>
             </a:r>
             <a:br>
-              <a:rPr kumimoji="0" lang="ko-KR" altLang="ko-KR" sz="1500" b="0" i="0" u="none" strike="noStrike" cap="none" normalizeH="0" baseline="0" dirty="0" smtClean="0">
+              <a:rPr kumimoji="0" lang="ko-KR" altLang="ko-KR" sz="1500" b="0" i="0" u="none" strike="noStrike" cap="none" normalizeH="0" baseline="0" dirty="0">
                 <a:ln>
                   <a:noFill/>
                 </a:ln>
@@ -11020,7 +10745,7 @@
               </a:rPr>
             </a:br>
             <a:r>
-              <a:rPr kumimoji="0" lang="ko-KR" altLang="ko-KR" sz="1500" b="0" i="0" u="none" strike="noStrike" cap="none" normalizeH="0" baseline="0" dirty="0" err="1" smtClean="0">
+              <a:rPr kumimoji="0" lang="ko-KR" altLang="ko-KR" sz="1500" b="0" i="0" u="none" strike="noStrike" cap="none" normalizeH="0" baseline="0" dirty="0" err="1">
                 <a:ln>
                   <a:noFill/>
                 </a:ln>
@@ -11034,7 +10759,7 @@
               <a:t>gold</a:t>
             </a:r>
             <a:r>
-              <a:rPr kumimoji="0" lang="ko-KR" altLang="ko-KR" sz="1500" b="0" i="0" u="none" strike="noStrike" cap="none" normalizeH="0" baseline="0" dirty="0" smtClean="0">
+              <a:rPr kumimoji="0" lang="ko-KR" altLang="ko-KR" sz="1500" b="0" i="0" u="none" strike="noStrike" cap="none" normalizeH="0" baseline="0" dirty="0">
                 <a:ln>
                   <a:noFill/>
                 </a:ln>
@@ -11048,7 +10773,7 @@
               <a:t> = [</a:t>
             </a:r>
             <a:r>
-              <a:rPr kumimoji="0" lang="ko-KR" altLang="ko-KR" sz="1500" b="0" i="0" u="none" strike="noStrike" cap="none" normalizeH="0" baseline="0" dirty="0" smtClean="0">
+              <a:rPr kumimoji="0" lang="ko-KR" altLang="ko-KR" sz="1500" b="0" i="0" u="none" strike="noStrike" cap="none" normalizeH="0" baseline="0" dirty="0">
                 <a:ln>
                   <a:noFill/>
                 </a:ln>
@@ -11062,7 +10787,7 @@
               <a:t>34</a:t>
             </a:r>
             <a:r>
-              <a:rPr kumimoji="0" lang="ko-KR" altLang="ko-KR" sz="1500" b="0" i="0" u="none" strike="noStrike" cap="none" normalizeH="0" baseline="0" dirty="0" smtClean="0">
+              <a:rPr kumimoji="0" lang="ko-KR" altLang="ko-KR" sz="1500" b="0" i="0" u="none" strike="noStrike" cap="none" normalizeH="0" baseline="0" dirty="0">
                 <a:ln>
                   <a:noFill/>
                 </a:ln>
@@ -11076,7 +10801,7 @@
               <a:t>, </a:t>
             </a:r>
             <a:r>
-              <a:rPr kumimoji="0" lang="ko-KR" altLang="ko-KR" sz="1500" b="0" i="0" u="none" strike="noStrike" cap="none" normalizeH="0" baseline="0" dirty="0" smtClean="0">
+              <a:rPr kumimoji="0" lang="ko-KR" altLang="ko-KR" sz="1500" b="0" i="0" u="none" strike="noStrike" cap="none" normalizeH="0" baseline="0" dirty="0">
                 <a:ln>
                   <a:noFill/>
                 </a:ln>
@@ -11090,7 +10815,7 @@
               <a:t>53</a:t>
             </a:r>
             <a:r>
-              <a:rPr kumimoji="0" lang="ko-KR" altLang="ko-KR" sz="1500" b="0" i="0" u="none" strike="noStrike" cap="none" normalizeH="0" baseline="0" dirty="0" smtClean="0">
+              <a:rPr kumimoji="0" lang="ko-KR" altLang="ko-KR" sz="1500" b="0" i="0" u="none" strike="noStrike" cap="none" normalizeH="0" baseline="0" dirty="0">
                 <a:ln>
                   <a:noFill/>
                 </a:ln>
@@ -11104,7 +10829,7 @@
               <a:t>, </a:t>
             </a:r>
             <a:r>
-              <a:rPr kumimoji="0" lang="ko-KR" altLang="ko-KR" sz="1500" b="0" i="0" u="none" strike="noStrike" cap="none" normalizeH="0" baseline="0" dirty="0" smtClean="0">
+              <a:rPr kumimoji="0" lang="ko-KR" altLang="ko-KR" sz="1500" b="0" i="0" u="none" strike="noStrike" cap="none" normalizeH="0" baseline="0" dirty="0">
                 <a:ln>
                   <a:noFill/>
                 </a:ln>
@@ -11118,7 +10843,7 @@
               <a:t>24</a:t>
             </a:r>
             <a:r>
-              <a:rPr kumimoji="0" lang="ko-KR" altLang="ko-KR" sz="1500" b="0" i="0" u="none" strike="noStrike" cap="none" normalizeH="0" baseline="0" dirty="0" smtClean="0">
+              <a:rPr kumimoji="0" lang="ko-KR" altLang="ko-KR" sz="1500" b="0" i="0" u="none" strike="noStrike" cap="none" normalizeH="0" baseline="0" dirty="0">
                 <a:ln>
                   <a:noFill/>
                 </a:ln>
@@ -11132,7 +10857,7 @@
               <a:t>, </a:t>
             </a:r>
             <a:r>
-              <a:rPr kumimoji="0" lang="ko-KR" altLang="ko-KR" sz="1500" b="0" i="0" u="none" strike="noStrike" cap="none" normalizeH="0" baseline="0" dirty="0" smtClean="0">
+              <a:rPr kumimoji="0" lang="ko-KR" altLang="ko-KR" sz="1500" b="0" i="0" u="none" strike="noStrike" cap="none" normalizeH="0" baseline="0" dirty="0">
                 <a:ln>
                   <a:noFill/>
                 </a:ln>
@@ -11146,7 +10871,7 @@
               <a:t>54</a:t>
             </a:r>
             <a:r>
-              <a:rPr kumimoji="0" lang="ko-KR" altLang="ko-KR" sz="1500" b="0" i="0" u="none" strike="noStrike" cap="none" normalizeH="0" baseline="0" dirty="0" smtClean="0">
+              <a:rPr kumimoji="0" lang="ko-KR" altLang="ko-KR" sz="1500" b="0" i="0" u="none" strike="noStrike" cap="none" normalizeH="0" baseline="0" dirty="0">
                 <a:ln>
                   <a:noFill/>
                 </a:ln>
@@ -11160,7 +10885,7 @@
               <a:t>, </a:t>
             </a:r>
             <a:r>
-              <a:rPr kumimoji="0" lang="ko-KR" altLang="ko-KR" sz="1500" b="0" i="0" u="none" strike="noStrike" cap="none" normalizeH="0" baseline="0" dirty="0" smtClean="0">
+              <a:rPr kumimoji="0" lang="ko-KR" altLang="ko-KR" sz="1500" b="0" i="0" u="none" strike="noStrike" cap="none" normalizeH="0" baseline="0" dirty="0">
                 <a:ln>
                   <a:noFill/>
                 </a:ln>
@@ -11174,7 +10899,7 @@
               <a:t>24</a:t>
             </a:r>
             <a:r>
-              <a:rPr kumimoji="0" lang="ko-KR" altLang="ko-KR" sz="1500" b="0" i="0" u="none" strike="noStrike" cap="none" normalizeH="0" baseline="0" dirty="0" smtClean="0">
+              <a:rPr kumimoji="0" lang="ko-KR" altLang="ko-KR" sz="1500" b="0" i="0" u="none" strike="noStrike" cap="none" normalizeH="0" baseline="0" dirty="0">
                 <a:ln>
                   <a:noFill/>
                 </a:ln>
@@ -11188,7 +10913,7 @@
               <a:t>]</a:t>
             </a:r>
             <a:br>
-              <a:rPr kumimoji="0" lang="ko-KR" altLang="ko-KR" sz="1500" b="0" i="0" u="none" strike="noStrike" cap="none" normalizeH="0" baseline="0" dirty="0" smtClean="0">
+              <a:rPr kumimoji="0" lang="ko-KR" altLang="ko-KR" sz="1500" b="0" i="0" u="none" strike="noStrike" cap="none" normalizeH="0" baseline="0" dirty="0">
                 <a:ln>
                   <a:noFill/>
                 </a:ln>
@@ -11201,7 +10926,7 @@
               </a:rPr>
             </a:br>
             <a:r>
-              <a:rPr kumimoji="0" lang="ko-KR" altLang="ko-KR" sz="1500" b="0" i="0" u="none" strike="noStrike" cap="none" normalizeH="0" baseline="0" dirty="0" err="1" smtClean="0">
+              <a:rPr kumimoji="0" lang="ko-KR" altLang="ko-KR" sz="1500" b="0" i="0" u="none" strike="noStrike" cap="none" normalizeH="0" baseline="0" dirty="0" err="1">
                 <a:ln>
                   <a:noFill/>
                 </a:ln>
@@ -11215,7 +10940,7 @@
               <a:t>silver</a:t>
             </a:r>
             <a:r>
-              <a:rPr kumimoji="0" lang="ko-KR" altLang="ko-KR" sz="1500" b="0" i="0" u="none" strike="noStrike" cap="none" normalizeH="0" baseline="0" dirty="0" smtClean="0">
+              <a:rPr kumimoji="0" lang="ko-KR" altLang="ko-KR" sz="1500" b="0" i="0" u="none" strike="noStrike" cap="none" normalizeH="0" baseline="0" dirty="0">
                 <a:ln>
                   <a:noFill/>
                 </a:ln>
@@ -11229,7 +10954,7 @@
               <a:t> = [</a:t>
             </a:r>
             <a:r>
-              <a:rPr kumimoji="0" lang="ko-KR" altLang="ko-KR" sz="1500" b="0" i="0" u="none" strike="noStrike" cap="none" normalizeH="0" baseline="0" dirty="0" smtClean="0">
+              <a:rPr kumimoji="0" lang="ko-KR" altLang="ko-KR" sz="1500" b="0" i="0" u="none" strike="noStrike" cap="none" normalizeH="0" baseline="0" dirty="0">
                 <a:ln>
                   <a:noFill/>
                 </a:ln>
@@ -11243,7 +10968,7 @@
               <a:t>23</a:t>
             </a:r>
             <a:r>
-              <a:rPr kumimoji="0" lang="ko-KR" altLang="ko-KR" sz="1500" b="0" i="0" u="none" strike="noStrike" cap="none" normalizeH="0" baseline="0" dirty="0" smtClean="0">
+              <a:rPr kumimoji="0" lang="ko-KR" altLang="ko-KR" sz="1500" b="0" i="0" u="none" strike="noStrike" cap="none" normalizeH="0" baseline="0" dirty="0">
                 <a:ln>
                   <a:noFill/>
                 </a:ln>
@@ -11257,7 +10982,7 @@
               <a:t>, </a:t>
             </a:r>
             <a:r>
-              <a:rPr kumimoji="0" lang="ko-KR" altLang="ko-KR" sz="1500" b="0" i="0" u="none" strike="noStrike" cap="none" normalizeH="0" baseline="0" dirty="0" smtClean="0">
+              <a:rPr kumimoji="0" lang="ko-KR" altLang="ko-KR" sz="1500" b="0" i="0" u="none" strike="noStrike" cap="none" normalizeH="0" baseline="0" dirty="0">
                 <a:ln>
                   <a:noFill/>
                 </a:ln>
@@ -11271,7 +10996,7 @@
               <a:t>41</a:t>
             </a:r>
             <a:r>
-              <a:rPr kumimoji="0" lang="ko-KR" altLang="ko-KR" sz="1500" b="0" i="0" u="none" strike="noStrike" cap="none" normalizeH="0" baseline="0" dirty="0" smtClean="0">
+              <a:rPr kumimoji="0" lang="ko-KR" altLang="ko-KR" sz="1500" b="0" i="0" u="none" strike="noStrike" cap="none" normalizeH="0" baseline="0" dirty="0">
                 <a:ln>
                   <a:noFill/>
                 </a:ln>
@@ -11285,7 +11010,7 @@
               <a:t>, </a:t>
             </a:r>
             <a:r>
-              <a:rPr kumimoji="0" lang="ko-KR" altLang="ko-KR" sz="1500" b="0" i="0" u="none" strike="noStrike" cap="none" normalizeH="0" baseline="0" dirty="0" smtClean="0">
+              <a:rPr kumimoji="0" lang="ko-KR" altLang="ko-KR" sz="1500" b="0" i="0" u="none" strike="noStrike" cap="none" normalizeH="0" baseline="0" dirty="0">
                 <a:ln>
                   <a:noFill/>
                 </a:ln>
@@ -11299,7 +11024,7 @@
               <a:t>32</a:t>
             </a:r>
             <a:r>
-              <a:rPr kumimoji="0" lang="ko-KR" altLang="ko-KR" sz="1500" b="0" i="0" u="none" strike="noStrike" cap="none" normalizeH="0" baseline="0" dirty="0" smtClean="0">
+              <a:rPr kumimoji="0" lang="ko-KR" altLang="ko-KR" sz="1500" b="0" i="0" u="none" strike="noStrike" cap="none" normalizeH="0" baseline="0" dirty="0">
                 <a:ln>
                   <a:noFill/>
                 </a:ln>
@@ -11313,7 +11038,7 @@
               <a:t>, </a:t>
             </a:r>
             <a:r>
-              <a:rPr kumimoji="0" lang="ko-KR" altLang="ko-KR" sz="1500" b="0" i="0" u="none" strike="noStrike" cap="none" normalizeH="0" baseline="0" dirty="0" smtClean="0">
+              <a:rPr kumimoji="0" lang="ko-KR" altLang="ko-KR" sz="1500" b="0" i="0" u="none" strike="noStrike" cap="none" normalizeH="0" baseline="0" dirty="0">
                 <a:ln>
                   <a:noFill/>
                 </a:ln>
@@ -11327,7 +11052,7 @@
               <a:t>14</a:t>
             </a:r>
             <a:r>
-              <a:rPr kumimoji="0" lang="ko-KR" altLang="ko-KR" sz="1500" b="0" i="0" u="none" strike="noStrike" cap="none" normalizeH="0" baseline="0" dirty="0" smtClean="0">
+              <a:rPr kumimoji="0" lang="ko-KR" altLang="ko-KR" sz="1500" b="0" i="0" u="none" strike="noStrike" cap="none" normalizeH="0" baseline="0" dirty="0">
                 <a:ln>
                   <a:noFill/>
                 </a:ln>
@@ -11341,7 +11066,7 @@
               <a:t>, </a:t>
             </a:r>
             <a:r>
-              <a:rPr kumimoji="0" lang="ko-KR" altLang="ko-KR" sz="1500" b="0" i="0" u="none" strike="noStrike" cap="none" normalizeH="0" baseline="0" dirty="0" smtClean="0">
+              <a:rPr kumimoji="0" lang="ko-KR" altLang="ko-KR" sz="1500" b="0" i="0" u="none" strike="noStrike" cap="none" normalizeH="0" baseline="0" dirty="0">
                 <a:ln>
                   <a:noFill/>
                 </a:ln>
@@ -11355,7 +11080,7 @@
               <a:t>34</a:t>
             </a:r>
             <a:r>
-              <a:rPr kumimoji="0" lang="ko-KR" altLang="ko-KR" sz="1500" b="0" i="0" u="none" strike="noStrike" cap="none" normalizeH="0" baseline="0" dirty="0" smtClean="0">
+              <a:rPr kumimoji="0" lang="ko-KR" altLang="ko-KR" sz="1500" b="0" i="0" u="none" strike="noStrike" cap="none" normalizeH="0" baseline="0" dirty="0">
                 <a:ln>
                   <a:noFill/>
                 </a:ln>
@@ -11369,7 +11094,7 @@
               <a:t>]</a:t>
             </a:r>
             <a:br>
-              <a:rPr kumimoji="0" lang="ko-KR" altLang="ko-KR" sz="1500" b="0" i="0" u="none" strike="noStrike" cap="none" normalizeH="0" baseline="0" dirty="0" smtClean="0">
+              <a:rPr kumimoji="0" lang="ko-KR" altLang="ko-KR" sz="1500" b="0" i="0" u="none" strike="noStrike" cap="none" normalizeH="0" baseline="0" dirty="0">
                 <a:ln>
                   <a:noFill/>
                 </a:ln>
@@ -11382,7 +11107,7 @@
               </a:rPr>
             </a:br>
             <a:r>
-              <a:rPr kumimoji="0" lang="ko-KR" altLang="ko-KR" sz="1500" b="0" i="0" u="none" strike="noStrike" cap="none" normalizeH="0" baseline="0" dirty="0" err="1" smtClean="0">
+              <a:rPr kumimoji="0" lang="ko-KR" altLang="ko-KR" sz="1500" b="0" i="0" u="none" strike="noStrike" cap="none" normalizeH="0" baseline="0" dirty="0" err="1">
                 <a:ln>
                   <a:noFill/>
                 </a:ln>
@@ -11396,7 +11121,7 @@
               <a:t>bronze</a:t>
             </a:r>
             <a:r>
-              <a:rPr kumimoji="0" lang="ko-KR" altLang="ko-KR" sz="1500" b="0" i="0" u="none" strike="noStrike" cap="none" normalizeH="0" baseline="0" dirty="0" smtClean="0">
+              <a:rPr kumimoji="0" lang="ko-KR" altLang="ko-KR" sz="1500" b="0" i="0" u="none" strike="noStrike" cap="none" normalizeH="0" baseline="0" dirty="0">
                 <a:ln>
                   <a:noFill/>
                 </a:ln>
@@ -11410,7 +11135,7 @@
               <a:t> = [</a:t>
             </a:r>
             <a:r>
-              <a:rPr kumimoji="0" lang="ko-KR" altLang="ko-KR" sz="1500" b="0" i="0" u="none" strike="noStrike" cap="none" normalizeH="0" baseline="0" dirty="0" smtClean="0">
+              <a:rPr kumimoji="0" lang="ko-KR" altLang="ko-KR" sz="1500" b="0" i="0" u="none" strike="noStrike" cap="none" normalizeH="0" baseline="0" dirty="0">
                 <a:ln>
                   <a:noFill/>
                 </a:ln>
@@ -11424,7 +11149,7 @@
               <a:t>23</a:t>
             </a:r>
             <a:r>
-              <a:rPr kumimoji="0" lang="ko-KR" altLang="ko-KR" sz="1500" b="0" i="0" u="none" strike="noStrike" cap="none" normalizeH="0" baseline="0" dirty="0" smtClean="0">
+              <a:rPr kumimoji="0" lang="ko-KR" altLang="ko-KR" sz="1500" b="0" i="0" u="none" strike="noStrike" cap="none" normalizeH="0" baseline="0" dirty="0">
                 <a:ln>
                   <a:noFill/>
                 </a:ln>
@@ -11438,7 +11163,7 @@
               <a:t>, </a:t>
             </a:r>
             <a:r>
-              <a:rPr kumimoji="0" lang="ko-KR" altLang="ko-KR" sz="1500" b="0" i="0" u="none" strike="noStrike" cap="none" normalizeH="0" baseline="0" dirty="0" smtClean="0">
+              <a:rPr kumimoji="0" lang="ko-KR" altLang="ko-KR" sz="1500" b="0" i="0" u="none" strike="noStrike" cap="none" normalizeH="0" baseline="0" dirty="0">
                 <a:ln>
                   <a:noFill/>
                 </a:ln>
@@ -11452,7 +11177,7 @@
               <a:t>52</a:t>
             </a:r>
             <a:r>
-              <a:rPr kumimoji="0" lang="ko-KR" altLang="ko-KR" sz="1500" b="0" i="0" u="none" strike="noStrike" cap="none" normalizeH="0" baseline="0" dirty="0" smtClean="0">
+              <a:rPr kumimoji="0" lang="ko-KR" altLang="ko-KR" sz="1500" b="0" i="0" u="none" strike="noStrike" cap="none" normalizeH="0" baseline="0" dirty="0">
                 <a:ln>
                   <a:noFill/>
                 </a:ln>
@@ -11466,7 +11191,7 @@
               <a:t>, </a:t>
             </a:r>
             <a:r>
-              <a:rPr kumimoji="0" lang="ko-KR" altLang="ko-KR" sz="1500" b="0" i="0" u="none" strike="noStrike" cap="none" normalizeH="0" baseline="0" dirty="0" smtClean="0">
+              <a:rPr kumimoji="0" lang="ko-KR" altLang="ko-KR" sz="1500" b="0" i="0" u="none" strike="noStrike" cap="none" normalizeH="0" baseline="0" dirty="0">
                 <a:ln>
                   <a:noFill/>
                 </a:ln>
@@ -11480,7 +11205,7 @@
               <a:t>34</a:t>
             </a:r>
             <a:r>
-              <a:rPr kumimoji="0" lang="ko-KR" altLang="ko-KR" sz="1500" b="0" i="0" u="none" strike="noStrike" cap="none" normalizeH="0" baseline="0" dirty="0" smtClean="0">
+              <a:rPr kumimoji="0" lang="ko-KR" altLang="ko-KR" sz="1500" b="0" i="0" u="none" strike="noStrike" cap="none" normalizeH="0" baseline="0" dirty="0">
                 <a:ln>
                   <a:noFill/>
                 </a:ln>
@@ -11494,7 +11219,7 @@
               <a:t>, </a:t>
             </a:r>
             <a:r>
-              <a:rPr kumimoji="0" lang="ko-KR" altLang="ko-KR" sz="1500" b="0" i="0" u="none" strike="noStrike" cap="none" normalizeH="0" baseline="0" dirty="0" smtClean="0">
+              <a:rPr kumimoji="0" lang="ko-KR" altLang="ko-KR" sz="1500" b="0" i="0" u="none" strike="noStrike" cap="none" normalizeH="0" baseline="0" dirty="0">
                 <a:ln>
                   <a:noFill/>
                 </a:ln>
@@ -11508,7 +11233,7 @@
               <a:t>95</a:t>
             </a:r>
             <a:r>
-              <a:rPr kumimoji="0" lang="ko-KR" altLang="ko-KR" sz="1500" b="0" i="0" u="none" strike="noStrike" cap="none" normalizeH="0" baseline="0" dirty="0" smtClean="0">
+              <a:rPr kumimoji="0" lang="ko-KR" altLang="ko-KR" sz="1500" b="0" i="0" u="none" strike="noStrike" cap="none" normalizeH="0" baseline="0" dirty="0">
                 <a:ln>
                   <a:noFill/>
                 </a:ln>
@@ -11522,7 +11247,7 @@
               <a:t>, </a:t>
             </a:r>
             <a:r>
-              <a:rPr kumimoji="0" lang="ko-KR" altLang="ko-KR" sz="1500" b="0" i="0" u="none" strike="noStrike" cap="none" normalizeH="0" baseline="0" dirty="0" smtClean="0">
+              <a:rPr kumimoji="0" lang="ko-KR" altLang="ko-KR" sz="1500" b="0" i="0" u="none" strike="noStrike" cap="none" normalizeH="0" baseline="0" dirty="0">
                 <a:ln>
                   <a:noFill/>
                 </a:ln>
@@ -11536,7 +11261,7 @@
               <a:t>13</a:t>
             </a:r>
             <a:r>
-              <a:rPr kumimoji="0" lang="ko-KR" altLang="ko-KR" sz="1500" b="0" i="0" u="none" strike="noStrike" cap="none" normalizeH="0" baseline="0" dirty="0" smtClean="0">
+              <a:rPr kumimoji="0" lang="ko-KR" altLang="ko-KR" sz="1500" b="0" i="0" u="none" strike="noStrike" cap="none" normalizeH="0" baseline="0" dirty="0">
                 <a:ln>
                   <a:noFill/>
                 </a:ln>
@@ -11550,7 +11275,7 @@
               <a:t>]</a:t>
             </a:r>
             <a:br>
-              <a:rPr kumimoji="0" lang="ko-KR" altLang="ko-KR" sz="1500" b="0" i="0" u="none" strike="noStrike" cap="none" normalizeH="0" baseline="0" dirty="0" smtClean="0">
+              <a:rPr kumimoji="0" lang="ko-KR" altLang="ko-KR" sz="1500" b="0" i="0" u="none" strike="noStrike" cap="none" normalizeH="0" baseline="0" dirty="0">
                 <a:ln>
                   <a:noFill/>
                 </a:ln>
@@ -11562,22 +11287,8 @@
                 <a:ea typeface="JetBrains Mono"/>
               </a:rPr>
             </a:br>
-            <a:r>
-              <a:rPr kumimoji="0" lang="ko-KR" altLang="ko-KR" sz="1500" b="0" i="0" u="none" strike="noStrike" cap="none" normalizeH="0" baseline="0" dirty="0" smtClean="0">
-                <a:ln>
-                  <a:noFill/>
-                </a:ln>
-                <a:solidFill>
-                  <a:srgbClr val="A9B7C6"/>
-                </a:solidFill>
-                <a:effectLst/>
-                <a:latin typeface="Arial Unicode MS"/>
-                <a:ea typeface="JetBrains Mono"/>
-              </a:rPr>
-              <a:t/>
-            </a:r>
             <a:br>
-              <a:rPr kumimoji="0" lang="ko-KR" altLang="ko-KR" sz="1500" b="0" i="0" u="none" strike="noStrike" cap="none" normalizeH="0" baseline="0" dirty="0" smtClean="0">
+              <a:rPr kumimoji="0" lang="ko-KR" altLang="ko-KR" sz="1500" b="0" i="0" u="none" strike="noStrike" cap="none" normalizeH="0" baseline="0" dirty="0">
                 <a:ln>
                   <a:noFill/>
                 </a:ln>
@@ -11590,7 +11301,7 @@
               </a:rPr>
             </a:br>
             <a:r>
-              <a:rPr kumimoji="0" lang="ko-KR" altLang="ko-KR" sz="1500" b="0" i="0" u="none" strike="noStrike" cap="none" normalizeH="0" baseline="0" dirty="0" err="1" smtClean="0">
+              <a:rPr kumimoji="0" lang="ko-KR" altLang="ko-KR" sz="1500" b="0" i="0" u="none" strike="noStrike" cap="none" normalizeH="0" baseline="0" dirty="0" err="1">
                 <a:ln>
                   <a:noFill/>
                 </a:ln>
@@ -11604,7 +11315,7 @@
               <a:t>bottom_silver</a:t>
             </a:r>
             <a:r>
-              <a:rPr kumimoji="0" lang="ko-KR" altLang="ko-KR" sz="1500" b="0" i="0" u="none" strike="noStrike" cap="none" normalizeH="0" baseline="0" dirty="0" smtClean="0">
+              <a:rPr kumimoji="0" lang="ko-KR" altLang="ko-KR" sz="1500" b="0" i="0" u="none" strike="noStrike" cap="none" normalizeH="0" baseline="0" dirty="0">
                 <a:ln>
                   <a:noFill/>
                 </a:ln>
@@ -11618,7 +11329,7 @@
               <a:t> = </a:t>
             </a:r>
             <a:r>
-              <a:rPr kumimoji="0" lang="ko-KR" altLang="ko-KR" sz="1500" b="0" i="0" u="none" strike="noStrike" cap="none" normalizeH="0" baseline="0" dirty="0" err="1" smtClean="0">
+              <a:rPr kumimoji="0" lang="ko-KR" altLang="ko-KR" sz="1500" b="0" i="0" u="none" strike="noStrike" cap="none" normalizeH="0" baseline="0" dirty="0" err="1">
                 <a:ln>
                   <a:noFill/>
                 </a:ln>
@@ -11631,22 +11342,8 @@
               </a:rPr>
               <a:t>gold</a:t>
             </a:r>
-            <a:r>
-              <a:rPr kumimoji="0" lang="ko-KR" altLang="ko-KR" sz="1500" b="0" i="0" u="none" strike="noStrike" cap="none" normalizeH="0" baseline="0" dirty="0" smtClean="0">
-                <a:ln>
-                  <a:noFill/>
-                </a:ln>
-                <a:solidFill>
-                  <a:srgbClr val="A9B7C6"/>
-                </a:solidFill>
-                <a:effectLst/>
-                <a:latin typeface="Arial Unicode MS"/>
-                <a:ea typeface="JetBrains Mono"/>
-              </a:rPr>
-              <a:t/>
-            </a:r>
             <a:br>
-              <a:rPr kumimoji="0" lang="ko-KR" altLang="ko-KR" sz="1500" b="0" i="0" u="none" strike="noStrike" cap="none" normalizeH="0" baseline="0" dirty="0" smtClean="0">
+              <a:rPr kumimoji="0" lang="ko-KR" altLang="ko-KR" sz="1500" b="0" i="0" u="none" strike="noStrike" cap="none" normalizeH="0" baseline="0" dirty="0">
                 <a:ln>
                   <a:noFill/>
                 </a:ln>
@@ -11659,7 +11356,7 @@
               </a:rPr>
             </a:br>
             <a:r>
-              <a:rPr kumimoji="0" lang="ko-KR" altLang="ko-KR" sz="1500" b="0" i="0" u="none" strike="noStrike" cap="none" normalizeH="0" baseline="0" dirty="0" err="1" smtClean="0">
+              <a:rPr kumimoji="0" lang="ko-KR" altLang="ko-KR" sz="1500" b="0" i="0" u="none" strike="noStrike" cap="none" normalizeH="0" baseline="0" dirty="0" err="1">
                 <a:ln>
                   <a:noFill/>
                 </a:ln>
@@ -11673,7 +11370,7 @@
               <a:t>bottom_bronze</a:t>
             </a:r>
             <a:r>
-              <a:rPr kumimoji="0" lang="ko-KR" altLang="ko-KR" sz="1500" b="0" i="0" u="none" strike="noStrike" cap="none" normalizeH="0" baseline="0" dirty="0" smtClean="0">
+              <a:rPr kumimoji="0" lang="ko-KR" altLang="ko-KR" sz="1500" b="0" i="0" u="none" strike="noStrike" cap="none" normalizeH="0" baseline="0" dirty="0">
                 <a:ln>
                   <a:noFill/>
                 </a:ln>
@@ -11687,7 +11384,7 @@
               <a:t> = [</a:t>
             </a:r>
             <a:r>
-              <a:rPr kumimoji="0" lang="ko-KR" altLang="ko-KR" sz="1500" b="0" i="0" u="none" strike="noStrike" cap="none" normalizeH="0" baseline="0" dirty="0" err="1" smtClean="0">
+              <a:rPr kumimoji="0" lang="ko-KR" altLang="ko-KR" sz="1500" b="0" i="0" u="none" strike="noStrike" cap="none" normalizeH="0" baseline="0" dirty="0" err="1">
                 <a:ln>
                   <a:noFill/>
                 </a:ln>
@@ -11701,7 +11398,7 @@
               <a:t>a</a:t>
             </a:r>
             <a:r>
-              <a:rPr kumimoji="0" lang="ko-KR" altLang="ko-KR" sz="1500" b="0" i="0" u="none" strike="noStrike" cap="none" normalizeH="0" baseline="0" dirty="0" smtClean="0">
+              <a:rPr kumimoji="0" lang="ko-KR" altLang="ko-KR" sz="1500" b="0" i="0" u="none" strike="noStrike" cap="none" normalizeH="0" baseline="0" dirty="0">
                 <a:ln>
                   <a:noFill/>
                 </a:ln>
@@ -11715,7 +11412,7 @@
               <a:t> + </a:t>
             </a:r>
             <a:r>
-              <a:rPr kumimoji="0" lang="ko-KR" altLang="ko-KR" sz="1500" b="0" i="0" u="none" strike="noStrike" cap="none" normalizeH="0" baseline="0" dirty="0" err="1" smtClean="0">
+              <a:rPr kumimoji="0" lang="ko-KR" altLang="ko-KR" sz="1500" b="0" i="0" u="none" strike="noStrike" cap="none" normalizeH="0" baseline="0" dirty="0" err="1">
                 <a:ln>
                   <a:noFill/>
                 </a:ln>
@@ -11729,7 +11426,7 @@
               <a:t>b</a:t>
             </a:r>
             <a:r>
-              <a:rPr kumimoji="0" lang="ko-KR" altLang="ko-KR" sz="1500" b="0" i="0" u="none" strike="noStrike" cap="none" normalizeH="0" baseline="0" dirty="0" smtClean="0">
+              <a:rPr kumimoji="0" lang="ko-KR" altLang="ko-KR" sz="1500" b="0" i="0" u="none" strike="noStrike" cap="none" normalizeH="0" baseline="0" dirty="0">
                 <a:ln>
                   <a:noFill/>
                 </a:ln>
@@ -11743,7 +11440,7 @@
               <a:t> </a:t>
             </a:r>
             <a:r>
-              <a:rPr kumimoji="0" lang="ko-KR" altLang="ko-KR" sz="1500" b="0" i="0" u="none" strike="noStrike" cap="none" normalizeH="0" baseline="0" dirty="0" err="1" smtClean="0">
+              <a:rPr kumimoji="0" lang="ko-KR" altLang="ko-KR" sz="1500" b="0" i="0" u="none" strike="noStrike" cap="none" normalizeH="0" baseline="0" dirty="0" err="1">
                 <a:ln>
                   <a:noFill/>
                 </a:ln>
@@ -11757,7 +11454,7 @@
               <a:t>for</a:t>
             </a:r>
             <a:r>
-              <a:rPr kumimoji="0" lang="ko-KR" altLang="ko-KR" sz="1500" b="0" i="0" u="none" strike="noStrike" cap="none" normalizeH="0" baseline="0" dirty="0" smtClean="0">
+              <a:rPr kumimoji="0" lang="ko-KR" altLang="ko-KR" sz="1500" b="0" i="0" u="none" strike="noStrike" cap="none" normalizeH="0" baseline="0" dirty="0">
                 <a:ln>
                   <a:noFill/>
                 </a:ln>
@@ -11771,7 +11468,7 @@
               <a:t> </a:t>
             </a:r>
             <a:r>
-              <a:rPr kumimoji="0" lang="ko-KR" altLang="ko-KR" sz="1500" b="0" i="0" u="none" strike="noStrike" cap="none" normalizeH="0" baseline="0" dirty="0" err="1" smtClean="0">
+              <a:rPr kumimoji="0" lang="ko-KR" altLang="ko-KR" sz="1500" b="0" i="0" u="none" strike="noStrike" cap="none" normalizeH="0" baseline="0" dirty="0" err="1">
                 <a:ln>
                   <a:noFill/>
                 </a:ln>
@@ -11785,7 +11482,7 @@
               <a:t>a</a:t>
             </a:r>
             <a:r>
-              <a:rPr kumimoji="0" lang="ko-KR" altLang="ko-KR" sz="1500" b="0" i="0" u="none" strike="noStrike" cap="none" normalizeH="0" baseline="0" dirty="0" smtClean="0">
+              <a:rPr kumimoji="0" lang="ko-KR" altLang="ko-KR" sz="1500" b="0" i="0" u="none" strike="noStrike" cap="none" normalizeH="0" baseline="0" dirty="0">
                 <a:ln>
                   <a:noFill/>
                 </a:ln>
@@ -11799,7 +11496,7 @@
               <a:t>, </a:t>
             </a:r>
             <a:r>
-              <a:rPr kumimoji="0" lang="ko-KR" altLang="ko-KR" sz="1500" b="0" i="0" u="none" strike="noStrike" cap="none" normalizeH="0" baseline="0" dirty="0" err="1" smtClean="0">
+              <a:rPr kumimoji="0" lang="ko-KR" altLang="ko-KR" sz="1500" b="0" i="0" u="none" strike="noStrike" cap="none" normalizeH="0" baseline="0" dirty="0" err="1">
                 <a:ln>
                   <a:noFill/>
                 </a:ln>
@@ -11813,7 +11510,7 @@
               <a:t>b</a:t>
             </a:r>
             <a:r>
-              <a:rPr kumimoji="0" lang="ko-KR" altLang="ko-KR" sz="1500" b="0" i="0" u="none" strike="noStrike" cap="none" normalizeH="0" baseline="0" dirty="0" smtClean="0">
+              <a:rPr kumimoji="0" lang="ko-KR" altLang="ko-KR" sz="1500" b="0" i="0" u="none" strike="noStrike" cap="none" normalizeH="0" baseline="0" dirty="0">
                 <a:ln>
                   <a:noFill/>
                 </a:ln>
@@ -11827,7 +11524,7 @@
               <a:t> </a:t>
             </a:r>
             <a:r>
-              <a:rPr kumimoji="0" lang="ko-KR" altLang="ko-KR" sz="1500" b="0" i="0" u="none" strike="noStrike" cap="none" normalizeH="0" baseline="0" dirty="0" err="1" smtClean="0">
+              <a:rPr kumimoji="0" lang="ko-KR" altLang="ko-KR" sz="1500" b="0" i="0" u="none" strike="noStrike" cap="none" normalizeH="0" baseline="0" dirty="0" err="1">
                 <a:ln>
                   <a:noFill/>
                 </a:ln>
@@ -11841,7 +11538,7 @@
               <a:t>in</a:t>
             </a:r>
             <a:r>
-              <a:rPr kumimoji="0" lang="ko-KR" altLang="ko-KR" sz="1500" b="0" i="0" u="none" strike="noStrike" cap="none" normalizeH="0" baseline="0" dirty="0" smtClean="0">
+              <a:rPr kumimoji="0" lang="ko-KR" altLang="ko-KR" sz="1500" b="0" i="0" u="none" strike="noStrike" cap="none" normalizeH="0" baseline="0" dirty="0">
                 <a:ln>
                   <a:noFill/>
                 </a:ln>
@@ -11855,7 +11552,7 @@
               <a:t> </a:t>
             </a:r>
             <a:r>
-              <a:rPr kumimoji="0" lang="ko-KR" altLang="ko-KR" sz="1500" b="0" i="0" u="none" strike="noStrike" cap="none" normalizeH="0" baseline="0" dirty="0" err="1" smtClean="0">
+              <a:rPr kumimoji="0" lang="ko-KR" altLang="ko-KR" sz="1500" b="0" i="0" u="none" strike="noStrike" cap="none" normalizeH="0" baseline="0" dirty="0" err="1">
                 <a:ln>
                   <a:noFill/>
                 </a:ln>
@@ -11869,7 +11566,7 @@
               <a:t>zip</a:t>
             </a:r>
             <a:r>
-              <a:rPr kumimoji="0" lang="ko-KR" altLang="ko-KR" sz="1500" b="0" i="0" u="none" strike="noStrike" cap="none" normalizeH="0" baseline="0" dirty="0" smtClean="0">
+              <a:rPr kumimoji="0" lang="ko-KR" altLang="ko-KR" sz="1500" b="0" i="0" u="none" strike="noStrike" cap="none" normalizeH="0" baseline="0" dirty="0">
                 <a:ln>
                   <a:noFill/>
                 </a:ln>
@@ -11883,7 +11580,7 @@
               <a:t>(</a:t>
             </a:r>
             <a:r>
-              <a:rPr kumimoji="0" lang="ko-KR" altLang="ko-KR" sz="1500" b="0" i="0" u="none" strike="noStrike" cap="none" normalizeH="0" baseline="0" dirty="0" err="1" smtClean="0">
+              <a:rPr kumimoji="0" lang="ko-KR" altLang="ko-KR" sz="1500" b="0" i="0" u="none" strike="noStrike" cap="none" normalizeH="0" baseline="0" dirty="0" err="1">
                 <a:ln>
                   <a:noFill/>
                 </a:ln>
@@ -11897,7 +11594,7 @@
               <a:t>gold</a:t>
             </a:r>
             <a:r>
-              <a:rPr kumimoji="0" lang="ko-KR" altLang="ko-KR" sz="1500" b="0" i="0" u="none" strike="noStrike" cap="none" normalizeH="0" baseline="0" dirty="0" smtClean="0">
+              <a:rPr kumimoji="0" lang="ko-KR" altLang="ko-KR" sz="1500" b="0" i="0" u="none" strike="noStrike" cap="none" normalizeH="0" baseline="0" dirty="0">
                 <a:ln>
                   <a:noFill/>
                 </a:ln>
@@ -11911,7 +11608,7 @@
               <a:t>, </a:t>
             </a:r>
             <a:r>
-              <a:rPr kumimoji="0" lang="ko-KR" altLang="ko-KR" sz="1500" b="0" i="0" u="none" strike="noStrike" cap="none" normalizeH="0" baseline="0" dirty="0" err="1" smtClean="0">
+              <a:rPr kumimoji="0" lang="ko-KR" altLang="ko-KR" sz="1500" b="0" i="0" u="none" strike="noStrike" cap="none" normalizeH="0" baseline="0" dirty="0" err="1">
                 <a:ln>
                   <a:noFill/>
                 </a:ln>
@@ -11925,7 +11622,7 @@
               <a:t>silver</a:t>
             </a:r>
             <a:r>
-              <a:rPr kumimoji="0" lang="ko-KR" altLang="ko-KR" sz="1500" b="0" i="0" u="none" strike="noStrike" cap="none" normalizeH="0" baseline="0" dirty="0" smtClean="0">
+              <a:rPr kumimoji="0" lang="ko-KR" altLang="ko-KR" sz="1500" b="0" i="0" u="none" strike="noStrike" cap="none" normalizeH="0" baseline="0" dirty="0">
                 <a:ln>
                   <a:noFill/>
                 </a:ln>
@@ -11939,7 +11636,7 @@
               <a:t>)]</a:t>
             </a:r>
             <a:br>
-              <a:rPr kumimoji="0" lang="ko-KR" altLang="ko-KR" sz="1500" b="0" i="0" u="none" strike="noStrike" cap="none" normalizeH="0" baseline="0" dirty="0" smtClean="0">
+              <a:rPr kumimoji="0" lang="ko-KR" altLang="ko-KR" sz="1500" b="0" i="0" u="none" strike="noStrike" cap="none" normalizeH="0" baseline="0" dirty="0">
                 <a:ln>
                   <a:noFill/>
                 </a:ln>
@@ -11951,22 +11648,8 @@
                 <a:ea typeface="JetBrains Mono"/>
               </a:rPr>
             </a:br>
-            <a:r>
-              <a:rPr kumimoji="0" lang="ko-KR" altLang="ko-KR" sz="1500" b="0" i="0" u="none" strike="noStrike" cap="none" normalizeH="0" baseline="0" dirty="0" smtClean="0">
-                <a:ln>
-                  <a:noFill/>
-                </a:ln>
-                <a:solidFill>
-                  <a:srgbClr val="A9B7C6"/>
-                </a:solidFill>
-                <a:effectLst/>
-                <a:latin typeface="Arial Unicode MS"/>
-                <a:ea typeface="JetBrains Mono"/>
-              </a:rPr>
-              <a:t/>
-            </a:r>
             <a:br>
-              <a:rPr kumimoji="0" lang="ko-KR" altLang="ko-KR" sz="1500" b="0" i="0" u="none" strike="noStrike" cap="none" normalizeH="0" baseline="0" dirty="0" smtClean="0">
+              <a:rPr kumimoji="0" lang="ko-KR" altLang="ko-KR" sz="1500" b="0" i="0" u="none" strike="noStrike" cap="none" normalizeH="0" baseline="0" dirty="0">
                 <a:ln>
                   <a:noFill/>
                 </a:ln>
@@ -11979,7 +11662,7 @@
               </a:rPr>
             </a:br>
             <a:r>
-              <a:rPr kumimoji="0" lang="ko-KR" altLang="ko-KR" sz="1500" b="0" i="0" u="none" strike="noStrike" cap="none" normalizeH="0" baseline="0" dirty="0" err="1" smtClean="0">
+              <a:rPr kumimoji="0" lang="ko-KR" altLang="ko-KR" sz="1500" b="0" i="0" u="none" strike="noStrike" cap="none" normalizeH="0" baseline="0" dirty="0" err="1">
                 <a:ln>
                   <a:noFill/>
                 </a:ln>
@@ -11993,7 +11676,7 @@
               <a:t>fig</a:t>
             </a:r>
             <a:r>
-              <a:rPr kumimoji="0" lang="ko-KR" altLang="ko-KR" sz="1500" b="0" i="0" u="none" strike="noStrike" cap="none" normalizeH="0" baseline="0" dirty="0" smtClean="0">
+              <a:rPr kumimoji="0" lang="ko-KR" altLang="ko-KR" sz="1500" b="0" i="0" u="none" strike="noStrike" cap="none" normalizeH="0" baseline="0" dirty="0">
                 <a:ln>
                   <a:noFill/>
                 </a:ln>
@@ -12007,7 +11690,7 @@
               <a:t>, </a:t>
             </a:r>
             <a:r>
-              <a:rPr kumimoji="0" lang="ko-KR" altLang="ko-KR" sz="1500" b="0" i="0" u="none" strike="noStrike" cap="none" normalizeH="0" baseline="0" dirty="0" err="1" smtClean="0">
+              <a:rPr kumimoji="0" lang="ko-KR" altLang="ko-KR" sz="1500" b="0" i="0" u="none" strike="noStrike" cap="none" normalizeH="0" baseline="0" dirty="0" err="1">
                 <a:ln>
                   <a:noFill/>
                 </a:ln>
@@ -12021,7 +11704,7 @@
               <a:t>ax</a:t>
             </a:r>
             <a:r>
-              <a:rPr kumimoji="0" lang="ko-KR" altLang="ko-KR" sz="1500" b="0" i="0" u="none" strike="noStrike" cap="none" normalizeH="0" baseline="0" dirty="0" smtClean="0">
+              <a:rPr kumimoji="0" lang="ko-KR" altLang="ko-KR" sz="1500" b="0" i="0" u="none" strike="noStrike" cap="none" normalizeH="0" baseline="0" dirty="0">
                 <a:ln>
                   <a:noFill/>
                 </a:ln>
@@ -12035,7 +11718,7 @@
               <a:t> = </a:t>
             </a:r>
             <a:r>
-              <a:rPr kumimoji="0" lang="ko-KR" altLang="ko-KR" sz="1500" b="0" i="0" u="none" strike="noStrike" cap="none" normalizeH="0" baseline="0" dirty="0" err="1" smtClean="0">
+              <a:rPr kumimoji="0" lang="ko-KR" altLang="ko-KR" sz="1500" b="0" i="0" u="none" strike="noStrike" cap="none" normalizeH="0" baseline="0" dirty="0" err="1">
                 <a:ln>
                   <a:noFill/>
                 </a:ln>
@@ -12049,7 +11732,7 @@
               <a:t>plt.subplots</a:t>
             </a:r>
             <a:r>
-              <a:rPr kumimoji="0" lang="ko-KR" altLang="ko-KR" sz="1500" b="0" i="0" u="none" strike="noStrike" cap="none" normalizeH="0" baseline="0" dirty="0" smtClean="0">
+              <a:rPr kumimoji="0" lang="ko-KR" altLang="ko-KR" sz="1500" b="0" i="0" u="none" strike="noStrike" cap="none" normalizeH="0" baseline="0" dirty="0">
                 <a:ln>
                   <a:noFill/>
                 </a:ln>
@@ -12063,7 +11746,7 @@
               <a:t>()</a:t>
             </a:r>
             <a:br>
-              <a:rPr kumimoji="0" lang="ko-KR" altLang="ko-KR" sz="1500" b="0" i="0" u="none" strike="noStrike" cap="none" normalizeH="0" baseline="0" dirty="0" smtClean="0">
+              <a:rPr kumimoji="0" lang="ko-KR" altLang="ko-KR" sz="1500" b="0" i="0" u="none" strike="noStrike" cap="none" normalizeH="0" baseline="0" dirty="0">
                 <a:ln>
                   <a:noFill/>
                 </a:ln>
@@ -12076,7 +11759,7 @@
               </a:rPr>
             </a:br>
             <a:r>
-              <a:rPr kumimoji="0" lang="ko-KR" altLang="ko-KR" sz="1500" b="0" i="0" u="none" strike="noStrike" cap="none" normalizeH="0" baseline="0" dirty="0" smtClean="0">
+              <a:rPr kumimoji="0" lang="ko-KR" altLang="ko-KR" sz="1500" b="0" i="0" u="none" strike="noStrike" cap="none" normalizeH="0" baseline="0" dirty="0">
                 <a:ln>
                   <a:noFill/>
                 </a:ln>
@@ -12090,7 +11773,7 @@
               <a:t>p1 = </a:t>
             </a:r>
             <a:r>
-              <a:rPr kumimoji="0" lang="ko-KR" altLang="ko-KR" sz="1500" b="0" i="0" u="none" strike="noStrike" cap="none" normalizeH="0" baseline="0" dirty="0" err="1" smtClean="0">
+              <a:rPr kumimoji="0" lang="ko-KR" altLang="ko-KR" sz="1500" b="0" i="0" u="none" strike="noStrike" cap="none" normalizeH="0" baseline="0" dirty="0" err="1">
                 <a:ln>
                   <a:noFill/>
                 </a:ln>
@@ -12104,7 +11787,7 @@
               <a:t>ax.bar</a:t>
             </a:r>
             <a:r>
-              <a:rPr kumimoji="0" lang="ko-KR" altLang="ko-KR" sz="1500" b="0" i="0" u="none" strike="noStrike" cap="none" normalizeH="0" baseline="0" dirty="0" smtClean="0">
+              <a:rPr kumimoji="0" lang="ko-KR" altLang="ko-KR" sz="1500" b="0" i="0" u="none" strike="noStrike" cap="none" normalizeH="0" baseline="0" dirty="0">
                 <a:ln>
                   <a:noFill/>
                 </a:ln>
@@ -12118,7 +11801,7 @@
               <a:t>(</a:t>
             </a:r>
             <a:r>
-              <a:rPr kumimoji="0" lang="ko-KR" altLang="ko-KR" sz="1500" b="0" i="0" u="none" strike="noStrike" cap="none" normalizeH="0" baseline="0" dirty="0" err="1" smtClean="0">
+              <a:rPr kumimoji="0" lang="ko-KR" altLang="ko-KR" sz="1500" b="0" i="0" u="none" strike="noStrike" cap="none" normalizeH="0" baseline="0" dirty="0" err="1">
                 <a:ln>
                   <a:noFill/>
                 </a:ln>
@@ -12132,7 +11815,7 @@
               <a:t>countries</a:t>
             </a:r>
             <a:r>
-              <a:rPr kumimoji="0" lang="ko-KR" altLang="ko-KR" sz="1500" b="0" i="0" u="none" strike="noStrike" cap="none" normalizeH="0" baseline="0" dirty="0" smtClean="0">
+              <a:rPr kumimoji="0" lang="ko-KR" altLang="ko-KR" sz="1500" b="0" i="0" u="none" strike="noStrike" cap="none" normalizeH="0" baseline="0" dirty="0">
                 <a:ln>
                   <a:noFill/>
                 </a:ln>
@@ -12146,7 +11829,7 @@
               <a:t>, </a:t>
             </a:r>
             <a:r>
-              <a:rPr kumimoji="0" lang="ko-KR" altLang="ko-KR" sz="1500" b="0" i="0" u="none" strike="noStrike" cap="none" normalizeH="0" baseline="0" dirty="0" err="1" smtClean="0">
+              <a:rPr kumimoji="0" lang="ko-KR" altLang="ko-KR" sz="1500" b="0" i="0" u="none" strike="noStrike" cap="none" normalizeH="0" baseline="0" dirty="0" err="1">
                 <a:ln>
                   <a:noFill/>
                 </a:ln>
@@ -12160,7 +11843,7 @@
               <a:t>gold</a:t>
             </a:r>
             <a:r>
-              <a:rPr kumimoji="0" lang="ko-KR" altLang="ko-KR" sz="1500" b="0" i="0" u="none" strike="noStrike" cap="none" normalizeH="0" baseline="0" dirty="0" smtClean="0">
+              <a:rPr kumimoji="0" lang="ko-KR" altLang="ko-KR" sz="1500" b="0" i="0" u="none" strike="noStrike" cap="none" normalizeH="0" baseline="0" dirty="0">
                 <a:ln>
                   <a:noFill/>
                 </a:ln>
@@ -12174,7 +11857,7 @@
               <a:t>, </a:t>
             </a:r>
             <a:r>
-              <a:rPr kumimoji="0" lang="ko-KR" altLang="ko-KR" sz="1500" b="0" i="0" u="none" strike="noStrike" cap="none" normalizeH="0" baseline="0" dirty="0" err="1" smtClean="0">
+              <a:rPr kumimoji="0" lang="ko-KR" altLang="ko-KR" sz="1500" b="0" i="0" u="none" strike="noStrike" cap="none" normalizeH="0" baseline="0" dirty="0" err="1">
                 <a:ln>
                   <a:noFill/>
                 </a:ln>
@@ -12188,7 +11871,7 @@
               <a:t>color</a:t>
             </a:r>
             <a:r>
-              <a:rPr kumimoji="0" lang="ko-KR" altLang="ko-KR" sz="1500" b="0" i="0" u="none" strike="noStrike" cap="none" normalizeH="0" baseline="0" dirty="0" smtClean="0">
+              <a:rPr kumimoji="0" lang="ko-KR" altLang="ko-KR" sz="1500" b="0" i="0" u="none" strike="noStrike" cap="none" normalizeH="0" baseline="0" dirty="0">
                 <a:ln>
                   <a:noFill/>
                 </a:ln>
@@ -12202,7 +11885,7 @@
               <a:t>=</a:t>
             </a:r>
             <a:r>
-              <a:rPr kumimoji="0" lang="ko-KR" altLang="ko-KR" sz="1500" b="0" i="0" u="none" strike="noStrike" cap="none" normalizeH="0" baseline="0" dirty="0" smtClean="0">
+              <a:rPr kumimoji="0" lang="ko-KR" altLang="ko-KR" sz="1500" b="0" i="0" u="none" strike="noStrike" cap="none" normalizeH="0" baseline="0" dirty="0">
                 <a:ln>
                   <a:noFill/>
                 </a:ln>
@@ -12216,7 +11899,7 @@
               <a:t>'</a:t>
             </a:r>
             <a:r>
-              <a:rPr kumimoji="0" lang="ko-KR" altLang="ko-KR" sz="1500" b="0" i="0" u="none" strike="noStrike" cap="none" normalizeH="0" baseline="0" dirty="0" err="1" smtClean="0">
+              <a:rPr kumimoji="0" lang="ko-KR" altLang="ko-KR" sz="1500" b="0" i="0" u="none" strike="noStrike" cap="none" normalizeH="0" baseline="0" dirty="0" err="1">
                 <a:ln>
                   <a:noFill/>
                 </a:ln>
@@ -12230,7 +11913,7 @@
               <a:t>gold</a:t>
             </a:r>
             <a:r>
-              <a:rPr kumimoji="0" lang="ko-KR" altLang="ko-KR" sz="1500" b="0" i="0" u="none" strike="noStrike" cap="none" normalizeH="0" baseline="0" dirty="0" smtClean="0">
+              <a:rPr kumimoji="0" lang="ko-KR" altLang="ko-KR" sz="1500" b="0" i="0" u="none" strike="noStrike" cap="none" normalizeH="0" baseline="0" dirty="0">
                 <a:ln>
                   <a:noFill/>
                 </a:ln>
@@ -12244,7 +11927,7 @@
               <a:t>'</a:t>
             </a:r>
             <a:r>
-              <a:rPr kumimoji="0" lang="ko-KR" altLang="ko-KR" sz="1500" b="0" i="0" u="none" strike="noStrike" cap="none" normalizeH="0" baseline="0" dirty="0" smtClean="0">
+              <a:rPr kumimoji="0" lang="ko-KR" altLang="ko-KR" sz="1500" b="0" i="0" u="none" strike="noStrike" cap="none" normalizeH="0" baseline="0" dirty="0">
                 <a:ln>
                   <a:noFill/>
                 </a:ln>
@@ -12258,7 +11941,7 @@
               <a:t>, </a:t>
             </a:r>
             <a:r>
-              <a:rPr kumimoji="0" lang="ko-KR" altLang="ko-KR" sz="1500" b="0" i="0" u="none" strike="noStrike" cap="none" normalizeH="0" baseline="0" dirty="0" err="1" smtClean="0">
+              <a:rPr kumimoji="0" lang="ko-KR" altLang="ko-KR" sz="1500" b="0" i="0" u="none" strike="noStrike" cap="none" normalizeH="0" baseline="0" dirty="0" err="1">
                 <a:ln>
                   <a:noFill/>
                 </a:ln>
@@ -12272,7 +11955,7 @@
               <a:t>label</a:t>
             </a:r>
             <a:r>
-              <a:rPr kumimoji="0" lang="ko-KR" altLang="ko-KR" sz="1500" b="0" i="0" u="none" strike="noStrike" cap="none" normalizeH="0" baseline="0" dirty="0" smtClean="0">
+              <a:rPr kumimoji="0" lang="ko-KR" altLang="ko-KR" sz="1500" b="0" i="0" u="none" strike="noStrike" cap="none" normalizeH="0" baseline="0" dirty="0">
                 <a:ln>
                   <a:noFill/>
                 </a:ln>
@@ -12286,7 +11969,7 @@
               <a:t>=</a:t>
             </a:r>
             <a:r>
-              <a:rPr kumimoji="0" lang="ko-KR" altLang="ko-KR" sz="1500" b="0" i="0" u="none" strike="noStrike" cap="none" normalizeH="0" baseline="0" dirty="0" smtClean="0">
+              <a:rPr kumimoji="0" lang="ko-KR" altLang="ko-KR" sz="1500" b="0" i="0" u="none" strike="noStrike" cap="none" normalizeH="0" baseline="0" dirty="0">
                 <a:ln>
                   <a:noFill/>
                 </a:ln>
@@ -12300,7 +11983,7 @@
               <a:t>'Gold'</a:t>
             </a:r>
             <a:r>
-              <a:rPr kumimoji="0" lang="ko-KR" altLang="ko-KR" sz="1500" b="0" i="0" u="none" strike="noStrike" cap="none" normalizeH="0" baseline="0" dirty="0" smtClean="0">
+              <a:rPr kumimoji="0" lang="ko-KR" altLang="ko-KR" sz="1500" b="0" i="0" u="none" strike="noStrike" cap="none" normalizeH="0" baseline="0" dirty="0">
                 <a:ln>
                   <a:noFill/>
                 </a:ln>
@@ -12314,7 +11997,7 @@
               <a:t>)</a:t>
             </a:r>
             <a:br>
-              <a:rPr kumimoji="0" lang="ko-KR" altLang="ko-KR" sz="1500" b="0" i="0" u="none" strike="noStrike" cap="none" normalizeH="0" baseline="0" dirty="0" smtClean="0">
+              <a:rPr kumimoji="0" lang="ko-KR" altLang="ko-KR" sz="1500" b="0" i="0" u="none" strike="noStrike" cap="none" normalizeH="0" baseline="0" dirty="0">
                 <a:ln>
                   <a:noFill/>
                 </a:ln>
@@ -12327,7 +12010,7 @@
               </a:rPr>
             </a:br>
             <a:r>
-              <a:rPr kumimoji="0" lang="ko-KR" altLang="ko-KR" sz="1500" b="0" i="0" u="none" strike="noStrike" cap="none" normalizeH="0" baseline="0" dirty="0" smtClean="0">
+              <a:rPr kumimoji="0" lang="ko-KR" altLang="ko-KR" sz="1500" b="0" i="0" u="none" strike="noStrike" cap="none" normalizeH="0" baseline="0" dirty="0">
                 <a:ln>
                   <a:noFill/>
                 </a:ln>
@@ -12341,7 +12024,7 @@
               <a:t>p2 = </a:t>
             </a:r>
             <a:r>
-              <a:rPr kumimoji="0" lang="ko-KR" altLang="ko-KR" sz="1500" b="0" i="0" u="none" strike="noStrike" cap="none" normalizeH="0" baseline="0" dirty="0" err="1" smtClean="0">
+              <a:rPr kumimoji="0" lang="ko-KR" altLang="ko-KR" sz="1500" b="0" i="0" u="none" strike="noStrike" cap="none" normalizeH="0" baseline="0" dirty="0" err="1">
                 <a:ln>
                   <a:noFill/>
                 </a:ln>
@@ -12355,7 +12038,7 @@
               <a:t>ax.bar</a:t>
             </a:r>
             <a:r>
-              <a:rPr kumimoji="0" lang="ko-KR" altLang="ko-KR" sz="1500" b="0" i="0" u="none" strike="noStrike" cap="none" normalizeH="0" baseline="0" dirty="0" smtClean="0">
+              <a:rPr kumimoji="0" lang="ko-KR" altLang="ko-KR" sz="1500" b="0" i="0" u="none" strike="noStrike" cap="none" normalizeH="0" baseline="0" dirty="0">
                 <a:ln>
                   <a:noFill/>
                 </a:ln>
@@ -12369,7 +12052,7 @@
               <a:t>(</a:t>
             </a:r>
             <a:r>
-              <a:rPr kumimoji="0" lang="ko-KR" altLang="ko-KR" sz="1500" b="0" i="0" u="none" strike="noStrike" cap="none" normalizeH="0" baseline="0" dirty="0" err="1" smtClean="0">
+              <a:rPr kumimoji="0" lang="ko-KR" altLang="ko-KR" sz="1500" b="0" i="0" u="none" strike="noStrike" cap="none" normalizeH="0" baseline="0" dirty="0" err="1">
                 <a:ln>
                   <a:noFill/>
                 </a:ln>
@@ -12383,7 +12066,7 @@
               <a:t>countries</a:t>
             </a:r>
             <a:r>
-              <a:rPr kumimoji="0" lang="ko-KR" altLang="ko-KR" sz="1500" b="0" i="0" u="none" strike="noStrike" cap="none" normalizeH="0" baseline="0" dirty="0" smtClean="0">
+              <a:rPr kumimoji="0" lang="ko-KR" altLang="ko-KR" sz="1500" b="0" i="0" u="none" strike="noStrike" cap="none" normalizeH="0" baseline="0" dirty="0">
                 <a:ln>
                   <a:noFill/>
                 </a:ln>
@@ -12397,7 +12080,7 @@
               <a:t>, </a:t>
             </a:r>
             <a:r>
-              <a:rPr kumimoji="0" lang="ko-KR" altLang="ko-KR" sz="1500" b="0" i="0" u="none" strike="noStrike" cap="none" normalizeH="0" baseline="0" dirty="0" err="1" smtClean="0">
+              <a:rPr kumimoji="0" lang="ko-KR" altLang="ko-KR" sz="1500" b="0" i="0" u="none" strike="noStrike" cap="none" normalizeH="0" baseline="0" dirty="0" err="1">
                 <a:ln>
                   <a:noFill/>
                 </a:ln>
@@ -12411,7 +12094,7 @@
               <a:t>silver</a:t>
             </a:r>
             <a:r>
-              <a:rPr kumimoji="0" lang="ko-KR" altLang="ko-KR" sz="1500" b="0" i="0" u="none" strike="noStrike" cap="none" normalizeH="0" baseline="0" dirty="0" smtClean="0">
+              <a:rPr kumimoji="0" lang="ko-KR" altLang="ko-KR" sz="1500" b="0" i="0" u="none" strike="noStrike" cap="none" normalizeH="0" baseline="0" dirty="0">
                 <a:ln>
                   <a:noFill/>
                 </a:ln>
@@ -12425,7 +12108,7 @@
               <a:t>, </a:t>
             </a:r>
             <a:r>
-              <a:rPr kumimoji="0" lang="ko-KR" altLang="ko-KR" sz="1500" b="0" i="0" u="none" strike="noStrike" cap="none" normalizeH="0" baseline="0" dirty="0" err="1" smtClean="0">
+              <a:rPr kumimoji="0" lang="ko-KR" altLang="ko-KR" sz="1500" b="0" i="0" u="none" strike="noStrike" cap="none" normalizeH="0" baseline="0" dirty="0" err="1">
                 <a:ln>
                   <a:noFill/>
                 </a:ln>
@@ -12439,7 +12122,7 @@
               <a:t>bottom</a:t>
             </a:r>
             <a:r>
-              <a:rPr kumimoji="0" lang="ko-KR" altLang="ko-KR" sz="1500" b="0" i="0" u="none" strike="noStrike" cap="none" normalizeH="0" baseline="0" dirty="0" smtClean="0">
+              <a:rPr kumimoji="0" lang="ko-KR" altLang="ko-KR" sz="1500" b="0" i="0" u="none" strike="noStrike" cap="none" normalizeH="0" baseline="0" dirty="0">
                 <a:ln>
                   <a:noFill/>
                 </a:ln>
@@ -12453,7 +12136,7 @@
               <a:t>=</a:t>
             </a:r>
             <a:r>
-              <a:rPr kumimoji="0" lang="ko-KR" altLang="ko-KR" sz="1500" b="0" i="0" u="none" strike="noStrike" cap="none" normalizeH="0" baseline="0" dirty="0" err="1" smtClean="0">
+              <a:rPr kumimoji="0" lang="ko-KR" altLang="ko-KR" sz="1500" b="0" i="0" u="none" strike="noStrike" cap="none" normalizeH="0" baseline="0" dirty="0" err="1">
                 <a:ln>
                   <a:noFill/>
                 </a:ln>
@@ -12467,7 +12150,7 @@
               <a:t>bottom_silver</a:t>
             </a:r>
             <a:r>
-              <a:rPr kumimoji="0" lang="ko-KR" altLang="ko-KR" sz="1500" b="0" i="0" u="none" strike="noStrike" cap="none" normalizeH="0" baseline="0" dirty="0" smtClean="0">
+              <a:rPr kumimoji="0" lang="ko-KR" altLang="ko-KR" sz="1500" b="0" i="0" u="none" strike="noStrike" cap="none" normalizeH="0" baseline="0" dirty="0">
                 <a:ln>
                   <a:noFill/>
                 </a:ln>
@@ -12481,7 +12164,7 @@
               <a:t>, </a:t>
             </a:r>
             <a:r>
-              <a:rPr kumimoji="0" lang="ko-KR" altLang="ko-KR" sz="1500" b="0" i="0" u="none" strike="noStrike" cap="none" normalizeH="0" baseline="0" dirty="0" err="1" smtClean="0">
+              <a:rPr kumimoji="0" lang="ko-KR" altLang="ko-KR" sz="1500" b="0" i="0" u="none" strike="noStrike" cap="none" normalizeH="0" baseline="0" dirty="0" err="1">
                 <a:ln>
                   <a:noFill/>
                 </a:ln>
@@ -12495,7 +12178,7 @@
               <a:t>label</a:t>
             </a:r>
             <a:r>
-              <a:rPr kumimoji="0" lang="ko-KR" altLang="ko-KR" sz="1500" b="0" i="0" u="none" strike="noStrike" cap="none" normalizeH="0" baseline="0" dirty="0" smtClean="0">
+              <a:rPr kumimoji="0" lang="ko-KR" altLang="ko-KR" sz="1500" b="0" i="0" u="none" strike="noStrike" cap="none" normalizeH="0" baseline="0" dirty="0">
                 <a:ln>
                   <a:noFill/>
                 </a:ln>
@@ -12509,7 +12192,7 @@
               <a:t>=</a:t>
             </a:r>
             <a:r>
-              <a:rPr kumimoji="0" lang="ko-KR" altLang="ko-KR" sz="1500" b="0" i="0" u="none" strike="noStrike" cap="none" normalizeH="0" baseline="0" dirty="0" smtClean="0">
+              <a:rPr kumimoji="0" lang="ko-KR" altLang="ko-KR" sz="1500" b="0" i="0" u="none" strike="noStrike" cap="none" normalizeH="0" baseline="0" dirty="0">
                 <a:ln>
                   <a:noFill/>
                 </a:ln>
@@ -12523,7 +12206,7 @@
               <a:t>'</a:t>
             </a:r>
             <a:r>
-              <a:rPr kumimoji="0" lang="ko-KR" altLang="ko-KR" sz="1500" b="0" i="0" u="none" strike="noStrike" cap="none" normalizeH="0" baseline="0" dirty="0" err="1" smtClean="0">
+              <a:rPr kumimoji="0" lang="ko-KR" altLang="ko-KR" sz="1500" b="0" i="0" u="none" strike="noStrike" cap="none" normalizeH="0" baseline="0" dirty="0" err="1">
                 <a:ln>
                   <a:noFill/>
                 </a:ln>
@@ -12537,7 +12220,7 @@
               <a:t>Silver</a:t>
             </a:r>
             <a:r>
-              <a:rPr kumimoji="0" lang="ko-KR" altLang="ko-KR" sz="1500" b="0" i="0" u="none" strike="noStrike" cap="none" normalizeH="0" baseline="0" dirty="0" smtClean="0">
+              <a:rPr kumimoji="0" lang="ko-KR" altLang="ko-KR" sz="1500" b="0" i="0" u="none" strike="noStrike" cap="none" normalizeH="0" baseline="0" dirty="0">
                 <a:ln>
                   <a:noFill/>
                 </a:ln>
@@ -12551,7 +12234,7 @@
               <a:t>'</a:t>
             </a:r>
             <a:r>
-              <a:rPr kumimoji="0" lang="ko-KR" altLang="ko-KR" sz="1500" b="0" i="0" u="none" strike="noStrike" cap="none" normalizeH="0" baseline="0" dirty="0" smtClean="0">
+              <a:rPr kumimoji="0" lang="ko-KR" altLang="ko-KR" sz="1500" b="0" i="0" u="none" strike="noStrike" cap="none" normalizeH="0" baseline="0" dirty="0">
                 <a:ln>
                   <a:noFill/>
                 </a:ln>
@@ -12565,7 +12248,7 @@
               <a:t>)</a:t>
             </a:r>
             <a:br>
-              <a:rPr kumimoji="0" lang="ko-KR" altLang="ko-KR" sz="1500" b="0" i="0" u="none" strike="noStrike" cap="none" normalizeH="0" baseline="0" dirty="0" smtClean="0">
+              <a:rPr kumimoji="0" lang="ko-KR" altLang="ko-KR" sz="1500" b="0" i="0" u="none" strike="noStrike" cap="none" normalizeH="0" baseline="0" dirty="0">
                 <a:ln>
                   <a:noFill/>
                 </a:ln>
@@ -12578,7 +12261,7 @@
               </a:rPr>
             </a:br>
             <a:r>
-              <a:rPr kumimoji="0" lang="ko-KR" altLang="ko-KR" sz="1500" b="0" i="0" u="none" strike="noStrike" cap="none" normalizeH="0" baseline="0" dirty="0" smtClean="0">
+              <a:rPr kumimoji="0" lang="ko-KR" altLang="ko-KR" sz="1500" b="0" i="0" u="none" strike="noStrike" cap="none" normalizeH="0" baseline="0" dirty="0">
                 <a:ln>
                   <a:noFill/>
                 </a:ln>
@@ -12592,7 +12275,7 @@
               <a:t>p3 = </a:t>
             </a:r>
             <a:r>
-              <a:rPr kumimoji="0" lang="ko-KR" altLang="ko-KR" sz="1500" b="0" i="0" u="none" strike="noStrike" cap="none" normalizeH="0" baseline="0" dirty="0" err="1" smtClean="0">
+              <a:rPr kumimoji="0" lang="ko-KR" altLang="ko-KR" sz="1500" b="0" i="0" u="none" strike="noStrike" cap="none" normalizeH="0" baseline="0" dirty="0" err="1">
                 <a:ln>
                   <a:noFill/>
                 </a:ln>
@@ -12606,7 +12289,7 @@
               <a:t>ax.bar</a:t>
             </a:r>
             <a:r>
-              <a:rPr kumimoji="0" lang="ko-KR" altLang="ko-KR" sz="1500" b="0" i="0" u="none" strike="noStrike" cap="none" normalizeH="0" baseline="0" dirty="0" smtClean="0">
+              <a:rPr kumimoji="0" lang="ko-KR" altLang="ko-KR" sz="1500" b="0" i="0" u="none" strike="noStrike" cap="none" normalizeH="0" baseline="0" dirty="0">
                 <a:ln>
                   <a:noFill/>
                 </a:ln>
@@ -12620,7 +12303,7 @@
               <a:t>(</a:t>
             </a:r>
             <a:r>
-              <a:rPr kumimoji="0" lang="ko-KR" altLang="ko-KR" sz="1500" b="0" i="0" u="none" strike="noStrike" cap="none" normalizeH="0" baseline="0" dirty="0" err="1" smtClean="0">
+              <a:rPr kumimoji="0" lang="ko-KR" altLang="ko-KR" sz="1500" b="0" i="0" u="none" strike="noStrike" cap="none" normalizeH="0" baseline="0" dirty="0" err="1">
                 <a:ln>
                   <a:noFill/>
                 </a:ln>
@@ -12634,7 +12317,7 @@
               <a:t>countries</a:t>
             </a:r>
             <a:r>
-              <a:rPr kumimoji="0" lang="ko-KR" altLang="ko-KR" sz="1500" b="0" i="0" u="none" strike="noStrike" cap="none" normalizeH="0" baseline="0" dirty="0" smtClean="0">
+              <a:rPr kumimoji="0" lang="ko-KR" altLang="ko-KR" sz="1500" b="0" i="0" u="none" strike="noStrike" cap="none" normalizeH="0" baseline="0" dirty="0">
                 <a:ln>
                   <a:noFill/>
                 </a:ln>
@@ -12648,7 +12331,7 @@
               <a:t>, </a:t>
             </a:r>
             <a:r>
-              <a:rPr kumimoji="0" lang="ko-KR" altLang="ko-KR" sz="1500" b="0" i="0" u="none" strike="noStrike" cap="none" normalizeH="0" baseline="0" dirty="0" err="1" smtClean="0">
+              <a:rPr kumimoji="0" lang="ko-KR" altLang="ko-KR" sz="1500" b="0" i="0" u="none" strike="noStrike" cap="none" normalizeH="0" baseline="0" dirty="0" err="1">
                 <a:ln>
                   <a:noFill/>
                 </a:ln>
@@ -12662,7 +12345,7 @@
               <a:t>bronze</a:t>
             </a:r>
             <a:r>
-              <a:rPr kumimoji="0" lang="ko-KR" altLang="ko-KR" sz="1500" b="0" i="0" u="none" strike="noStrike" cap="none" normalizeH="0" baseline="0" dirty="0" smtClean="0">
+              <a:rPr kumimoji="0" lang="ko-KR" altLang="ko-KR" sz="1500" b="0" i="0" u="none" strike="noStrike" cap="none" normalizeH="0" baseline="0" dirty="0">
                 <a:ln>
                   <a:noFill/>
                 </a:ln>
@@ -12676,7 +12359,7 @@
               <a:t>, </a:t>
             </a:r>
             <a:r>
-              <a:rPr kumimoji="0" lang="ko-KR" altLang="ko-KR" sz="1500" b="0" i="0" u="none" strike="noStrike" cap="none" normalizeH="0" baseline="0" dirty="0" err="1" smtClean="0">
+              <a:rPr kumimoji="0" lang="ko-KR" altLang="ko-KR" sz="1500" b="0" i="0" u="none" strike="noStrike" cap="none" normalizeH="0" baseline="0" dirty="0" err="1">
                 <a:ln>
                   <a:noFill/>
                 </a:ln>
@@ -12690,7 +12373,7 @@
               <a:t>bottom</a:t>
             </a:r>
             <a:r>
-              <a:rPr kumimoji="0" lang="ko-KR" altLang="ko-KR" sz="1500" b="0" i="0" u="none" strike="noStrike" cap="none" normalizeH="0" baseline="0" dirty="0" smtClean="0">
+              <a:rPr kumimoji="0" lang="ko-KR" altLang="ko-KR" sz="1500" b="0" i="0" u="none" strike="noStrike" cap="none" normalizeH="0" baseline="0" dirty="0">
                 <a:ln>
                   <a:noFill/>
                 </a:ln>
@@ -12704,7 +12387,7 @@
               <a:t>=</a:t>
             </a:r>
             <a:r>
-              <a:rPr kumimoji="0" lang="ko-KR" altLang="ko-KR" sz="1500" b="0" i="0" u="none" strike="noStrike" cap="none" normalizeH="0" baseline="0" dirty="0" err="1" smtClean="0">
+              <a:rPr kumimoji="0" lang="ko-KR" altLang="ko-KR" sz="1500" b="0" i="0" u="none" strike="noStrike" cap="none" normalizeH="0" baseline="0" dirty="0" err="1">
                 <a:ln>
                   <a:noFill/>
                 </a:ln>
@@ -12718,7 +12401,7 @@
               <a:t>bottom_bronze</a:t>
             </a:r>
             <a:r>
-              <a:rPr kumimoji="0" lang="ko-KR" altLang="ko-KR" sz="1500" b="0" i="0" u="none" strike="noStrike" cap="none" normalizeH="0" baseline="0" dirty="0" smtClean="0">
+              <a:rPr kumimoji="0" lang="ko-KR" altLang="ko-KR" sz="1500" b="0" i="0" u="none" strike="noStrike" cap="none" normalizeH="0" baseline="0" dirty="0">
                 <a:ln>
                   <a:noFill/>
                 </a:ln>
@@ -12732,7 +12415,7 @@
               <a:t>, </a:t>
             </a:r>
             <a:r>
-              <a:rPr kumimoji="0" lang="ko-KR" altLang="ko-KR" sz="1500" b="0" i="0" u="none" strike="noStrike" cap="none" normalizeH="0" baseline="0" dirty="0" err="1" smtClean="0">
+              <a:rPr kumimoji="0" lang="ko-KR" altLang="ko-KR" sz="1500" b="0" i="0" u="none" strike="noStrike" cap="none" normalizeH="0" baseline="0" dirty="0" err="1">
                 <a:ln>
                   <a:noFill/>
                 </a:ln>
@@ -12746,7 +12429,7 @@
               <a:t>label</a:t>
             </a:r>
             <a:r>
-              <a:rPr kumimoji="0" lang="ko-KR" altLang="ko-KR" sz="1500" b="0" i="0" u="none" strike="noStrike" cap="none" normalizeH="0" baseline="0" dirty="0" smtClean="0">
+              <a:rPr kumimoji="0" lang="ko-KR" altLang="ko-KR" sz="1500" b="0" i="0" u="none" strike="noStrike" cap="none" normalizeH="0" baseline="0" dirty="0">
                 <a:ln>
                   <a:noFill/>
                 </a:ln>
@@ -12760,7 +12443,7 @@
               <a:t>=</a:t>
             </a:r>
             <a:r>
-              <a:rPr kumimoji="0" lang="ko-KR" altLang="ko-KR" sz="1500" b="0" i="0" u="none" strike="noStrike" cap="none" normalizeH="0" baseline="0" dirty="0" smtClean="0">
+              <a:rPr kumimoji="0" lang="ko-KR" altLang="ko-KR" sz="1500" b="0" i="0" u="none" strike="noStrike" cap="none" normalizeH="0" baseline="0" dirty="0">
                 <a:ln>
                   <a:noFill/>
                 </a:ln>
@@ -12774,7 +12457,7 @@
               <a:t>'</a:t>
             </a:r>
             <a:r>
-              <a:rPr kumimoji="0" lang="ko-KR" altLang="ko-KR" sz="1500" b="0" i="0" u="none" strike="noStrike" cap="none" normalizeH="0" baseline="0" dirty="0" err="1" smtClean="0">
+              <a:rPr kumimoji="0" lang="ko-KR" altLang="ko-KR" sz="1500" b="0" i="0" u="none" strike="noStrike" cap="none" normalizeH="0" baseline="0" dirty="0" err="1">
                 <a:ln>
                   <a:noFill/>
                 </a:ln>
@@ -12788,7 +12471,7 @@
               <a:t>Bronze</a:t>
             </a:r>
             <a:r>
-              <a:rPr kumimoji="0" lang="ko-KR" altLang="ko-KR" sz="1500" b="0" i="0" u="none" strike="noStrike" cap="none" normalizeH="0" baseline="0" dirty="0" smtClean="0">
+              <a:rPr kumimoji="0" lang="ko-KR" altLang="ko-KR" sz="1500" b="0" i="0" u="none" strike="noStrike" cap="none" normalizeH="0" baseline="0" dirty="0">
                 <a:ln>
                   <a:noFill/>
                 </a:ln>
@@ -12802,7 +12485,7 @@
               <a:t>'</a:t>
             </a:r>
             <a:r>
-              <a:rPr kumimoji="0" lang="ko-KR" altLang="ko-KR" sz="1500" b="0" i="0" u="none" strike="noStrike" cap="none" normalizeH="0" baseline="0" dirty="0" smtClean="0">
+              <a:rPr kumimoji="0" lang="ko-KR" altLang="ko-KR" sz="1500" b="0" i="0" u="none" strike="noStrike" cap="none" normalizeH="0" baseline="0" dirty="0">
                 <a:ln>
                   <a:noFill/>
                 </a:ln>
@@ -12816,7 +12499,7 @@
               <a:t>)</a:t>
             </a:r>
             <a:br>
-              <a:rPr kumimoji="0" lang="ko-KR" altLang="ko-KR" sz="1500" b="0" i="0" u="none" strike="noStrike" cap="none" normalizeH="0" baseline="0" dirty="0" smtClean="0">
+              <a:rPr kumimoji="0" lang="ko-KR" altLang="ko-KR" sz="1500" b="0" i="0" u="none" strike="noStrike" cap="none" normalizeH="0" baseline="0" dirty="0">
                 <a:ln>
                   <a:noFill/>
                 </a:ln>
@@ -12828,22 +12511,8 @@
                 <a:ea typeface="JetBrains Mono"/>
               </a:rPr>
             </a:br>
-            <a:r>
-              <a:rPr kumimoji="0" lang="ko-KR" altLang="ko-KR" sz="1500" b="0" i="0" u="none" strike="noStrike" cap="none" normalizeH="0" baseline="0" dirty="0" smtClean="0">
-                <a:ln>
-                  <a:noFill/>
-                </a:ln>
-                <a:solidFill>
-                  <a:srgbClr val="A9B7C6"/>
-                </a:solidFill>
-                <a:effectLst/>
-                <a:latin typeface="Arial Unicode MS"/>
-                <a:ea typeface="JetBrains Mono"/>
-              </a:rPr>
-              <a:t/>
-            </a:r>
             <a:br>
-              <a:rPr kumimoji="0" lang="ko-KR" altLang="ko-KR" sz="1500" b="0" i="0" u="none" strike="noStrike" cap="none" normalizeH="0" baseline="0" dirty="0" smtClean="0">
+              <a:rPr kumimoji="0" lang="ko-KR" altLang="ko-KR" sz="1500" b="0" i="0" u="none" strike="noStrike" cap="none" normalizeH="0" baseline="0" dirty="0">
                 <a:ln>
                   <a:noFill/>
                 </a:ln>
@@ -12856,7 +12525,7 @@
               </a:rPr>
             </a:br>
             <a:r>
-              <a:rPr kumimoji="0" lang="ko-KR" altLang="ko-KR" sz="1500" b="0" i="0" u="none" strike="noStrike" cap="none" normalizeH="0" baseline="0" dirty="0" err="1" smtClean="0">
+              <a:rPr kumimoji="0" lang="ko-KR" altLang="ko-KR" sz="1500" b="0" i="0" u="none" strike="noStrike" cap="none" normalizeH="0" baseline="0" dirty="0" err="1">
                 <a:ln>
                   <a:noFill/>
                 </a:ln>
@@ -12870,7 +12539,7 @@
               <a:t>plt.xlabel</a:t>
             </a:r>
             <a:r>
-              <a:rPr kumimoji="0" lang="ko-KR" altLang="ko-KR" sz="1500" b="0" i="0" u="none" strike="noStrike" cap="none" normalizeH="0" baseline="0" dirty="0" smtClean="0">
+              <a:rPr kumimoji="0" lang="ko-KR" altLang="ko-KR" sz="1500" b="0" i="0" u="none" strike="noStrike" cap="none" normalizeH="0" baseline="0" dirty="0">
                 <a:ln>
                   <a:noFill/>
                 </a:ln>
@@ -12884,7 +12553,7 @@
               <a:t>(</a:t>
             </a:r>
             <a:r>
-              <a:rPr kumimoji="0" lang="ko-KR" altLang="ko-KR" sz="1500" b="0" i="0" u="none" strike="noStrike" cap="none" normalizeH="0" baseline="0" dirty="0" smtClean="0">
+              <a:rPr kumimoji="0" lang="ko-KR" altLang="ko-KR" sz="1500" b="0" i="0" u="none" strike="noStrike" cap="none" normalizeH="0" baseline="0" dirty="0">
                 <a:ln>
                   <a:noFill/>
                 </a:ln>
@@ -12898,7 +12567,7 @@
               <a:t>'</a:t>
             </a:r>
             <a:r>
-              <a:rPr kumimoji="0" lang="ko-KR" altLang="ko-KR" sz="1500" b="0" i="0" u="none" strike="noStrike" cap="none" normalizeH="0" baseline="0" dirty="0" smtClean="0">
+              <a:rPr kumimoji="0" lang="ko-KR" altLang="ko-KR" sz="1500" b="0" i="0" u="none" strike="noStrike" cap="none" normalizeH="0" baseline="0" dirty="0">
                 <a:ln>
                   <a:noFill/>
                 </a:ln>
@@ -12912,7 +12581,7 @@
               <a:t>나라</a:t>
             </a:r>
             <a:r>
-              <a:rPr kumimoji="0" lang="ko-KR" altLang="ko-KR" sz="1500" b="0" i="0" u="none" strike="noStrike" cap="none" normalizeH="0" baseline="0" dirty="0" smtClean="0">
+              <a:rPr kumimoji="0" lang="ko-KR" altLang="ko-KR" sz="1500" b="0" i="0" u="none" strike="noStrike" cap="none" normalizeH="0" baseline="0" dirty="0">
                 <a:ln>
                   <a:noFill/>
                 </a:ln>
@@ -12926,7 +12595,7 @@
               <a:t>'</a:t>
             </a:r>
             <a:r>
-              <a:rPr kumimoji="0" lang="ko-KR" altLang="ko-KR" sz="1500" b="0" i="0" u="none" strike="noStrike" cap="none" normalizeH="0" baseline="0" dirty="0" smtClean="0">
+              <a:rPr kumimoji="0" lang="ko-KR" altLang="ko-KR" sz="1500" b="0" i="0" u="none" strike="noStrike" cap="none" normalizeH="0" baseline="0" dirty="0">
                 <a:ln>
                   <a:noFill/>
                 </a:ln>
@@ -12940,7 +12609,7 @@
               <a:t>)</a:t>
             </a:r>
             <a:br>
-              <a:rPr kumimoji="0" lang="ko-KR" altLang="ko-KR" sz="1500" b="0" i="0" u="none" strike="noStrike" cap="none" normalizeH="0" baseline="0" dirty="0" smtClean="0">
+              <a:rPr kumimoji="0" lang="ko-KR" altLang="ko-KR" sz="1500" b="0" i="0" u="none" strike="noStrike" cap="none" normalizeH="0" baseline="0" dirty="0">
                 <a:ln>
                   <a:noFill/>
                 </a:ln>
@@ -12953,7 +12622,7 @@
               </a:rPr>
             </a:br>
             <a:r>
-              <a:rPr kumimoji="0" lang="ko-KR" altLang="ko-KR" sz="1500" b="0" i="0" u="none" strike="noStrike" cap="none" normalizeH="0" baseline="0" dirty="0" err="1" smtClean="0">
+              <a:rPr kumimoji="0" lang="ko-KR" altLang="ko-KR" sz="1500" b="0" i="0" u="none" strike="noStrike" cap="none" normalizeH="0" baseline="0" dirty="0" err="1">
                 <a:ln>
                   <a:noFill/>
                 </a:ln>
@@ -12967,7 +12636,7 @@
               <a:t>plt.ylabel</a:t>
             </a:r>
             <a:r>
-              <a:rPr kumimoji="0" lang="ko-KR" altLang="ko-KR" sz="1500" b="0" i="0" u="none" strike="noStrike" cap="none" normalizeH="0" baseline="0" dirty="0" smtClean="0">
+              <a:rPr kumimoji="0" lang="ko-KR" altLang="ko-KR" sz="1500" b="0" i="0" u="none" strike="noStrike" cap="none" normalizeH="0" baseline="0" dirty="0">
                 <a:ln>
                   <a:noFill/>
                 </a:ln>
@@ -12981,7 +12650,7 @@
               <a:t>(</a:t>
             </a:r>
             <a:r>
-              <a:rPr kumimoji="0" lang="ko-KR" altLang="ko-KR" sz="1500" b="0" i="0" u="none" strike="noStrike" cap="none" normalizeH="0" baseline="0" dirty="0" smtClean="0">
+              <a:rPr kumimoji="0" lang="ko-KR" altLang="ko-KR" sz="1500" b="0" i="0" u="none" strike="noStrike" cap="none" normalizeH="0" baseline="0" dirty="0">
                 <a:ln>
                   <a:noFill/>
                 </a:ln>
@@ -12995,7 +12664,7 @@
               <a:t>'</a:t>
             </a:r>
             <a:r>
-              <a:rPr kumimoji="0" lang="ko-KR" altLang="ko-KR" sz="1500" b="0" i="0" u="none" strike="noStrike" cap="none" normalizeH="0" baseline="0" dirty="0" err="1" smtClean="0">
+              <a:rPr kumimoji="0" lang="ko-KR" altLang="ko-KR" sz="1500" b="0" i="0" u="none" strike="noStrike" cap="none" normalizeH="0" baseline="0" dirty="0" err="1">
                 <a:ln>
                   <a:noFill/>
                 </a:ln>
@@ -13009,7 +12678,7 @@
               <a:t>메달수</a:t>
             </a:r>
             <a:r>
-              <a:rPr kumimoji="0" lang="ko-KR" altLang="ko-KR" sz="1500" b="0" i="0" u="none" strike="noStrike" cap="none" normalizeH="0" baseline="0" dirty="0" smtClean="0">
+              <a:rPr kumimoji="0" lang="ko-KR" altLang="ko-KR" sz="1500" b="0" i="0" u="none" strike="noStrike" cap="none" normalizeH="0" baseline="0" dirty="0">
                 <a:ln>
                   <a:noFill/>
                 </a:ln>
@@ -13023,7 +12692,7 @@
               <a:t>'</a:t>
             </a:r>
             <a:r>
-              <a:rPr kumimoji="0" lang="ko-KR" altLang="ko-KR" sz="1500" b="0" i="0" u="none" strike="noStrike" cap="none" normalizeH="0" baseline="0" dirty="0" smtClean="0">
+              <a:rPr kumimoji="0" lang="ko-KR" altLang="ko-KR" sz="1500" b="0" i="0" u="none" strike="noStrike" cap="none" normalizeH="0" baseline="0" dirty="0">
                 <a:ln>
                   <a:noFill/>
                 </a:ln>
@@ -13037,7 +12706,7 @@
               <a:t>)</a:t>
             </a:r>
             <a:br>
-              <a:rPr kumimoji="0" lang="ko-KR" altLang="ko-KR" sz="1500" b="0" i="0" u="none" strike="noStrike" cap="none" normalizeH="0" baseline="0" dirty="0" smtClean="0">
+              <a:rPr kumimoji="0" lang="ko-KR" altLang="ko-KR" sz="1500" b="0" i="0" u="none" strike="noStrike" cap="none" normalizeH="0" baseline="0" dirty="0">
                 <a:ln>
                   <a:noFill/>
                 </a:ln>
@@ -13050,7 +12719,7 @@
               </a:rPr>
             </a:br>
             <a:r>
-              <a:rPr kumimoji="0" lang="ko-KR" altLang="ko-KR" sz="1500" b="0" i="0" u="none" strike="noStrike" cap="none" normalizeH="0" baseline="0" dirty="0" err="1" smtClean="0">
+              <a:rPr kumimoji="0" lang="ko-KR" altLang="ko-KR" sz="1500" b="0" i="0" u="none" strike="noStrike" cap="none" normalizeH="0" baseline="0" dirty="0" err="1">
                 <a:ln>
                   <a:noFill/>
                 </a:ln>
@@ -13064,7 +12733,7 @@
               <a:t>plt.title</a:t>
             </a:r>
             <a:r>
-              <a:rPr kumimoji="0" lang="ko-KR" altLang="ko-KR" sz="1500" b="0" i="0" u="none" strike="noStrike" cap="none" normalizeH="0" baseline="0" dirty="0" smtClean="0">
+              <a:rPr kumimoji="0" lang="ko-KR" altLang="ko-KR" sz="1500" b="0" i="0" u="none" strike="noStrike" cap="none" normalizeH="0" baseline="0" dirty="0">
                 <a:ln>
                   <a:noFill/>
                 </a:ln>
@@ -13078,7 +12747,7 @@
               <a:t>(</a:t>
             </a:r>
             <a:r>
-              <a:rPr kumimoji="0" lang="ko-KR" altLang="ko-KR" sz="1500" b="0" i="0" u="none" strike="noStrike" cap="none" normalizeH="0" baseline="0" dirty="0" smtClean="0">
+              <a:rPr kumimoji="0" lang="ko-KR" altLang="ko-KR" sz="1500" b="0" i="0" u="none" strike="noStrike" cap="none" normalizeH="0" baseline="0" dirty="0">
                 <a:ln>
                   <a:noFill/>
                 </a:ln>
@@ -13092,7 +12761,7 @@
               <a:t>'2015</a:t>
             </a:r>
             <a:r>
-              <a:rPr kumimoji="0" lang="ko-KR" altLang="ko-KR" sz="1500" b="0" i="0" u="none" strike="noStrike" cap="none" normalizeH="0" baseline="0" dirty="0" smtClean="0">
+              <a:rPr kumimoji="0" lang="ko-KR" altLang="ko-KR" sz="1500" b="0" i="0" u="none" strike="noStrike" cap="none" normalizeH="0" baseline="0" dirty="0">
                 <a:ln>
                   <a:noFill/>
                 </a:ln>
@@ -13106,7 +12775,7 @@
               <a:t>년 리오 올림픽</a:t>
             </a:r>
             <a:r>
-              <a:rPr kumimoji="0" lang="ko-KR" altLang="ko-KR" sz="1500" b="0" i="0" u="none" strike="noStrike" cap="none" normalizeH="0" baseline="0" dirty="0" smtClean="0">
+              <a:rPr kumimoji="0" lang="ko-KR" altLang="ko-KR" sz="1500" b="0" i="0" u="none" strike="noStrike" cap="none" normalizeH="0" baseline="0" dirty="0">
                 <a:ln>
                   <a:noFill/>
                 </a:ln>
@@ -13120,7 +12789,7 @@
               <a:t>'</a:t>
             </a:r>
             <a:r>
-              <a:rPr kumimoji="0" lang="ko-KR" altLang="ko-KR" sz="1500" b="0" i="0" u="none" strike="noStrike" cap="none" normalizeH="0" baseline="0" dirty="0" smtClean="0">
+              <a:rPr kumimoji="0" lang="ko-KR" altLang="ko-KR" sz="1500" b="0" i="0" u="none" strike="noStrike" cap="none" normalizeH="0" baseline="0" dirty="0">
                 <a:ln>
                   <a:noFill/>
                 </a:ln>
@@ -13134,7 +12803,7 @@
               <a:t>)</a:t>
             </a:r>
             <a:br>
-              <a:rPr kumimoji="0" lang="ko-KR" altLang="ko-KR" sz="1500" b="0" i="0" u="none" strike="noStrike" cap="none" normalizeH="0" baseline="0" dirty="0" smtClean="0">
+              <a:rPr kumimoji="0" lang="ko-KR" altLang="ko-KR" sz="1500" b="0" i="0" u="none" strike="noStrike" cap="none" normalizeH="0" baseline="0" dirty="0">
                 <a:ln>
                   <a:noFill/>
                 </a:ln>
@@ -13147,7 +12816,7 @@
               </a:rPr>
             </a:br>
             <a:r>
-              <a:rPr kumimoji="0" lang="ko-KR" altLang="ko-KR" sz="1500" b="0" i="0" u="none" strike="noStrike" cap="none" normalizeH="0" baseline="0" dirty="0" err="1" smtClean="0">
+              <a:rPr kumimoji="0" lang="ko-KR" altLang="ko-KR" sz="1500" b="0" i="0" u="none" strike="noStrike" cap="none" normalizeH="0" baseline="0" dirty="0" err="1">
                 <a:ln>
                   <a:noFill/>
                 </a:ln>
@@ -13161,7 +12830,7 @@
               <a:t>plt.legend</a:t>
             </a:r>
             <a:r>
-              <a:rPr kumimoji="0" lang="ko-KR" altLang="ko-KR" sz="1500" b="0" i="0" u="none" strike="noStrike" cap="none" normalizeH="0" baseline="0" dirty="0" smtClean="0">
+              <a:rPr kumimoji="0" lang="ko-KR" altLang="ko-KR" sz="1500" b="0" i="0" u="none" strike="noStrike" cap="none" normalizeH="0" baseline="0" dirty="0">
                 <a:ln>
                   <a:noFill/>
                 </a:ln>
@@ -13175,7 +12844,7 @@
               <a:t>()</a:t>
             </a:r>
             <a:br>
-              <a:rPr kumimoji="0" lang="ko-KR" altLang="ko-KR" sz="1500" b="0" i="0" u="none" strike="noStrike" cap="none" normalizeH="0" baseline="0" dirty="0" smtClean="0">
+              <a:rPr kumimoji="0" lang="ko-KR" altLang="ko-KR" sz="1500" b="0" i="0" u="none" strike="noStrike" cap="none" normalizeH="0" baseline="0" dirty="0">
                 <a:ln>
                   <a:noFill/>
                 </a:ln>
@@ -13187,22 +12856,8 @@
                 <a:ea typeface="JetBrains Mono"/>
               </a:rPr>
             </a:br>
-            <a:r>
-              <a:rPr kumimoji="0" lang="ko-KR" altLang="ko-KR" sz="1500" b="0" i="0" u="none" strike="noStrike" cap="none" normalizeH="0" baseline="0" dirty="0" smtClean="0">
-                <a:ln>
-                  <a:noFill/>
-                </a:ln>
-                <a:solidFill>
-                  <a:srgbClr val="A9B7C6"/>
-                </a:solidFill>
-                <a:effectLst/>
-                <a:latin typeface="Arial Unicode MS"/>
-                <a:ea typeface="JetBrains Mono"/>
-              </a:rPr>
-              <a:t/>
-            </a:r>
             <a:br>
-              <a:rPr kumimoji="0" lang="ko-KR" altLang="ko-KR" sz="1500" b="0" i="0" u="none" strike="noStrike" cap="none" normalizeH="0" baseline="0" dirty="0" smtClean="0">
+              <a:rPr kumimoji="0" lang="ko-KR" altLang="ko-KR" sz="1500" b="0" i="0" u="none" strike="noStrike" cap="none" normalizeH="0" baseline="0" dirty="0">
                 <a:ln>
                   <a:noFill/>
                 </a:ln>
@@ -13215,7 +12870,7 @@
               </a:rPr>
             </a:br>
             <a:r>
-              <a:rPr kumimoji="0" lang="ko-KR" altLang="ko-KR" sz="1500" b="0" i="0" u="none" strike="noStrike" cap="none" normalizeH="0" baseline="0" dirty="0" err="1" smtClean="0">
+              <a:rPr kumimoji="0" lang="ko-KR" altLang="ko-KR" sz="1500" b="0" i="0" u="none" strike="noStrike" cap="none" normalizeH="0" baseline="0" dirty="0" err="1">
                 <a:ln>
                   <a:noFill/>
                 </a:ln>
@@ -13229,7 +12884,7 @@
               <a:t>ax.bar_label</a:t>
             </a:r>
             <a:r>
-              <a:rPr kumimoji="0" lang="ko-KR" altLang="ko-KR" sz="1500" b="0" i="0" u="none" strike="noStrike" cap="none" normalizeH="0" baseline="0" dirty="0" smtClean="0">
+              <a:rPr kumimoji="0" lang="ko-KR" altLang="ko-KR" sz="1500" b="0" i="0" u="none" strike="noStrike" cap="none" normalizeH="0" baseline="0" dirty="0">
                 <a:ln>
                   <a:noFill/>
                 </a:ln>
@@ -13243,7 +12898,7 @@
               <a:t>(p1</a:t>
             </a:r>
             <a:r>
-              <a:rPr kumimoji="0" lang="ko-KR" altLang="ko-KR" sz="1500" b="0" i="0" u="none" strike="noStrike" cap="none" normalizeH="0" baseline="0" dirty="0" smtClean="0">
+              <a:rPr kumimoji="0" lang="ko-KR" altLang="ko-KR" sz="1500" b="0" i="0" u="none" strike="noStrike" cap="none" normalizeH="0" baseline="0" dirty="0">
                 <a:ln>
                   <a:noFill/>
                 </a:ln>
@@ -13257,7 +12912,7 @@
               <a:t>, </a:t>
             </a:r>
             <a:r>
-              <a:rPr kumimoji="0" lang="ko-KR" altLang="ko-KR" sz="1500" b="0" i="0" u="none" strike="noStrike" cap="none" normalizeH="0" baseline="0" dirty="0" err="1" smtClean="0">
+              <a:rPr kumimoji="0" lang="ko-KR" altLang="ko-KR" sz="1500" b="0" i="0" u="none" strike="noStrike" cap="none" normalizeH="0" baseline="0" dirty="0" err="1">
                 <a:ln>
                   <a:noFill/>
                 </a:ln>
@@ -13271,7 +12926,7 @@
               <a:t>label_type</a:t>
             </a:r>
             <a:r>
-              <a:rPr kumimoji="0" lang="ko-KR" altLang="ko-KR" sz="1500" b="0" i="0" u="none" strike="noStrike" cap="none" normalizeH="0" baseline="0" dirty="0" smtClean="0">
+              <a:rPr kumimoji="0" lang="ko-KR" altLang="ko-KR" sz="1500" b="0" i="0" u="none" strike="noStrike" cap="none" normalizeH="0" baseline="0" dirty="0">
                 <a:ln>
                   <a:noFill/>
                 </a:ln>
@@ -13285,7 +12940,7 @@
               <a:t>=</a:t>
             </a:r>
             <a:r>
-              <a:rPr kumimoji="0" lang="ko-KR" altLang="ko-KR" sz="1500" b="0" i="0" u="none" strike="noStrike" cap="none" normalizeH="0" baseline="0" dirty="0" smtClean="0">
+              <a:rPr kumimoji="0" lang="ko-KR" altLang="ko-KR" sz="1500" b="0" i="0" u="none" strike="noStrike" cap="none" normalizeH="0" baseline="0" dirty="0">
                 <a:ln>
                   <a:noFill/>
                 </a:ln>
@@ -13299,7 +12954,7 @@
               <a:t>'</a:t>
             </a:r>
             <a:r>
-              <a:rPr kumimoji="0" lang="ko-KR" altLang="ko-KR" sz="1500" b="0" i="0" u="none" strike="noStrike" cap="none" normalizeH="0" baseline="0" dirty="0" err="1" smtClean="0">
+              <a:rPr kumimoji="0" lang="ko-KR" altLang="ko-KR" sz="1500" b="0" i="0" u="none" strike="noStrike" cap="none" normalizeH="0" baseline="0" dirty="0" err="1">
                 <a:ln>
                   <a:noFill/>
                 </a:ln>
@@ -13313,7 +12968,7 @@
               <a:t>center</a:t>
             </a:r>
             <a:r>
-              <a:rPr kumimoji="0" lang="ko-KR" altLang="ko-KR" sz="1500" b="0" i="0" u="none" strike="noStrike" cap="none" normalizeH="0" baseline="0" dirty="0" smtClean="0">
+              <a:rPr kumimoji="0" lang="ko-KR" altLang="ko-KR" sz="1500" b="0" i="0" u="none" strike="noStrike" cap="none" normalizeH="0" baseline="0" dirty="0">
                 <a:ln>
                   <a:noFill/>
                 </a:ln>
@@ -13327,7 +12982,7 @@
               <a:t>'</a:t>
             </a:r>
             <a:r>
-              <a:rPr kumimoji="0" lang="ko-KR" altLang="ko-KR" sz="1500" b="0" i="0" u="none" strike="noStrike" cap="none" normalizeH="0" baseline="0" dirty="0" smtClean="0">
+              <a:rPr kumimoji="0" lang="ko-KR" altLang="ko-KR" sz="1500" b="0" i="0" u="none" strike="noStrike" cap="none" normalizeH="0" baseline="0" dirty="0">
                 <a:ln>
                   <a:noFill/>
                 </a:ln>
@@ -13341,7 +12996,7 @@
               <a:t>)</a:t>
             </a:r>
             <a:br>
-              <a:rPr kumimoji="0" lang="ko-KR" altLang="ko-KR" sz="1500" b="0" i="0" u="none" strike="noStrike" cap="none" normalizeH="0" baseline="0" dirty="0" smtClean="0">
+              <a:rPr kumimoji="0" lang="ko-KR" altLang="ko-KR" sz="1500" b="0" i="0" u="none" strike="noStrike" cap="none" normalizeH="0" baseline="0" dirty="0">
                 <a:ln>
                   <a:noFill/>
                 </a:ln>
@@ -13354,7 +13009,7 @@
               </a:rPr>
             </a:br>
             <a:r>
-              <a:rPr kumimoji="0" lang="ko-KR" altLang="ko-KR" sz="1500" b="0" i="0" u="none" strike="noStrike" cap="none" normalizeH="0" baseline="0" dirty="0" err="1" smtClean="0">
+              <a:rPr kumimoji="0" lang="ko-KR" altLang="ko-KR" sz="1500" b="0" i="0" u="none" strike="noStrike" cap="none" normalizeH="0" baseline="0" dirty="0" err="1">
                 <a:ln>
                   <a:noFill/>
                 </a:ln>
@@ -13368,7 +13023,7 @@
               <a:t>ax.bar_label</a:t>
             </a:r>
             <a:r>
-              <a:rPr kumimoji="0" lang="ko-KR" altLang="ko-KR" sz="1500" b="0" i="0" u="none" strike="noStrike" cap="none" normalizeH="0" baseline="0" dirty="0" smtClean="0">
+              <a:rPr kumimoji="0" lang="ko-KR" altLang="ko-KR" sz="1500" b="0" i="0" u="none" strike="noStrike" cap="none" normalizeH="0" baseline="0" dirty="0">
                 <a:ln>
                   <a:noFill/>
                 </a:ln>
@@ -13382,7 +13037,7 @@
               <a:t>(p2</a:t>
             </a:r>
             <a:r>
-              <a:rPr kumimoji="0" lang="ko-KR" altLang="ko-KR" sz="1500" b="0" i="0" u="none" strike="noStrike" cap="none" normalizeH="0" baseline="0" dirty="0" smtClean="0">
+              <a:rPr kumimoji="0" lang="ko-KR" altLang="ko-KR" sz="1500" b="0" i="0" u="none" strike="noStrike" cap="none" normalizeH="0" baseline="0" dirty="0">
                 <a:ln>
                   <a:noFill/>
                 </a:ln>
@@ -13396,7 +13051,7 @@
               <a:t>, </a:t>
             </a:r>
             <a:r>
-              <a:rPr kumimoji="0" lang="ko-KR" altLang="ko-KR" sz="1500" b="0" i="0" u="none" strike="noStrike" cap="none" normalizeH="0" baseline="0" dirty="0" err="1" smtClean="0">
+              <a:rPr kumimoji="0" lang="ko-KR" altLang="ko-KR" sz="1500" b="0" i="0" u="none" strike="noStrike" cap="none" normalizeH="0" baseline="0" dirty="0" err="1">
                 <a:ln>
                   <a:noFill/>
                 </a:ln>
@@ -13410,7 +13065,7 @@
               <a:t>label_type</a:t>
             </a:r>
             <a:r>
-              <a:rPr kumimoji="0" lang="ko-KR" altLang="ko-KR" sz="1500" b="0" i="0" u="none" strike="noStrike" cap="none" normalizeH="0" baseline="0" dirty="0" smtClean="0">
+              <a:rPr kumimoji="0" lang="ko-KR" altLang="ko-KR" sz="1500" b="0" i="0" u="none" strike="noStrike" cap="none" normalizeH="0" baseline="0" dirty="0">
                 <a:ln>
                   <a:noFill/>
                 </a:ln>
@@ -13424,7 +13079,7 @@
               <a:t>=</a:t>
             </a:r>
             <a:r>
-              <a:rPr kumimoji="0" lang="ko-KR" altLang="ko-KR" sz="1500" b="0" i="0" u="none" strike="noStrike" cap="none" normalizeH="0" baseline="0" dirty="0" smtClean="0">
+              <a:rPr kumimoji="0" lang="ko-KR" altLang="ko-KR" sz="1500" b="0" i="0" u="none" strike="noStrike" cap="none" normalizeH="0" baseline="0" dirty="0">
                 <a:ln>
                   <a:noFill/>
                 </a:ln>
@@ -13438,7 +13093,7 @@
               <a:t>'</a:t>
             </a:r>
             <a:r>
-              <a:rPr kumimoji="0" lang="ko-KR" altLang="ko-KR" sz="1500" b="0" i="0" u="none" strike="noStrike" cap="none" normalizeH="0" baseline="0" dirty="0" err="1" smtClean="0">
+              <a:rPr kumimoji="0" lang="ko-KR" altLang="ko-KR" sz="1500" b="0" i="0" u="none" strike="noStrike" cap="none" normalizeH="0" baseline="0" dirty="0" err="1">
                 <a:ln>
                   <a:noFill/>
                 </a:ln>
@@ -13452,7 +13107,7 @@
               <a:t>center</a:t>
             </a:r>
             <a:r>
-              <a:rPr kumimoji="0" lang="ko-KR" altLang="ko-KR" sz="1500" b="0" i="0" u="none" strike="noStrike" cap="none" normalizeH="0" baseline="0" dirty="0" smtClean="0">
+              <a:rPr kumimoji="0" lang="ko-KR" altLang="ko-KR" sz="1500" b="0" i="0" u="none" strike="noStrike" cap="none" normalizeH="0" baseline="0" dirty="0">
                 <a:ln>
                   <a:noFill/>
                 </a:ln>
@@ -13466,7 +13121,7 @@
               <a:t>'</a:t>
             </a:r>
             <a:r>
-              <a:rPr kumimoji="0" lang="ko-KR" altLang="ko-KR" sz="1500" b="0" i="0" u="none" strike="noStrike" cap="none" normalizeH="0" baseline="0" dirty="0" smtClean="0">
+              <a:rPr kumimoji="0" lang="ko-KR" altLang="ko-KR" sz="1500" b="0" i="0" u="none" strike="noStrike" cap="none" normalizeH="0" baseline="0" dirty="0">
                 <a:ln>
                   <a:noFill/>
                 </a:ln>
@@ -13480,7 +13135,7 @@
               <a:t>)</a:t>
             </a:r>
             <a:br>
-              <a:rPr kumimoji="0" lang="ko-KR" altLang="ko-KR" sz="1500" b="0" i="0" u="none" strike="noStrike" cap="none" normalizeH="0" baseline="0" dirty="0" smtClean="0">
+              <a:rPr kumimoji="0" lang="ko-KR" altLang="ko-KR" sz="1500" b="0" i="0" u="none" strike="noStrike" cap="none" normalizeH="0" baseline="0" dirty="0">
                 <a:ln>
                   <a:noFill/>
                 </a:ln>
@@ -13493,7 +13148,7 @@
               </a:rPr>
             </a:br>
             <a:r>
-              <a:rPr kumimoji="0" lang="ko-KR" altLang="ko-KR" sz="1500" b="0" i="0" u="none" strike="noStrike" cap="none" normalizeH="0" baseline="0" dirty="0" err="1" smtClean="0">
+              <a:rPr kumimoji="0" lang="ko-KR" altLang="ko-KR" sz="1500" b="0" i="0" u="none" strike="noStrike" cap="none" normalizeH="0" baseline="0" dirty="0" err="1">
                 <a:ln>
                   <a:noFill/>
                 </a:ln>
@@ -13507,7 +13162,7 @@
               <a:t>ax.bar_label</a:t>
             </a:r>
             <a:r>
-              <a:rPr kumimoji="0" lang="ko-KR" altLang="ko-KR" sz="1500" b="0" i="0" u="none" strike="noStrike" cap="none" normalizeH="0" baseline="0" dirty="0" smtClean="0">
+              <a:rPr kumimoji="0" lang="ko-KR" altLang="ko-KR" sz="1500" b="0" i="0" u="none" strike="noStrike" cap="none" normalizeH="0" baseline="0" dirty="0">
                 <a:ln>
                   <a:noFill/>
                 </a:ln>
@@ -13521,7 +13176,7 @@
               <a:t>(p3</a:t>
             </a:r>
             <a:r>
-              <a:rPr kumimoji="0" lang="ko-KR" altLang="ko-KR" sz="1500" b="0" i="0" u="none" strike="noStrike" cap="none" normalizeH="0" baseline="0" dirty="0" smtClean="0">
+              <a:rPr kumimoji="0" lang="ko-KR" altLang="ko-KR" sz="1500" b="0" i="0" u="none" strike="noStrike" cap="none" normalizeH="0" baseline="0" dirty="0">
                 <a:ln>
                   <a:noFill/>
                 </a:ln>
@@ -13535,7 +13190,7 @@
               <a:t>, </a:t>
             </a:r>
             <a:r>
-              <a:rPr kumimoji="0" lang="ko-KR" altLang="ko-KR" sz="1500" b="0" i="0" u="none" strike="noStrike" cap="none" normalizeH="0" baseline="0" dirty="0" err="1" smtClean="0">
+              <a:rPr kumimoji="0" lang="ko-KR" altLang="ko-KR" sz="1500" b="0" i="0" u="none" strike="noStrike" cap="none" normalizeH="0" baseline="0" dirty="0" err="1">
                 <a:ln>
                   <a:noFill/>
                 </a:ln>
@@ -13549,7 +13204,7 @@
               <a:t>label_type</a:t>
             </a:r>
             <a:r>
-              <a:rPr kumimoji="0" lang="ko-KR" altLang="ko-KR" sz="1500" b="0" i="0" u="none" strike="noStrike" cap="none" normalizeH="0" baseline="0" dirty="0" smtClean="0">
+              <a:rPr kumimoji="0" lang="ko-KR" altLang="ko-KR" sz="1500" b="0" i="0" u="none" strike="noStrike" cap="none" normalizeH="0" baseline="0" dirty="0">
                 <a:ln>
                   <a:noFill/>
                 </a:ln>
@@ -13563,7 +13218,7 @@
               <a:t>=</a:t>
             </a:r>
             <a:r>
-              <a:rPr kumimoji="0" lang="ko-KR" altLang="ko-KR" sz="1500" b="0" i="0" u="none" strike="noStrike" cap="none" normalizeH="0" baseline="0" dirty="0" smtClean="0">
+              <a:rPr kumimoji="0" lang="ko-KR" altLang="ko-KR" sz="1500" b="0" i="0" u="none" strike="noStrike" cap="none" normalizeH="0" baseline="0" dirty="0">
                 <a:ln>
                   <a:noFill/>
                 </a:ln>
@@ -13577,7 +13232,7 @@
               <a:t>'</a:t>
             </a:r>
             <a:r>
-              <a:rPr kumimoji="0" lang="ko-KR" altLang="ko-KR" sz="1500" b="0" i="0" u="none" strike="noStrike" cap="none" normalizeH="0" baseline="0" dirty="0" err="1" smtClean="0">
+              <a:rPr kumimoji="0" lang="ko-KR" altLang="ko-KR" sz="1500" b="0" i="0" u="none" strike="noStrike" cap="none" normalizeH="0" baseline="0" dirty="0" err="1">
                 <a:ln>
                   <a:noFill/>
                 </a:ln>
@@ -13591,7 +13246,7 @@
               <a:t>center</a:t>
             </a:r>
             <a:r>
-              <a:rPr kumimoji="0" lang="ko-KR" altLang="ko-KR" sz="1500" b="0" i="0" u="none" strike="noStrike" cap="none" normalizeH="0" baseline="0" dirty="0" smtClean="0">
+              <a:rPr kumimoji="0" lang="ko-KR" altLang="ko-KR" sz="1500" b="0" i="0" u="none" strike="noStrike" cap="none" normalizeH="0" baseline="0" dirty="0">
                 <a:ln>
                   <a:noFill/>
                 </a:ln>
@@ -13605,7 +13260,7 @@
               <a:t>'</a:t>
             </a:r>
             <a:r>
-              <a:rPr kumimoji="0" lang="ko-KR" altLang="ko-KR" sz="1500" b="0" i="0" u="none" strike="noStrike" cap="none" normalizeH="0" baseline="0" dirty="0" smtClean="0">
+              <a:rPr kumimoji="0" lang="ko-KR" altLang="ko-KR" sz="1500" b="0" i="0" u="none" strike="noStrike" cap="none" normalizeH="0" baseline="0" dirty="0">
                 <a:ln>
                   <a:noFill/>
                 </a:ln>
@@ -13619,7 +13274,7 @@
               <a:t>)</a:t>
             </a:r>
             <a:br>
-              <a:rPr kumimoji="0" lang="ko-KR" altLang="ko-KR" sz="1500" b="0" i="0" u="none" strike="noStrike" cap="none" normalizeH="0" baseline="0" dirty="0" smtClean="0">
+              <a:rPr kumimoji="0" lang="ko-KR" altLang="ko-KR" sz="1500" b="0" i="0" u="none" strike="noStrike" cap="none" normalizeH="0" baseline="0" dirty="0">
                 <a:ln>
                   <a:noFill/>
                 </a:ln>
@@ -13632,7 +13287,7 @@
               </a:rPr>
             </a:br>
             <a:r>
-              <a:rPr kumimoji="0" lang="ko-KR" altLang="ko-KR" sz="1500" b="0" i="0" u="none" strike="noStrike" cap="none" normalizeH="0" baseline="0" dirty="0" err="1" smtClean="0">
+              <a:rPr kumimoji="0" lang="ko-KR" altLang="ko-KR" sz="1500" b="0" i="0" u="none" strike="noStrike" cap="none" normalizeH="0" baseline="0" dirty="0" err="1">
                 <a:ln>
                   <a:noFill/>
                 </a:ln>
@@ -13646,7 +13301,7 @@
               <a:t>plt.show</a:t>
             </a:r>
             <a:r>
-              <a:rPr kumimoji="0" lang="ko-KR" altLang="ko-KR" sz="1500" b="0" i="0" u="none" strike="noStrike" cap="none" normalizeH="0" baseline="0" dirty="0" smtClean="0">
+              <a:rPr kumimoji="0" lang="ko-KR" altLang="ko-KR" sz="1500" b="0" i="0" u="none" strike="noStrike" cap="none" normalizeH="0" baseline="0" dirty="0">
                 <a:ln>
                   <a:noFill/>
                 </a:ln>
@@ -13659,7 +13314,7 @@
               </a:rPr>
               <a:t>()</a:t>
             </a:r>
-            <a:endParaRPr kumimoji="0" lang="ko-KR" altLang="ko-KR" sz="1800" b="0" i="0" u="none" strike="noStrike" cap="none" normalizeH="0" baseline="0" dirty="0" smtClean="0">
+            <a:endParaRPr kumimoji="0" lang="ko-KR" altLang="ko-KR" sz="1800" b="0" i="0" u="none" strike="noStrike" cap="none" normalizeH="0" baseline="0" dirty="0">
               <a:ln>
                 <a:noFill/>
               </a:ln>
@@ -13682,13 +13337,6 @@
   <p:clrMapOvr>
     <a:masterClrMapping/>
   </p:clrMapOvr>
-  <p:timing>
-    <p:tnLst>
-      <p:par>
-        <p:cTn id="1" dur="indefinite" restart="never" nodeType="tmRoot"/>
-      </p:par>
-    </p:tnLst>
-  </p:timing>
 </p:sld>
 </file>
 
@@ -13725,11 +13373,11 @@
           <a:lstStyle/>
           <a:p>
             <a:r>
-              <a:rPr lang="ko-KR" altLang="en-US" dirty="0" smtClean="0"/>
+              <a:rPr lang="ko-KR" altLang="en-US" dirty="0"/>
               <a:t>원 그래프를 그려보자</a:t>
             </a:r>
             <a:r>
-              <a:rPr lang="en-US" altLang="ko-KR" dirty="0" smtClean="0"/>
+              <a:rPr lang="en-US" altLang="ko-KR" dirty="0"/>
               <a:t>.</a:t>
             </a:r>
             <a:endParaRPr lang="ko-KR" altLang="en-US" dirty="0"/>
@@ -13752,40 +13400,40 @@
           <a:lstStyle/>
           <a:p>
             <a:r>
-              <a:rPr lang="en-US" altLang="ko-KR" dirty="0" err="1" smtClean="0"/>
+              <a:rPr lang="en-US" altLang="ko-KR" dirty="0" err="1"/>
               <a:t>plt.pie</a:t>
             </a:r>
             <a:r>
-              <a:rPr lang="en-US" altLang="ko-KR" dirty="0" smtClean="0"/>
+              <a:rPr lang="en-US" altLang="ko-KR" dirty="0"/>
               <a:t> </a:t>
             </a:r>
             <a:r>
-              <a:rPr lang="ko-KR" altLang="en-US" dirty="0" smtClean="0"/>
+              <a:rPr lang="ko-KR" altLang="en-US" dirty="0"/>
               <a:t>함수를 이용해서 그린다</a:t>
             </a:r>
             <a:r>
-              <a:rPr lang="en-US" altLang="ko-KR" dirty="0" smtClean="0"/>
+              <a:rPr lang="en-US" altLang="ko-KR" dirty="0"/>
               <a:t>.</a:t>
             </a:r>
           </a:p>
           <a:p>
-            <a:endParaRPr lang="en-US" altLang="ko-KR" dirty="0" smtClean="0"/>
+            <a:endParaRPr lang="en-US" altLang="ko-KR" dirty="0"/>
           </a:p>
           <a:p>
             <a:r>
-              <a:rPr lang="en-US" altLang="ko-KR" dirty="0" err="1" smtClean="0"/>
+              <a:rPr lang="en-US" altLang="ko-KR" dirty="0" err="1"/>
               <a:t>autopct</a:t>
             </a:r>
             <a:r>
-              <a:rPr lang="en-US" altLang="ko-KR" dirty="0" smtClean="0"/>
+              <a:rPr lang="en-US" altLang="ko-KR" dirty="0"/>
               <a:t> </a:t>
             </a:r>
             <a:r>
-              <a:rPr lang="ko-KR" altLang="en-US" dirty="0" smtClean="0"/>
+              <a:rPr lang="ko-KR" altLang="en-US" dirty="0"/>
               <a:t>키워드인수를 이용해서 소수점을 정한다</a:t>
             </a:r>
             <a:r>
-              <a:rPr lang="en-US" altLang="ko-KR" dirty="0" smtClean="0"/>
+              <a:rPr lang="en-US" altLang="ko-KR" dirty="0"/>
               <a:t>.</a:t>
             </a:r>
             <a:endParaRPr lang="ko-KR" altLang="en-US" dirty="0"/>
@@ -13863,7 +13511,7 @@
               <a:tabLst/>
             </a:pPr>
             <a:r>
-              <a:rPr kumimoji="0" lang="ko-KR" altLang="ko-KR" sz="1500" b="0" i="0" u="none" strike="noStrike" cap="none" normalizeH="0" baseline="0" dirty="0" err="1" smtClean="0">
+              <a:rPr kumimoji="0" lang="ko-KR" altLang="ko-KR" sz="1500" b="0" i="0" u="none" strike="noStrike" cap="none" normalizeH="0" baseline="0" dirty="0" err="1">
                 <a:ln>
                   <a:noFill/>
                 </a:ln>
@@ -13877,7 +13525,7 @@
               <a:t>import</a:t>
             </a:r>
             <a:r>
-              <a:rPr kumimoji="0" lang="ko-KR" altLang="ko-KR" sz="1500" b="0" i="0" u="none" strike="noStrike" cap="none" normalizeH="0" baseline="0" dirty="0" smtClean="0">
+              <a:rPr kumimoji="0" lang="ko-KR" altLang="ko-KR" sz="1500" b="0" i="0" u="none" strike="noStrike" cap="none" normalizeH="0" baseline="0" dirty="0">
                 <a:ln>
                   <a:noFill/>
                 </a:ln>
@@ -13891,7 +13539,7 @@
               <a:t> </a:t>
             </a:r>
             <a:r>
-              <a:rPr kumimoji="0" lang="ko-KR" altLang="ko-KR" sz="1500" b="0" i="0" u="none" strike="noStrike" cap="none" normalizeH="0" baseline="0" dirty="0" err="1" smtClean="0">
+              <a:rPr kumimoji="0" lang="ko-KR" altLang="ko-KR" sz="1500" b="0" i="0" u="none" strike="noStrike" cap="none" normalizeH="0" baseline="0" dirty="0" err="1">
                 <a:ln>
                   <a:noFill/>
                 </a:ln>
@@ -13905,7 +13553,7 @@
               <a:t>matplotlib.pyplot</a:t>
             </a:r>
             <a:r>
-              <a:rPr kumimoji="0" lang="ko-KR" altLang="ko-KR" sz="1500" b="0" i="0" u="none" strike="noStrike" cap="none" normalizeH="0" baseline="0" dirty="0" smtClean="0">
+              <a:rPr kumimoji="0" lang="ko-KR" altLang="ko-KR" sz="1500" b="0" i="0" u="none" strike="noStrike" cap="none" normalizeH="0" baseline="0" dirty="0">
                 <a:ln>
                   <a:noFill/>
                 </a:ln>
@@ -13919,7 +13567,7 @@
               <a:t> </a:t>
             </a:r>
             <a:r>
-              <a:rPr kumimoji="0" lang="ko-KR" altLang="ko-KR" sz="1500" b="0" i="0" u="none" strike="noStrike" cap="none" normalizeH="0" baseline="0" dirty="0" err="1" smtClean="0">
+              <a:rPr kumimoji="0" lang="ko-KR" altLang="ko-KR" sz="1500" b="0" i="0" u="none" strike="noStrike" cap="none" normalizeH="0" baseline="0" dirty="0" err="1">
                 <a:ln>
                   <a:noFill/>
                 </a:ln>
@@ -13933,7 +13581,7 @@
               <a:t>as</a:t>
             </a:r>
             <a:r>
-              <a:rPr kumimoji="0" lang="ko-KR" altLang="ko-KR" sz="1500" b="0" i="0" u="none" strike="noStrike" cap="none" normalizeH="0" baseline="0" dirty="0" smtClean="0">
+              <a:rPr kumimoji="0" lang="ko-KR" altLang="ko-KR" sz="1500" b="0" i="0" u="none" strike="noStrike" cap="none" normalizeH="0" baseline="0" dirty="0">
                 <a:ln>
                   <a:noFill/>
                 </a:ln>
@@ -13947,7 +13595,7 @@
               <a:t> </a:t>
             </a:r>
             <a:r>
-              <a:rPr kumimoji="0" lang="ko-KR" altLang="ko-KR" sz="1500" b="0" i="0" u="none" strike="noStrike" cap="none" normalizeH="0" baseline="0" dirty="0" err="1" smtClean="0">
+              <a:rPr kumimoji="0" lang="ko-KR" altLang="ko-KR" sz="1500" b="0" i="0" u="none" strike="noStrike" cap="none" normalizeH="0" baseline="0" dirty="0" err="1">
                 <a:ln>
                   <a:noFill/>
                 </a:ln>
@@ -13960,22 +13608,8 @@
               </a:rPr>
               <a:t>plt</a:t>
             </a:r>
-            <a:r>
-              <a:rPr kumimoji="0" lang="ko-KR" altLang="ko-KR" sz="1500" b="0" i="0" u="none" strike="noStrike" cap="none" normalizeH="0" baseline="0" dirty="0" smtClean="0">
-                <a:ln>
-                  <a:noFill/>
-                </a:ln>
-                <a:solidFill>
-                  <a:srgbClr val="A9B7C6"/>
-                </a:solidFill>
-                <a:effectLst/>
-                <a:latin typeface="Arial Unicode MS"/>
-                <a:ea typeface="JetBrains Mono"/>
-              </a:rPr>
-              <a:t/>
-            </a:r>
             <a:br>
-              <a:rPr kumimoji="0" lang="ko-KR" altLang="ko-KR" sz="1500" b="0" i="0" u="none" strike="noStrike" cap="none" normalizeH="0" baseline="0" dirty="0" smtClean="0">
+              <a:rPr kumimoji="0" lang="ko-KR" altLang="ko-KR" sz="1500" b="0" i="0" u="none" strike="noStrike" cap="none" normalizeH="0" baseline="0" dirty="0">
                 <a:ln>
                   <a:noFill/>
                 </a:ln>
@@ -13987,22 +13621,8 @@
                 <a:ea typeface="JetBrains Mono"/>
               </a:rPr>
             </a:br>
-            <a:r>
-              <a:rPr kumimoji="0" lang="ko-KR" altLang="ko-KR" sz="1500" b="0" i="0" u="none" strike="noStrike" cap="none" normalizeH="0" baseline="0" dirty="0" smtClean="0">
-                <a:ln>
-                  <a:noFill/>
-                </a:ln>
-                <a:solidFill>
-                  <a:srgbClr val="A9B7C6"/>
-                </a:solidFill>
-                <a:effectLst/>
-                <a:latin typeface="Arial Unicode MS"/>
-                <a:ea typeface="JetBrains Mono"/>
-              </a:rPr>
-              <a:t/>
-            </a:r>
             <a:br>
-              <a:rPr kumimoji="0" lang="ko-KR" altLang="ko-KR" sz="1500" b="0" i="0" u="none" strike="noStrike" cap="none" normalizeH="0" baseline="0" dirty="0" smtClean="0">
+              <a:rPr kumimoji="0" lang="ko-KR" altLang="ko-KR" sz="1500" b="0" i="0" u="none" strike="noStrike" cap="none" normalizeH="0" baseline="0" dirty="0">
                 <a:ln>
                   <a:noFill/>
                 </a:ln>
@@ -14014,22 +13634,8 @@
                 <a:ea typeface="JetBrains Mono"/>
               </a:rPr>
             </a:br>
-            <a:r>
-              <a:rPr kumimoji="0" lang="ko-KR" altLang="ko-KR" sz="1500" b="0" i="0" u="none" strike="noStrike" cap="none" normalizeH="0" baseline="0" dirty="0" smtClean="0">
-                <a:ln>
-                  <a:noFill/>
-                </a:ln>
-                <a:solidFill>
-                  <a:srgbClr val="A9B7C6"/>
-                </a:solidFill>
-                <a:effectLst/>
-                <a:latin typeface="Arial Unicode MS"/>
-                <a:ea typeface="JetBrains Mono"/>
-              </a:rPr>
-              <a:t/>
-            </a:r>
             <a:br>
-              <a:rPr kumimoji="0" lang="ko-KR" altLang="ko-KR" sz="1500" b="0" i="0" u="none" strike="noStrike" cap="none" normalizeH="0" baseline="0" dirty="0" smtClean="0">
+              <a:rPr kumimoji="0" lang="ko-KR" altLang="ko-KR" sz="1500" b="0" i="0" u="none" strike="noStrike" cap="none" normalizeH="0" baseline="0" dirty="0">
                 <a:ln>
                   <a:noFill/>
                 </a:ln>
@@ -14042,7 +13648,7 @@
               </a:rPr>
             </a:br>
             <a:r>
-              <a:rPr kumimoji="0" lang="ko-KR" altLang="ko-KR" sz="1500" b="0" i="0" u="none" strike="noStrike" cap="none" normalizeH="0" baseline="0" dirty="0" err="1" smtClean="0">
+              <a:rPr kumimoji="0" lang="ko-KR" altLang="ko-KR" sz="1500" b="0" i="0" u="none" strike="noStrike" cap="none" normalizeH="0" baseline="0" dirty="0" err="1">
                 <a:ln>
                   <a:noFill/>
                 </a:ln>
@@ -14056,7 +13662,7 @@
               <a:t>countries</a:t>
             </a:r>
             <a:r>
-              <a:rPr kumimoji="0" lang="ko-KR" altLang="ko-KR" sz="1500" b="0" i="0" u="none" strike="noStrike" cap="none" normalizeH="0" baseline="0" dirty="0" smtClean="0">
+              <a:rPr kumimoji="0" lang="ko-KR" altLang="ko-KR" sz="1500" b="0" i="0" u="none" strike="noStrike" cap="none" normalizeH="0" baseline="0" dirty="0">
                 <a:ln>
                   <a:noFill/>
                 </a:ln>
@@ -14070,7 +13676,7 @@
               <a:t> = [</a:t>
             </a:r>
             <a:r>
-              <a:rPr kumimoji="0" lang="ko-KR" altLang="ko-KR" sz="1500" b="0" i="0" u="none" strike="noStrike" cap="none" normalizeH="0" baseline="0" dirty="0" smtClean="0">
+              <a:rPr kumimoji="0" lang="ko-KR" altLang="ko-KR" sz="1500" b="0" i="0" u="none" strike="noStrike" cap="none" normalizeH="0" baseline="0" dirty="0">
                 <a:ln>
                   <a:noFill/>
                 </a:ln>
@@ -14084,7 +13690,7 @@
               <a:t>'USA'</a:t>
             </a:r>
             <a:r>
-              <a:rPr kumimoji="0" lang="ko-KR" altLang="ko-KR" sz="1500" b="0" i="0" u="none" strike="noStrike" cap="none" normalizeH="0" baseline="0" dirty="0" smtClean="0">
+              <a:rPr kumimoji="0" lang="ko-KR" altLang="ko-KR" sz="1500" b="0" i="0" u="none" strike="noStrike" cap="none" normalizeH="0" baseline="0" dirty="0">
                 <a:ln>
                   <a:noFill/>
                 </a:ln>
@@ -14098,7 +13704,7 @@
               <a:t>, </a:t>
             </a:r>
             <a:r>
-              <a:rPr kumimoji="0" lang="ko-KR" altLang="ko-KR" sz="1500" b="0" i="0" u="none" strike="noStrike" cap="none" normalizeH="0" baseline="0" dirty="0" smtClean="0">
+              <a:rPr kumimoji="0" lang="ko-KR" altLang="ko-KR" sz="1500" b="0" i="0" u="none" strike="noStrike" cap="none" normalizeH="0" baseline="0" dirty="0">
                 <a:ln>
                   <a:noFill/>
                 </a:ln>
@@ -14112,7 +13718,7 @@
               <a:t>'GBR'</a:t>
             </a:r>
             <a:r>
-              <a:rPr kumimoji="0" lang="ko-KR" altLang="ko-KR" sz="1500" b="0" i="0" u="none" strike="noStrike" cap="none" normalizeH="0" baseline="0" dirty="0" smtClean="0">
+              <a:rPr kumimoji="0" lang="ko-KR" altLang="ko-KR" sz="1500" b="0" i="0" u="none" strike="noStrike" cap="none" normalizeH="0" baseline="0" dirty="0">
                 <a:ln>
                   <a:noFill/>
                 </a:ln>
@@ -14126,7 +13732,7 @@
               <a:t>, </a:t>
             </a:r>
             <a:r>
-              <a:rPr kumimoji="0" lang="ko-KR" altLang="ko-KR" sz="1500" b="0" i="0" u="none" strike="noStrike" cap="none" normalizeH="0" baseline="0" dirty="0" smtClean="0">
+              <a:rPr kumimoji="0" lang="ko-KR" altLang="ko-KR" sz="1500" b="0" i="0" u="none" strike="noStrike" cap="none" normalizeH="0" baseline="0" dirty="0">
                 <a:ln>
                   <a:noFill/>
                 </a:ln>
@@ -14140,7 +13746,7 @@
               <a:t>"</a:t>
             </a:r>
             <a:r>
-              <a:rPr kumimoji="0" lang="ko-KR" altLang="ko-KR" sz="1500" b="0" i="0" u="none" strike="noStrike" cap="none" normalizeH="0" baseline="0" dirty="0" err="1" smtClean="0">
+              <a:rPr kumimoji="0" lang="ko-KR" altLang="ko-KR" sz="1500" b="0" i="0" u="none" strike="noStrike" cap="none" normalizeH="0" baseline="0" dirty="0" err="1">
                 <a:ln>
                   <a:noFill/>
                 </a:ln>
@@ -14154,7 +13760,7 @@
               <a:t>China</a:t>
             </a:r>
             <a:r>
-              <a:rPr kumimoji="0" lang="ko-KR" altLang="ko-KR" sz="1500" b="0" i="0" u="none" strike="noStrike" cap="none" normalizeH="0" baseline="0" dirty="0" smtClean="0">
+              <a:rPr kumimoji="0" lang="ko-KR" altLang="ko-KR" sz="1500" b="0" i="0" u="none" strike="noStrike" cap="none" normalizeH="0" baseline="0" dirty="0">
                 <a:ln>
                   <a:noFill/>
                 </a:ln>
@@ -14168,7 +13774,7 @@
               <a:t>"</a:t>
             </a:r>
             <a:r>
-              <a:rPr kumimoji="0" lang="ko-KR" altLang="ko-KR" sz="1500" b="0" i="0" u="none" strike="noStrike" cap="none" normalizeH="0" baseline="0" dirty="0" smtClean="0">
+              <a:rPr kumimoji="0" lang="ko-KR" altLang="ko-KR" sz="1500" b="0" i="0" u="none" strike="noStrike" cap="none" normalizeH="0" baseline="0" dirty="0">
                 <a:ln>
                   <a:noFill/>
                 </a:ln>
@@ -14182,7 +13788,7 @@
               <a:t>, </a:t>
             </a:r>
             <a:r>
-              <a:rPr kumimoji="0" lang="ko-KR" altLang="ko-KR" sz="1500" b="0" i="0" u="none" strike="noStrike" cap="none" normalizeH="0" baseline="0" dirty="0" smtClean="0">
+              <a:rPr kumimoji="0" lang="ko-KR" altLang="ko-KR" sz="1500" b="0" i="0" u="none" strike="noStrike" cap="none" normalizeH="0" baseline="0" dirty="0">
                 <a:ln>
                   <a:noFill/>
                 </a:ln>
@@ -14196,7 +13802,7 @@
               <a:t>'</a:t>
             </a:r>
             <a:r>
-              <a:rPr kumimoji="0" lang="ko-KR" altLang="ko-KR" sz="1500" b="0" i="0" u="none" strike="noStrike" cap="none" normalizeH="0" baseline="0" dirty="0" err="1" smtClean="0">
+              <a:rPr kumimoji="0" lang="ko-KR" altLang="ko-KR" sz="1500" b="0" i="0" u="none" strike="noStrike" cap="none" normalizeH="0" baseline="0" dirty="0" err="1">
                 <a:ln>
                   <a:noFill/>
                 </a:ln>
@@ -14210,7 +13816,7 @@
               <a:t>Russia</a:t>
             </a:r>
             <a:r>
-              <a:rPr kumimoji="0" lang="ko-KR" altLang="ko-KR" sz="1500" b="0" i="0" u="none" strike="noStrike" cap="none" normalizeH="0" baseline="0" dirty="0" smtClean="0">
+              <a:rPr kumimoji="0" lang="ko-KR" altLang="ko-KR" sz="1500" b="0" i="0" u="none" strike="noStrike" cap="none" normalizeH="0" baseline="0" dirty="0">
                 <a:ln>
                   <a:noFill/>
                 </a:ln>
@@ -14224,7 +13830,7 @@
               <a:t>'</a:t>
             </a:r>
             <a:r>
-              <a:rPr kumimoji="0" lang="ko-KR" altLang="ko-KR" sz="1500" b="0" i="0" u="none" strike="noStrike" cap="none" normalizeH="0" baseline="0" dirty="0" smtClean="0">
+              <a:rPr kumimoji="0" lang="ko-KR" altLang="ko-KR" sz="1500" b="0" i="0" u="none" strike="noStrike" cap="none" normalizeH="0" baseline="0" dirty="0">
                 <a:ln>
                   <a:noFill/>
                 </a:ln>
@@ -14238,7 +13844,7 @@
               <a:t>, </a:t>
             </a:r>
             <a:r>
-              <a:rPr kumimoji="0" lang="ko-KR" altLang="ko-KR" sz="1500" b="0" i="0" u="none" strike="noStrike" cap="none" normalizeH="0" baseline="0" dirty="0" smtClean="0">
+              <a:rPr kumimoji="0" lang="ko-KR" altLang="ko-KR" sz="1500" b="0" i="0" u="none" strike="noStrike" cap="none" normalizeH="0" baseline="0" dirty="0">
                 <a:ln>
                   <a:noFill/>
                 </a:ln>
@@ -14252,7 +13858,7 @@
               <a:t>'</a:t>
             </a:r>
             <a:r>
-              <a:rPr kumimoji="0" lang="ko-KR" altLang="ko-KR" sz="1500" b="0" i="0" u="none" strike="noStrike" cap="none" normalizeH="0" baseline="0" dirty="0" err="1" smtClean="0">
+              <a:rPr kumimoji="0" lang="ko-KR" altLang="ko-KR" sz="1500" b="0" i="0" u="none" strike="noStrike" cap="none" normalizeH="0" baseline="0" dirty="0" err="1">
                 <a:ln>
                   <a:noFill/>
                 </a:ln>
@@ -14266,7 +13872,7 @@
               <a:t>Germany</a:t>
             </a:r>
             <a:r>
-              <a:rPr kumimoji="0" lang="ko-KR" altLang="ko-KR" sz="1500" b="0" i="0" u="none" strike="noStrike" cap="none" normalizeH="0" baseline="0" dirty="0" smtClean="0">
+              <a:rPr kumimoji="0" lang="ko-KR" altLang="ko-KR" sz="1500" b="0" i="0" u="none" strike="noStrike" cap="none" normalizeH="0" baseline="0" dirty="0">
                 <a:ln>
                   <a:noFill/>
                 </a:ln>
@@ -14280,7 +13886,7 @@
               <a:t>'</a:t>
             </a:r>
             <a:r>
-              <a:rPr kumimoji="0" lang="ko-KR" altLang="ko-KR" sz="1500" b="0" i="0" u="none" strike="noStrike" cap="none" normalizeH="0" baseline="0" dirty="0" smtClean="0">
+              <a:rPr kumimoji="0" lang="ko-KR" altLang="ko-KR" sz="1500" b="0" i="0" u="none" strike="noStrike" cap="none" normalizeH="0" baseline="0" dirty="0">
                 <a:ln>
                   <a:noFill/>
                 </a:ln>
@@ -14294,7 +13900,7 @@
               <a:t>]</a:t>
             </a:r>
             <a:br>
-              <a:rPr kumimoji="0" lang="ko-KR" altLang="ko-KR" sz="1500" b="0" i="0" u="none" strike="noStrike" cap="none" normalizeH="0" baseline="0" dirty="0" smtClean="0">
+              <a:rPr kumimoji="0" lang="ko-KR" altLang="ko-KR" sz="1500" b="0" i="0" u="none" strike="noStrike" cap="none" normalizeH="0" baseline="0" dirty="0">
                 <a:ln>
                   <a:noFill/>
                 </a:ln>
@@ -14307,7 +13913,7 @@
               </a:rPr>
             </a:br>
             <a:r>
-              <a:rPr kumimoji="0" lang="ko-KR" altLang="ko-KR" sz="1500" b="0" i="0" u="none" strike="noStrike" cap="none" normalizeH="0" baseline="0" dirty="0" err="1" smtClean="0">
+              <a:rPr kumimoji="0" lang="ko-KR" altLang="ko-KR" sz="1500" b="0" i="0" u="none" strike="noStrike" cap="none" normalizeH="0" baseline="0" dirty="0" err="1">
                 <a:ln>
                   <a:noFill/>
                 </a:ln>
@@ -14321,7 +13927,7 @@
               <a:t>gold</a:t>
             </a:r>
             <a:r>
-              <a:rPr kumimoji="0" lang="ko-KR" altLang="ko-KR" sz="1500" b="0" i="0" u="none" strike="noStrike" cap="none" normalizeH="0" baseline="0" dirty="0" smtClean="0">
+              <a:rPr kumimoji="0" lang="ko-KR" altLang="ko-KR" sz="1500" b="0" i="0" u="none" strike="noStrike" cap="none" normalizeH="0" baseline="0" dirty="0">
                 <a:ln>
                   <a:noFill/>
                 </a:ln>
@@ -14335,7 +13941,7 @@
               <a:t> = [</a:t>
             </a:r>
             <a:r>
-              <a:rPr kumimoji="0" lang="ko-KR" altLang="ko-KR" sz="1500" b="0" i="0" u="none" strike="noStrike" cap="none" normalizeH="0" baseline="0" dirty="0" smtClean="0">
+              <a:rPr kumimoji="0" lang="ko-KR" altLang="ko-KR" sz="1500" b="0" i="0" u="none" strike="noStrike" cap="none" normalizeH="0" baseline="0" dirty="0">
                 <a:ln>
                   <a:noFill/>
                 </a:ln>
@@ -14349,7 +13955,7 @@
               <a:t>34</a:t>
             </a:r>
             <a:r>
-              <a:rPr kumimoji="0" lang="ko-KR" altLang="ko-KR" sz="1500" b="0" i="0" u="none" strike="noStrike" cap="none" normalizeH="0" baseline="0" dirty="0" smtClean="0">
+              <a:rPr kumimoji="0" lang="ko-KR" altLang="ko-KR" sz="1500" b="0" i="0" u="none" strike="noStrike" cap="none" normalizeH="0" baseline="0" dirty="0">
                 <a:ln>
                   <a:noFill/>
                 </a:ln>
@@ -14363,7 +13969,7 @@
               <a:t>, </a:t>
             </a:r>
             <a:r>
-              <a:rPr kumimoji="0" lang="ko-KR" altLang="ko-KR" sz="1500" b="0" i="0" u="none" strike="noStrike" cap="none" normalizeH="0" baseline="0" dirty="0" smtClean="0">
+              <a:rPr kumimoji="0" lang="ko-KR" altLang="ko-KR" sz="1500" b="0" i="0" u="none" strike="noStrike" cap="none" normalizeH="0" baseline="0" dirty="0">
                 <a:ln>
                   <a:noFill/>
                 </a:ln>
@@ -14377,7 +13983,7 @@
               <a:t>53</a:t>
             </a:r>
             <a:r>
-              <a:rPr kumimoji="0" lang="ko-KR" altLang="ko-KR" sz="1500" b="0" i="0" u="none" strike="noStrike" cap="none" normalizeH="0" baseline="0" dirty="0" smtClean="0">
+              <a:rPr kumimoji="0" lang="ko-KR" altLang="ko-KR" sz="1500" b="0" i="0" u="none" strike="noStrike" cap="none" normalizeH="0" baseline="0" dirty="0">
                 <a:ln>
                   <a:noFill/>
                 </a:ln>
@@ -14391,7 +13997,7 @@
               <a:t>, </a:t>
             </a:r>
             <a:r>
-              <a:rPr kumimoji="0" lang="ko-KR" altLang="ko-KR" sz="1500" b="0" i="0" u="none" strike="noStrike" cap="none" normalizeH="0" baseline="0" dirty="0" smtClean="0">
+              <a:rPr kumimoji="0" lang="ko-KR" altLang="ko-KR" sz="1500" b="0" i="0" u="none" strike="noStrike" cap="none" normalizeH="0" baseline="0" dirty="0">
                 <a:ln>
                   <a:noFill/>
                 </a:ln>
@@ -14405,7 +14011,7 @@
               <a:t>24</a:t>
             </a:r>
             <a:r>
-              <a:rPr kumimoji="0" lang="ko-KR" altLang="ko-KR" sz="1500" b="0" i="0" u="none" strike="noStrike" cap="none" normalizeH="0" baseline="0" dirty="0" smtClean="0">
+              <a:rPr kumimoji="0" lang="ko-KR" altLang="ko-KR" sz="1500" b="0" i="0" u="none" strike="noStrike" cap="none" normalizeH="0" baseline="0" dirty="0">
                 <a:ln>
                   <a:noFill/>
                 </a:ln>
@@ -14419,7 +14025,7 @@
               <a:t>, </a:t>
             </a:r>
             <a:r>
-              <a:rPr kumimoji="0" lang="ko-KR" altLang="ko-KR" sz="1500" b="0" i="0" u="none" strike="noStrike" cap="none" normalizeH="0" baseline="0" dirty="0" smtClean="0">
+              <a:rPr kumimoji="0" lang="ko-KR" altLang="ko-KR" sz="1500" b="0" i="0" u="none" strike="noStrike" cap="none" normalizeH="0" baseline="0" dirty="0">
                 <a:ln>
                   <a:noFill/>
                 </a:ln>
@@ -14433,7 +14039,7 @@
               <a:t>54</a:t>
             </a:r>
             <a:r>
-              <a:rPr kumimoji="0" lang="ko-KR" altLang="ko-KR" sz="1500" b="0" i="0" u="none" strike="noStrike" cap="none" normalizeH="0" baseline="0" dirty="0" smtClean="0">
+              <a:rPr kumimoji="0" lang="ko-KR" altLang="ko-KR" sz="1500" b="0" i="0" u="none" strike="noStrike" cap="none" normalizeH="0" baseline="0" dirty="0">
                 <a:ln>
                   <a:noFill/>
                 </a:ln>
@@ -14447,7 +14053,7 @@
               <a:t>, </a:t>
             </a:r>
             <a:r>
-              <a:rPr kumimoji="0" lang="ko-KR" altLang="ko-KR" sz="1500" b="0" i="0" u="none" strike="noStrike" cap="none" normalizeH="0" baseline="0" dirty="0" smtClean="0">
+              <a:rPr kumimoji="0" lang="ko-KR" altLang="ko-KR" sz="1500" b="0" i="0" u="none" strike="noStrike" cap="none" normalizeH="0" baseline="0" dirty="0">
                 <a:ln>
                   <a:noFill/>
                 </a:ln>
@@ -14461,7 +14067,7 @@
               <a:t>24</a:t>
             </a:r>
             <a:r>
-              <a:rPr kumimoji="0" lang="ko-KR" altLang="ko-KR" sz="1500" b="0" i="0" u="none" strike="noStrike" cap="none" normalizeH="0" baseline="0" dirty="0" smtClean="0">
+              <a:rPr kumimoji="0" lang="ko-KR" altLang="ko-KR" sz="1500" b="0" i="0" u="none" strike="noStrike" cap="none" normalizeH="0" baseline="0" dirty="0">
                 <a:ln>
                   <a:noFill/>
                 </a:ln>
@@ -14475,7 +14081,7 @@
               <a:t>]</a:t>
             </a:r>
             <a:br>
-              <a:rPr kumimoji="0" lang="ko-KR" altLang="ko-KR" sz="1500" b="0" i="0" u="none" strike="noStrike" cap="none" normalizeH="0" baseline="0" dirty="0" smtClean="0">
+              <a:rPr kumimoji="0" lang="ko-KR" altLang="ko-KR" sz="1500" b="0" i="0" u="none" strike="noStrike" cap="none" normalizeH="0" baseline="0" dirty="0">
                 <a:ln>
                   <a:noFill/>
                 </a:ln>
@@ -14487,22 +14093,8 @@
                 <a:ea typeface="JetBrains Mono"/>
               </a:rPr>
             </a:br>
-            <a:r>
-              <a:rPr kumimoji="0" lang="ko-KR" altLang="ko-KR" sz="1500" b="0" i="0" u="none" strike="noStrike" cap="none" normalizeH="0" baseline="0" dirty="0" smtClean="0">
-                <a:ln>
-                  <a:noFill/>
-                </a:ln>
-                <a:solidFill>
-                  <a:srgbClr val="A9B7C6"/>
-                </a:solidFill>
-                <a:effectLst/>
-                <a:latin typeface="Arial Unicode MS"/>
-                <a:ea typeface="JetBrains Mono"/>
-              </a:rPr>
-              <a:t/>
-            </a:r>
             <a:br>
-              <a:rPr kumimoji="0" lang="ko-KR" altLang="ko-KR" sz="1500" b="0" i="0" u="none" strike="noStrike" cap="none" normalizeH="0" baseline="0" dirty="0" smtClean="0">
+              <a:rPr kumimoji="0" lang="ko-KR" altLang="ko-KR" sz="1500" b="0" i="0" u="none" strike="noStrike" cap="none" normalizeH="0" baseline="0" dirty="0">
                 <a:ln>
                   <a:noFill/>
                 </a:ln>
@@ -14515,7 +14107,7 @@
               </a:rPr>
             </a:br>
             <a:r>
-              <a:rPr kumimoji="0" lang="ko-KR" altLang="ko-KR" sz="1500" b="0" i="0" u="none" strike="noStrike" cap="none" normalizeH="0" baseline="0" dirty="0" err="1" smtClean="0">
+              <a:rPr kumimoji="0" lang="ko-KR" altLang="ko-KR" sz="1500" b="0" i="0" u="none" strike="noStrike" cap="none" normalizeH="0" baseline="0" dirty="0" err="1">
                 <a:ln>
                   <a:noFill/>
                 </a:ln>
@@ -14529,7 +14121,7 @@
               <a:t>plt.pie</a:t>
             </a:r>
             <a:r>
-              <a:rPr kumimoji="0" lang="ko-KR" altLang="ko-KR" sz="1500" b="0" i="0" u="none" strike="noStrike" cap="none" normalizeH="0" baseline="0" dirty="0" smtClean="0">
+              <a:rPr kumimoji="0" lang="ko-KR" altLang="ko-KR" sz="1500" b="0" i="0" u="none" strike="noStrike" cap="none" normalizeH="0" baseline="0" dirty="0">
                 <a:ln>
                   <a:noFill/>
                 </a:ln>
@@ -14543,7 +14135,7 @@
               <a:t>(</a:t>
             </a:r>
             <a:r>
-              <a:rPr kumimoji="0" lang="ko-KR" altLang="ko-KR" sz="1500" b="0" i="0" u="none" strike="noStrike" cap="none" normalizeH="0" baseline="0" dirty="0" err="1" smtClean="0">
+              <a:rPr kumimoji="0" lang="ko-KR" altLang="ko-KR" sz="1500" b="0" i="0" u="none" strike="noStrike" cap="none" normalizeH="0" baseline="0" dirty="0" err="1">
                 <a:ln>
                   <a:noFill/>
                 </a:ln>
@@ -14557,7 +14149,7 @@
               <a:t>gold</a:t>
             </a:r>
             <a:r>
-              <a:rPr kumimoji="0" lang="ko-KR" altLang="ko-KR" sz="1500" b="0" i="0" u="none" strike="noStrike" cap="none" normalizeH="0" baseline="0" dirty="0" smtClean="0">
+              <a:rPr kumimoji="0" lang="ko-KR" altLang="ko-KR" sz="1500" b="0" i="0" u="none" strike="noStrike" cap="none" normalizeH="0" baseline="0" dirty="0">
                 <a:ln>
                   <a:noFill/>
                 </a:ln>
@@ -14571,7 +14163,7 @@
               <a:t>, </a:t>
             </a:r>
             <a:r>
-              <a:rPr kumimoji="0" lang="ko-KR" altLang="ko-KR" sz="1500" b="0" i="0" u="none" strike="noStrike" cap="none" normalizeH="0" baseline="0" dirty="0" err="1" smtClean="0">
+              <a:rPr kumimoji="0" lang="ko-KR" altLang="ko-KR" sz="1500" b="0" i="0" u="none" strike="noStrike" cap="none" normalizeH="0" baseline="0" dirty="0" err="1">
                 <a:ln>
                   <a:noFill/>
                 </a:ln>
@@ -14585,7 +14177,7 @@
               <a:t>labels</a:t>
             </a:r>
             <a:r>
-              <a:rPr kumimoji="0" lang="ko-KR" altLang="ko-KR" sz="1500" b="0" i="0" u="none" strike="noStrike" cap="none" normalizeH="0" baseline="0" dirty="0" smtClean="0">
+              <a:rPr kumimoji="0" lang="ko-KR" altLang="ko-KR" sz="1500" b="0" i="0" u="none" strike="noStrike" cap="none" normalizeH="0" baseline="0" dirty="0">
                 <a:ln>
                   <a:noFill/>
                 </a:ln>
@@ -14599,7 +14191,7 @@
               <a:t>=</a:t>
             </a:r>
             <a:r>
-              <a:rPr kumimoji="0" lang="ko-KR" altLang="ko-KR" sz="1500" b="0" i="0" u="none" strike="noStrike" cap="none" normalizeH="0" baseline="0" dirty="0" err="1" smtClean="0">
+              <a:rPr kumimoji="0" lang="ko-KR" altLang="ko-KR" sz="1500" b="0" i="0" u="none" strike="noStrike" cap="none" normalizeH="0" baseline="0" dirty="0" err="1">
                 <a:ln>
                   <a:noFill/>
                 </a:ln>
@@ -14613,7 +14205,7 @@
               <a:t>countries</a:t>
             </a:r>
             <a:r>
-              <a:rPr kumimoji="0" lang="ko-KR" altLang="ko-KR" sz="1500" b="0" i="0" u="none" strike="noStrike" cap="none" normalizeH="0" baseline="0" dirty="0" smtClean="0">
+              <a:rPr kumimoji="0" lang="ko-KR" altLang="ko-KR" sz="1500" b="0" i="0" u="none" strike="noStrike" cap="none" normalizeH="0" baseline="0" dirty="0">
                 <a:ln>
                   <a:noFill/>
                 </a:ln>
@@ -14627,7 +14219,7 @@
               <a:t>, </a:t>
             </a:r>
             <a:r>
-              <a:rPr kumimoji="0" lang="ko-KR" altLang="ko-KR" sz="1500" b="0" i="0" u="none" strike="noStrike" cap="none" normalizeH="0" baseline="0" dirty="0" err="1" smtClean="0">
+              <a:rPr kumimoji="0" lang="ko-KR" altLang="ko-KR" sz="1500" b="0" i="0" u="none" strike="noStrike" cap="none" normalizeH="0" baseline="0" dirty="0" err="1">
                 <a:ln>
                   <a:noFill/>
                 </a:ln>
@@ -14641,7 +14233,7 @@
               <a:t>autopct</a:t>
             </a:r>
             <a:r>
-              <a:rPr kumimoji="0" lang="ko-KR" altLang="ko-KR" sz="1500" b="0" i="0" u="none" strike="noStrike" cap="none" normalizeH="0" baseline="0" dirty="0" smtClean="0">
+              <a:rPr kumimoji="0" lang="ko-KR" altLang="ko-KR" sz="1500" b="0" i="0" u="none" strike="noStrike" cap="none" normalizeH="0" baseline="0" dirty="0">
                 <a:ln>
                   <a:noFill/>
                 </a:ln>
@@ -14655,7 +14247,7 @@
               <a:t>=</a:t>
             </a:r>
             <a:r>
-              <a:rPr kumimoji="0" lang="ko-KR" altLang="ko-KR" sz="1500" b="0" i="0" u="none" strike="noStrike" cap="none" normalizeH="0" baseline="0" dirty="0" smtClean="0">
+              <a:rPr kumimoji="0" lang="ko-KR" altLang="ko-KR" sz="1500" b="0" i="0" u="none" strike="noStrike" cap="none" normalizeH="0" baseline="0" dirty="0">
                 <a:ln>
                   <a:noFill/>
                 </a:ln>
@@ -14669,7 +14261,7 @@
               <a:t>"%.1f%%"</a:t>
             </a:r>
             <a:r>
-              <a:rPr kumimoji="0" lang="ko-KR" altLang="ko-KR" sz="1500" b="0" i="0" u="none" strike="noStrike" cap="none" normalizeH="0" baseline="0" dirty="0" smtClean="0">
+              <a:rPr kumimoji="0" lang="ko-KR" altLang="ko-KR" sz="1500" b="0" i="0" u="none" strike="noStrike" cap="none" normalizeH="0" baseline="0" dirty="0">
                 <a:ln>
                   <a:noFill/>
                 </a:ln>
@@ -14683,7 +14275,7 @@
               <a:t>)</a:t>
             </a:r>
             <a:br>
-              <a:rPr kumimoji="0" lang="ko-KR" altLang="ko-KR" sz="1500" b="0" i="0" u="none" strike="noStrike" cap="none" normalizeH="0" baseline="0" dirty="0" smtClean="0">
+              <a:rPr kumimoji="0" lang="ko-KR" altLang="ko-KR" sz="1500" b="0" i="0" u="none" strike="noStrike" cap="none" normalizeH="0" baseline="0" dirty="0">
                 <a:ln>
                   <a:noFill/>
                 </a:ln>
@@ -14696,7 +14288,7 @@
               </a:rPr>
             </a:br>
             <a:r>
-              <a:rPr kumimoji="0" lang="ko-KR" altLang="ko-KR" sz="1500" b="0" i="0" u="none" strike="noStrike" cap="none" normalizeH="0" baseline="0" dirty="0" err="1" smtClean="0">
+              <a:rPr kumimoji="0" lang="ko-KR" altLang="ko-KR" sz="1500" b="0" i="0" u="none" strike="noStrike" cap="none" normalizeH="0" baseline="0" dirty="0" err="1">
                 <a:ln>
                   <a:noFill/>
                 </a:ln>
@@ -14710,7 +14302,7 @@
               <a:t>plt.title</a:t>
             </a:r>
             <a:r>
-              <a:rPr kumimoji="0" lang="ko-KR" altLang="ko-KR" sz="1500" b="0" i="0" u="none" strike="noStrike" cap="none" normalizeH="0" baseline="0" dirty="0" smtClean="0">
+              <a:rPr kumimoji="0" lang="ko-KR" altLang="ko-KR" sz="1500" b="0" i="0" u="none" strike="noStrike" cap="none" normalizeH="0" baseline="0" dirty="0">
                 <a:ln>
                   <a:noFill/>
                 </a:ln>
@@ -14724,7 +14316,7 @@
               <a:t>(</a:t>
             </a:r>
             <a:r>
-              <a:rPr kumimoji="0" lang="ko-KR" altLang="ko-KR" sz="1500" b="0" i="0" u="none" strike="noStrike" cap="none" normalizeH="0" baseline="0" dirty="0" smtClean="0">
+              <a:rPr kumimoji="0" lang="ko-KR" altLang="ko-KR" sz="1500" b="0" i="0" u="none" strike="noStrike" cap="none" normalizeH="0" baseline="0" dirty="0">
                 <a:ln>
                   <a:noFill/>
                 </a:ln>
@@ -14738,7 +14330,7 @@
               <a:t>'</a:t>
             </a:r>
             <a:r>
-              <a:rPr kumimoji="0" lang="ko-KR" altLang="ko-KR" sz="1500" b="0" i="0" u="none" strike="noStrike" cap="none" normalizeH="0" baseline="0" dirty="0" err="1" smtClean="0">
+              <a:rPr kumimoji="0" lang="ko-KR" altLang="ko-KR" sz="1500" b="0" i="0" u="none" strike="noStrike" cap="none" normalizeH="0" baseline="0" dirty="0" err="1">
                 <a:ln>
                   <a:noFill/>
                 </a:ln>
@@ -14752,7 +14344,7 @@
               <a:t>medal</a:t>
             </a:r>
             <a:r>
-              <a:rPr kumimoji="0" lang="ko-KR" altLang="ko-KR" sz="1500" b="0" i="0" u="none" strike="noStrike" cap="none" normalizeH="0" baseline="0" dirty="0" smtClean="0">
+              <a:rPr kumimoji="0" lang="ko-KR" altLang="ko-KR" sz="1500" b="0" i="0" u="none" strike="noStrike" cap="none" normalizeH="0" baseline="0" dirty="0">
                 <a:ln>
                   <a:noFill/>
                 </a:ln>
@@ -14766,7 +14358,7 @@
               <a:t>'</a:t>
             </a:r>
             <a:r>
-              <a:rPr kumimoji="0" lang="ko-KR" altLang="ko-KR" sz="1500" b="0" i="0" u="none" strike="noStrike" cap="none" normalizeH="0" baseline="0" dirty="0" smtClean="0">
+              <a:rPr kumimoji="0" lang="ko-KR" altLang="ko-KR" sz="1500" b="0" i="0" u="none" strike="noStrike" cap="none" normalizeH="0" baseline="0" dirty="0">
                 <a:ln>
                   <a:noFill/>
                 </a:ln>
@@ -14780,7 +14372,7 @@
               <a:t>)</a:t>
             </a:r>
             <a:br>
-              <a:rPr kumimoji="0" lang="ko-KR" altLang="ko-KR" sz="1500" b="0" i="0" u="none" strike="noStrike" cap="none" normalizeH="0" baseline="0" dirty="0" smtClean="0">
+              <a:rPr kumimoji="0" lang="ko-KR" altLang="ko-KR" sz="1500" b="0" i="0" u="none" strike="noStrike" cap="none" normalizeH="0" baseline="0" dirty="0">
                 <a:ln>
                   <a:noFill/>
                 </a:ln>
@@ -14793,7 +14385,7 @@
               </a:rPr>
             </a:br>
             <a:r>
-              <a:rPr kumimoji="0" lang="ko-KR" altLang="ko-KR" sz="1500" b="0" i="0" u="none" strike="noStrike" cap="none" normalizeH="0" baseline="0" dirty="0" err="1" smtClean="0">
+              <a:rPr kumimoji="0" lang="ko-KR" altLang="ko-KR" sz="1500" b="0" i="0" u="none" strike="noStrike" cap="none" normalizeH="0" baseline="0" dirty="0" err="1">
                 <a:ln>
                   <a:noFill/>
                 </a:ln>
@@ -14807,7 +14399,7 @@
               <a:t>plt.show</a:t>
             </a:r>
             <a:r>
-              <a:rPr kumimoji="0" lang="ko-KR" altLang="ko-KR" sz="1500" b="0" i="0" u="none" strike="noStrike" cap="none" normalizeH="0" baseline="0" dirty="0" smtClean="0">
+              <a:rPr kumimoji="0" lang="ko-KR" altLang="ko-KR" sz="1500" b="0" i="0" u="none" strike="noStrike" cap="none" normalizeH="0" baseline="0" dirty="0">
                 <a:ln>
                   <a:noFill/>
                 </a:ln>
@@ -14820,7 +14412,7 @@
               </a:rPr>
               <a:t>()</a:t>
             </a:r>
-            <a:endParaRPr kumimoji="0" lang="ko-KR" altLang="ko-KR" sz="1800" b="0" i="0" u="none" strike="noStrike" cap="none" normalizeH="0" baseline="0" dirty="0" smtClean="0">
+            <a:endParaRPr kumimoji="0" lang="ko-KR" altLang="ko-KR" sz="1800" b="0" i="0" u="none" strike="noStrike" cap="none" normalizeH="0" baseline="0" dirty="0">
               <a:ln>
                 <a:noFill/>
               </a:ln>
@@ -14843,13 +14435,6 @@
   <p:clrMapOvr>
     <a:masterClrMapping/>
   </p:clrMapOvr>
-  <p:timing>
-    <p:tnLst>
-      <p:par>
-        <p:cTn id="1" dur="indefinite" restart="never" nodeType="tmRoot"/>
-      </p:par>
-    </p:tnLst>
-  </p:timing>
 </p:sld>
 </file>
 
@@ -14892,11 +14477,11 @@
           <a:lstStyle/>
           <a:p>
             <a:r>
-              <a:rPr lang="ko-KR" altLang="en-US" dirty="0" smtClean="0"/>
+              <a:rPr lang="ko-KR" altLang="en-US" dirty="0"/>
               <a:t>원 그래프를 그려보자 </a:t>
             </a:r>
             <a:r>
-              <a:rPr lang="en-US" altLang="ko-KR" dirty="0" smtClean="0"/>
+              <a:rPr lang="en-US" altLang="ko-KR" dirty="0"/>
               <a:t>2</a:t>
             </a:r>
             <a:endParaRPr lang="ko-KR" altLang="en-US" dirty="0"/>
@@ -14925,29 +14510,29 @@
           <a:lstStyle/>
           <a:p>
             <a:r>
-              <a:rPr lang="en-US" altLang="ko-KR" dirty="0" smtClean="0"/>
+              <a:rPr lang="en-US" altLang="ko-KR" dirty="0"/>
               <a:t>explode </a:t>
             </a:r>
             <a:r>
-              <a:rPr lang="ko-KR" altLang="en-US" dirty="0" smtClean="0"/>
+              <a:rPr lang="ko-KR" altLang="en-US" dirty="0"/>
               <a:t>를 사용하여 원의 조각을 이동시킨다</a:t>
             </a:r>
             <a:r>
-              <a:rPr lang="en-US" altLang="ko-KR" dirty="0" smtClean="0"/>
+              <a:rPr lang="en-US" altLang="ko-KR" dirty="0"/>
               <a:t>.</a:t>
             </a:r>
           </a:p>
           <a:p>
             <a:r>
-              <a:rPr lang="en-US" altLang="ko-KR" dirty="0" smtClean="0"/>
+              <a:rPr lang="en-US" altLang="ko-KR" dirty="0"/>
               <a:t>colors </a:t>
             </a:r>
             <a:r>
-              <a:rPr lang="ko-KR" altLang="en-US" dirty="0" smtClean="0"/>
+              <a:rPr lang="ko-KR" altLang="en-US" dirty="0"/>
               <a:t>를 이용하여 색을 지정할 수 있다</a:t>
             </a:r>
             <a:r>
-              <a:rPr lang="en-US" altLang="ko-KR" dirty="0" smtClean="0"/>
+              <a:rPr lang="en-US" altLang="ko-KR" dirty="0"/>
               <a:t>.</a:t>
             </a:r>
             <a:endParaRPr lang="ko-KR" altLang="en-US" dirty="0"/>
@@ -15025,7 +14610,7 @@
               <a:tabLst/>
             </a:pPr>
             <a:r>
-              <a:rPr kumimoji="0" lang="ko-KR" altLang="ko-KR" sz="1500" b="0" i="0" u="none" strike="noStrike" cap="none" normalizeH="0" baseline="0" smtClean="0">
+              <a:rPr kumimoji="0" lang="ko-KR" altLang="ko-KR" sz="1500" b="0" i="0" u="none" strike="noStrike" cap="none" normalizeH="0" baseline="0">
                 <a:ln>
                   <a:noFill/>
                 </a:ln>
@@ -15039,7 +14624,7 @@
               <a:t>import </a:t>
             </a:r>
             <a:r>
-              <a:rPr kumimoji="0" lang="ko-KR" altLang="ko-KR" sz="1500" b="0" i="0" u="none" strike="noStrike" cap="none" normalizeH="0" baseline="0" smtClean="0">
+              <a:rPr kumimoji="0" lang="ko-KR" altLang="ko-KR" sz="1500" b="0" i="0" u="none" strike="noStrike" cap="none" normalizeH="0" baseline="0">
                 <a:ln>
                   <a:noFill/>
                 </a:ln>
@@ -15053,7 +14638,7 @@
               <a:t>matplotlib.pyplot </a:t>
             </a:r>
             <a:r>
-              <a:rPr kumimoji="0" lang="ko-KR" altLang="ko-KR" sz="1500" b="0" i="0" u="none" strike="noStrike" cap="none" normalizeH="0" baseline="0" smtClean="0">
+              <a:rPr kumimoji="0" lang="ko-KR" altLang="ko-KR" sz="1500" b="0" i="0" u="none" strike="noStrike" cap="none" normalizeH="0" baseline="0">
                 <a:ln>
                   <a:noFill/>
                 </a:ln>
@@ -15067,7 +14652,7 @@
               <a:t>as </a:t>
             </a:r>
             <a:r>
-              <a:rPr kumimoji="0" lang="ko-KR" altLang="ko-KR" sz="1500" b="0" i="0" u="none" strike="noStrike" cap="none" normalizeH="0" baseline="0" smtClean="0">
+              <a:rPr kumimoji="0" lang="ko-KR" altLang="ko-KR" sz="1500" b="0" i="0" u="none" strike="noStrike" cap="none" normalizeH="0" baseline="0">
                 <a:ln>
                   <a:noFill/>
                 </a:ln>
@@ -15081,7 +14666,7 @@
               <a:t>plt</a:t>
             </a:r>
             <a:br>
-              <a:rPr kumimoji="0" lang="ko-KR" altLang="ko-KR" sz="1500" b="0" i="0" u="none" strike="noStrike" cap="none" normalizeH="0" baseline="0" smtClean="0">
+              <a:rPr kumimoji="0" lang="ko-KR" altLang="ko-KR" sz="1500" b="0" i="0" u="none" strike="noStrike" cap="none" normalizeH="0" baseline="0">
                 <a:ln>
                   <a:noFill/>
                 </a:ln>
@@ -15093,22 +14678,8 @@
                 <a:ea typeface="JetBrains Mono"/>
               </a:rPr>
             </a:br>
-            <a:r>
-              <a:rPr kumimoji="0" lang="ko-KR" altLang="ko-KR" sz="1500" b="0" i="0" u="none" strike="noStrike" cap="none" normalizeH="0" baseline="0" smtClean="0">
-                <a:ln>
-                  <a:noFill/>
-                </a:ln>
-                <a:solidFill>
-                  <a:srgbClr val="A9B7C6"/>
-                </a:solidFill>
-                <a:effectLst/>
-                <a:latin typeface="Arial Unicode MS"/>
-                <a:ea typeface="JetBrains Mono"/>
-              </a:rPr>
-              <a:t/>
-            </a:r>
             <a:br>
-              <a:rPr kumimoji="0" lang="ko-KR" altLang="ko-KR" sz="1500" b="0" i="0" u="none" strike="noStrike" cap="none" normalizeH="0" baseline="0" smtClean="0">
+              <a:rPr kumimoji="0" lang="ko-KR" altLang="ko-KR" sz="1500" b="0" i="0" u="none" strike="noStrike" cap="none" normalizeH="0" baseline="0">
                 <a:ln>
                   <a:noFill/>
                 </a:ln>
@@ -15120,22 +14691,8 @@
                 <a:ea typeface="JetBrains Mono"/>
               </a:rPr>
             </a:br>
-            <a:r>
-              <a:rPr kumimoji="0" lang="ko-KR" altLang="ko-KR" sz="1500" b="0" i="0" u="none" strike="noStrike" cap="none" normalizeH="0" baseline="0" smtClean="0">
-                <a:ln>
-                  <a:noFill/>
-                </a:ln>
-                <a:solidFill>
-                  <a:srgbClr val="A9B7C6"/>
-                </a:solidFill>
-                <a:effectLst/>
-                <a:latin typeface="Arial Unicode MS"/>
-                <a:ea typeface="JetBrains Mono"/>
-              </a:rPr>
-              <a:t/>
-            </a:r>
             <a:br>
-              <a:rPr kumimoji="0" lang="ko-KR" altLang="ko-KR" sz="1500" b="0" i="0" u="none" strike="noStrike" cap="none" normalizeH="0" baseline="0" smtClean="0">
+              <a:rPr kumimoji="0" lang="ko-KR" altLang="ko-KR" sz="1500" b="0" i="0" u="none" strike="noStrike" cap="none" normalizeH="0" baseline="0">
                 <a:ln>
                   <a:noFill/>
                 </a:ln>
@@ -15148,7 +14705,7 @@
               </a:rPr>
             </a:br>
             <a:r>
-              <a:rPr kumimoji="0" lang="ko-KR" altLang="ko-KR" sz="1500" b="0" i="0" u="none" strike="noStrike" cap="none" normalizeH="0" baseline="0" smtClean="0">
+              <a:rPr kumimoji="0" lang="ko-KR" altLang="ko-KR" sz="1500" b="0" i="0" u="none" strike="noStrike" cap="none" normalizeH="0" baseline="0">
                 <a:ln>
                   <a:noFill/>
                 </a:ln>
@@ -15162,7 +14719,7 @@
               <a:t>countries = [</a:t>
             </a:r>
             <a:r>
-              <a:rPr kumimoji="0" lang="ko-KR" altLang="ko-KR" sz="1500" b="0" i="0" u="none" strike="noStrike" cap="none" normalizeH="0" baseline="0" smtClean="0">
+              <a:rPr kumimoji="0" lang="ko-KR" altLang="ko-KR" sz="1500" b="0" i="0" u="none" strike="noStrike" cap="none" normalizeH="0" baseline="0">
                 <a:ln>
                   <a:noFill/>
                 </a:ln>
@@ -15176,7 +14733,7 @@
               <a:t>'USA'</a:t>
             </a:r>
             <a:r>
-              <a:rPr kumimoji="0" lang="ko-KR" altLang="ko-KR" sz="1500" b="0" i="0" u="none" strike="noStrike" cap="none" normalizeH="0" baseline="0" smtClean="0">
+              <a:rPr kumimoji="0" lang="ko-KR" altLang="ko-KR" sz="1500" b="0" i="0" u="none" strike="noStrike" cap="none" normalizeH="0" baseline="0">
                 <a:ln>
                   <a:noFill/>
                 </a:ln>
@@ -15190,7 +14747,7 @@
               <a:t>, </a:t>
             </a:r>
             <a:r>
-              <a:rPr kumimoji="0" lang="ko-KR" altLang="ko-KR" sz="1500" b="0" i="0" u="none" strike="noStrike" cap="none" normalizeH="0" baseline="0" smtClean="0">
+              <a:rPr kumimoji="0" lang="ko-KR" altLang="ko-KR" sz="1500" b="0" i="0" u="none" strike="noStrike" cap="none" normalizeH="0" baseline="0">
                 <a:ln>
                   <a:noFill/>
                 </a:ln>
@@ -15204,7 +14761,7 @@
               <a:t>'GBR'</a:t>
             </a:r>
             <a:r>
-              <a:rPr kumimoji="0" lang="ko-KR" altLang="ko-KR" sz="1500" b="0" i="0" u="none" strike="noStrike" cap="none" normalizeH="0" baseline="0" smtClean="0">
+              <a:rPr kumimoji="0" lang="ko-KR" altLang="ko-KR" sz="1500" b="0" i="0" u="none" strike="noStrike" cap="none" normalizeH="0" baseline="0">
                 <a:ln>
                   <a:noFill/>
                 </a:ln>
@@ -15218,7 +14775,7 @@
               <a:t>, </a:t>
             </a:r>
             <a:r>
-              <a:rPr kumimoji="0" lang="ko-KR" altLang="ko-KR" sz="1500" b="0" i="0" u="none" strike="noStrike" cap="none" normalizeH="0" baseline="0" smtClean="0">
+              <a:rPr kumimoji="0" lang="ko-KR" altLang="ko-KR" sz="1500" b="0" i="0" u="none" strike="noStrike" cap="none" normalizeH="0" baseline="0">
                 <a:ln>
                   <a:noFill/>
                 </a:ln>
@@ -15232,7 +14789,7 @@
               <a:t>"China"</a:t>
             </a:r>
             <a:r>
-              <a:rPr kumimoji="0" lang="ko-KR" altLang="ko-KR" sz="1500" b="0" i="0" u="none" strike="noStrike" cap="none" normalizeH="0" baseline="0" smtClean="0">
+              <a:rPr kumimoji="0" lang="ko-KR" altLang="ko-KR" sz="1500" b="0" i="0" u="none" strike="noStrike" cap="none" normalizeH="0" baseline="0">
                 <a:ln>
                   <a:noFill/>
                 </a:ln>
@@ -15246,7 +14803,7 @@
               <a:t>, </a:t>
             </a:r>
             <a:r>
-              <a:rPr kumimoji="0" lang="ko-KR" altLang="ko-KR" sz="1500" b="0" i="0" u="none" strike="noStrike" cap="none" normalizeH="0" baseline="0" smtClean="0">
+              <a:rPr kumimoji="0" lang="ko-KR" altLang="ko-KR" sz="1500" b="0" i="0" u="none" strike="noStrike" cap="none" normalizeH="0" baseline="0">
                 <a:ln>
                   <a:noFill/>
                 </a:ln>
@@ -15260,7 +14817,7 @@
               <a:t>'Russia'</a:t>
             </a:r>
             <a:r>
-              <a:rPr kumimoji="0" lang="ko-KR" altLang="ko-KR" sz="1500" b="0" i="0" u="none" strike="noStrike" cap="none" normalizeH="0" baseline="0" smtClean="0">
+              <a:rPr kumimoji="0" lang="ko-KR" altLang="ko-KR" sz="1500" b="0" i="0" u="none" strike="noStrike" cap="none" normalizeH="0" baseline="0">
                 <a:ln>
                   <a:noFill/>
                 </a:ln>
@@ -15274,7 +14831,7 @@
               <a:t>, </a:t>
             </a:r>
             <a:r>
-              <a:rPr kumimoji="0" lang="ko-KR" altLang="ko-KR" sz="1500" b="0" i="0" u="none" strike="noStrike" cap="none" normalizeH="0" baseline="0" smtClean="0">
+              <a:rPr kumimoji="0" lang="ko-KR" altLang="ko-KR" sz="1500" b="0" i="0" u="none" strike="noStrike" cap="none" normalizeH="0" baseline="0">
                 <a:ln>
                   <a:noFill/>
                 </a:ln>
@@ -15288,7 +14845,7 @@
               <a:t>'Germany'</a:t>
             </a:r>
             <a:r>
-              <a:rPr kumimoji="0" lang="ko-KR" altLang="ko-KR" sz="1500" b="0" i="0" u="none" strike="noStrike" cap="none" normalizeH="0" baseline="0" smtClean="0">
+              <a:rPr kumimoji="0" lang="ko-KR" altLang="ko-KR" sz="1500" b="0" i="0" u="none" strike="noStrike" cap="none" normalizeH="0" baseline="0">
                 <a:ln>
                   <a:noFill/>
                 </a:ln>
@@ -15302,7 +14859,7 @@
               <a:t>]</a:t>
             </a:r>
             <a:br>
-              <a:rPr kumimoji="0" lang="ko-KR" altLang="ko-KR" sz="1500" b="0" i="0" u="none" strike="noStrike" cap="none" normalizeH="0" baseline="0" smtClean="0">
+              <a:rPr kumimoji="0" lang="ko-KR" altLang="ko-KR" sz="1500" b="0" i="0" u="none" strike="noStrike" cap="none" normalizeH="0" baseline="0">
                 <a:ln>
                   <a:noFill/>
                 </a:ln>
@@ -15315,7 +14872,7 @@
               </a:rPr>
             </a:br>
             <a:r>
-              <a:rPr kumimoji="0" lang="ko-KR" altLang="ko-KR" sz="1500" b="0" i="0" u="none" strike="noStrike" cap="none" normalizeH="0" baseline="0" smtClean="0">
+              <a:rPr kumimoji="0" lang="ko-KR" altLang="ko-KR" sz="1500" b="0" i="0" u="none" strike="noStrike" cap="none" normalizeH="0" baseline="0">
                 <a:ln>
                   <a:noFill/>
                 </a:ln>
@@ -15329,7 +14886,7 @@
               <a:t>gold = [</a:t>
             </a:r>
             <a:r>
-              <a:rPr kumimoji="0" lang="ko-KR" altLang="ko-KR" sz="1500" b="0" i="0" u="none" strike="noStrike" cap="none" normalizeH="0" baseline="0" smtClean="0">
+              <a:rPr kumimoji="0" lang="ko-KR" altLang="ko-KR" sz="1500" b="0" i="0" u="none" strike="noStrike" cap="none" normalizeH="0" baseline="0">
                 <a:ln>
                   <a:noFill/>
                 </a:ln>
@@ -15343,7 +14900,7 @@
               <a:t>34</a:t>
             </a:r>
             <a:r>
-              <a:rPr kumimoji="0" lang="ko-KR" altLang="ko-KR" sz="1500" b="0" i="0" u="none" strike="noStrike" cap="none" normalizeH="0" baseline="0" smtClean="0">
+              <a:rPr kumimoji="0" lang="ko-KR" altLang="ko-KR" sz="1500" b="0" i="0" u="none" strike="noStrike" cap="none" normalizeH="0" baseline="0">
                 <a:ln>
                   <a:noFill/>
                 </a:ln>
@@ -15357,7 +14914,7 @@
               <a:t>, </a:t>
             </a:r>
             <a:r>
-              <a:rPr kumimoji="0" lang="ko-KR" altLang="ko-KR" sz="1500" b="0" i="0" u="none" strike="noStrike" cap="none" normalizeH="0" baseline="0" smtClean="0">
+              <a:rPr kumimoji="0" lang="ko-KR" altLang="ko-KR" sz="1500" b="0" i="0" u="none" strike="noStrike" cap="none" normalizeH="0" baseline="0">
                 <a:ln>
                   <a:noFill/>
                 </a:ln>
@@ -15371,7 +14928,7 @@
               <a:t>53</a:t>
             </a:r>
             <a:r>
-              <a:rPr kumimoji="0" lang="ko-KR" altLang="ko-KR" sz="1500" b="0" i="0" u="none" strike="noStrike" cap="none" normalizeH="0" baseline="0" smtClean="0">
+              <a:rPr kumimoji="0" lang="ko-KR" altLang="ko-KR" sz="1500" b="0" i="0" u="none" strike="noStrike" cap="none" normalizeH="0" baseline="0">
                 <a:ln>
                   <a:noFill/>
                 </a:ln>
@@ -15385,7 +14942,7 @@
               <a:t>, </a:t>
             </a:r>
             <a:r>
-              <a:rPr kumimoji="0" lang="ko-KR" altLang="ko-KR" sz="1500" b="0" i="0" u="none" strike="noStrike" cap="none" normalizeH="0" baseline="0" smtClean="0">
+              <a:rPr kumimoji="0" lang="ko-KR" altLang="ko-KR" sz="1500" b="0" i="0" u="none" strike="noStrike" cap="none" normalizeH="0" baseline="0">
                 <a:ln>
                   <a:noFill/>
                 </a:ln>
@@ -15399,7 +14956,7 @@
               <a:t>24</a:t>
             </a:r>
             <a:r>
-              <a:rPr kumimoji="0" lang="ko-KR" altLang="ko-KR" sz="1500" b="0" i="0" u="none" strike="noStrike" cap="none" normalizeH="0" baseline="0" smtClean="0">
+              <a:rPr kumimoji="0" lang="ko-KR" altLang="ko-KR" sz="1500" b="0" i="0" u="none" strike="noStrike" cap="none" normalizeH="0" baseline="0">
                 <a:ln>
                   <a:noFill/>
                 </a:ln>
@@ -15413,7 +14970,7 @@
               <a:t>, </a:t>
             </a:r>
             <a:r>
-              <a:rPr kumimoji="0" lang="ko-KR" altLang="ko-KR" sz="1500" b="0" i="0" u="none" strike="noStrike" cap="none" normalizeH="0" baseline="0" smtClean="0">
+              <a:rPr kumimoji="0" lang="ko-KR" altLang="ko-KR" sz="1500" b="0" i="0" u="none" strike="noStrike" cap="none" normalizeH="0" baseline="0">
                 <a:ln>
                   <a:noFill/>
                 </a:ln>
@@ -15427,7 +14984,7 @@
               <a:t>54</a:t>
             </a:r>
             <a:r>
-              <a:rPr kumimoji="0" lang="ko-KR" altLang="ko-KR" sz="1500" b="0" i="0" u="none" strike="noStrike" cap="none" normalizeH="0" baseline="0" smtClean="0">
+              <a:rPr kumimoji="0" lang="ko-KR" altLang="ko-KR" sz="1500" b="0" i="0" u="none" strike="noStrike" cap="none" normalizeH="0" baseline="0">
                 <a:ln>
                   <a:noFill/>
                 </a:ln>
@@ -15441,7 +14998,7 @@
               <a:t>, </a:t>
             </a:r>
             <a:r>
-              <a:rPr kumimoji="0" lang="ko-KR" altLang="ko-KR" sz="1500" b="0" i="0" u="none" strike="noStrike" cap="none" normalizeH="0" baseline="0" smtClean="0">
+              <a:rPr kumimoji="0" lang="ko-KR" altLang="ko-KR" sz="1500" b="0" i="0" u="none" strike="noStrike" cap="none" normalizeH="0" baseline="0">
                 <a:ln>
                   <a:noFill/>
                 </a:ln>
@@ -15455,7 +15012,7 @@
               <a:t>24</a:t>
             </a:r>
             <a:r>
-              <a:rPr kumimoji="0" lang="ko-KR" altLang="ko-KR" sz="1500" b="0" i="0" u="none" strike="noStrike" cap="none" normalizeH="0" baseline="0" smtClean="0">
+              <a:rPr kumimoji="0" lang="ko-KR" altLang="ko-KR" sz="1500" b="0" i="0" u="none" strike="noStrike" cap="none" normalizeH="0" baseline="0">
                 <a:ln>
                   <a:noFill/>
                 </a:ln>
@@ -15469,7 +15026,7 @@
               <a:t>]</a:t>
             </a:r>
             <a:br>
-              <a:rPr kumimoji="0" lang="ko-KR" altLang="ko-KR" sz="1500" b="0" i="0" u="none" strike="noStrike" cap="none" normalizeH="0" baseline="0" smtClean="0">
+              <a:rPr kumimoji="0" lang="ko-KR" altLang="ko-KR" sz="1500" b="0" i="0" u="none" strike="noStrike" cap="none" normalizeH="0" baseline="0">
                 <a:ln>
                   <a:noFill/>
                 </a:ln>
@@ -15482,7 +15039,7 @@
               </a:rPr>
             </a:br>
             <a:r>
-              <a:rPr kumimoji="0" lang="ko-KR" altLang="ko-KR" sz="1500" b="0" i="0" u="none" strike="noStrike" cap="none" normalizeH="0" baseline="0" smtClean="0">
+              <a:rPr kumimoji="0" lang="ko-KR" altLang="ko-KR" sz="1500" b="0" i="0" u="none" strike="noStrike" cap="none" normalizeH="0" baseline="0">
                 <a:ln>
                   <a:noFill/>
                 </a:ln>
@@ -15496,7 +15053,7 @@
               <a:t>colors= [</a:t>
             </a:r>
             <a:r>
-              <a:rPr kumimoji="0" lang="ko-KR" altLang="ko-KR" sz="1500" b="0" i="0" u="none" strike="noStrike" cap="none" normalizeH="0" baseline="0" smtClean="0">
+              <a:rPr kumimoji="0" lang="ko-KR" altLang="ko-KR" sz="1500" b="0" i="0" u="none" strike="noStrike" cap="none" normalizeH="0" baseline="0">
                 <a:ln>
                   <a:noFill/>
                 </a:ln>
@@ -15510,7 +15067,7 @@
               <a:t>'red'</a:t>
             </a:r>
             <a:r>
-              <a:rPr kumimoji="0" lang="ko-KR" altLang="ko-KR" sz="1500" b="0" i="0" u="none" strike="noStrike" cap="none" normalizeH="0" baseline="0" smtClean="0">
+              <a:rPr kumimoji="0" lang="ko-KR" altLang="ko-KR" sz="1500" b="0" i="0" u="none" strike="noStrike" cap="none" normalizeH="0" baseline="0">
                 <a:ln>
                   <a:noFill/>
                 </a:ln>
@@ -15524,7 +15081,7 @@
               <a:t>, </a:t>
             </a:r>
             <a:r>
-              <a:rPr kumimoji="0" lang="ko-KR" altLang="ko-KR" sz="1500" b="0" i="0" u="none" strike="noStrike" cap="none" normalizeH="0" baseline="0" smtClean="0">
+              <a:rPr kumimoji="0" lang="ko-KR" altLang="ko-KR" sz="1500" b="0" i="0" u="none" strike="noStrike" cap="none" normalizeH="0" baseline="0">
                 <a:ln>
                   <a:noFill/>
                 </a:ln>
@@ -15538,7 +15095,7 @@
               <a:t>'green'</a:t>
             </a:r>
             <a:r>
-              <a:rPr kumimoji="0" lang="ko-KR" altLang="ko-KR" sz="1500" b="0" i="0" u="none" strike="noStrike" cap="none" normalizeH="0" baseline="0" smtClean="0">
+              <a:rPr kumimoji="0" lang="ko-KR" altLang="ko-KR" sz="1500" b="0" i="0" u="none" strike="noStrike" cap="none" normalizeH="0" baseline="0">
                 <a:ln>
                   <a:noFill/>
                 </a:ln>
@@ -15552,7 +15109,7 @@
               <a:t>, </a:t>
             </a:r>
             <a:r>
-              <a:rPr kumimoji="0" lang="ko-KR" altLang="ko-KR" sz="1500" b="0" i="0" u="none" strike="noStrike" cap="none" normalizeH="0" baseline="0" smtClean="0">
+              <a:rPr kumimoji="0" lang="ko-KR" altLang="ko-KR" sz="1500" b="0" i="0" u="none" strike="noStrike" cap="none" normalizeH="0" baseline="0">
                 <a:ln>
                   <a:noFill/>
                 </a:ln>
@@ -15566,7 +15123,7 @@
               <a:t>'blue'</a:t>
             </a:r>
             <a:r>
-              <a:rPr kumimoji="0" lang="ko-KR" altLang="ko-KR" sz="1500" b="0" i="0" u="none" strike="noStrike" cap="none" normalizeH="0" baseline="0" smtClean="0">
+              <a:rPr kumimoji="0" lang="ko-KR" altLang="ko-KR" sz="1500" b="0" i="0" u="none" strike="noStrike" cap="none" normalizeH="0" baseline="0">
                 <a:ln>
                   <a:noFill/>
                 </a:ln>
@@ -15580,7 +15137,7 @@
               <a:t>, </a:t>
             </a:r>
             <a:r>
-              <a:rPr kumimoji="0" lang="ko-KR" altLang="ko-KR" sz="1500" b="0" i="0" u="none" strike="noStrike" cap="none" normalizeH="0" baseline="0" smtClean="0">
+              <a:rPr kumimoji="0" lang="ko-KR" altLang="ko-KR" sz="1500" b="0" i="0" u="none" strike="noStrike" cap="none" normalizeH="0" baseline="0">
                 <a:ln>
                   <a:noFill/>
                 </a:ln>
@@ -15594,7 +15151,7 @@
               <a:t>'yellow'</a:t>
             </a:r>
             <a:r>
-              <a:rPr kumimoji="0" lang="ko-KR" altLang="ko-KR" sz="1500" b="0" i="0" u="none" strike="noStrike" cap="none" normalizeH="0" baseline="0" smtClean="0">
+              <a:rPr kumimoji="0" lang="ko-KR" altLang="ko-KR" sz="1500" b="0" i="0" u="none" strike="noStrike" cap="none" normalizeH="0" baseline="0">
                 <a:ln>
                   <a:noFill/>
                 </a:ln>
@@ -15608,7 +15165,7 @@
               <a:t>, </a:t>
             </a:r>
             <a:r>
-              <a:rPr kumimoji="0" lang="ko-KR" altLang="ko-KR" sz="1500" b="0" i="0" u="none" strike="noStrike" cap="none" normalizeH="0" baseline="0" smtClean="0">
+              <a:rPr kumimoji="0" lang="ko-KR" altLang="ko-KR" sz="1500" b="0" i="0" u="none" strike="noStrike" cap="none" normalizeH="0" baseline="0">
                 <a:ln>
                   <a:noFill/>
                 </a:ln>
@@ -15622,7 +15179,7 @@
               <a:t>'cyan'</a:t>
             </a:r>
             <a:r>
-              <a:rPr kumimoji="0" lang="ko-KR" altLang="ko-KR" sz="1500" b="0" i="0" u="none" strike="noStrike" cap="none" normalizeH="0" baseline="0" smtClean="0">
+              <a:rPr kumimoji="0" lang="ko-KR" altLang="ko-KR" sz="1500" b="0" i="0" u="none" strike="noStrike" cap="none" normalizeH="0" baseline="0">
                 <a:ln>
                   <a:noFill/>
                 </a:ln>
@@ -15636,7 +15193,7 @@
               <a:t>]</a:t>
             </a:r>
             <a:br>
-              <a:rPr kumimoji="0" lang="ko-KR" altLang="ko-KR" sz="1500" b="0" i="0" u="none" strike="noStrike" cap="none" normalizeH="0" baseline="0" smtClean="0">
+              <a:rPr kumimoji="0" lang="ko-KR" altLang="ko-KR" sz="1500" b="0" i="0" u="none" strike="noStrike" cap="none" normalizeH="0" baseline="0">
                 <a:ln>
                   <a:noFill/>
                 </a:ln>
@@ -15649,7 +15206,7 @@
               </a:rPr>
             </a:br>
             <a:r>
-              <a:rPr kumimoji="0" lang="ko-KR" altLang="ko-KR" sz="1500" b="0" i="0" u="none" strike="noStrike" cap="none" normalizeH="0" baseline="0" smtClean="0">
+              <a:rPr kumimoji="0" lang="ko-KR" altLang="ko-KR" sz="1500" b="0" i="0" u="none" strike="noStrike" cap="none" normalizeH="0" baseline="0">
                 <a:ln>
                   <a:noFill/>
                 </a:ln>
@@ -15663,7 +15220,7 @@
               <a:t>explode=[</a:t>
             </a:r>
             <a:r>
-              <a:rPr kumimoji="0" lang="ko-KR" altLang="ko-KR" sz="1500" b="0" i="0" u="none" strike="noStrike" cap="none" normalizeH="0" baseline="0" smtClean="0">
+              <a:rPr kumimoji="0" lang="ko-KR" altLang="ko-KR" sz="1500" b="0" i="0" u="none" strike="noStrike" cap="none" normalizeH="0" baseline="0">
                 <a:ln>
                   <a:noFill/>
                 </a:ln>
@@ -15677,7 +15234,7 @@
               <a:t>0</a:t>
             </a:r>
             <a:r>
-              <a:rPr kumimoji="0" lang="ko-KR" altLang="ko-KR" sz="1500" b="0" i="0" u="none" strike="noStrike" cap="none" normalizeH="0" baseline="0" smtClean="0">
+              <a:rPr kumimoji="0" lang="ko-KR" altLang="ko-KR" sz="1500" b="0" i="0" u="none" strike="noStrike" cap="none" normalizeH="0" baseline="0">
                 <a:ln>
                   <a:noFill/>
                 </a:ln>
@@ -15691,7 +15248,7 @@
               <a:t>, </a:t>
             </a:r>
             <a:r>
-              <a:rPr kumimoji="0" lang="ko-KR" altLang="ko-KR" sz="1500" b="0" i="0" u="none" strike="noStrike" cap="none" normalizeH="0" baseline="0" smtClean="0">
+              <a:rPr kumimoji="0" lang="ko-KR" altLang="ko-KR" sz="1500" b="0" i="0" u="none" strike="noStrike" cap="none" normalizeH="0" baseline="0">
                 <a:ln>
                   <a:noFill/>
                 </a:ln>
@@ -15705,7 +15262,7 @@
               <a:t>0.1</a:t>
             </a:r>
             <a:r>
-              <a:rPr kumimoji="0" lang="ko-KR" altLang="ko-KR" sz="1500" b="0" i="0" u="none" strike="noStrike" cap="none" normalizeH="0" baseline="0" smtClean="0">
+              <a:rPr kumimoji="0" lang="ko-KR" altLang="ko-KR" sz="1500" b="0" i="0" u="none" strike="noStrike" cap="none" normalizeH="0" baseline="0">
                 <a:ln>
                   <a:noFill/>
                 </a:ln>
@@ -15719,7 +15276,7 @@
               <a:t>, </a:t>
             </a:r>
             <a:r>
-              <a:rPr kumimoji="0" lang="ko-KR" altLang="ko-KR" sz="1500" b="0" i="0" u="none" strike="noStrike" cap="none" normalizeH="0" baseline="0" smtClean="0">
+              <a:rPr kumimoji="0" lang="ko-KR" altLang="ko-KR" sz="1500" b="0" i="0" u="none" strike="noStrike" cap="none" normalizeH="0" baseline="0">
                 <a:ln>
                   <a:noFill/>
                 </a:ln>
@@ -15733,7 +15290,7 @@
               <a:t>0.2</a:t>
             </a:r>
             <a:r>
-              <a:rPr kumimoji="0" lang="ko-KR" altLang="ko-KR" sz="1500" b="0" i="0" u="none" strike="noStrike" cap="none" normalizeH="0" baseline="0" smtClean="0">
+              <a:rPr kumimoji="0" lang="ko-KR" altLang="ko-KR" sz="1500" b="0" i="0" u="none" strike="noStrike" cap="none" normalizeH="0" baseline="0">
                 <a:ln>
                   <a:noFill/>
                 </a:ln>
@@ -15747,7 +15304,7 @@
               <a:t>, </a:t>
             </a:r>
             <a:r>
-              <a:rPr kumimoji="0" lang="ko-KR" altLang="ko-KR" sz="1500" b="0" i="0" u="none" strike="noStrike" cap="none" normalizeH="0" baseline="0" smtClean="0">
+              <a:rPr kumimoji="0" lang="ko-KR" altLang="ko-KR" sz="1500" b="0" i="0" u="none" strike="noStrike" cap="none" normalizeH="0" baseline="0">
                 <a:ln>
                   <a:noFill/>
                 </a:ln>
@@ -15761,7 +15318,7 @@
               <a:t>0.3</a:t>
             </a:r>
             <a:r>
-              <a:rPr kumimoji="0" lang="ko-KR" altLang="ko-KR" sz="1500" b="0" i="0" u="none" strike="noStrike" cap="none" normalizeH="0" baseline="0" smtClean="0">
+              <a:rPr kumimoji="0" lang="ko-KR" altLang="ko-KR" sz="1500" b="0" i="0" u="none" strike="noStrike" cap="none" normalizeH="0" baseline="0">
                 <a:ln>
                   <a:noFill/>
                 </a:ln>
@@ -15775,7 +15332,7 @@
               <a:t>, </a:t>
             </a:r>
             <a:r>
-              <a:rPr kumimoji="0" lang="ko-KR" altLang="ko-KR" sz="1500" b="0" i="0" u="none" strike="noStrike" cap="none" normalizeH="0" baseline="0" smtClean="0">
+              <a:rPr kumimoji="0" lang="ko-KR" altLang="ko-KR" sz="1500" b="0" i="0" u="none" strike="noStrike" cap="none" normalizeH="0" baseline="0">
                 <a:ln>
                   <a:noFill/>
                 </a:ln>
@@ -15789,7 +15346,7 @@
               <a:t>0</a:t>
             </a:r>
             <a:r>
-              <a:rPr kumimoji="0" lang="ko-KR" altLang="ko-KR" sz="1500" b="0" i="0" u="none" strike="noStrike" cap="none" normalizeH="0" baseline="0" smtClean="0">
+              <a:rPr kumimoji="0" lang="ko-KR" altLang="ko-KR" sz="1500" b="0" i="0" u="none" strike="noStrike" cap="none" normalizeH="0" baseline="0">
                 <a:ln>
                   <a:noFill/>
                 </a:ln>
@@ -15803,7 +15360,7 @@
               <a:t>]</a:t>
             </a:r>
             <a:br>
-              <a:rPr kumimoji="0" lang="ko-KR" altLang="ko-KR" sz="1500" b="0" i="0" u="none" strike="noStrike" cap="none" normalizeH="0" baseline="0" smtClean="0">
+              <a:rPr kumimoji="0" lang="ko-KR" altLang="ko-KR" sz="1500" b="0" i="0" u="none" strike="noStrike" cap="none" normalizeH="0" baseline="0">
                 <a:ln>
                   <a:noFill/>
                 </a:ln>
@@ -15815,22 +15372,8 @@
                 <a:ea typeface="JetBrains Mono"/>
               </a:rPr>
             </a:br>
-            <a:r>
-              <a:rPr kumimoji="0" lang="ko-KR" altLang="ko-KR" sz="1500" b="0" i="0" u="none" strike="noStrike" cap="none" normalizeH="0" baseline="0" smtClean="0">
-                <a:ln>
-                  <a:noFill/>
-                </a:ln>
-                <a:solidFill>
-                  <a:srgbClr val="A9B7C6"/>
-                </a:solidFill>
-                <a:effectLst/>
-                <a:latin typeface="Arial Unicode MS"/>
-                <a:ea typeface="JetBrains Mono"/>
-              </a:rPr>
-              <a:t/>
-            </a:r>
             <a:br>
-              <a:rPr kumimoji="0" lang="ko-KR" altLang="ko-KR" sz="1500" b="0" i="0" u="none" strike="noStrike" cap="none" normalizeH="0" baseline="0" smtClean="0">
+              <a:rPr kumimoji="0" lang="ko-KR" altLang="ko-KR" sz="1500" b="0" i="0" u="none" strike="noStrike" cap="none" normalizeH="0" baseline="0">
                 <a:ln>
                   <a:noFill/>
                 </a:ln>
@@ -15843,7 +15386,7 @@
               </a:rPr>
             </a:br>
             <a:r>
-              <a:rPr kumimoji="0" lang="ko-KR" altLang="ko-KR" sz="1500" b="0" i="0" u="none" strike="noStrike" cap="none" normalizeH="0" baseline="0" smtClean="0">
+              <a:rPr kumimoji="0" lang="ko-KR" altLang="ko-KR" sz="1500" b="0" i="0" u="none" strike="noStrike" cap="none" normalizeH="0" baseline="0">
                 <a:ln>
                   <a:noFill/>
                 </a:ln>
@@ -15857,7 +15400,7 @@
               <a:t>plt.pie(gold</a:t>
             </a:r>
             <a:r>
-              <a:rPr kumimoji="0" lang="ko-KR" altLang="ko-KR" sz="1500" b="0" i="0" u="none" strike="noStrike" cap="none" normalizeH="0" baseline="0" smtClean="0">
+              <a:rPr kumimoji="0" lang="ko-KR" altLang="ko-KR" sz="1500" b="0" i="0" u="none" strike="noStrike" cap="none" normalizeH="0" baseline="0">
                 <a:ln>
                   <a:noFill/>
                 </a:ln>
@@ -15871,7 +15414,7 @@
               <a:t>, </a:t>
             </a:r>
             <a:r>
-              <a:rPr kumimoji="0" lang="ko-KR" altLang="ko-KR" sz="1500" b="0" i="0" u="none" strike="noStrike" cap="none" normalizeH="0" baseline="0" smtClean="0">
+              <a:rPr kumimoji="0" lang="ko-KR" altLang="ko-KR" sz="1500" b="0" i="0" u="none" strike="noStrike" cap="none" normalizeH="0" baseline="0">
                 <a:ln>
                   <a:noFill/>
                 </a:ln>
@@ -15885,7 +15428,7 @@
               <a:t>explode</a:t>
             </a:r>
             <a:r>
-              <a:rPr kumimoji="0" lang="ko-KR" altLang="ko-KR" sz="1500" b="0" i="0" u="none" strike="noStrike" cap="none" normalizeH="0" baseline="0" smtClean="0">
+              <a:rPr kumimoji="0" lang="ko-KR" altLang="ko-KR" sz="1500" b="0" i="0" u="none" strike="noStrike" cap="none" normalizeH="0" baseline="0">
                 <a:ln>
                   <a:noFill/>
                 </a:ln>
@@ -15899,7 +15442,7 @@
               <a:t>=explode</a:t>
             </a:r>
             <a:r>
-              <a:rPr kumimoji="0" lang="ko-KR" altLang="ko-KR" sz="1500" b="0" i="0" u="none" strike="noStrike" cap="none" normalizeH="0" baseline="0" smtClean="0">
+              <a:rPr kumimoji="0" lang="ko-KR" altLang="ko-KR" sz="1500" b="0" i="0" u="none" strike="noStrike" cap="none" normalizeH="0" baseline="0">
                 <a:ln>
                   <a:noFill/>
                 </a:ln>
@@ -15913,7 +15456,7 @@
               <a:t>, </a:t>
             </a:r>
             <a:r>
-              <a:rPr kumimoji="0" lang="ko-KR" altLang="ko-KR" sz="1500" b="0" i="0" u="none" strike="noStrike" cap="none" normalizeH="0" baseline="0" smtClean="0">
+              <a:rPr kumimoji="0" lang="ko-KR" altLang="ko-KR" sz="1500" b="0" i="0" u="none" strike="noStrike" cap="none" normalizeH="0" baseline="0">
                 <a:ln>
                   <a:noFill/>
                 </a:ln>
@@ -15927,7 +15470,7 @@
               <a:t>labels</a:t>
             </a:r>
             <a:r>
-              <a:rPr kumimoji="0" lang="ko-KR" altLang="ko-KR" sz="1500" b="0" i="0" u="none" strike="noStrike" cap="none" normalizeH="0" baseline="0" smtClean="0">
+              <a:rPr kumimoji="0" lang="ko-KR" altLang="ko-KR" sz="1500" b="0" i="0" u="none" strike="noStrike" cap="none" normalizeH="0" baseline="0">
                 <a:ln>
                   <a:noFill/>
                 </a:ln>
@@ -15941,7 +15484,7 @@
               <a:t>=countries</a:t>
             </a:r>
             <a:r>
-              <a:rPr kumimoji="0" lang="ko-KR" altLang="ko-KR" sz="1500" b="0" i="0" u="none" strike="noStrike" cap="none" normalizeH="0" baseline="0" smtClean="0">
+              <a:rPr kumimoji="0" lang="ko-KR" altLang="ko-KR" sz="1500" b="0" i="0" u="none" strike="noStrike" cap="none" normalizeH="0" baseline="0">
                 <a:ln>
                   <a:noFill/>
                 </a:ln>
@@ -15955,7 +15498,7 @@
               <a:t>, </a:t>
             </a:r>
             <a:r>
-              <a:rPr kumimoji="0" lang="ko-KR" altLang="ko-KR" sz="1500" b="0" i="0" u="none" strike="noStrike" cap="none" normalizeH="0" baseline="0" smtClean="0">
+              <a:rPr kumimoji="0" lang="ko-KR" altLang="ko-KR" sz="1500" b="0" i="0" u="none" strike="noStrike" cap="none" normalizeH="0" baseline="0">
                 <a:ln>
                   <a:noFill/>
                 </a:ln>
@@ -15969,7 +15512,7 @@
               <a:t>colors</a:t>
             </a:r>
             <a:r>
-              <a:rPr kumimoji="0" lang="ko-KR" altLang="ko-KR" sz="1500" b="0" i="0" u="none" strike="noStrike" cap="none" normalizeH="0" baseline="0" smtClean="0">
+              <a:rPr kumimoji="0" lang="ko-KR" altLang="ko-KR" sz="1500" b="0" i="0" u="none" strike="noStrike" cap="none" normalizeH="0" baseline="0">
                 <a:ln>
                   <a:noFill/>
                 </a:ln>
@@ -15983,7 +15526,7 @@
               <a:t>=colors</a:t>
             </a:r>
             <a:r>
-              <a:rPr kumimoji="0" lang="ko-KR" altLang="ko-KR" sz="1500" b="0" i="0" u="none" strike="noStrike" cap="none" normalizeH="0" baseline="0" smtClean="0">
+              <a:rPr kumimoji="0" lang="ko-KR" altLang="ko-KR" sz="1500" b="0" i="0" u="none" strike="noStrike" cap="none" normalizeH="0" baseline="0">
                 <a:ln>
                   <a:noFill/>
                 </a:ln>
@@ -15997,7 +15540,7 @@
               <a:t>, </a:t>
             </a:r>
             <a:r>
-              <a:rPr kumimoji="0" lang="ko-KR" altLang="ko-KR" sz="1500" b="0" i="0" u="none" strike="noStrike" cap="none" normalizeH="0" baseline="0" smtClean="0">
+              <a:rPr kumimoji="0" lang="ko-KR" altLang="ko-KR" sz="1500" b="0" i="0" u="none" strike="noStrike" cap="none" normalizeH="0" baseline="0">
                 <a:ln>
                   <a:noFill/>
                 </a:ln>
@@ -16011,7 +15554,7 @@
               <a:t>autopct</a:t>
             </a:r>
             <a:r>
-              <a:rPr kumimoji="0" lang="ko-KR" altLang="ko-KR" sz="1500" b="0" i="0" u="none" strike="noStrike" cap="none" normalizeH="0" baseline="0" smtClean="0">
+              <a:rPr kumimoji="0" lang="ko-KR" altLang="ko-KR" sz="1500" b="0" i="0" u="none" strike="noStrike" cap="none" normalizeH="0" baseline="0">
                 <a:ln>
                   <a:noFill/>
                 </a:ln>
@@ -16025,7 +15568,7 @@
               <a:t>=</a:t>
             </a:r>
             <a:r>
-              <a:rPr kumimoji="0" lang="ko-KR" altLang="ko-KR" sz="1500" b="0" i="0" u="none" strike="noStrike" cap="none" normalizeH="0" baseline="0" smtClean="0">
+              <a:rPr kumimoji="0" lang="ko-KR" altLang="ko-KR" sz="1500" b="0" i="0" u="none" strike="noStrike" cap="none" normalizeH="0" baseline="0">
                 <a:ln>
                   <a:noFill/>
                 </a:ln>
@@ -16039,7 +15582,7 @@
               <a:t>"%.1f%%"</a:t>
             </a:r>
             <a:r>
-              <a:rPr kumimoji="0" lang="ko-KR" altLang="ko-KR" sz="1500" b="0" i="0" u="none" strike="noStrike" cap="none" normalizeH="0" baseline="0" smtClean="0">
+              <a:rPr kumimoji="0" lang="ko-KR" altLang="ko-KR" sz="1500" b="0" i="0" u="none" strike="noStrike" cap="none" normalizeH="0" baseline="0">
                 <a:ln>
                   <a:noFill/>
                 </a:ln>
@@ -16053,7 +15596,7 @@
               <a:t>)</a:t>
             </a:r>
             <a:br>
-              <a:rPr kumimoji="0" lang="ko-KR" altLang="ko-KR" sz="1500" b="0" i="0" u="none" strike="noStrike" cap="none" normalizeH="0" baseline="0" smtClean="0">
+              <a:rPr kumimoji="0" lang="ko-KR" altLang="ko-KR" sz="1500" b="0" i="0" u="none" strike="noStrike" cap="none" normalizeH="0" baseline="0">
                 <a:ln>
                   <a:noFill/>
                 </a:ln>
@@ -16066,7 +15609,7 @@
               </a:rPr>
             </a:br>
             <a:r>
-              <a:rPr kumimoji="0" lang="ko-KR" altLang="ko-KR" sz="1500" b="0" i="0" u="none" strike="noStrike" cap="none" normalizeH="0" baseline="0" smtClean="0">
+              <a:rPr kumimoji="0" lang="ko-KR" altLang="ko-KR" sz="1500" b="0" i="0" u="none" strike="noStrike" cap="none" normalizeH="0" baseline="0">
                 <a:ln>
                   <a:noFill/>
                 </a:ln>
@@ -16080,7 +15623,7 @@
               <a:t>plt.title(</a:t>
             </a:r>
             <a:r>
-              <a:rPr kumimoji="0" lang="ko-KR" altLang="ko-KR" sz="1500" b="0" i="0" u="none" strike="noStrike" cap="none" normalizeH="0" baseline="0" smtClean="0">
+              <a:rPr kumimoji="0" lang="ko-KR" altLang="ko-KR" sz="1500" b="0" i="0" u="none" strike="noStrike" cap="none" normalizeH="0" baseline="0">
                 <a:ln>
                   <a:noFill/>
                 </a:ln>
@@ -16094,7 +15637,7 @@
               <a:t>'medal'</a:t>
             </a:r>
             <a:r>
-              <a:rPr kumimoji="0" lang="ko-KR" altLang="ko-KR" sz="1500" b="0" i="0" u="none" strike="noStrike" cap="none" normalizeH="0" baseline="0" smtClean="0">
+              <a:rPr kumimoji="0" lang="ko-KR" altLang="ko-KR" sz="1500" b="0" i="0" u="none" strike="noStrike" cap="none" normalizeH="0" baseline="0">
                 <a:ln>
                   <a:noFill/>
                 </a:ln>
@@ -16108,7 +15651,7 @@
               <a:t>)</a:t>
             </a:r>
             <a:br>
-              <a:rPr kumimoji="0" lang="ko-KR" altLang="ko-KR" sz="1500" b="0" i="0" u="none" strike="noStrike" cap="none" normalizeH="0" baseline="0" smtClean="0">
+              <a:rPr kumimoji="0" lang="ko-KR" altLang="ko-KR" sz="1500" b="0" i="0" u="none" strike="noStrike" cap="none" normalizeH="0" baseline="0">
                 <a:ln>
                   <a:noFill/>
                 </a:ln>
@@ -16121,7 +15664,7 @@
               </a:rPr>
             </a:br>
             <a:r>
-              <a:rPr kumimoji="0" lang="ko-KR" altLang="ko-KR" sz="1500" b="0" i="0" u="none" strike="noStrike" cap="none" normalizeH="0" baseline="0" smtClean="0">
+              <a:rPr kumimoji="0" lang="ko-KR" altLang="ko-KR" sz="1500" b="0" i="0" u="none" strike="noStrike" cap="none" normalizeH="0" baseline="0">
                 <a:ln>
                   <a:noFill/>
                 </a:ln>
@@ -16134,7 +15677,7 @@
               </a:rPr>
               <a:t>plt.show()</a:t>
             </a:r>
-            <a:endParaRPr kumimoji="0" lang="ko-KR" altLang="ko-KR" sz="1800" b="0" i="0" u="none" strike="noStrike" cap="none" normalizeH="0" baseline="0" smtClean="0">
+            <a:endParaRPr kumimoji="0" lang="ko-KR" altLang="ko-KR" sz="1800" b="0" i="0" u="none" strike="noStrike" cap="none" normalizeH="0" baseline="0">
               <a:ln>
                 <a:noFill/>
               </a:ln>
@@ -16199,18 +15742,17 @@
           <a:lstStyle/>
           <a:p>
             <a:r>
-              <a:rPr lang="en-US" altLang="ko-KR" dirty="0" err="1" smtClean="0"/>
+              <a:rPr lang="en-US" altLang="ko-KR" dirty="0" err="1"/>
               <a:t>Matplotlib</a:t>
             </a:r>
             <a:r>
-              <a:rPr lang="en-US" altLang="ko-KR" dirty="0" smtClean="0"/>
+              <a:rPr lang="en-US" altLang="ko-KR" dirty="0"/>
               <a:t> </a:t>
             </a:r>
             <a:r>
-              <a:rPr lang="ko-KR" altLang="en-US" dirty="0" smtClean="0"/>
+              <a:rPr lang="ko-KR" altLang="en-US" dirty="0"/>
               <a:t>의 또 다른 그래프 들</a:t>
             </a:r>
-            <a:endParaRPr lang="ko-KR" altLang="en-US" dirty="0"/>
           </a:p>
         </p:txBody>
       </p:sp>
@@ -16230,66 +15772,66 @@
           <a:lstStyle/>
           <a:p>
             <a:r>
-              <a:rPr lang="ko-KR" altLang="en-US" dirty="0" err="1" smtClean="0"/>
+              <a:rPr lang="ko-KR" altLang="en-US" dirty="0" err="1"/>
               <a:t>스템</a:t>
             </a:r>
             <a:r>
-              <a:rPr lang="ko-KR" altLang="en-US" dirty="0" smtClean="0"/>
+              <a:rPr lang="ko-KR" altLang="en-US" dirty="0"/>
               <a:t> 플롯</a:t>
             </a:r>
-            <a:endParaRPr lang="en-US" altLang="ko-KR" dirty="0" smtClean="0"/>
+            <a:endParaRPr lang="en-US" altLang="ko-KR" dirty="0"/>
           </a:p>
           <a:p>
             <a:r>
-              <a:rPr lang="ko-KR" altLang="en-US" dirty="0" smtClean="0"/>
+              <a:rPr lang="ko-KR" altLang="en-US" dirty="0"/>
               <a:t>히스토그램</a:t>
             </a:r>
-            <a:endParaRPr lang="en-US" altLang="ko-KR" dirty="0" smtClean="0"/>
+            <a:endParaRPr lang="en-US" altLang="ko-KR" dirty="0"/>
           </a:p>
           <a:p>
             <a:r>
-              <a:rPr lang="ko-KR" altLang="en-US" dirty="0" err="1" smtClean="0"/>
+              <a:rPr lang="ko-KR" altLang="en-US" dirty="0" err="1"/>
               <a:t>스캐터</a:t>
             </a:r>
             <a:r>
-              <a:rPr lang="ko-KR" altLang="en-US" dirty="0" smtClean="0"/>
+              <a:rPr lang="ko-KR" altLang="en-US" dirty="0"/>
               <a:t> 플롯</a:t>
             </a:r>
-            <a:endParaRPr lang="en-US" altLang="ko-KR" dirty="0" smtClean="0"/>
+            <a:endParaRPr lang="en-US" altLang="ko-KR" dirty="0"/>
           </a:p>
           <a:p>
             <a:r>
-              <a:rPr lang="ko-KR" altLang="en-US" dirty="0" err="1" smtClean="0"/>
+              <a:rPr lang="ko-KR" altLang="en-US" dirty="0" err="1"/>
               <a:t>컨투어</a:t>
             </a:r>
             <a:r>
-              <a:rPr lang="ko-KR" altLang="en-US" dirty="0" smtClean="0"/>
+              <a:rPr lang="ko-KR" altLang="en-US" dirty="0"/>
               <a:t> 플롯 </a:t>
             </a:r>
-            <a:endParaRPr lang="en-US" altLang="ko-KR" dirty="0" smtClean="0"/>
+            <a:endParaRPr lang="en-US" altLang="ko-KR" dirty="0"/>
           </a:p>
           <a:p>
             <a:r>
-              <a:rPr lang="en-US" altLang="ko-KR" dirty="0" smtClean="0"/>
+              <a:rPr lang="en-US" altLang="ko-KR" dirty="0"/>
               <a:t>3D </a:t>
             </a:r>
             <a:r>
-              <a:rPr lang="ko-KR" altLang="en-US" dirty="0" err="1" smtClean="0"/>
+              <a:rPr lang="ko-KR" altLang="en-US" dirty="0" err="1"/>
               <a:t>서피스</a:t>
             </a:r>
             <a:r>
-              <a:rPr lang="ko-KR" altLang="en-US" dirty="0" smtClean="0"/>
+              <a:rPr lang="ko-KR" altLang="en-US" dirty="0"/>
               <a:t> 플롯</a:t>
             </a:r>
-            <a:endParaRPr lang="en-US" altLang="ko-KR" dirty="0" smtClean="0"/>
+            <a:endParaRPr lang="en-US" altLang="ko-KR" dirty="0"/>
           </a:p>
           <a:p>
             <a:r>
-              <a:rPr lang="en-US" altLang="ko-KR" dirty="0" err="1" smtClean="0"/>
+              <a:rPr lang="en-US" altLang="ko-KR" dirty="0" err="1"/>
               <a:t>Imshow</a:t>
             </a:r>
             <a:r>
-              <a:rPr lang="en-US" altLang="ko-KR" dirty="0" smtClean="0"/>
+              <a:rPr lang="en-US" altLang="ko-KR" dirty="0"/>
               <a:t> </a:t>
             </a:r>
             <a:endParaRPr lang="ko-KR" altLang="en-US" dirty="0"/>
@@ -16387,14 +15929,13 @@
               <a:t>1.  </a:t>
             </a:r>
             <a:r>
-              <a:rPr lang="ko-KR" altLang="en-US" dirty="0" smtClean="0"/>
+              <a:rPr lang="ko-KR" altLang="en-US" dirty="0"/>
               <a:t>기상청의 온도 자료를 이용해서 매년 내 생일의 온도 변화 그래프를 그려 보세요</a:t>
             </a:r>
             <a:r>
-              <a:rPr lang="en-US" altLang="ko-KR" dirty="0" smtClean="0"/>
+              <a:rPr lang="en-US" altLang="ko-KR" dirty="0"/>
               <a:t>.</a:t>
             </a:r>
-            <a:endParaRPr lang="en-US" altLang="ko-KR" dirty="0"/>
           </a:p>
         </p:txBody>
       </p:sp>
@@ -16407,7 +15948,7 @@
         <p:spPr>
           <a:xfrm>
             <a:off x="323528" y="5085184"/>
-            <a:ext cx="8064896" cy="923330"/>
+            <a:ext cx="8064896" cy="1477328"/>
           </a:xfrm>
           <a:prstGeom prst="rect">
             <a:avLst/>
@@ -16421,8 +15962,20 @@
           <a:lstStyle/>
           <a:p>
             <a:r>
+              <a:rPr lang="en-US" altLang="ko-KR" dirty="0">
+                <a:hlinkClick r:id="rId2"/>
+              </a:rPr>
+              <a:t>https://datascienceschool.net/01%20python/05.02%20%EB%A7%B7%ED%94%8C%EB%A1%AF%EB%A6%AC%EB%B8%8C%EC%9D%98%20%EC%97%AC%EB%9F%AC%EA%B0%80%EC%A7%80%20%ED%94%8C%EB%A1%AF.html</a:t>
+            </a:r>
+            <a:endParaRPr lang="en-US" altLang="ko-KR" dirty="0"/>
+          </a:p>
+          <a:p>
+            <a:endParaRPr lang="en-US" altLang="ko-KR" dirty="0"/>
+          </a:p>
+          <a:p>
+            <a:r>
               <a:rPr lang="en-US" altLang="ko-KR" dirty="0"/>
-              <a:t>https://datascienceschool.net/01%20python/05.02%20%EB%A7%B7%ED%94%8C%EB%A1%AF%EB%A6%AC%EB%B8%8C%EC%9D%98%20%EC%97%AC%EB%9F%AC%EA%B0%80%EC%A7%80%20%ED%94%8C%EB%A1%AF.html</a:t>
+              <a:t>https://www.youtube.com/watch?v=oYRETGDVFl4</a:t>
             </a:r>
             <a:endParaRPr lang="ko-KR" altLang="en-US" dirty="0"/>
           </a:p>
@@ -16437,7 +15990,7 @@
     <mc:Choice Requires="p14">
       <p:transition/>
     </mc:Choice>
-    <mc:Fallback xmlns:dsp="http://schemas.microsoft.com/office/drawing/2008/diagram" xmlns:dgm="http://schemas.openxmlformats.org/drawingml/2006/diagram" xmlns:c="http://schemas.openxmlformats.org/drawingml/2006/chart" xmlns="">
+    <mc:Fallback xmlns="" xmlns:c="http://schemas.openxmlformats.org/drawingml/2006/chart" xmlns:dgm="http://schemas.openxmlformats.org/drawingml/2006/diagram" xmlns:dsp="http://schemas.microsoft.com/office/drawing/2008/diagram">
       <p:transition/>
     </mc:Fallback>
   </mc:AlternateContent>
